--- a/assets/template.pptx
+++ b/assets/template.pptx
@@ -5,7 +5,7 @@
     <p:sldMasterId id="2147483648" r:id="rId4"/>
   </p:sldMasterIdLst>
   <p:notesMasterIdLst>
-    <p:notesMasterId r:id="rId17"/>
+    <p:notesMasterId r:id="rId18"/>
   </p:notesMasterIdLst>
   <p:sldIdLst>
     <p:sldId id="256" r:id="rId5"/>
@@ -20,6 +20,7 @@
     <p:sldId id="277" r:id="rId14"/>
     <p:sldId id="265" r:id="rId15"/>
     <p:sldId id="273" r:id="rId16"/>
+    <p:sldId id="279" r:id="rId17"/>
   </p:sldIdLst>
   <p:sldSz cx="12192000" cy="6858000"/>
   <p:notesSz cx="6858000" cy="9144000"/>
@@ -129,13 +130,1730 @@
 <file path=ppt/revisionInfo.xml><?xml version="1.0" encoding="utf-8"?>
 <p1510:revInfo xmlns:a="http://schemas.openxmlformats.org/drawingml/2006/main" xmlns:r="http://schemas.openxmlformats.org/officeDocument/2006/relationships" xmlns:p1510="http://schemas.microsoft.com/office/powerpoint/2015/10/main">
   <p1510:revLst>
-    <p1510:client id="{15BC6985-9980-4D2F-BFE6-0F22F16A98A5}" v="23" dt="2020-03-10T21:55:11.648"/>
+    <p1510:client id="{A3DF6E53-1700-BD47-A96E-B4EE661643D7}" v="307" dt="2020-03-12T15:32:48.960"/>
+    <p1510:client id="{F83FF221-E196-4ECB-B51F-E50C5ABEC2F3}" v="22" dt="2020-03-12T15:03:12.103"/>
   </p1510:revLst>
 </p1510:revInfo>
 </file>
 
 <file path=ppt/changesInfos/changesInfo1.xml><?xml version="1.0" encoding="utf-8"?>
 <pc:chgInfo xmlns:a="http://schemas.openxmlformats.org/drawingml/2006/main" xmlns:r="http://schemas.openxmlformats.org/officeDocument/2006/relationships" xmlns:ac="http://schemas.microsoft.com/office/drawing/2013/main/command" xmlns:pc="http://schemas.microsoft.com/office/powerpoint/2013/main/command">
+  <pc:docChgLst>
+    <pc:chgData name="GALLY, Justin" userId="S::justin.gally@capgemini.com::b72ec20c-69a7-4cba-8d47-3f95b0edd0e9" providerId="AD" clId="Web-{F83FF221-E196-4ECB-B51F-E50C5ABEC2F3}"/>
+    <pc:docChg chg="modSld">
+      <pc:chgData name="GALLY, Justin" userId="S::justin.gally@capgemini.com::b72ec20c-69a7-4cba-8d47-3f95b0edd0e9" providerId="AD" clId="Web-{F83FF221-E196-4ECB-B51F-E50C5ABEC2F3}" dt="2020-03-12T15:03:10.666" v="20" actId="20577"/>
+      <pc:docMkLst>
+        <pc:docMk/>
+      </pc:docMkLst>
+      <pc:sldChg chg="modSp">
+        <pc:chgData name="GALLY, Justin" userId="S::justin.gally@capgemini.com::b72ec20c-69a7-4cba-8d47-3f95b0edd0e9" providerId="AD" clId="Web-{F83FF221-E196-4ECB-B51F-E50C5ABEC2F3}" dt="2020-03-12T15:03:09.822" v="18" actId="20577"/>
+        <pc:sldMkLst>
+          <pc:docMk/>
+          <pc:sldMk cId="3353754274" sldId="273"/>
+        </pc:sldMkLst>
+        <pc:spChg chg="mod">
+          <ac:chgData name="GALLY, Justin" userId="S::justin.gally@capgemini.com::b72ec20c-69a7-4cba-8d47-3f95b0edd0e9" providerId="AD" clId="Web-{F83FF221-E196-4ECB-B51F-E50C5ABEC2F3}" dt="2020-03-12T15:03:09.822" v="18" actId="20577"/>
+          <ac:spMkLst>
+            <pc:docMk/>
+            <pc:sldMk cId="3353754274" sldId="273"/>
+            <ac:spMk id="48" creationId="{3EE5AD14-8119-8A49-9F12-6F6A98F9FD4E}"/>
+          </ac:spMkLst>
+        </pc:spChg>
+      </pc:sldChg>
+    </pc:docChg>
+  </pc:docChgLst>
+  <pc:docChgLst>
+    <pc:chgData name="ROTHHAN, Julia" userId="be7ff023-2547-4253-aab1-386f1dc2d4b0" providerId="ADAL" clId="{A3DF6E53-1700-BD47-A96E-B4EE661643D7}"/>
+    <pc:docChg chg="undo custSel addSld modSld">
+      <pc:chgData name="ROTHHAN, Julia" userId="be7ff023-2547-4253-aab1-386f1dc2d4b0" providerId="ADAL" clId="{A3DF6E53-1700-BD47-A96E-B4EE661643D7}" dt="2020-03-12T15:33:16.852" v="754" actId="14100"/>
+      <pc:docMkLst>
+        <pc:docMk/>
+      </pc:docMkLst>
+      <pc:sldChg chg="addSp delSp modSp">
+        <pc:chgData name="ROTHHAN, Julia" userId="be7ff023-2547-4253-aab1-386f1dc2d4b0" providerId="ADAL" clId="{A3DF6E53-1700-BD47-A96E-B4EE661643D7}" dt="2020-03-12T09:59:32.432" v="403"/>
+        <pc:sldMkLst>
+          <pc:docMk/>
+          <pc:sldMk cId="3795467873" sldId="256"/>
+        </pc:sldMkLst>
+        <pc:spChg chg="add del mod">
+          <ac:chgData name="ROTHHAN, Julia" userId="be7ff023-2547-4253-aab1-386f1dc2d4b0" providerId="ADAL" clId="{A3DF6E53-1700-BD47-A96E-B4EE661643D7}" dt="2020-03-12T09:00:42.788" v="1" actId="478"/>
+          <ac:spMkLst>
+            <pc:docMk/>
+            <pc:sldMk cId="3795467873" sldId="256"/>
+            <ac:spMk id="2" creationId="{EA5C8EF4-4585-C949-9002-AC2A8C58C8D4}"/>
+          </ac:spMkLst>
+        </pc:spChg>
+        <pc:spChg chg="add del mod">
+          <ac:chgData name="ROTHHAN, Julia" userId="be7ff023-2547-4253-aab1-386f1dc2d4b0" providerId="ADAL" clId="{A3DF6E53-1700-BD47-A96E-B4EE661643D7}" dt="2020-03-12T09:00:44.096" v="2" actId="478"/>
+          <ac:spMkLst>
+            <pc:docMk/>
+            <pc:sldMk cId="3795467873" sldId="256"/>
+            <ac:spMk id="3" creationId="{1338E335-2F3B-1C41-BA6C-919A8897B353}"/>
+          </ac:spMkLst>
+        </pc:spChg>
+        <pc:spChg chg="mod">
+          <ac:chgData name="ROTHHAN, Julia" userId="be7ff023-2547-4253-aab1-386f1dc2d4b0" providerId="ADAL" clId="{A3DF6E53-1700-BD47-A96E-B4EE661643D7}" dt="2020-03-12T09:38:17.939" v="229" actId="1076"/>
+          <ac:spMkLst>
+            <pc:docMk/>
+            <pc:sldMk cId="3795467873" sldId="256"/>
+            <ac:spMk id="6" creationId="{87C2F159-A143-314E-9C80-FDF344A70DFD}"/>
+          </ac:spMkLst>
+        </pc:spChg>
+        <pc:spChg chg="add mod">
+          <ac:chgData name="ROTHHAN, Julia" userId="be7ff023-2547-4253-aab1-386f1dc2d4b0" providerId="ADAL" clId="{A3DF6E53-1700-BD47-A96E-B4EE661643D7}" dt="2020-03-12T09:38:24.820" v="232" actId="20577"/>
+          <ac:spMkLst>
+            <pc:docMk/>
+            <pc:sldMk cId="3795467873" sldId="256"/>
+            <ac:spMk id="9" creationId="{57825476-6BF0-2B43-8004-9C4F21ED6C81}"/>
+          </ac:spMkLst>
+        </pc:spChg>
+        <pc:spChg chg="add del mod">
+          <ac:chgData name="ROTHHAN, Julia" userId="be7ff023-2547-4253-aab1-386f1dc2d4b0" providerId="ADAL" clId="{A3DF6E53-1700-BD47-A96E-B4EE661643D7}" dt="2020-03-12T09:59:32.432" v="403"/>
+          <ac:spMkLst>
+            <pc:docMk/>
+            <pc:sldMk cId="3795467873" sldId="256"/>
+            <ac:spMk id="14" creationId="{108196DA-935F-DC4B-88DA-C13864D0E781}"/>
+          </ac:spMkLst>
+        </pc:spChg>
+        <pc:picChg chg="mod">
+          <ac:chgData name="ROTHHAN, Julia" userId="be7ff023-2547-4253-aab1-386f1dc2d4b0" providerId="ADAL" clId="{A3DF6E53-1700-BD47-A96E-B4EE661643D7}" dt="2020-03-12T09:06:23.496" v="14" actId="1076"/>
+          <ac:picMkLst>
+            <pc:docMk/>
+            <pc:sldMk cId="3795467873" sldId="256"/>
+            <ac:picMk id="5" creationId="{5A18713B-CC6D-CE49-B37E-D67D0C17834C}"/>
+          </ac:picMkLst>
+        </pc:picChg>
+        <pc:picChg chg="add del mod">
+          <ac:chgData name="ROTHHAN, Julia" userId="be7ff023-2547-4253-aab1-386f1dc2d4b0" providerId="ADAL" clId="{A3DF6E53-1700-BD47-A96E-B4EE661643D7}" dt="2020-03-12T09:36:49.798" v="203" actId="478"/>
+          <ac:picMkLst>
+            <pc:docMk/>
+            <pc:sldMk cId="3795467873" sldId="256"/>
+            <ac:picMk id="10" creationId="{DE006F41-25AD-F84A-92DC-5CCF7C362345}"/>
+          </ac:picMkLst>
+        </pc:picChg>
+        <pc:picChg chg="add mod">
+          <ac:chgData name="ROTHHAN, Julia" userId="be7ff023-2547-4253-aab1-386f1dc2d4b0" providerId="ADAL" clId="{A3DF6E53-1700-BD47-A96E-B4EE661643D7}" dt="2020-03-12T09:37:47.594" v="212" actId="1076"/>
+          <ac:picMkLst>
+            <pc:docMk/>
+            <pc:sldMk cId="3795467873" sldId="256"/>
+            <ac:picMk id="12" creationId="{96FC046D-0591-F547-A2B4-97837AEBB868}"/>
+          </ac:picMkLst>
+        </pc:picChg>
+        <pc:cxnChg chg="add mod">
+          <ac:chgData name="ROTHHAN, Julia" userId="be7ff023-2547-4253-aab1-386f1dc2d4b0" providerId="ADAL" clId="{A3DF6E53-1700-BD47-A96E-B4EE661643D7}" dt="2020-03-12T09:59:27.195" v="400" actId="1076"/>
+          <ac:cxnSpMkLst>
+            <pc:docMk/>
+            <pc:sldMk cId="3795467873" sldId="256"/>
+            <ac:cxnSpMk id="7" creationId="{E4293D06-9F16-B94C-B5F3-E5B93096B574}"/>
+          </ac:cxnSpMkLst>
+        </pc:cxnChg>
+      </pc:sldChg>
+      <pc:sldChg chg="addSp delSp modSp">
+        <pc:chgData name="ROTHHAN, Julia" userId="be7ff023-2547-4253-aab1-386f1dc2d4b0" providerId="ADAL" clId="{A3DF6E53-1700-BD47-A96E-B4EE661643D7}" dt="2020-03-12T11:04:29.653" v="446" actId="20577"/>
+        <pc:sldMkLst>
+          <pc:docMk/>
+          <pc:sldMk cId="16840590" sldId="257"/>
+        </pc:sldMkLst>
+        <pc:spChg chg="del mod">
+          <ac:chgData name="ROTHHAN, Julia" userId="be7ff023-2547-4253-aab1-386f1dc2d4b0" providerId="ADAL" clId="{A3DF6E53-1700-BD47-A96E-B4EE661643D7}" dt="2020-03-12T09:15:25.958" v="57" actId="478"/>
+          <ac:spMkLst>
+            <pc:docMk/>
+            <pc:sldMk cId="16840590" sldId="257"/>
+            <ac:spMk id="6" creationId="{B3A4085A-44A3-6845-A62B-CAE20ABF4076}"/>
+          </ac:spMkLst>
+        </pc:spChg>
+        <pc:spChg chg="mod">
+          <ac:chgData name="ROTHHAN, Julia" userId="be7ff023-2547-4253-aab1-386f1dc2d4b0" providerId="ADAL" clId="{A3DF6E53-1700-BD47-A96E-B4EE661643D7}" dt="2020-03-12T10:59:30.746" v="404" actId="1076"/>
+          <ac:spMkLst>
+            <pc:docMk/>
+            <pc:sldMk cId="16840590" sldId="257"/>
+            <ac:spMk id="18" creationId="{7159F4A3-F373-D144-B7CF-E88658A458F2}"/>
+          </ac:spMkLst>
+        </pc:spChg>
+        <pc:spChg chg="mod">
+          <ac:chgData name="ROTHHAN, Julia" userId="be7ff023-2547-4253-aab1-386f1dc2d4b0" providerId="ADAL" clId="{A3DF6E53-1700-BD47-A96E-B4EE661643D7}" dt="2020-03-12T10:59:30.746" v="404" actId="1076"/>
+          <ac:spMkLst>
+            <pc:docMk/>
+            <pc:sldMk cId="16840590" sldId="257"/>
+            <ac:spMk id="19" creationId="{B722F4C3-17A3-8045-9873-4B3736DF6ADE}"/>
+          </ac:spMkLst>
+        </pc:spChg>
+        <pc:spChg chg="mod">
+          <ac:chgData name="ROTHHAN, Julia" userId="be7ff023-2547-4253-aab1-386f1dc2d4b0" providerId="ADAL" clId="{A3DF6E53-1700-BD47-A96E-B4EE661643D7}" dt="2020-03-12T10:59:30.746" v="404" actId="1076"/>
+          <ac:spMkLst>
+            <pc:docMk/>
+            <pc:sldMk cId="16840590" sldId="257"/>
+            <ac:spMk id="20" creationId="{A22B4249-171E-194E-A8C7-ACFC9919645B}"/>
+          </ac:spMkLst>
+        </pc:spChg>
+        <pc:spChg chg="mod topLvl">
+          <ac:chgData name="ROTHHAN, Julia" userId="be7ff023-2547-4253-aab1-386f1dc2d4b0" providerId="ADAL" clId="{A3DF6E53-1700-BD47-A96E-B4EE661643D7}" dt="2020-03-12T11:04:29.653" v="446" actId="20577"/>
+          <ac:spMkLst>
+            <pc:docMk/>
+            <pc:sldMk cId="16840590" sldId="257"/>
+            <ac:spMk id="33" creationId="{0EA2BB66-F1D8-40C8-A73F-2D725365C058}"/>
+          </ac:spMkLst>
+        </pc:spChg>
+        <pc:spChg chg="mod">
+          <ac:chgData name="ROTHHAN, Julia" userId="be7ff023-2547-4253-aab1-386f1dc2d4b0" providerId="ADAL" clId="{A3DF6E53-1700-BD47-A96E-B4EE661643D7}" dt="2020-03-12T09:42:23.932" v="271" actId="1076"/>
+          <ac:spMkLst>
+            <pc:docMk/>
+            <pc:sldMk cId="16840590" sldId="257"/>
+            <ac:spMk id="34" creationId="{D36FCF97-B8F9-B84A-A247-F4251AA9BF62}"/>
+          </ac:spMkLst>
+        </pc:spChg>
+        <pc:spChg chg="add mod">
+          <ac:chgData name="ROTHHAN, Julia" userId="be7ff023-2547-4253-aab1-386f1dc2d4b0" providerId="ADAL" clId="{A3DF6E53-1700-BD47-A96E-B4EE661643D7}" dt="2020-03-12T09:15:33.617" v="59" actId="255"/>
+          <ac:spMkLst>
+            <pc:docMk/>
+            <pc:sldMk cId="16840590" sldId="257"/>
+            <ac:spMk id="35" creationId="{7D4CC806-ADDD-B543-89F7-F1D583405A09}"/>
+          </ac:spMkLst>
+        </pc:spChg>
+        <pc:spChg chg="mod">
+          <ac:chgData name="ROTHHAN, Julia" userId="be7ff023-2547-4253-aab1-386f1dc2d4b0" providerId="ADAL" clId="{A3DF6E53-1700-BD47-A96E-B4EE661643D7}" dt="2020-03-12T09:52:27.611" v="333" actId="1076"/>
+          <ac:spMkLst>
+            <pc:docMk/>
+            <pc:sldMk cId="16840590" sldId="257"/>
+            <ac:spMk id="37" creationId="{FE05921C-A7D1-46B3-A565-254A18DF9042}"/>
+          </ac:spMkLst>
+        </pc:spChg>
+        <pc:spChg chg="mod">
+          <ac:chgData name="ROTHHAN, Julia" userId="be7ff023-2547-4253-aab1-386f1dc2d4b0" providerId="ADAL" clId="{A3DF6E53-1700-BD47-A96E-B4EE661643D7}" dt="2020-03-12T09:52:27.611" v="333" actId="1076"/>
+          <ac:spMkLst>
+            <pc:docMk/>
+            <pc:sldMk cId="16840590" sldId="257"/>
+            <ac:spMk id="38" creationId="{5E44888C-07DC-4062-BA15-7D900C7596C2}"/>
+          </ac:spMkLst>
+        </pc:spChg>
+        <pc:spChg chg="mod">
+          <ac:chgData name="ROTHHAN, Julia" userId="be7ff023-2547-4253-aab1-386f1dc2d4b0" providerId="ADAL" clId="{A3DF6E53-1700-BD47-A96E-B4EE661643D7}" dt="2020-03-12T09:42:23.932" v="271" actId="1076"/>
+          <ac:spMkLst>
+            <pc:docMk/>
+            <pc:sldMk cId="16840590" sldId="257"/>
+            <ac:spMk id="40" creationId="{1B6C06A2-3171-40B4-95D7-51B54CF44BC6}"/>
+          </ac:spMkLst>
+        </pc:spChg>
+        <pc:spChg chg="mod">
+          <ac:chgData name="ROTHHAN, Julia" userId="be7ff023-2547-4253-aab1-386f1dc2d4b0" providerId="ADAL" clId="{A3DF6E53-1700-BD47-A96E-B4EE661643D7}" dt="2020-03-12T09:42:23.932" v="271" actId="1076"/>
+          <ac:spMkLst>
+            <pc:docMk/>
+            <pc:sldMk cId="16840590" sldId="257"/>
+            <ac:spMk id="43" creationId="{74E26CEB-F529-4B8F-B5B3-B315C46731BF}"/>
+          </ac:spMkLst>
+        </pc:spChg>
+        <pc:spChg chg="mod">
+          <ac:chgData name="ROTHHAN, Julia" userId="be7ff023-2547-4253-aab1-386f1dc2d4b0" providerId="ADAL" clId="{A3DF6E53-1700-BD47-A96E-B4EE661643D7}" dt="2020-03-12T09:41:59.046" v="266" actId="14100"/>
+          <ac:spMkLst>
+            <pc:docMk/>
+            <pc:sldMk cId="16840590" sldId="257"/>
+            <ac:spMk id="44" creationId="{5091ED2D-891E-42E8-91C3-3DAE5F4AC657}"/>
+          </ac:spMkLst>
+        </pc:spChg>
+        <pc:spChg chg="mod">
+          <ac:chgData name="ROTHHAN, Julia" userId="be7ff023-2547-4253-aab1-386f1dc2d4b0" providerId="ADAL" clId="{A3DF6E53-1700-BD47-A96E-B4EE661643D7}" dt="2020-03-12T09:52:19.006" v="331" actId="14100"/>
+          <ac:spMkLst>
+            <pc:docMk/>
+            <pc:sldMk cId="16840590" sldId="257"/>
+            <ac:spMk id="46" creationId="{C182FEA7-1837-9147-B7D1-AAFA6BDC93AC}"/>
+          </ac:spMkLst>
+        </pc:spChg>
+        <pc:grpChg chg="mod">
+          <ac:chgData name="ROTHHAN, Julia" userId="be7ff023-2547-4253-aab1-386f1dc2d4b0" providerId="ADAL" clId="{A3DF6E53-1700-BD47-A96E-B4EE661643D7}" dt="2020-03-12T10:59:30.746" v="404" actId="1076"/>
+          <ac:grpSpMkLst>
+            <pc:docMk/>
+            <pc:sldMk cId="16840590" sldId="257"/>
+            <ac:grpSpMk id="4" creationId="{BDF8BE04-AA08-1143-B7B9-3B82EC201F15}"/>
+          </ac:grpSpMkLst>
+        </pc:grpChg>
+        <pc:grpChg chg="mod">
+          <ac:chgData name="ROTHHAN, Julia" userId="be7ff023-2547-4253-aab1-386f1dc2d4b0" providerId="ADAL" clId="{A3DF6E53-1700-BD47-A96E-B4EE661643D7}" dt="2020-03-12T10:59:30.746" v="404" actId="1076"/>
+          <ac:grpSpMkLst>
+            <pc:docMk/>
+            <pc:sldMk cId="16840590" sldId="257"/>
+            <ac:grpSpMk id="7" creationId="{2F3C13CF-8E19-F14C-84D9-86B1E16F58DB}"/>
+          </ac:grpSpMkLst>
+        </pc:grpChg>
+        <pc:grpChg chg="mod">
+          <ac:chgData name="ROTHHAN, Julia" userId="be7ff023-2547-4253-aab1-386f1dc2d4b0" providerId="ADAL" clId="{A3DF6E53-1700-BD47-A96E-B4EE661643D7}" dt="2020-03-12T09:52:36.038" v="334" actId="1076"/>
+          <ac:grpSpMkLst>
+            <pc:docMk/>
+            <pc:sldMk cId="16840590" sldId="257"/>
+            <ac:grpSpMk id="14" creationId="{5B1452BF-A199-5C4B-8A25-3825A7B156AC}"/>
+          </ac:grpSpMkLst>
+        </pc:grpChg>
+        <pc:grpChg chg="del">
+          <ac:chgData name="ROTHHAN, Julia" userId="be7ff023-2547-4253-aab1-386f1dc2d4b0" providerId="ADAL" clId="{A3DF6E53-1700-BD47-A96E-B4EE661643D7}" dt="2020-03-12T09:40:14.663" v="251" actId="165"/>
+          <ac:grpSpMkLst>
+            <pc:docMk/>
+            <pc:sldMk cId="16840590" sldId="257"/>
+            <ac:grpSpMk id="15" creationId="{1B07C487-869B-784F-8A74-050F5B7AF9A8}"/>
+          </ac:grpSpMkLst>
+        </pc:grpChg>
+        <pc:grpChg chg="mod">
+          <ac:chgData name="ROTHHAN, Julia" userId="be7ff023-2547-4253-aab1-386f1dc2d4b0" providerId="ADAL" clId="{A3DF6E53-1700-BD47-A96E-B4EE661643D7}" dt="2020-03-12T09:11:46.634" v="30" actId="164"/>
+          <ac:grpSpMkLst>
+            <pc:docMk/>
+            <pc:sldMk cId="16840590" sldId="257"/>
+            <ac:grpSpMk id="16" creationId="{A1D6F13D-E887-CC42-99B3-684993ADC434}"/>
+          </ac:grpSpMkLst>
+        </pc:grpChg>
+        <pc:grpChg chg="add mod">
+          <ac:chgData name="ROTHHAN, Julia" userId="be7ff023-2547-4253-aab1-386f1dc2d4b0" providerId="ADAL" clId="{A3DF6E53-1700-BD47-A96E-B4EE661643D7}" dt="2020-03-12T09:52:40.571" v="335" actId="1076"/>
+          <ac:grpSpMkLst>
+            <pc:docMk/>
+            <pc:sldMk cId="16840590" sldId="257"/>
+            <ac:grpSpMk id="17" creationId="{A2D2BC12-FE47-7E47-B523-554142474357}"/>
+          </ac:grpSpMkLst>
+        </pc:grpChg>
+        <pc:picChg chg="del">
+          <ac:chgData name="ROTHHAN, Julia" userId="be7ff023-2547-4253-aab1-386f1dc2d4b0" providerId="ADAL" clId="{A3DF6E53-1700-BD47-A96E-B4EE661643D7}" dt="2020-03-12T09:11:32.868" v="27" actId="478"/>
+          <ac:picMkLst>
+            <pc:docMk/>
+            <pc:sldMk cId="16840590" sldId="257"/>
+            <ac:picMk id="3" creationId="{EA299D5E-12F8-5F47-903A-2E8FCEFA8769}"/>
+          </ac:picMkLst>
+        </pc:picChg>
+        <pc:picChg chg="mod">
+          <ac:chgData name="ROTHHAN, Julia" userId="be7ff023-2547-4253-aab1-386f1dc2d4b0" providerId="ADAL" clId="{A3DF6E53-1700-BD47-A96E-B4EE661643D7}" dt="2020-03-12T09:42:38.229" v="272" actId="1076"/>
+          <ac:picMkLst>
+            <pc:docMk/>
+            <pc:sldMk cId="16840590" sldId="257"/>
+            <ac:picMk id="5" creationId="{2DDD1280-76EA-E14C-AF84-82C0E5D47347}"/>
+          </ac:picMkLst>
+        </pc:picChg>
+        <pc:picChg chg="add mod">
+          <ac:chgData name="ROTHHAN, Julia" userId="be7ff023-2547-4253-aab1-386f1dc2d4b0" providerId="ADAL" clId="{A3DF6E53-1700-BD47-A96E-B4EE661643D7}" dt="2020-03-12T09:42:23.932" v="271" actId="1076"/>
+          <ac:picMkLst>
+            <pc:docMk/>
+            <pc:sldMk cId="16840590" sldId="257"/>
+            <ac:picMk id="13" creationId="{FF7B2397-5DBD-5149-83E9-464E6CE9E0EA}"/>
+          </ac:picMkLst>
+        </pc:picChg>
+        <pc:picChg chg="mod">
+          <ac:chgData name="ROTHHAN, Julia" userId="be7ff023-2547-4253-aab1-386f1dc2d4b0" providerId="ADAL" clId="{A3DF6E53-1700-BD47-A96E-B4EE661643D7}" dt="2020-03-12T09:41:42.059" v="264" actId="1076"/>
+          <ac:picMkLst>
+            <pc:docMk/>
+            <pc:sldMk cId="16840590" sldId="257"/>
+            <ac:picMk id="27" creationId="{C91C852A-12EA-C943-B5DE-5E16BFEE1404}"/>
+          </ac:picMkLst>
+        </pc:picChg>
+        <pc:picChg chg="mod topLvl">
+          <ac:chgData name="ROTHHAN, Julia" userId="be7ff023-2547-4253-aab1-386f1dc2d4b0" providerId="ADAL" clId="{A3DF6E53-1700-BD47-A96E-B4EE661643D7}" dt="2020-03-12T09:41:37.962" v="263" actId="1076"/>
+          <ac:picMkLst>
+            <pc:docMk/>
+            <pc:sldMk cId="16840590" sldId="257"/>
+            <ac:picMk id="49" creationId="{CDBCBB9D-CF93-489A-A208-27991E4BC6BC}"/>
+          </ac:picMkLst>
+        </pc:picChg>
+      </pc:sldChg>
+      <pc:sldChg chg="delSp modSp">
+        <pc:chgData name="ROTHHAN, Julia" userId="be7ff023-2547-4253-aab1-386f1dc2d4b0" providerId="ADAL" clId="{A3DF6E53-1700-BD47-A96E-B4EE661643D7}" dt="2020-03-12T09:27:10.913" v="164" actId="1076"/>
+        <pc:sldMkLst>
+          <pc:docMk/>
+          <pc:sldMk cId="4260313862" sldId="265"/>
+        </pc:sldMkLst>
+        <pc:spChg chg="mod topLvl">
+          <ac:chgData name="ROTHHAN, Julia" userId="be7ff023-2547-4253-aab1-386f1dc2d4b0" providerId="ADAL" clId="{A3DF6E53-1700-BD47-A96E-B4EE661643D7}" dt="2020-03-12T09:25:49.555" v="139" actId="1076"/>
+          <ac:spMkLst>
+            <pc:docMk/>
+            <pc:sldMk cId="4260313862" sldId="265"/>
+            <ac:spMk id="28" creationId="{5D219A73-42AB-E14F-9A10-8C3210530837}"/>
+          </ac:spMkLst>
+        </pc:spChg>
+        <pc:spChg chg="mod topLvl">
+          <ac:chgData name="ROTHHAN, Julia" userId="be7ff023-2547-4253-aab1-386f1dc2d4b0" providerId="ADAL" clId="{A3DF6E53-1700-BD47-A96E-B4EE661643D7}" dt="2020-03-12T09:24:54.981" v="124" actId="1076"/>
+          <ac:spMkLst>
+            <pc:docMk/>
+            <pc:sldMk cId="4260313862" sldId="265"/>
+            <ac:spMk id="29" creationId="{B4F5F706-93A8-F746-AE51-5E4C4CACC79D}"/>
+          </ac:spMkLst>
+        </pc:spChg>
+        <pc:spChg chg="mod topLvl">
+          <ac:chgData name="ROTHHAN, Julia" userId="be7ff023-2547-4253-aab1-386f1dc2d4b0" providerId="ADAL" clId="{A3DF6E53-1700-BD47-A96E-B4EE661643D7}" dt="2020-03-12T09:25:47.460" v="138" actId="1076"/>
+          <ac:spMkLst>
+            <pc:docMk/>
+            <pc:sldMk cId="4260313862" sldId="265"/>
+            <ac:spMk id="31" creationId="{D793F8A5-D36E-F84C-A57F-708A3C678B98}"/>
+          </ac:spMkLst>
+        </pc:spChg>
+        <pc:spChg chg="mod topLvl">
+          <ac:chgData name="ROTHHAN, Julia" userId="be7ff023-2547-4253-aab1-386f1dc2d4b0" providerId="ADAL" clId="{A3DF6E53-1700-BD47-A96E-B4EE661643D7}" dt="2020-03-12T09:24:54.981" v="124" actId="1076"/>
+          <ac:spMkLst>
+            <pc:docMk/>
+            <pc:sldMk cId="4260313862" sldId="265"/>
+            <ac:spMk id="32" creationId="{D4817A38-A307-2B42-9DB5-8B6357FDD668}"/>
+          </ac:spMkLst>
+        </pc:spChg>
+        <pc:spChg chg="mod topLvl">
+          <ac:chgData name="ROTHHAN, Julia" userId="be7ff023-2547-4253-aab1-386f1dc2d4b0" providerId="ADAL" clId="{A3DF6E53-1700-BD47-A96E-B4EE661643D7}" dt="2020-03-12T09:25:32.837" v="137" actId="121"/>
+          <ac:spMkLst>
+            <pc:docMk/>
+            <pc:sldMk cId="4260313862" sldId="265"/>
+            <ac:spMk id="34" creationId="{1731944B-1A07-A049-847C-7B96CF8364CA}"/>
+          </ac:spMkLst>
+        </pc:spChg>
+        <pc:spChg chg="mod topLvl">
+          <ac:chgData name="ROTHHAN, Julia" userId="be7ff023-2547-4253-aab1-386f1dc2d4b0" providerId="ADAL" clId="{A3DF6E53-1700-BD47-A96E-B4EE661643D7}" dt="2020-03-12T09:24:54.981" v="124" actId="1076"/>
+          <ac:spMkLst>
+            <pc:docMk/>
+            <pc:sldMk cId="4260313862" sldId="265"/>
+            <ac:spMk id="35" creationId="{F88DFF7E-B13B-DA41-B426-BC7627482166}"/>
+          </ac:spMkLst>
+        </pc:spChg>
+        <pc:spChg chg="mod">
+          <ac:chgData name="ROTHHAN, Julia" userId="be7ff023-2547-4253-aab1-386f1dc2d4b0" providerId="ADAL" clId="{A3DF6E53-1700-BD47-A96E-B4EE661643D7}" dt="2020-03-12T09:24:18.025" v="114" actId="255"/>
+          <ac:spMkLst>
+            <pc:docMk/>
+            <pc:sldMk cId="4260313862" sldId="265"/>
+            <ac:spMk id="36" creationId="{AC4875DC-0960-1E46-9170-DD2A6A01DC8B}"/>
+          </ac:spMkLst>
+        </pc:spChg>
+        <pc:spChg chg="mod topLvl">
+          <ac:chgData name="ROTHHAN, Julia" userId="be7ff023-2547-4253-aab1-386f1dc2d4b0" providerId="ADAL" clId="{A3DF6E53-1700-BD47-A96E-B4EE661643D7}" dt="2020-03-12T09:25:32.837" v="137" actId="121"/>
+          <ac:spMkLst>
+            <pc:docMk/>
+            <pc:sldMk cId="4260313862" sldId="265"/>
+            <ac:spMk id="39" creationId="{9DD78920-065F-2544-9F56-6179D9880D90}"/>
+          </ac:spMkLst>
+        </pc:spChg>
+        <pc:spChg chg="mod topLvl">
+          <ac:chgData name="ROTHHAN, Julia" userId="be7ff023-2547-4253-aab1-386f1dc2d4b0" providerId="ADAL" clId="{A3DF6E53-1700-BD47-A96E-B4EE661643D7}" dt="2020-03-12T09:24:54.981" v="124" actId="1076"/>
+          <ac:spMkLst>
+            <pc:docMk/>
+            <pc:sldMk cId="4260313862" sldId="265"/>
+            <ac:spMk id="40" creationId="{6F95431D-C3ED-5E40-A173-69ABBD8011C7}"/>
+          </ac:spMkLst>
+        </pc:spChg>
+        <pc:grpChg chg="del">
+          <ac:chgData name="ROTHHAN, Julia" userId="be7ff023-2547-4253-aab1-386f1dc2d4b0" providerId="ADAL" clId="{A3DF6E53-1700-BD47-A96E-B4EE661643D7}" dt="2020-03-12T09:24:32.402" v="117" actId="165"/>
+          <ac:grpSpMkLst>
+            <pc:docMk/>
+            <pc:sldMk cId="4260313862" sldId="265"/>
+            <ac:grpSpMk id="5" creationId="{E9CBDB76-B562-5B4F-B01E-F6989A64C7D4}"/>
+          </ac:grpSpMkLst>
+        </pc:grpChg>
+        <pc:grpChg chg="del">
+          <ac:chgData name="ROTHHAN, Julia" userId="be7ff023-2547-4253-aab1-386f1dc2d4b0" providerId="ADAL" clId="{A3DF6E53-1700-BD47-A96E-B4EE661643D7}" dt="2020-03-12T09:24:36.552" v="118" actId="165"/>
+          <ac:grpSpMkLst>
+            <pc:docMk/>
+            <pc:sldMk cId="4260313862" sldId="265"/>
+            <ac:grpSpMk id="8" creationId="{6951239D-116A-824D-9BFA-86D64761070D}"/>
+          </ac:grpSpMkLst>
+        </pc:grpChg>
+        <pc:grpChg chg="del">
+          <ac:chgData name="ROTHHAN, Julia" userId="be7ff023-2547-4253-aab1-386f1dc2d4b0" providerId="ADAL" clId="{A3DF6E53-1700-BD47-A96E-B4EE661643D7}" dt="2020-03-12T09:24:29.300" v="116" actId="165"/>
+          <ac:grpSpMkLst>
+            <pc:docMk/>
+            <pc:sldMk cId="4260313862" sldId="265"/>
+            <ac:grpSpMk id="12" creationId="{FC79BFDD-9F08-7045-A4F7-E5E98F8036FB}"/>
+          </ac:grpSpMkLst>
+        </pc:grpChg>
+        <pc:grpChg chg="del">
+          <ac:chgData name="ROTHHAN, Julia" userId="be7ff023-2547-4253-aab1-386f1dc2d4b0" providerId="ADAL" clId="{A3DF6E53-1700-BD47-A96E-B4EE661643D7}" dt="2020-03-12T09:24:40.562" v="119" actId="165"/>
+          <ac:grpSpMkLst>
+            <pc:docMk/>
+            <pc:sldMk cId="4260313862" sldId="265"/>
+            <ac:grpSpMk id="14" creationId="{C400E1AD-35F6-E44B-8C17-5E841E8171F2}"/>
+          </ac:grpSpMkLst>
+        </pc:grpChg>
+        <pc:grpChg chg="mod">
+          <ac:chgData name="ROTHHAN, Julia" userId="be7ff023-2547-4253-aab1-386f1dc2d4b0" providerId="ADAL" clId="{A3DF6E53-1700-BD47-A96E-B4EE661643D7}" dt="2020-03-12T09:27:07.687" v="163" actId="1076"/>
+          <ac:grpSpMkLst>
+            <pc:docMk/>
+            <pc:sldMk cId="4260313862" sldId="265"/>
+            <ac:grpSpMk id="21" creationId="{6C8A896D-5396-DF43-888E-D93028BF5894}"/>
+          </ac:grpSpMkLst>
+        </pc:grpChg>
+        <pc:grpChg chg="mod">
+          <ac:chgData name="ROTHHAN, Julia" userId="be7ff023-2547-4253-aab1-386f1dc2d4b0" providerId="ADAL" clId="{A3DF6E53-1700-BD47-A96E-B4EE661643D7}" dt="2020-03-12T09:27:10.913" v="164" actId="1076"/>
+          <ac:grpSpMkLst>
+            <pc:docMk/>
+            <pc:sldMk cId="4260313862" sldId="265"/>
+            <ac:grpSpMk id="23" creationId="{A9917ED9-2395-F74B-B65F-A2924560313C}"/>
+          </ac:grpSpMkLst>
+        </pc:grpChg>
+        <pc:picChg chg="mod topLvl">
+          <ac:chgData name="ROTHHAN, Julia" userId="be7ff023-2547-4253-aab1-386f1dc2d4b0" providerId="ADAL" clId="{A3DF6E53-1700-BD47-A96E-B4EE661643D7}" dt="2020-03-12T09:25:57.765" v="141" actId="1076"/>
+          <ac:picMkLst>
+            <pc:docMk/>
+            <pc:sldMk cId="4260313862" sldId="265"/>
+            <ac:picMk id="4" creationId="{22A40F78-490D-5F4A-97C9-0229AD708D17}"/>
+          </ac:picMkLst>
+        </pc:picChg>
+        <pc:picChg chg="mod topLvl">
+          <ac:chgData name="ROTHHAN, Julia" userId="be7ff023-2547-4253-aab1-386f1dc2d4b0" providerId="ADAL" clId="{A3DF6E53-1700-BD47-A96E-B4EE661643D7}" dt="2020-03-12T09:26:05.183" v="144" actId="1076"/>
+          <ac:picMkLst>
+            <pc:docMk/>
+            <pc:sldMk cId="4260313862" sldId="265"/>
+            <ac:picMk id="7" creationId="{02E65841-733A-284F-AC0D-54E3E7717905}"/>
+          </ac:picMkLst>
+        </pc:picChg>
+        <pc:picChg chg="mod">
+          <ac:chgData name="ROTHHAN, Julia" userId="be7ff023-2547-4253-aab1-386f1dc2d4b0" providerId="ADAL" clId="{A3DF6E53-1700-BD47-A96E-B4EE661643D7}" dt="2020-03-12T09:26:09.153" v="145" actId="1076"/>
+          <ac:picMkLst>
+            <pc:docMk/>
+            <pc:sldMk cId="4260313862" sldId="265"/>
+            <ac:picMk id="20" creationId="{903C19CC-7AFE-4907-99DE-60DC9659CB7D}"/>
+          </ac:picMkLst>
+        </pc:picChg>
+        <pc:picChg chg="mod">
+          <ac:chgData name="ROTHHAN, Julia" userId="be7ff023-2547-4253-aab1-386f1dc2d4b0" providerId="ADAL" clId="{A3DF6E53-1700-BD47-A96E-B4EE661643D7}" dt="2020-03-12T09:26:59.261" v="162" actId="12788"/>
+          <ac:picMkLst>
+            <pc:docMk/>
+            <pc:sldMk cId="4260313862" sldId="265"/>
+            <ac:picMk id="24" creationId="{21FE7522-C03B-3746-A594-29D165BB901E}"/>
+          </ac:picMkLst>
+        </pc:picChg>
+        <pc:picChg chg="mod">
+          <ac:chgData name="ROTHHAN, Julia" userId="be7ff023-2547-4253-aab1-386f1dc2d4b0" providerId="ADAL" clId="{A3DF6E53-1700-BD47-A96E-B4EE661643D7}" dt="2020-03-12T09:27:10.913" v="164" actId="1076"/>
+          <ac:picMkLst>
+            <pc:docMk/>
+            <pc:sldMk cId="4260313862" sldId="265"/>
+            <ac:picMk id="25" creationId="{EDFBB543-4DAB-4FDB-8210-5D3A10A68BF9}"/>
+          </ac:picMkLst>
+        </pc:picChg>
+        <pc:picChg chg="mod">
+          <ac:chgData name="ROTHHAN, Julia" userId="be7ff023-2547-4253-aab1-386f1dc2d4b0" providerId="ADAL" clId="{A3DF6E53-1700-BD47-A96E-B4EE661643D7}" dt="2020-03-12T09:26:45.214" v="158" actId="29295"/>
+          <ac:picMkLst>
+            <pc:docMk/>
+            <pc:sldMk cId="4260313862" sldId="265"/>
+            <ac:picMk id="30" creationId="{5865C317-89A1-48BF-85CD-47811BD0445E}"/>
+          </ac:picMkLst>
+        </pc:picChg>
+        <pc:picChg chg="mod">
+          <ac:chgData name="ROTHHAN, Julia" userId="be7ff023-2547-4253-aab1-386f1dc2d4b0" providerId="ADAL" clId="{A3DF6E53-1700-BD47-A96E-B4EE661643D7}" dt="2020-03-12T09:27:07.687" v="163" actId="1076"/>
+          <ac:picMkLst>
+            <pc:docMk/>
+            <pc:sldMk cId="4260313862" sldId="265"/>
+            <ac:picMk id="45" creationId="{34C2454C-8DF9-1B4E-9545-D56C11547F1F}"/>
+          </ac:picMkLst>
+        </pc:picChg>
+      </pc:sldChg>
+      <pc:sldChg chg="modSp">
+        <pc:chgData name="ROTHHAN, Julia" userId="be7ff023-2547-4253-aab1-386f1dc2d4b0" providerId="ADAL" clId="{A3DF6E53-1700-BD47-A96E-B4EE661643D7}" dt="2020-03-12T09:22:32.028" v="95" actId="255"/>
+        <pc:sldMkLst>
+          <pc:docMk/>
+          <pc:sldMk cId="756412759" sldId="268"/>
+        </pc:sldMkLst>
+        <pc:spChg chg="mod">
+          <ac:chgData name="ROTHHAN, Julia" userId="be7ff023-2547-4253-aab1-386f1dc2d4b0" providerId="ADAL" clId="{A3DF6E53-1700-BD47-A96E-B4EE661643D7}" dt="2020-03-12T09:22:32.028" v="95" actId="255"/>
+          <ac:spMkLst>
+            <pc:docMk/>
+            <pc:sldMk cId="756412759" sldId="268"/>
+            <ac:spMk id="2" creationId="{1F2DE3B4-43F5-C546-A31F-960B435CB7D4}"/>
+          </ac:spMkLst>
+        </pc:spChg>
+        <pc:spChg chg="mod">
+          <ac:chgData name="ROTHHAN, Julia" userId="be7ff023-2547-4253-aab1-386f1dc2d4b0" providerId="ADAL" clId="{A3DF6E53-1700-BD47-A96E-B4EE661643D7}" dt="2020-03-12T09:12:33.405" v="31" actId="12788"/>
+          <ac:spMkLst>
+            <pc:docMk/>
+            <pc:sldMk cId="756412759" sldId="268"/>
+            <ac:spMk id="34" creationId="{DBC3EA5A-25D5-1645-97AB-AC4290C65815}"/>
+          </ac:spMkLst>
+        </pc:spChg>
+        <pc:spChg chg="mod">
+          <ac:chgData name="ROTHHAN, Julia" userId="be7ff023-2547-4253-aab1-386f1dc2d4b0" providerId="ADAL" clId="{A3DF6E53-1700-BD47-A96E-B4EE661643D7}" dt="2020-03-12T09:12:33.405" v="31" actId="12788"/>
+          <ac:spMkLst>
+            <pc:docMk/>
+            <pc:sldMk cId="756412759" sldId="268"/>
+            <ac:spMk id="36" creationId="{9021EC1F-7A6E-B741-A4DB-CD0619F1C4BF}"/>
+          </ac:spMkLst>
+        </pc:spChg>
+        <pc:grpChg chg="mod">
+          <ac:chgData name="ROTHHAN, Julia" userId="be7ff023-2547-4253-aab1-386f1dc2d4b0" providerId="ADAL" clId="{A3DF6E53-1700-BD47-A96E-B4EE661643D7}" dt="2020-03-12T09:12:46.866" v="33" actId="1076"/>
+          <ac:grpSpMkLst>
+            <pc:docMk/>
+            <pc:sldMk cId="756412759" sldId="268"/>
+            <ac:grpSpMk id="3" creationId="{A7828BCC-0C34-644A-8D73-70EDDDF3AC45}"/>
+          </ac:grpSpMkLst>
+        </pc:grpChg>
+        <pc:grpChg chg="mod">
+          <ac:chgData name="ROTHHAN, Julia" userId="be7ff023-2547-4253-aab1-386f1dc2d4b0" providerId="ADAL" clId="{A3DF6E53-1700-BD47-A96E-B4EE661643D7}" dt="2020-03-12T09:12:46.866" v="33" actId="1076"/>
+          <ac:grpSpMkLst>
+            <pc:docMk/>
+            <pc:sldMk cId="756412759" sldId="268"/>
+            <ac:grpSpMk id="12" creationId="{29E7508B-C404-9243-B96F-6F97EEAD2476}"/>
+          </ac:grpSpMkLst>
+        </pc:grpChg>
+        <pc:grpChg chg="mod">
+          <ac:chgData name="ROTHHAN, Julia" userId="be7ff023-2547-4253-aab1-386f1dc2d4b0" providerId="ADAL" clId="{A3DF6E53-1700-BD47-A96E-B4EE661643D7}" dt="2020-03-12T09:12:46.866" v="33" actId="1076"/>
+          <ac:grpSpMkLst>
+            <pc:docMk/>
+            <pc:sldMk cId="756412759" sldId="268"/>
+            <ac:grpSpMk id="23" creationId="{F5D4E1AF-3ABB-A544-A8C6-236F37190796}"/>
+          </ac:grpSpMkLst>
+        </pc:grpChg>
+        <pc:grpChg chg="mod">
+          <ac:chgData name="ROTHHAN, Julia" userId="be7ff023-2547-4253-aab1-386f1dc2d4b0" providerId="ADAL" clId="{A3DF6E53-1700-BD47-A96E-B4EE661643D7}" dt="2020-03-12T09:12:46.866" v="33" actId="1076"/>
+          <ac:grpSpMkLst>
+            <pc:docMk/>
+            <pc:sldMk cId="756412759" sldId="268"/>
+            <ac:grpSpMk id="26" creationId="{BD47EF40-F226-424F-AE7F-B9A23A0AB29E}"/>
+          </ac:grpSpMkLst>
+        </pc:grpChg>
+        <pc:grpChg chg="mod">
+          <ac:chgData name="ROTHHAN, Julia" userId="be7ff023-2547-4253-aab1-386f1dc2d4b0" providerId="ADAL" clId="{A3DF6E53-1700-BD47-A96E-B4EE661643D7}" dt="2020-03-12T09:12:46.866" v="33" actId="1076"/>
+          <ac:grpSpMkLst>
+            <pc:docMk/>
+            <pc:sldMk cId="756412759" sldId="268"/>
+            <ac:grpSpMk id="39" creationId="{A3BDB5C0-83DB-5544-8912-A63903BA702B}"/>
+          </ac:grpSpMkLst>
+        </pc:grpChg>
+        <pc:grpChg chg="mod">
+          <ac:chgData name="ROTHHAN, Julia" userId="be7ff023-2547-4253-aab1-386f1dc2d4b0" providerId="ADAL" clId="{A3DF6E53-1700-BD47-A96E-B4EE661643D7}" dt="2020-03-12T09:12:41.285" v="32" actId="408"/>
+          <ac:grpSpMkLst>
+            <pc:docMk/>
+            <pc:sldMk cId="756412759" sldId="268"/>
+            <ac:grpSpMk id="40" creationId="{1609F20A-37FD-7645-BC4A-3802D828CD06}"/>
+          </ac:grpSpMkLst>
+        </pc:grpChg>
+        <pc:picChg chg="mod">
+          <ac:chgData name="ROTHHAN, Julia" userId="be7ff023-2547-4253-aab1-386f1dc2d4b0" providerId="ADAL" clId="{A3DF6E53-1700-BD47-A96E-B4EE661643D7}" dt="2020-03-12T09:12:33.405" v="31" actId="12788"/>
+          <ac:picMkLst>
+            <pc:docMk/>
+            <pc:sldMk cId="756412759" sldId="268"/>
+            <ac:picMk id="21" creationId="{A0AC0E49-F90A-3B41-9E28-B442D77BA555}"/>
+          </ac:picMkLst>
+        </pc:picChg>
+      </pc:sldChg>
+      <pc:sldChg chg="addSp delSp modSp mod">
+        <pc:chgData name="ROTHHAN, Julia" userId="be7ff023-2547-4253-aab1-386f1dc2d4b0" providerId="ADAL" clId="{A3DF6E53-1700-BD47-A96E-B4EE661643D7}" dt="2020-03-12T15:33:16.852" v="754" actId="14100"/>
+        <pc:sldMkLst>
+          <pc:docMk/>
+          <pc:sldMk cId="3708548428" sldId="269"/>
+        </pc:sldMkLst>
+        <pc:spChg chg="mod">
+          <ac:chgData name="ROTHHAN, Julia" userId="be7ff023-2547-4253-aab1-386f1dc2d4b0" providerId="ADAL" clId="{A3DF6E53-1700-BD47-A96E-B4EE661643D7}" dt="2020-03-12T09:14:36.981" v="53" actId="12788"/>
+          <ac:spMkLst>
+            <pc:docMk/>
+            <pc:sldMk cId="3708548428" sldId="269"/>
+            <ac:spMk id="3" creationId="{C269899D-E2D3-4A4B-86CD-3A88D4C271E1}"/>
+          </ac:spMkLst>
+        </pc:spChg>
+        <pc:spChg chg="mod">
+          <ac:chgData name="ROTHHAN, Julia" userId="be7ff023-2547-4253-aab1-386f1dc2d4b0" providerId="ADAL" clId="{A3DF6E53-1700-BD47-A96E-B4EE661643D7}" dt="2020-03-12T09:14:36.981" v="53" actId="12788"/>
+          <ac:spMkLst>
+            <pc:docMk/>
+            <pc:sldMk cId="3708548428" sldId="269"/>
+            <ac:spMk id="4" creationId="{056A3D5B-B6DB-0840-BE80-AED9CBE45143}"/>
+          </ac:spMkLst>
+        </pc:spChg>
+        <pc:spChg chg="mod">
+          <ac:chgData name="ROTHHAN, Julia" userId="be7ff023-2547-4253-aab1-386f1dc2d4b0" providerId="ADAL" clId="{A3DF6E53-1700-BD47-A96E-B4EE661643D7}" dt="2020-03-12T09:23:29.962" v="108" actId="14100"/>
+          <ac:spMkLst>
+            <pc:docMk/>
+            <pc:sldMk cId="3708548428" sldId="269"/>
+            <ac:spMk id="8" creationId="{8A89E5AD-EDBF-D74F-969A-5ADF7CFD548A}"/>
+          </ac:spMkLst>
+        </pc:spChg>
+        <pc:spChg chg="add mod">
+          <ac:chgData name="ROTHHAN, Julia" userId="be7ff023-2547-4253-aab1-386f1dc2d4b0" providerId="ADAL" clId="{A3DF6E53-1700-BD47-A96E-B4EE661643D7}" dt="2020-03-12T15:26:37.466" v="731" actId="14100"/>
+          <ac:spMkLst>
+            <pc:docMk/>
+            <pc:sldMk cId="3708548428" sldId="269"/>
+            <ac:spMk id="12" creationId="{05A40477-5BED-BD49-A314-01AD5AFB7C1C}"/>
+          </ac:spMkLst>
+        </pc:spChg>
+        <pc:spChg chg="add mod">
+          <ac:chgData name="ROTHHAN, Julia" userId="be7ff023-2547-4253-aab1-386f1dc2d4b0" providerId="ADAL" clId="{A3DF6E53-1700-BD47-A96E-B4EE661643D7}" dt="2020-03-12T15:33:16.852" v="754" actId="14100"/>
+          <ac:spMkLst>
+            <pc:docMk/>
+            <pc:sldMk cId="3708548428" sldId="269"/>
+            <ac:spMk id="13" creationId="{FEA66EFC-109C-DC41-9503-A826D3382616}"/>
+          </ac:spMkLst>
+        </pc:spChg>
+        <pc:spChg chg="add mod">
+          <ac:chgData name="ROTHHAN, Julia" userId="be7ff023-2547-4253-aab1-386f1dc2d4b0" providerId="ADAL" clId="{A3DF6E53-1700-BD47-A96E-B4EE661643D7}" dt="2020-03-12T15:26:37.466" v="731" actId="14100"/>
+          <ac:spMkLst>
+            <pc:docMk/>
+            <pc:sldMk cId="3708548428" sldId="269"/>
+            <ac:spMk id="15" creationId="{FC2544B3-46D0-B445-9E2B-B438B84DED4A}"/>
+          </ac:spMkLst>
+        </pc:spChg>
+        <pc:spChg chg="add mod">
+          <ac:chgData name="ROTHHAN, Julia" userId="be7ff023-2547-4253-aab1-386f1dc2d4b0" providerId="ADAL" clId="{A3DF6E53-1700-BD47-A96E-B4EE661643D7}" dt="2020-03-12T15:18:02.446" v="724" actId="122"/>
+          <ac:spMkLst>
+            <pc:docMk/>
+            <pc:sldMk cId="3708548428" sldId="269"/>
+            <ac:spMk id="16" creationId="{B6878981-3063-AF41-A17B-B1648DA61B6C}"/>
+          </ac:spMkLst>
+        </pc:spChg>
+        <pc:spChg chg="add mod">
+          <ac:chgData name="ROTHHAN, Julia" userId="be7ff023-2547-4253-aab1-386f1dc2d4b0" providerId="ADAL" clId="{A3DF6E53-1700-BD47-A96E-B4EE661643D7}" dt="2020-03-12T15:26:37.466" v="731" actId="14100"/>
+          <ac:spMkLst>
+            <pc:docMk/>
+            <pc:sldMk cId="3708548428" sldId="269"/>
+            <ac:spMk id="17" creationId="{E288C034-8BC0-694C-8E41-62B42FEE7627}"/>
+          </ac:spMkLst>
+        </pc:spChg>
+        <pc:spChg chg="add mod">
+          <ac:chgData name="ROTHHAN, Julia" userId="be7ff023-2547-4253-aab1-386f1dc2d4b0" providerId="ADAL" clId="{A3DF6E53-1700-BD47-A96E-B4EE661643D7}" dt="2020-03-12T15:18:02.446" v="724" actId="122"/>
+          <ac:spMkLst>
+            <pc:docMk/>
+            <pc:sldMk cId="3708548428" sldId="269"/>
+            <ac:spMk id="18" creationId="{22DA5704-D0F2-634F-B72A-A63884D0728A}"/>
+          </ac:spMkLst>
+        </pc:spChg>
+        <pc:spChg chg="add mod">
+          <ac:chgData name="ROTHHAN, Julia" userId="be7ff023-2547-4253-aab1-386f1dc2d4b0" providerId="ADAL" clId="{A3DF6E53-1700-BD47-A96E-B4EE661643D7}" dt="2020-03-12T15:26:37.466" v="731" actId="14100"/>
+          <ac:spMkLst>
+            <pc:docMk/>
+            <pc:sldMk cId="3708548428" sldId="269"/>
+            <ac:spMk id="19" creationId="{D4A4AA66-16AA-744C-B10B-EE407844CF9F}"/>
+          </ac:spMkLst>
+        </pc:spChg>
+        <pc:spChg chg="add mod">
+          <ac:chgData name="ROTHHAN, Julia" userId="be7ff023-2547-4253-aab1-386f1dc2d4b0" providerId="ADAL" clId="{A3DF6E53-1700-BD47-A96E-B4EE661643D7}" dt="2020-03-12T15:18:02.446" v="724" actId="122"/>
+          <ac:spMkLst>
+            <pc:docMk/>
+            <pc:sldMk cId="3708548428" sldId="269"/>
+            <ac:spMk id="20" creationId="{7D791009-E05C-EC40-8163-44FA3BE3540C}"/>
+          </ac:spMkLst>
+        </pc:spChg>
+        <pc:spChg chg="add mod">
+          <ac:chgData name="ROTHHAN, Julia" userId="be7ff023-2547-4253-aab1-386f1dc2d4b0" providerId="ADAL" clId="{A3DF6E53-1700-BD47-A96E-B4EE661643D7}" dt="2020-03-12T15:26:37.466" v="731" actId="14100"/>
+          <ac:spMkLst>
+            <pc:docMk/>
+            <pc:sldMk cId="3708548428" sldId="269"/>
+            <ac:spMk id="21" creationId="{464BF004-B86F-3943-89F0-5A610B3B926D}"/>
+          </ac:spMkLst>
+        </pc:spChg>
+        <pc:spChg chg="add mod">
+          <ac:chgData name="ROTHHAN, Julia" userId="be7ff023-2547-4253-aab1-386f1dc2d4b0" providerId="ADAL" clId="{A3DF6E53-1700-BD47-A96E-B4EE661643D7}" dt="2020-03-12T15:18:02.446" v="724" actId="122"/>
+          <ac:spMkLst>
+            <pc:docMk/>
+            <pc:sldMk cId="3708548428" sldId="269"/>
+            <ac:spMk id="22" creationId="{6ECD743B-A012-9C41-BBE4-59195C181C3F}"/>
+          </ac:spMkLst>
+        </pc:spChg>
+        <pc:spChg chg="add mod">
+          <ac:chgData name="ROTHHAN, Julia" userId="be7ff023-2547-4253-aab1-386f1dc2d4b0" providerId="ADAL" clId="{A3DF6E53-1700-BD47-A96E-B4EE661643D7}" dt="2020-03-12T15:26:37.466" v="731" actId="14100"/>
+          <ac:spMkLst>
+            <pc:docMk/>
+            <pc:sldMk cId="3708548428" sldId="269"/>
+            <ac:spMk id="23" creationId="{BF7FFAEF-85D3-8141-8544-45BB0C1AD800}"/>
+          </ac:spMkLst>
+        </pc:spChg>
+        <pc:spChg chg="add mod">
+          <ac:chgData name="ROTHHAN, Julia" userId="be7ff023-2547-4253-aab1-386f1dc2d4b0" providerId="ADAL" clId="{A3DF6E53-1700-BD47-A96E-B4EE661643D7}" dt="2020-03-12T15:18:02.446" v="724" actId="122"/>
+          <ac:spMkLst>
+            <pc:docMk/>
+            <pc:sldMk cId="3708548428" sldId="269"/>
+            <ac:spMk id="24" creationId="{F11B4C90-F55D-C949-9D87-ABB992DFBB83}"/>
+          </ac:spMkLst>
+        </pc:spChg>
+        <pc:spChg chg="add mod">
+          <ac:chgData name="ROTHHAN, Julia" userId="be7ff023-2547-4253-aab1-386f1dc2d4b0" providerId="ADAL" clId="{A3DF6E53-1700-BD47-A96E-B4EE661643D7}" dt="2020-03-12T15:26:37.466" v="731" actId="14100"/>
+          <ac:spMkLst>
+            <pc:docMk/>
+            <pc:sldMk cId="3708548428" sldId="269"/>
+            <ac:spMk id="25" creationId="{B21C5EBB-8488-A241-AE1D-587164AA2760}"/>
+          </ac:spMkLst>
+        </pc:spChg>
+        <pc:spChg chg="add mod">
+          <ac:chgData name="ROTHHAN, Julia" userId="be7ff023-2547-4253-aab1-386f1dc2d4b0" providerId="ADAL" clId="{A3DF6E53-1700-BD47-A96E-B4EE661643D7}" dt="2020-03-12T15:18:02.446" v="724" actId="122"/>
+          <ac:spMkLst>
+            <pc:docMk/>
+            <pc:sldMk cId="3708548428" sldId="269"/>
+            <ac:spMk id="26" creationId="{42FB7B9A-F680-D640-9DBE-DFC0BBC68F57}"/>
+          </ac:spMkLst>
+        </pc:spChg>
+        <pc:grpChg chg="mod">
+          <ac:chgData name="ROTHHAN, Julia" userId="be7ff023-2547-4253-aab1-386f1dc2d4b0" providerId="ADAL" clId="{A3DF6E53-1700-BD47-A96E-B4EE661643D7}" dt="2020-03-12T09:14:36.981" v="53" actId="12788"/>
+          <ac:grpSpMkLst>
+            <pc:docMk/>
+            <pc:sldMk cId="3708548428" sldId="269"/>
+            <ac:grpSpMk id="49" creationId="{B0105948-DF17-B94A-AE41-00F200A4907F}"/>
+          </ac:grpSpMkLst>
+        </pc:grpChg>
+        <pc:graphicFrameChg chg="add del mod">
+          <ac:chgData name="ROTHHAN, Julia" userId="be7ff023-2547-4253-aab1-386f1dc2d4b0" providerId="ADAL" clId="{A3DF6E53-1700-BD47-A96E-B4EE661643D7}" dt="2020-03-12T09:18:03.307" v="73" actId="478"/>
+          <ac:graphicFrameMkLst>
+            <pc:docMk/>
+            <pc:sldMk cId="3708548428" sldId="269"/>
+            <ac:graphicFrameMk id="2" creationId="{52FF2956-7CE7-C04B-8C83-825AC0182CE6}"/>
+          </ac:graphicFrameMkLst>
+        </pc:graphicFrameChg>
+        <pc:graphicFrameChg chg="add del mod">
+          <ac:chgData name="ROTHHAN, Julia" userId="be7ff023-2547-4253-aab1-386f1dc2d4b0" providerId="ADAL" clId="{A3DF6E53-1700-BD47-A96E-B4EE661643D7}" dt="2020-03-12T15:11:11.452" v="549" actId="478"/>
+          <ac:graphicFrameMkLst>
+            <pc:docMk/>
+            <pc:sldMk cId="3708548428" sldId="269"/>
+            <ac:graphicFrameMk id="5" creationId="{72A28244-6B91-584D-BA80-0B404780D30C}"/>
+          </ac:graphicFrameMkLst>
+        </pc:graphicFrameChg>
+        <pc:picChg chg="add mod">
+          <ac:chgData name="ROTHHAN, Julia" userId="be7ff023-2547-4253-aab1-386f1dc2d4b0" providerId="ADAL" clId="{A3DF6E53-1700-BD47-A96E-B4EE661643D7}" dt="2020-03-12T15:26:48.156" v="732" actId="207"/>
+          <ac:picMkLst>
+            <pc:docMk/>
+            <pc:sldMk cId="3708548428" sldId="269"/>
+            <ac:picMk id="6" creationId="{D96B5E58-DC4F-AF4F-9881-1A3F90E08442}"/>
+          </ac:picMkLst>
+        </pc:picChg>
+        <pc:picChg chg="add mod">
+          <ac:chgData name="ROTHHAN, Julia" userId="be7ff023-2547-4253-aab1-386f1dc2d4b0" providerId="ADAL" clId="{A3DF6E53-1700-BD47-A96E-B4EE661643D7}" dt="2020-03-12T15:26:48.156" v="732" actId="207"/>
+          <ac:picMkLst>
+            <pc:docMk/>
+            <pc:sldMk cId="3708548428" sldId="269"/>
+            <ac:picMk id="27" creationId="{661E7B09-ED15-6048-890B-C53C7D545DDC}"/>
+          </ac:picMkLst>
+        </pc:picChg>
+        <pc:picChg chg="add mod">
+          <ac:chgData name="ROTHHAN, Julia" userId="be7ff023-2547-4253-aab1-386f1dc2d4b0" providerId="ADAL" clId="{A3DF6E53-1700-BD47-A96E-B4EE661643D7}" dt="2020-03-12T15:33:07.495" v="752" actId="1076"/>
+          <ac:picMkLst>
+            <pc:docMk/>
+            <pc:sldMk cId="3708548428" sldId="269"/>
+            <ac:picMk id="29" creationId="{48ED8E50-36D8-BA48-AEFE-C9820C01D409}"/>
+          </ac:picMkLst>
+        </pc:picChg>
+        <pc:picChg chg="add mod">
+          <ac:chgData name="ROTHHAN, Julia" userId="be7ff023-2547-4253-aab1-386f1dc2d4b0" providerId="ADAL" clId="{A3DF6E53-1700-BD47-A96E-B4EE661643D7}" dt="2020-03-12T15:33:01.904" v="751" actId="14100"/>
+          <ac:picMkLst>
+            <pc:docMk/>
+            <pc:sldMk cId="3708548428" sldId="269"/>
+            <ac:picMk id="31" creationId="{7288EE1A-B8ED-A647-B7E9-F20369C04C4E}"/>
+          </ac:picMkLst>
+        </pc:picChg>
+        <pc:picChg chg="add mod">
+          <ac:chgData name="ROTHHAN, Julia" userId="be7ff023-2547-4253-aab1-386f1dc2d4b0" providerId="ADAL" clId="{A3DF6E53-1700-BD47-A96E-B4EE661643D7}" dt="2020-03-12T15:30:26.896" v="740" actId="1076"/>
+          <ac:picMkLst>
+            <pc:docMk/>
+            <pc:sldMk cId="3708548428" sldId="269"/>
+            <ac:picMk id="33" creationId="{0486E2DB-C08A-284F-BB89-60F2237BD633}"/>
+          </ac:picMkLst>
+        </pc:picChg>
+        <pc:picChg chg="add mod">
+          <ac:chgData name="ROTHHAN, Julia" userId="be7ff023-2547-4253-aab1-386f1dc2d4b0" providerId="ADAL" clId="{A3DF6E53-1700-BD47-A96E-B4EE661643D7}" dt="2020-03-12T15:32:22.716" v="745" actId="1076"/>
+          <ac:picMkLst>
+            <pc:docMk/>
+            <pc:sldMk cId="3708548428" sldId="269"/>
+            <ac:picMk id="35" creationId="{A58C2332-6D59-3849-A8AA-A05B18B21269}"/>
+          </ac:picMkLst>
+        </pc:picChg>
+        <pc:picChg chg="add mod">
+          <ac:chgData name="ROTHHAN, Julia" userId="be7ff023-2547-4253-aab1-386f1dc2d4b0" providerId="ADAL" clId="{A3DF6E53-1700-BD47-A96E-B4EE661643D7}" dt="2020-03-12T15:32:58.461" v="750" actId="1076"/>
+          <ac:picMkLst>
+            <pc:docMk/>
+            <pc:sldMk cId="3708548428" sldId="269"/>
+            <ac:picMk id="37" creationId="{A3D35B23-344B-304D-B952-A58A87250A7F}"/>
+          </ac:picMkLst>
+        </pc:picChg>
+        <pc:picChg chg="mod">
+          <ac:chgData name="ROTHHAN, Julia" userId="be7ff023-2547-4253-aab1-386f1dc2d4b0" providerId="ADAL" clId="{A3DF6E53-1700-BD47-A96E-B4EE661643D7}" dt="2020-03-12T09:14:36.981" v="53" actId="12788"/>
+          <ac:picMkLst>
+            <pc:docMk/>
+            <pc:sldMk cId="3708548428" sldId="269"/>
+            <ac:picMk id="47" creationId="{8C38A53A-C90D-BF43-BC7D-7A50E493D4DA}"/>
+          </ac:picMkLst>
+        </pc:picChg>
+      </pc:sldChg>
+      <pc:sldChg chg="addSp delSp modSp">
+        <pc:chgData name="ROTHHAN, Julia" userId="be7ff023-2547-4253-aab1-386f1dc2d4b0" providerId="ADAL" clId="{A3DF6E53-1700-BD47-A96E-B4EE661643D7}" dt="2020-03-12T13:35:04.665" v="548" actId="1076"/>
+        <pc:sldMkLst>
+          <pc:docMk/>
+          <pc:sldMk cId="2533350819" sldId="270"/>
+        </pc:sldMkLst>
+        <pc:spChg chg="mod">
+          <ac:chgData name="ROTHHAN, Julia" userId="be7ff023-2547-4253-aab1-386f1dc2d4b0" providerId="ADAL" clId="{A3DF6E53-1700-BD47-A96E-B4EE661643D7}" dt="2020-03-12T09:22:49.533" v="97" actId="255"/>
+          <ac:spMkLst>
+            <pc:docMk/>
+            <pc:sldMk cId="2533350819" sldId="270"/>
+            <ac:spMk id="2" creationId="{FD535E0A-A2D2-C447-8E55-8BD0CA3357BE}"/>
+          </ac:spMkLst>
+        </pc:spChg>
+        <pc:spChg chg="mod">
+          <ac:chgData name="ROTHHAN, Julia" userId="be7ff023-2547-4253-aab1-386f1dc2d4b0" providerId="ADAL" clId="{A3DF6E53-1700-BD47-A96E-B4EE661643D7}" dt="2020-03-12T13:29:53.771" v="467" actId="14100"/>
+          <ac:spMkLst>
+            <pc:docMk/>
+            <pc:sldMk cId="2533350819" sldId="270"/>
+            <ac:spMk id="5" creationId="{D60E8708-DB71-AB4C-9E61-F5D21D3191BB}"/>
+          </ac:spMkLst>
+        </pc:spChg>
+        <pc:spChg chg="mod">
+          <ac:chgData name="ROTHHAN, Julia" userId="be7ff023-2547-4253-aab1-386f1dc2d4b0" providerId="ADAL" clId="{A3DF6E53-1700-BD47-A96E-B4EE661643D7}" dt="2020-03-12T13:30:08.970" v="471" actId="1076"/>
+          <ac:spMkLst>
+            <pc:docMk/>
+            <pc:sldMk cId="2533350819" sldId="270"/>
+            <ac:spMk id="6" creationId="{D3A24419-2913-2E48-8754-072DBA04D580}"/>
+          </ac:spMkLst>
+        </pc:spChg>
+        <pc:spChg chg="mod">
+          <ac:chgData name="ROTHHAN, Julia" userId="be7ff023-2547-4253-aab1-386f1dc2d4b0" providerId="ADAL" clId="{A3DF6E53-1700-BD47-A96E-B4EE661643D7}" dt="2020-03-12T13:29:55.581" v="468" actId="14100"/>
+          <ac:spMkLst>
+            <pc:docMk/>
+            <pc:sldMk cId="2533350819" sldId="270"/>
+            <ac:spMk id="9" creationId="{6A0692CE-F594-C347-ADC3-6C72FA2A7386}"/>
+          </ac:spMkLst>
+        </pc:spChg>
+        <pc:spChg chg="mod">
+          <ac:chgData name="ROTHHAN, Julia" userId="be7ff023-2547-4253-aab1-386f1dc2d4b0" providerId="ADAL" clId="{A3DF6E53-1700-BD47-A96E-B4EE661643D7}" dt="2020-03-12T13:30:11.520" v="472" actId="1076"/>
+          <ac:spMkLst>
+            <pc:docMk/>
+            <pc:sldMk cId="2533350819" sldId="270"/>
+            <ac:spMk id="10" creationId="{944B287A-1C4B-F640-BD26-ABA7A1D2F5C6}"/>
+          </ac:spMkLst>
+        </pc:spChg>
+        <pc:spChg chg="mod">
+          <ac:chgData name="ROTHHAN, Julia" userId="be7ff023-2547-4253-aab1-386f1dc2d4b0" providerId="ADAL" clId="{A3DF6E53-1700-BD47-A96E-B4EE661643D7}" dt="2020-03-12T13:29:58.234" v="469" actId="14100"/>
+          <ac:spMkLst>
+            <pc:docMk/>
+            <pc:sldMk cId="2533350819" sldId="270"/>
+            <ac:spMk id="12" creationId="{6A4684ED-8475-F340-BB93-F7E831800EA1}"/>
+          </ac:spMkLst>
+        </pc:spChg>
+        <pc:spChg chg="mod">
+          <ac:chgData name="ROTHHAN, Julia" userId="be7ff023-2547-4253-aab1-386f1dc2d4b0" providerId="ADAL" clId="{A3DF6E53-1700-BD47-A96E-B4EE661643D7}" dt="2020-03-12T13:30:14.850" v="473" actId="1076"/>
+          <ac:spMkLst>
+            <pc:docMk/>
+            <pc:sldMk cId="2533350819" sldId="270"/>
+            <ac:spMk id="13" creationId="{A80037EE-AC99-7440-BD09-3F01A092BB5B}"/>
+          </ac:spMkLst>
+        </pc:spChg>
+        <pc:spChg chg="mod">
+          <ac:chgData name="ROTHHAN, Julia" userId="be7ff023-2547-4253-aab1-386f1dc2d4b0" providerId="ADAL" clId="{A3DF6E53-1700-BD47-A96E-B4EE661643D7}" dt="2020-03-12T13:30:00.698" v="470" actId="14100"/>
+          <ac:spMkLst>
+            <pc:docMk/>
+            <pc:sldMk cId="2533350819" sldId="270"/>
+            <ac:spMk id="16" creationId="{14623412-AF7F-4544-B448-91030B0436D5}"/>
+          </ac:spMkLst>
+        </pc:spChg>
+        <pc:spChg chg="mod">
+          <ac:chgData name="ROTHHAN, Julia" userId="be7ff023-2547-4253-aab1-386f1dc2d4b0" providerId="ADAL" clId="{A3DF6E53-1700-BD47-A96E-B4EE661643D7}" dt="2020-03-12T13:30:17.673" v="474" actId="1076"/>
+          <ac:spMkLst>
+            <pc:docMk/>
+            <pc:sldMk cId="2533350819" sldId="270"/>
+            <ac:spMk id="17" creationId="{0B3E2154-595A-2942-9A2D-D591E450C56E}"/>
+          </ac:spMkLst>
+        </pc:spChg>
+        <pc:spChg chg="mod">
+          <ac:chgData name="ROTHHAN, Julia" userId="be7ff023-2547-4253-aab1-386f1dc2d4b0" providerId="ADAL" clId="{A3DF6E53-1700-BD47-A96E-B4EE661643D7}" dt="2020-03-12T13:34:51.113" v="544" actId="1076"/>
+          <ac:spMkLst>
+            <pc:docMk/>
+            <pc:sldMk cId="2533350819" sldId="270"/>
+            <ac:spMk id="29" creationId="{44F7BB68-951C-0049-8FDE-AC0167E5E34D}"/>
+          </ac:spMkLst>
+        </pc:spChg>
+        <pc:spChg chg="mod">
+          <ac:chgData name="ROTHHAN, Julia" userId="be7ff023-2547-4253-aab1-386f1dc2d4b0" providerId="ADAL" clId="{A3DF6E53-1700-BD47-A96E-B4EE661643D7}" dt="2020-03-12T13:32:44.207" v="531" actId="20577"/>
+          <ac:spMkLst>
+            <pc:docMk/>
+            <pc:sldMk cId="2533350819" sldId="270"/>
+            <ac:spMk id="33" creationId="{FDD703EB-1E7B-FD48-ABC5-F0C783934D0B}"/>
+          </ac:spMkLst>
+        </pc:spChg>
+        <pc:spChg chg="mod">
+          <ac:chgData name="ROTHHAN, Julia" userId="be7ff023-2547-4253-aab1-386f1dc2d4b0" providerId="ADAL" clId="{A3DF6E53-1700-BD47-A96E-B4EE661643D7}" dt="2020-03-12T13:32:03.242" v="523" actId="20577"/>
+          <ac:spMkLst>
+            <pc:docMk/>
+            <pc:sldMk cId="2533350819" sldId="270"/>
+            <ac:spMk id="34" creationId="{A701EE17-1F4E-FF49-BF1D-2E1711A831AA}"/>
+          </ac:spMkLst>
+        </pc:spChg>
+        <pc:grpChg chg="mod">
+          <ac:chgData name="ROTHHAN, Julia" userId="be7ff023-2547-4253-aab1-386f1dc2d4b0" providerId="ADAL" clId="{A3DF6E53-1700-BD47-A96E-B4EE661643D7}" dt="2020-03-12T09:13:25.442" v="41" actId="12788"/>
+          <ac:grpSpMkLst>
+            <pc:docMk/>
+            <pc:sldMk cId="2533350819" sldId="270"/>
+            <ac:grpSpMk id="4" creationId="{B61C97A1-1D03-AC4E-98DC-CDF656116116}"/>
+          </ac:grpSpMkLst>
+        </pc:grpChg>
+        <pc:grpChg chg="mod">
+          <ac:chgData name="ROTHHAN, Julia" userId="be7ff023-2547-4253-aab1-386f1dc2d4b0" providerId="ADAL" clId="{A3DF6E53-1700-BD47-A96E-B4EE661643D7}" dt="2020-03-12T13:35:01.582" v="547" actId="408"/>
+          <ac:grpSpMkLst>
+            <pc:docMk/>
+            <pc:sldMk cId="2533350819" sldId="270"/>
+            <ac:grpSpMk id="11" creationId="{ECEC5266-E288-DC49-B4F2-A6FA4B62B698}"/>
+          </ac:grpSpMkLst>
+        </pc:grpChg>
+        <pc:grpChg chg="add mod">
+          <ac:chgData name="ROTHHAN, Julia" userId="be7ff023-2547-4253-aab1-386f1dc2d4b0" providerId="ADAL" clId="{A3DF6E53-1700-BD47-A96E-B4EE661643D7}" dt="2020-03-12T13:35:04.665" v="548" actId="1076"/>
+          <ac:grpSpMkLst>
+            <pc:docMk/>
+            <pc:sldMk cId="2533350819" sldId="270"/>
+            <ac:grpSpMk id="14" creationId="{9696E892-C3C6-A143-ACA1-A3C524902583}"/>
+          </ac:grpSpMkLst>
+        </pc:grpChg>
+        <pc:grpChg chg="mod">
+          <ac:chgData name="ROTHHAN, Julia" userId="be7ff023-2547-4253-aab1-386f1dc2d4b0" providerId="ADAL" clId="{A3DF6E53-1700-BD47-A96E-B4EE661643D7}" dt="2020-03-12T13:35:01.582" v="547" actId="408"/>
+          <ac:grpSpMkLst>
+            <pc:docMk/>
+            <pc:sldMk cId="2533350819" sldId="270"/>
+            <ac:grpSpMk id="15" creationId="{CB1D12DC-D163-434A-AAF3-E0FDAFBBE5FC}"/>
+          </ac:grpSpMkLst>
+        </pc:grpChg>
+        <pc:grpChg chg="mod">
+          <ac:chgData name="ROTHHAN, Julia" userId="be7ff023-2547-4253-aab1-386f1dc2d4b0" providerId="ADAL" clId="{A3DF6E53-1700-BD47-A96E-B4EE661643D7}" dt="2020-03-12T13:35:04.665" v="548" actId="1076"/>
+          <ac:grpSpMkLst>
+            <pc:docMk/>
+            <pc:sldMk cId="2533350819" sldId="270"/>
+            <ac:grpSpMk id="24" creationId="{CA1AF6C3-6DEC-7848-9E81-E823C6F8E54C}"/>
+          </ac:grpSpMkLst>
+        </pc:grpChg>
+        <pc:grpChg chg="mod">
+          <ac:chgData name="ROTHHAN, Julia" userId="be7ff023-2547-4253-aab1-386f1dc2d4b0" providerId="ADAL" clId="{A3DF6E53-1700-BD47-A96E-B4EE661643D7}" dt="2020-03-12T13:35:04.665" v="548" actId="1076"/>
+          <ac:grpSpMkLst>
+            <pc:docMk/>
+            <pc:sldMk cId="2533350819" sldId="270"/>
+            <ac:grpSpMk id="25" creationId="{9C9CAB56-28EA-3245-AB2A-379717451204}"/>
+          </ac:grpSpMkLst>
+        </pc:grpChg>
+        <pc:grpChg chg="mod">
+          <ac:chgData name="ROTHHAN, Julia" userId="be7ff023-2547-4253-aab1-386f1dc2d4b0" providerId="ADAL" clId="{A3DF6E53-1700-BD47-A96E-B4EE661643D7}" dt="2020-03-12T13:35:04.665" v="548" actId="1076"/>
+          <ac:grpSpMkLst>
+            <pc:docMk/>
+            <pc:sldMk cId="2533350819" sldId="270"/>
+            <ac:grpSpMk id="26" creationId="{665C6577-3FE6-2C47-AC6B-E28C17010486}"/>
+          </ac:grpSpMkLst>
+        </pc:grpChg>
+        <pc:grpChg chg="mod">
+          <ac:chgData name="ROTHHAN, Julia" userId="be7ff023-2547-4253-aab1-386f1dc2d4b0" providerId="ADAL" clId="{A3DF6E53-1700-BD47-A96E-B4EE661643D7}" dt="2020-03-12T13:35:04.665" v="548" actId="1076"/>
+          <ac:grpSpMkLst>
+            <pc:docMk/>
+            <pc:sldMk cId="2533350819" sldId="270"/>
+            <ac:grpSpMk id="27" creationId="{77B68839-1B45-6E41-931A-34338F3A84B1}"/>
+          </ac:grpSpMkLst>
+        </pc:grpChg>
+        <pc:grpChg chg="add del mod">
+          <ac:chgData name="ROTHHAN, Julia" userId="be7ff023-2547-4253-aab1-386f1dc2d4b0" providerId="ADAL" clId="{A3DF6E53-1700-BD47-A96E-B4EE661643D7}" dt="2020-03-12T13:32:12.393" v="524" actId="165"/>
+          <ac:grpSpMkLst>
+            <pc:docMk/>
+            <pc:sldMk cId="2533350819" sldId="270"/>
+            <ac:grpSpMk id="30" creationId="{3A802EFE-F926-FF4D-A4E1-B10677E6A677}"/>
+          </ac:grpSpMkLst>
+        </pc:grpChg>
+        <pc:grpChg chg="mod topLvl">
+          <ac:chgData name="ROTHHAN, Julia" userId="be7ff023-2547-4253-aab1-386f1dc2d4b0" providerId="ADAL" clId="{A3DF6E53-1700-BD47-A96E-B4EE661643D7}" dt="2020-03-12T13:34:39.756" v="539" actId="164"/>
+          <ac:grpSpMkLst>
+            <pc:docMk/>
+            <pc:sldMk cId="2533350819" sldId="270"/>
+            <ac:grpSpMk id="31" creationId="{2E78E876-CBDE-0948-978A-F12ED4F14F3D}"/>
+          </ac:grpSpMkLst>
+        </pc:grpChg>
+        <pc:picChg chg="mod">
+          <ac:chgData name="ROTHHAN, Julia" userId="be7ff023-2547-4253-aab1-386f1dc2d4b0" providerId="ADAL" clId="{A3DF6E53-1700-BD47-A96E-B4EE661643D7}" dt="2020-03-12T13:30:21.531" v="475" actId="1076"/>
+          <ac:picMkLst>
+            <pc:docMk/>
+            <pc:sldMk cId="2533350819" sldId="270"/>
+            <ac:picMk id="7" creationId="{425FF307-4F56-7D46-8F68-3C7E3E20F22C}"/>
+          </ac:picMkLst>
+        </pc:picChg>
+        <pc:picChg chg="add mod">
+          <ac:chgData name="ROTHHAN, Julia" userId="be7ff023-2547-4253-aab1-386f1dc2d4b0" providerId="ADAL" clId="{A3DF6E53-1700-BD47-A96E-B4EE661643D7}" dt="2020-03-12T13:34:39.756" v="539" actId="164"/>
+          <ac:picMkLst>
+            <pc:docMk/>
+            <pc:sldMk cId="2533350819" sldId="270"/>
+            <ac:picMk id="8" creationId="{226B3B74-7747-7B4E-97F1-F4B8C15416BD}"/>
+          </ac:picMkLst>
+        </pc:picChg>
+        <pc:picChg chg="mod">
+          <ac:chgData name="ROTHHAN, Julia" userId="be7ff023-2547-4253-aab1-386f1dc2d4b0" providerId="ADAL" clId="{A3DF6E53-1700-BD47-A96E-B4EE661643D7}" dt="2020-03-12T13:30:27.372" v="477" actId="1076"/>
+          <ac:picMkLst>
+            <pc:docMk/>
+            <pc:sldMk cId="2533350819" sldId="270"/>
+            <ac:picMk id="19" creationId="{069FF06A-CFF9-AA43-A8D9-630A8B1B9264}"/>
+          </ac:picMkLst>
+        </pc:picChg>
+        <pc:picChg chg="mod">
+          <ac:chgData name="ROTHHAN, Julia" userId="be7ff023-2547-4253-aab1-386f1dc2d4b0" providerId="ADAL" clId="{A3DF6E53-1700-BD47-A96E-B4EE661643D7}" dt="2020-03-12T13:30:24.198" v="476" actId="1076"/>
+          <ac:picMkLst>
+            <pc:docMk/>
+            <pc:sldMk cId="2533350819" sldId="270"/>
+            <ac:picMk id="21" creationId="{55F335A2-D658-9941-8B83-5C37A4BFCAC2}"/>
+          </ac:picMkLst>
+        </pc:picChg>
+        <pc:picChg chg="mod">
+          <ac:chgData name="ROTHHAN, Julia" userId="be7ff023-2547-4253-aab1-386f1dc2d4b0" providerId="ADAL" clId="{A3DF6E53-1700-BD47-A96E-B4EE661643D7}" dt="2020-03-12T13:30:29.779" v="478" actId="1076"/>
+          <ac:picMkLst>
+            <pc:docMk/>
+            <pc:sldMk cId="2533350819" sldId="270"/>
+            <ac:picMk id="23" creationId="{68625718-A773-E046-9A9E-78CE3CEDBA5B}"/>
+          </ac:picMkLst>
+        </pc:picChg>
+        <pc:picChg chg="del mod topLvl">
+          <ac:chgData name="ROTHHAN, Julia" userId="be7ff023-2547-4253-aab1-386f1dc2d4b0" providerId="ADAL" clId="{A3DF6E53-1700-BD47-A96E-B4EE661643D7}" dt="2020-03-12T13:32:14.936" v="526" actId="478"/>
+          <ac:picMkLst>
+            <pc:docMk/>
+            <pc:sldMk cId="2533350819" sldId="270"/>
+            <ac:picMk id="32" creationId="{628B4BA8-1A7A-FD4F-B745-E95EE9D91508}"/>
+          </ac:picMkLst>
+        </pc:picChg>
+      </pc:sldChg>
+      <pc:sldChg chg="addSp delSp modSp">
+        <pc:chgData name="ROTHHAN, Julia" userId="be7ff023-2547-4253-aab1-386f1dc2d4b0" providerId="ADAL" clId="{A3DF6E53-1700-BD47-A96E-B4EE661643D7}" dt="2020-03-12T09:58:41.305" v="397" actId="14100"/>
+        <pc:sldMkLst>
+          <pc:docMk/>
+          <pc:sldMk cId="257592988" sldId="271"/>
+        </pc:sldMkLst>
+        <pc:spChg chg="mod">
+          <ac:chgData name="ROTHHAN, Julia" userId="be7ff023-2547-4253-aab1-386f1dc2d4b0" providerId="ADAL" clId="{A3DF6E53-1700-BD47-A96E-B4EE661643D7}" dt="2020-03-12T09:15:38.574" v="60" actId="255"/>
+          <ac:spMkLst>
+            <pc:docMk/>
+            <pc:sldMk cId="257592988" sldId="271"/>
+            <ac:spMk id="2" creationId="{FCA4BF26-10BB-DD4F-AFC7-4E1E85A7D46C}"/>
+          </ac:spMkLst>
+        </pc:spChg>
+        <pc:spChg chg="mod">
+          <ac:chgData name="ROTHHAN, Julia" userId="be7ff023-2547-4253-aab1-386f1dc2d4b0" providerId="ADAL" clId="{A3DF6E53-1700-BD47-A96E-B4EE661643D7}" dt="2020-03-12T09:58:34.949" v="394" actId="14100"/>
+          <ac:spMkLst>
+            <pc:docMk/>
+            <pc:sldMk cId="257592988" sldId="271"/>
+            <ac:spMk id="5" creationId="{25B9D4DD-7F2C-714D-9DF5-E250336577F0}"/>
+          </ac:spMkLst>
+        </pc:spChg>
+        <pc:spChg chg="mod">
+          <ac:chgData name="ROTHHAN, Julia" userId="be7ff023-2547-4253-aab1-386f1dc2d4b0" providerId="ADAL" clId="{A3DF6E53-1700-BD47-A96E-B4EE661643D7}" dt="2020-03-12T09:57:56.171" v="384" actId="1076"/>
+          <ac:spMkLst>
+            <pc:docMk/>
+            <pc:sldMk cId="257592988" sldId="271"/>
+            <ac:spMk id="6" creationId="{EC0F98B1-DC33-354A-8C46-BCD8C3440FEB}"/>
+          </ac:spMkLst>
+        </pc:spChg>
+        <pc:spChg chg="mod">
+          <ac:chgData name="ROTHHAN, Julia" userId="be7ff023-2547-4253-aab1-386f1dc2d4b0" providerId="ADAL" clId="{A3DF6E53-1700-BD47-A96E-B4EE661643D7}" dt="2020-03-12T09:58:36.813" v="395" actId="14100"/>
+          <ac:spMkLst>
+            <pc:docMk/>
+            <pc:sldMk cId="257592988" sldId="271"/>
+            <ac:spMk id="8" creationId="{53E1C37E-A90B-B54D-9432-292BD494728C}"/>
+          </ac:spMkLst>
+        </pc:spChg>
+        <pc:spChg chg="mod">
+          <ac:chgData name="ROTHHAN, Julia" userId="be7ff023-2547-4253-aab1-386f1dc2d4b0" providerId="ADAL" clId="{A3DF6E53-1700-BD47-A96E-B4EE661643D7}" dt="2020-03-12T09:57:53.233" v="383" actId="1076"/>
+          <ac:spMkLst>
+            <pc:docMk/>
+            <pc:sldMk cId="257592988" sldId="271"/>
+            <ac:spMk id="9" creationId="{B767265C-9539-B442-ACC7-F3F529BA3E05}"/>
+          </ac:spMkLst>
+        </pc:spChg>
+        <pc:spChg chg="mod">
+          <ac:chgData name="ROTHHAN, Julia" userId="be7ff023-2547-4253-aab1-386f1dc2d4b0" providerId="ADAL" clId="{A3DF6E53-1700-BD47-A96E-B4EE661643D7}" dt="2020-03-12T09:58:38.921" v="396" actId="14100"/>
+          <ac:spMkLst>
+            <pc:docMk/>
+            <pc:sldMk cId="257592988" sldId="271"/>
+            <ac:spMk id="14" creationId="{4F46A8AC-A185-AA47-AAD7-EADBB74F7DB5}"/>
+          </ac:spMkLst>
+        </pc:spChg>
+        <pc:spChg chg="mod">
+          <ac:chgData name="ROTHHAN, Julia" userId="be7ff023-2547-4253-aab1-386f1dc2d4b0" providerId="ADAL" clId="{A3DF6E53-1700-BD47-A96E-B4EE661643D7}" dt="2020-03-12T09:57:45.370" v="381" actId="1076"/>
+          <ac:spMkLst>
+            <pc:docMk/>
+            <pc:sldMk cId="257592988" sldId="271"/>
+            <ac:spMk id="15" creationId="{AD9E0263-5130-8C4D-A6F7-0C1B4F7F565B}"/>
+          </ac:spMkLst>
+        </pc:spChg>
+        <pc:spChg chg="mod">
+          <ac:chgData name="ROTHHAN, Julia" userId="be7ff023-2547-4253-aab1-386f1dc2d4b0" providerId="ADAL" clId="{A3DF6E53-1700-BD47-A96E-B4EE661643D7}" dt="2020-03-12T09:58:41.305" v="397" actId="14100"/>
+          <ac:spMkLst>
+            <pc:docMk/>
+            <pc:sldMk cId="257592988" sldId="271"/>
+            <ac:spMk id="20" creationId="{ACAB28BE-CC0B-1B4F-8E6F-308B6FE005B4}"/>
+          </ac:spMkLst>
+        </pc:spChg>
+        <pc:spChg chg="mod">
+          <ac:chgData name="ROTHHAN, Julia" userId="be7ff023-2547-4253-aab1-386f1dc2d4b0" providerId="ADAL" clId="{A3DF6E53-1700-BD47-A96E-B4EE661643D7}" dt="2020-03-12T09:57:50.343" v="382" actId="1076"/>
+          <ac:spMkLst>
+            <pc:docMk/>
+            <pc:sldMk cId="257592988" sldId="271"/>
+            <ac:spMk id="21" creationId="{EF86352F-9988-4040-AC1A-714626BE862D}"/>
+          </ac:spMkLst>
+        </pc:spChg>
+        <pc:grpChg chg="mod">
+          <ac:chgData name="ROTHHAN, Julia" userId="be7ff023-2547-4253-aab1-386f1dc2d4b0" providerId="ADAL" clId="{A3DF6E53-1700-BD47-A96E-B4EE661643D7}" dt="2020-03-12T09:57:04.352" v="366" actId="1076"/>
+          <ac:grpSpMkLst>
+            <pc:docMk/>
+            <pc:sldMk cId="257592988" sldId="271"/>
+            <ac:grpSpMk id="49" creationId="{7AE7F7E0-EDEE-8E43-8FB2-DAABC8E35BFD}"/>
+          </ac:grpSpMkLst>
+        </pc:grpChg>
+        <pc:picChg chg="mod">
+          <ac:chgData name="ROTHHAN, Julia" userId="be7ff023-2547-4253-aab1-386f1dc2d4b0" providerId="ADAL" clId="{A3DF6E53-1700-BD47-A96E-B4EE661643D7}" dt="2020-03-12T09:57:02.038" v="365" actId="1076"/>
+          <ac:picMkLst>
+            <pc:docMk/>
+            <pc:sldMk cId="257592988" sldId="271"/>
+            <ac:picMk id="22" creationId="{8D7E7631-7BF2-6142-A4BD-30A5B7F666C8}"/>
+          </ac:picMkLst>
+        </pc:picChg>
+        <pc:picChg chg="add del mod">
+          <ac:chgData name="ROTHHAN, Julia" userId="be7ff023-2547-4253-aab1-386f1dc2d4b0" providerId="ADAL" clId="{A3DF6E53-1700-BD47-A96E-B4EE661643D7}" dt="2020-03-12T09:58:31.847" v="392" actId="478"/>
+          <ac:picMkLst>
+            <pc:docMk/>
+            <pc:sldMk cId="257592988" sldId="271"/>
+            <ac:picMk id="25" creationId="{018B97B1-68F0-2B41-9A45-CF29CCB8817B}"/>
+          </ac:picMkLst>
+        </pc:picChg>
+        <pc:picChg chg="add del mod">
+          <ac:chgData name="ROTHHAN, Julia" userId="be7ff023-2547-4253-aab1-386f1dc2d4b0" providerId="ADAL" clId="{A3DF6E53-1700-BD47-A96E-B4EE661643D7}" dt="2020-03-12T09:58:32.709" v="393" actId="478"/>
+          <ac:picMkLst>
+            <pc:docMk/>
+            <pc:sldMk cId="257592988" sldId="271"/>
+            <ac:picMk id="27" creationId="{5FB8CC05-67F9-B24B-9DCE-7A6EBA8910B4}"/>
+          </ac:picMkLst>
+        </pc:picChg>
+        <pc:picChg chg="mod">
+          <ac:chgData name="ROTHHAN, Julia" userId="be7ff023-2547-4253-aab1-386f1dc2d4b0" providerId="ADAL" clId="{A3DF6E53-1700-BD47-A96E-B4EE661643D7}" dt="2020-03-12T09:57:08.413" v="367" actId="1076"/>
+          <ac:picMkLst>
+            <pc:docMk/>
+            <pc:sldMk cId="257592988" sldId="271"/>
+            <ac:picMk id="38" creationId="{7CEA4D78-6738-294F-89FD-1DF82CE98A6C}"/>
+          </ac:picMkLst>
+        </pc:picChg>
+      </pc:sldChg>
+      <pc:sldChg chg="addSp modSp">
+        <pc:chgData name="ROTHHAN, Julia" userId="be7ff023-2547-4253-aab1-386f1dc2d4b0" providerId="ADAL" clId="{A3DF6E53-1700-BD47-A96E-B4EE661643D7}" dt="2020-03-12T09:56:32.359" v="362" actId="1076"/>
+        <pc:sldMkLst>
+          <pc:docMk/>
+          <pc:sldMk cId="3353754274" sldId="273"/>
+        </pc:sldMkLst>
+        <pc:spChg chg="mod">
+          <ac:chgData name="ROTHHAN, Julia" userId="be7ff023-2547-4253-aab1-386f1dc2d4b0" providerId="ADAL" clId="{A3DF6E53-1700-BD47-A96E-B4EE661643D7}" dt="2020-03-12T09:27:46.174" v="172" actId="12788"/>
+          <ac:spMkLst>
+            <pc:docMk/>
+            <pc:sldMk cId="3353754274" sldId="273"/>
+            <ac:spMk id="7" creationId="{6B13F1AA-0EC7-AC47-B623-11532C91D2F0}"/>
+          </ac:spMkLst>
+        </pc:spChg>
+        <pc:spChg chg="mod">
+          <ac:chgData name="ROTHHAN, Julia" userId="be7ff023-2547-4253-aab1-386f1dc2d4b0" providerId="ADAL" clId="{A3DF6E53-1700-BD47-A96E-B4EE661643D7}" dt="2020-03-12T09:27:46.174" v="172" actId="12788"/>
+          <ac:spMkLst>
+            <pc:docMk/>
+            <pc:sldMk cId="3353754274" sldId="273"/>
+            <ac:spMk id="8" creationId="{8B353766-3926-2941-9AE4-E55896366A25}"/>
+          </ac:spMkLst>
+        </pc:spChg>
+        <pc:spChg chg="mod">
+          <ac:chgData name="ROTHHAN, Julia" userId="be7ff023-2547-4253-aab1-386f1dc2d4b0" providerId="ADAL" clId="{A3DF6E53-1700-BD47-A96E-B4EE661643D7}" dt="2020-03-12T09:27:48.514" v="173" actId="12788"/>
+          <ac:spMkLst>
+            <pc:docMk/>
+            <pc:sldMk cId="3353754274" sldId="273"/>
+            <ac:spMk id="10" creationId="{1FD1F38A-DF73-A547-B7E9-2511349E1AA5}"/>
+          </ac:spMkLst>
+        </pc:spChg>
+        <pc:spChg chg="mod">
+          <ac:chgData name="ROTHHAN, Julia" userId="be7ff023-2547-4253-aab1-386f1dc2d4b0" providerId="ADAL" clId="{A3DF6E53-1700-BD47-A96E-B4EE661643D7}" dt="2020-03-12T09:27:48.514" v="173" actId="12788"/>
+          <ac:spMkLst>
+            <pc:docMk/>
+            <pc:sldMk cId="3353754274" sldId="273"/>
+            <ac:spMk id="11" creationId="{B2F05083-A032-0540-BA91-FB095E5B0122}"/>
+          </ac:spMkLst>
+        </pc:spChg>
+        <pc:spChg chg="mod">
+          <ac:chgData name="ROTHHAN, Julia" userId="be7ff023-2547-4253-aab1-386f1dc2d4b0" providerId="ADAL" clId="{A3DF6E53-1700-BD47-A96E-B4EE661643D7}" dt="2020-03-12T09:27:34.755" v="168" actId="1076"/>
+          <ac:spMkLst>
+            <pc:docMk/>
+            <pc:sldMk cId="3353754274" sldId="273"/>
+            <ac:spMk id="14" creationId="{B74406A4-5A1A-774B-BD41-DDF226B123ED}"/>
+          </ac:spMkLst>
+        </pc:spChg>
+        <pc:spChg chg="mod">
+          <ac:chgData name="ROTHHAN, Julia" userId="be7ff023-2547-4253-aab1-386f1dc2d4b0" providerId="ADAL" clId="{A3DF6E53-1700-BD47-A96E-B4EE661643D7}" dt="2020-03-12T09:27:37.117" v="169" actId="1076"/>
+          <ac:spMkLst>
+            <pc:docMk/>
+            <pc:sldMk cId="3353754274" sldId="273"/>
+            <ac:spMk id="17" creationId="{7C95F14F-2274-C04C-AD12-E5DD6B4243EF}"/>
+          </ac:spMkLst>
+        </pc:spChg>
+        <pc:spChg chg="mod">
+          <ac:chgData name="ROTHHAN, Julia" userId="be7ff023-2547-4253-aab1-386f1dc2d4b0" providerId="ADAL" clId="{A3DF6E53-1700-BD47-A96E-B4EE661643D7}" dt="2020-03-12T09:27:39.963" v="170" actId="1076"/>
+          <ac:spMkLst>
+            <pc:docMk/>
+            <pc:sldMk cId="3353754274" sldId="273"/>
+            <ac:spMk id="25" creationId="{D6088F07-D159-214B-A999-7EBD855690DF}"/>
+          </ac:spMkLst>
+        </pc:spChg>
+        <pc:spChg chg="mod">
+          <ac:chgData name="ROTHHAN, Julia" userId="be7ff023-2547-4253-aab1-386f1dc2d4b0" providerId="ADAL" clId="{A3DF6E53-1700-BD47-A96E-B4EE661643D7}" dt="2020-03-12T09:27:21.705" v="165" actId="255"/>
+          <ac:spMkLst>
+            <pc:docMk/>
+            <pc:sldMk cId="3353754274" sldId="273"/>
+            <ac:spMk id="26" creationId="{DD9F87F6-B574-D446-A2D5-488C077081EF}"/>
+          </ac:spMkLst>
+        </pc:spChg>
+        <pc:grpChg chg="mod">
+          <ac:chgData name="ROTHHAN, Julia" userId="be7ff023-2547-4253-aab1-386f1dc2d4b0" providerId="ADAL" clId="{A3DF6E53-1700-BD47-A96E-B4EE661643D7}" dt="2020-03-12T09:56:32.359" v="362" actId="1076"/>
+          <ac:grpSpMkLst>
+            <pc:docMk/>
+            <pc:sldMk cId="3353754274" sldId="273"/>
+            <ac:grpSpMk id="6" creationId="{8CABC54B-7C8C-0F41-82AE-D81B7789A46D}"/>
+          </ac:grpSpMkLst>
+        </pc:grpChg>
+        <pc:grpChg chg="mod">
+          <ac:chgData name="ROTHHAN, Julia" userId="be7ff023-2547-4253-aab1-386f1dc2d4b0" providerId="ADAL" clId="{A3DF6E53-1700-BD47-A96E-B4EE661643D7}" dt="2020-03-12T09:56:32.359" v="362" actId="1076"/>
+          <ac:grpSpMkLst>
+            <pc:docMk/>
+            <pc:sldMk cId="3353754274" sldId="273"/>
+            <ac:grpSpMk id="9" creationId="{D39B540E-0EF5-5848-8152-9A08050A3AA3}"/>
+          </ac:grpSpMkLst>
+        </pc:grpChg>
+        <pc:grpChg chg="mod">
+          <ac:chgData name="ROTHHAN, Julia" userId="be7ff023-2547-4253-aab1-386f1dc2d4b0" providerId="ADAL" clId="{A3DF6E53-1700-BD47-A96E-B4EE661643D7}" dt="2020-03-12T09:56:32.359" v="362" actId="1076"/>
+          <ac:grpSpMkLst>
+            <pc:docMk/>
+            <pc:sldMk cId="3353754274" sldId="273"/>
+            <ac:grpSpMk id="12" creationId="{1DEA7F11-AB1A-B140-A780-25CCAAACCB37}"/>
+          </ac:grpSpMkLst>
+        </pc:grpChg>
+        <pc:grpChg chg="mod">
+          <ac:chgData name="ROTHHAN, Julia" userId="be7ff023-2547-4253-aab1-386f1dc2d4b0" providerId="ADAL" clId="{A3DF6E53-1700-BD47-A96E-B4EE661643D7}" dt="2020-03-12T09:56:32.359" v="362" actId="1076"/>
+          <ac:grpSpMkLst>
+            <pc:docMk/>
+            <pc:sldMk cId="3353754274" sldId="273"/>
+            <ac:grpSpMk id="15" creationId="{D0279A6B-0C89-C34E-8EA4-F981C5FD9469}"/>
+          </ac:grpSpMkLst>
+        </pc:grpChg>
+        <pc:grpChg chg="mod">
+          <ac:chgData name="ROTHHAN, Julia" userId="be7ff023-2547-4253-aab1-386f1dc2d4b0" providerId="ADAL" clId="{A3DF6E53-1700-BD47-A96E-B4EE661643D7}" dt="2020-03-12T09:56:32.359" v="362" actId="1076"/>
+          <ac:grpSpMkLst>
+            <pc:docMk/>
+            <pc:sldMk cId="3353754274" sldId="273"/>
+            <ac:grpSpMk id="23" creationId="{353A92BE-032D-E942-8FE8-D13DD7817317}"/>
+          </ac:grpSpMkLst>
+        </pc:grpChg>
+        <pc:grpChg chg="add mod">
+          <ac:chgData name="ROTHHAN, Julia" userId="be7ff023-2547-4253-aab1-386f1dc2d4b0" providerId="ADAL" clId="{A3DF6E53-1700-BD47-A96E-B4EE661643D7}" dt="2020-03-12T09:56:32.359" v="362" actId="1076"/>
+          <ac:grpSpMkLst>
+            <pc:docMk/>
+            <pc:sldMk cId="3353754274" sldId="273"/>
+            <ac:grpSpMk id="29" creationId="{5ED0611E-9FF4-1540-AF04-88F713FF6C32}"/>
+          </ac:grpSpMkLst>
+        </pc:grpChg>
+        <pc:grpChg chg="add mod">
+          <ac:chgData name="ROTHHAN, Julia" userId="be7ff023-2547-4253-aab1-386f1dc2d4b0" providerId="ADAL" clId="{A3DF6E53-1700-BD47-A96E-B4EE661643D7}" dt="2020-03-12T09:56:32.359" v="362" actId="1076"/>
+          <ac:grpSpMkLst>
+            <pc:docMk/>
+            <pc:sldMk cId="3353754274" sldId="273"/>
+            <ac:grpSpMk id="34" creationId="{3C70A871-5A97-314C-A29E-D0CC599CBD95}"/>
+          </ac:grpSpMkLst>
+        </pc:grpChg>
+        <pc:grpChg chg="add mod">
+          <ac:chgData name="ROTHHAN, Julia" userId="be7ff023-2547-4253-aab1-386f1dc2d4b0" providerId="ADAL" clId="{A3DF6E53-1700-BD47-A96E-B4EE661643D7}" dt="2020-03-12T09:56:32.359" v="362" actId="1076"/>
+          <ac:grpSpMkLst>
+            <pc:docMk/>
+            <pc:sldMk cId="3353754274" sldId="273"/>
+            <ac:grpSpMk id="40" creationId="{0B78BE76-66FC-BA43-9220-84DFBC16357A}"/>
+          </ac:grpSpMkLst>
+        </pc:grpChg>
+        <pc:grpChg chg="add mod">
+          <ac:chgData name="ROTHHAN, Julia" userId="be7ff023-2547-4253-aab1-386f1dc2d4b0" providerId="ADAL" clId="{A3DF6E53-1700-BD47-A96E-B4EE661643D7}" dt="2020-03-12T09:56:32.359" v="362" actId="1076"/>
+          <ac:grpSpMkLst>
+            <pc:docMk/>
+            <pc:sldMk cId="3353754274" sldId="273"/>
+            <ac:grpSpMk id="43" creationId="{F4EE9044-5C85-A040-BD51-36798EE04AC4}"/>
+          </ac:grpSpMkLst>
+        </pc:grpChg>
+        <pc:grpChg chg="add mod">
+          <ac:chgData name="ROTHHAN, Julia" userId="be7ff023-2547-4253-aab1-386f1dc2d4b0" providerId="ADAL" clId="{A3DF6E53-1700-BD47-A96E-B4EE661643D7}" dt="2020-03-12T09:56:32.359" v="362" actId="1076"/>
+          <ac:grpSpMkLst>
+            <pc:docMk/>
+            <pc:sldMk cId="3353754274" sldId="273"/>
+            <ac:grpSpMk id="46" creationId="{ADA54DEF-5984-644F-A1F9-4562F95BDCED}"/>
+          </ac:grpSpMkLst>
+        </pc:grpChg>
+        <pc:picChg chg="mod">
+          <ac:chgData name="ROTHHAN, Julia" userId="be7ff023-2547-4253-aab1-386f1dc2d4b0" providerId="ADAL" clId="{A3DF6E53-1700-BD47-A96E-B4EE661643D7}" dt="2020-03-12T09:56:32.359" v="362" actId="1076"/>
+          <ac:picMkLst>
+            <pc:docMk/>
+            <pc:sldMk cId="3353754274" sldId="273"/>
+            <ac:picMk id="27" creationId="{36EF1C9A-4BAD-A842-915F-BBC4A09E6872}"/>
+          </ac:picMkLst>
+        </pc:picChg>
+        <pc:picChg chg="mod">
+          <ac:chgData name="ROTHHAN, Julia" userId="be7ff023-2547-4253-aab1-386f1dc2d4b0" providerId="ADAL" clId="{A3DF6E53-1700-BD47-A96E-B4EE661643D7}" dt="2020-03-12T09:56:32.359" v="362" actId="1076"/>
+          <ac:picMkLst>
+            <pc:docMk/>
+            <pc:sldMk cId="3353754274" sldId="273"/>
+            <ac:picMk id="31" creationId="{FBFEB52A-1FA2-A842-A270-F2B2A72B36A8}"/>
+          </ac:picMkLst>
+        </pc:picChg>
+        <pc:picChg chg="mod">
+          <ac:chgData name="ROTHHAN, Julia" userId="be7ff023-2547-4253-aab1-386f1dc2d4b0" providerId="ADAL" clId="{A3DF6E53-1700-BD47-A96E-B4EE661643D7}" dt="2020-03-12T09:56:32.359" v="362" actId="1076"/>
+          <ac:picMkLst>
+            <pc:docMk/>
+            <pc:sldMk cId="3353754274" sldId="273"/>
+            <ac:picMk id="33" creationId="{7EA4E9FD-5FA8-1A44-90EF-F85E759E8A46}"/>
+          </ac:picMkLst>
+        </pc:picChg>
+        <pc:picChg chg="mod">
+          <ac:chgData name="ROTHHAN, Julia" userId="be7ff023-2547-4253-aab1-386f1dc2d4b0" providerId="ADAL" clId="{A3DF6E53-1700-BD47-A96E-B4EE661643D7}" dt="2020-03-12T09:56:32.359" v="362" actId="1076"/>
+          <ac:picMkLst>
+            <pc:docMk/>
+            <pc:sldMk cId="3353754274" sldId="273"/>
+            <ac:picMk id="35" creationId="{BA045D9D-C9AD-864A-A55D-465E0D1DCD61}"/>
+          </ac:picMkLst>
+        </pc:picChg>
+        <pc:picChg chg="mod">
+          <ac:chgData name="ROTHHAN, Julia" userId="be7ff023-2547-4253-aab1-386f1dc2d4b0" providerId="ADAL" clId="{A3DF6E53-1700-BD47-A96E-B4EE661643D7}" dt="2020-03-12T09:56:32.359" v="362" actId="1076"/>
+          <ac:picMkLst>
+            <pc:docMk/>
+            <pc:sldMk cId="3353754274" sldId="273"/>
+            <ac:picMk id="36" creationId="{8374CD8F-D052-EF4D-9B70-22BC48551950}"/>
+          </ac:picMkLst>
+        </pc:picChg>
+        <pc:picChg chg="mod">
+          <ac:chgData name="ROTHHAN, Julia" userId="be7ff023-2547-4253-aab1-386f1dc2d4b0" providerId="ADAL" clId="{A3DF6E53-1700-BD47-A96E-B4EE661643D7}" dt="2020-03-12T09:56:32.359" v="362" actId="1076"/>
+          <ac:picMkLst>
+            <pc:docMk/>
+            <pc:sldMk cId="3353754274" sldId="273"/>
+            <ac:picMk id="38" creationId="{BEA5BC8B-6302-BD4F-A8AC-060952E5F313}"/>
+          </ac:picMkLst>
+        </pc:picChg>
+      </pc:sldChg>
+      <pc:sldChg chg="addSp modSp">
+        <pc:chgData name="ROTHHAN, Julia" userId="be7ff023-2547-4253-aab1-386f1dc2d4b0" providerId="ADAL" clId="{A3DF6E53-1700-BD47-A96E-B4EE661643D7}" dt="2020-03-12T11:06:27.978" v="461" actId="1076"/>
+        <pc:sldMkLst>
+          <pc:docMk/>
+          <pc:sldMk cId="3135938486" sldId="275"/>
+        </pc:sldMkLst>
+        <pc:spChg chg="mod">
+          <ac:chgData name="ROTHHAN, Julia" userId="be7ff023-2547-4253-aab1-386f1dc2d4b0" providerId="ADAL" clId="{A3DF6E53-1700-BD47-A96E-B4EE661643D7}" dt="2020-03-12T11:06:06.895" v="453" actId="14100"/>
+          <ac:spMkLst>
+            <pc:docMk/>
+            <pc:sldMk cId="3135938486" sldId="275"/>
+            <ac:spMk id="4" creationId="{BC8E0A61-1977-C340-A0CE-44743453CC47}"/>
+          </ac:spMkLst>
+        </pc:spChg>
+        <pc:spChg chg="mod">
+          <ac:chgData name="ROTHHAN, Julia" userId="be7ff023-2547-4253-aab1-386f1dc2d4b0" providerId="ADAL" clId="{A3DF6E53-1700-BD47-A96E-B4EE661643D7}" dt="2020-03-12T11:05:57.423" v="451" actId="120"/>
+          <ac:spMkLst>
+            <pc:docMk/>
+            <pc:sldMk cId="3135938486" sldId="275"/>
+            <ac:spMk id="5" creationId="{34E4881A-719C-1B47-840A-D0C2A4C25F3F}"/>
+          </ac:spMkLst>
+        </pc:spChg>
+        <pc:spChg chg="mod">
+          <ac:chgData name="ROTHHAN, Julia" userId="be7ff023-2547-4253-aab1-386f1dc2d4b0" providerId="ADAL" clId="{A3DF6E53-1700-BD47-A96E-B4EE661643D7}" dt="2020-03-12T11:06:25.559" v="460" actId="14100"/>
+          <ac:spMkLst>
+            <pc:docMk/>
+            <pc:sldMk cId="3135938486" sldId="275"/>
+            <ac:spMk id="9" creationId="{2C43A0F7-771A-2C45-9194-CA77947BAAB9}"/>
+          </ac:spMkLst>
+        </pc:spChg>
+        <pc:spChg chg="mod">
+          <ac:chgData name="ROTHHAN, Julia" userId="be7ff023-2547-4253-aab1-386f1dc2d4b0" providerId="ADAL" clId="{A3DF6E53-1700-BD47-A96E-B4EE661643D7}" dt="2020-03-12T11:06:27.978" v="461" actId="1076"/>
+          <ac:spMkLst>
+            <pc:docMk/>
+            <pc:sldMk cId="3135938486" sldId="275"/>
+            <ac:spMk id="10" creationId="{EE737E26-3E29-BE43-99E5-9A0B9E6803D5}"/>
+          </ac:spMkLst>
+        </pc:spChg>
+        <pc:spChg chg="mod">
+          <ac:chgData name="ROTHHAN, Julia" userId="be7ff023-2547-4253-aab1-386f1dc2d4b0" providerId="ADAL" clId="{A3DF6E53-1700-BD47-A96E-B4EE661643D7}" dt="2020-03-12T11:06:19.127" v="459" actId="120"/>
+          <ac:spMkLst>
+            <pc:docMk/>
+            <pc:sldMk cId="3135938486" sldId="275"/>
+            <ac:spMk id="18" creationId="{223EC843-8BA7-D143-A597-149F092EA6C3}"/>
+          </ac:spMkLst>
+        </pc:spChg>
+        <pc:spChg chg="mod">
+          <ac:chgData name="ROTHHAN, Julia" userId="be7ff023-2547-4253-aab1-386f1dc2d4b0" providerId="ADAL" clId="{A3DF6E53-1700-BD47-A96E-B4EE661643D7}" dt="2020-03-12T11:06:19.127" v="459" actId="120"/>
+          <ac:spMkLst>
+            <pc:docMk/>
+            <pc:sldMk cId="3135938486" sldId="275"/>
+            <ac:spMk id="20" creationId="{3E99258C-5894-E849-B6BF-A4E62494AF9F}"/>
+          </ac:spMkLst>
+        </pc:spChg>
+        <pc:spChg chg="mod">
+          <ac:chgData name="ROTHHAN, Julia" userId="be7ff023-2547-4253-aab1-386f1dc2d4b0" providerId="ADAL" clId="{A3DF6E53-1700-BD47-A96E-B4EE661643D7}" dt="2020-03-12T11:06:10.756" v="456" actId="14100"/>
+          <ac:spMkLst>
+            <pc:docMk/>
+            <pc:sldMk cId="3135938486" sldId="275"/>
+            <ac:spMk id="24" creationId="{12F9D7A5-8FBB-4C43-96F0-35E10877A800}"/>
+          </ac:spMkLst>
+        </pc:spChg>
+        <pc:spChg chg="mod">
+          <ac:chgData name="ROTHHAN, Julia" userId="be7ff023-2547-4253-aab1-386f1dc2d4b0" providerId="ADAL" clId="{A3DF6E53-1700-BD47-A96E-B4EE661643D7}" dt="2020-03-12T09:15:44.134" v="61" actId="255"/>
+          <ac:spMkLst>
+            <pc:docMk/>
+            <pc:sldMk cId="3135938486" sldId="275"/>
+            <ac:spMk id="28" creationId="{DA387879-4363-1A4E-88D0-8E999B6C6301}"/>
+          </ac:spMkLst>
+        </pc:spChg>
+        <pc:grpChg chg="mod">
+          <ac:chgData name="ROTHHAN, Julia" userId="be7ff023-2547-4253-aab1-386f1dc2d4b0" providerId="ADAL" clId="{A3DF6E53-1700-BD47-A96E-B4EE661643D7}" dt="2020-03-12T09:15:57.388" v="62" actId="1076"/>
+          <ac:grpSpMkLst>
+            <pc:docMk/>
+            <pc:sldMk cId="3135938486" sldId="275"/>
+            <ac:grpSpMk id="3" creationId="{2DB3910B-73D2-DF41-B68A-D0CBE597AB3F}"/>
+          </ac:grpSpMkLst>
+        </pc:grpChg>
+        <pc:grpChg chg="mod">
+          <ac:chgData name="ROTHHAN, Julia" userId="be7ff023-2547-4253-aab1-386f1dc2d4b0" providerId="ADAL" clId="{A3DF6E53-1700-BD47-A96E-B4EE661643D7}" dt="2020-03-12T11:05:50.228" v="449" actId="14100"/>
+          <ac:grpSpMkLst>
+            <pc:docMk/>
+            <pc:sldMk cId="3135938486" sldId="275"/>
+            <ac:grpSpMk id="23" creationId="{0D9AC537-E081-324A-89C0-7B4609FED8ED}"/>
+          </ac:grpSpMkLst>
+        </pc:grpChg>
+        <pc:grpChg chg="add mod">
+          <ac:chgData name="ROTHHAN, Julia" userId="be7ff023-2547-4253-aab1-386f1dc2d4b0" providerId="ADAL" clId="{A3DF6E53-1700-BD47-A96E-B4EE661643D7}" dt="2020-03-12T09:53:39.960" v="341" actId="1076"/>
+          <ac:grpSpMkLst>
+            <pc:docMk/>
+            <pc:sldMk cId="3135938486" sldId="275"/>
+            <ac:grpSpMk id="29" creationId="{425721C9-DEEE-C34B-A853-A41544A448B8}"/>
+          </ac:grpSpMkLst>
+        </pc:grpChg>
+        <pc:picChg chg="mod">
+          <ac:chgData name="ROTHHAN, Julia" userId="be7ff023-2547-4253-aab1-386f1dc2d4b0" providerId="ADAL" clId="{A3DF6E53-1700-BD47-A96E-B4EE661643D7}" dt="2020-03-12T09:16:16.375" v="64" actId="1076"/>
+          <ac:picMkLst>
+            <pc:docMk/>
+            <pc:sldMk cId="3135938486" sldId="275"/>
+            <ac:picMk id="33" creationId="{B5F25136-5459-B140-9492-2BC5EC5EC5DF}"/>
+          </ac:picMkLst>
+        </pc:picChg>
+      </pc:sldChg>
+      <pc:sldChg chg="modSp">
+        <pc:chgData name="ROTHHAN, Julia" userId="be7ff023-2547-4253-aab1-386f1dc2d4b0" providerId="ADAL" clId="{A3DF6E53-1700-BD47-A96E-B4EE661643D7}" dt="2020-03-12T09:55:36.660" v="356" actId="207"/>
+        <pc:sldMkLst>
+          <pc:docMk/>
+          <pc:sldMk cId="3391734804" sldId="276"/>
+        </pc:sldMkLst>
+        <pc:spChg chg="mod">
+          <ac:chgData name="ROTHHAN, Julia" userId="be7ff023-2547-4253-aab1-386f1dc2d4b0" providerId="ADAL" clId="{A3DF6E53-1700-BD47-A96E-B4EE661643D7}" dt="2020-03-12T09:23:36.134" v="109" actId="255"/>
+          <ac:spMkLst>
+            <pc:docMk/>
+            <pc:sldMk cId="3391734804" sldId="276"/>
+            <ac:spMk id="2" creationId="{C2AE9ED4-D69C-E247-8604-97456B805B15}"/>
+          </ac:spMkLst>
+        </pc:spChg>
+        <pc:spChg chg="mod">
+          <ac:chgData name="ROTHHAN, Julia" userId="be7ff023-2547-4253-aab1-386f1dc2d4b0" providerId="ADAL" clId="{A3DF6E53-1700-BD47-A96E-B4EE661643D7}" dt="2020-03-12T09:23:43.342" v="110" actId="12788"/>
+          <ac:spMkLst>
+            <pc:docMk/>
+            <pc:sldMk cId="3391734804" sldId="276"/>
+            <ac:spMk id="12" creationId="{7049850E-E055-A948-98E0-F8B639413A8F}"/>
+          </ac:spMkLst>
+        </pc:spChg>
+        <pc:spChg chg="mod">
+          <ac:chgData name="ROTHHAN, Julia" userId="be7ff023-2547-4253-aab1-386f1dc2d4b0" providerId="ADAL" clId="{A3DF6E53-1700-BD47-A96E-B4EE661643D7}" dt="2020-03-12T09:23:43.342" v="110" actId="12788"/>
+          <ac:spMkLst>
+            <pc:docMk/>
+            <pc:sldMk cId="3391734804" sldId="276"/>
+            <ac:spMk id="13" creationId="{20658BCA-C7C4-CA4C-A8F9-550120DE5FF8}"/>
+          </ac:spMkLst>
+        </pc:spChg>
+        <pc:grpChg chg="mod">
+          <ac:chgData name="ROTHHAN, Julia" userId="be7ff023-2547-4253-aab1-386f1dc2d4b0" providerId="ADAL" clId="{A3DF6E53-1700-BD47-A96E-B4EE661643D7}" dt="2020-03-12T09:23:46.209" v="111" actId="1076"/>
+          <ac:grpSpMkLst>
+            <pc:docMk/>
+            <pc:sldMk cId="3391734804" sldId="276"/>
+            <ac:grpSpMk id="11" creationId="{5F7B502F-8002-D542-8A93-A00E953FF1E3}"/>
+          </ac:grpSpMkLst>
+        </pc:grpChg>
+        <pc:picChg chg="mod">
+          <ac:chgData name="ROTHHAN, Julia" userId="be7ff023-2547-4253-aab1-386f1dc2d4b0" providerId="ADAL" clId="{A3DF6E53-1700-BD47-A96E-B4EE661643D7}" dt="2020-03-12T09:55:36.660" v="356" actId="207"/>
+          <ac:picMkLst>
+            <pc:docMk/>
+            <pc:sldMk cId="3391734804" sldId="276"/>
+            <ac:picMk id="7" creationId="{FABA5A5B-277C-2F4F-94CF-2E0324C7DFA1}"/>
+          </ac:picMkLst>
+        </pc:picChg>
+        <pc:picChg chg="mod">
+          <ac:chgData name="ROTHHAN, Julia" userId="be7ff023-2547-4253-aab1-386f1dc2d4b0" providerId="ADAL" clId="{A3DF6E53-1700-BD47-A96E-B4EE661643D7}" dt="2020-03-12T09:55:36.245" v="355" actId="207"/>
+          <ac:picMkLst>
+            <pc:docMk/>
+            <pc:sldMk cId="3391734804" sldId="276"/>
+            <ac:picMk id="14" creationId="{5E164017-76C3-D545-BE2D-9B5A784CD66B}"/>
+          </ac:picMkLst>
+        </pc:picChg>
+        <pc:picChg chg="mod">
+          <ac:chgData name="ROTHHAN, Julia" userId="be7ff023-2547-4253-aab1-386f1dc2d4b0" providerId="ADAL" clId="{A3DF6E53-1700-BD47-A96E-B4EE661643D7}" dt="2020-03-12T09:55:35.855" v="354" actId="207"/>
+          <ac:picMkLst>
+            <pc:docMk/>
+            <pc:sldMk cId="3391734804" sldId="276"/>
+            <ac:picMk id="37" creationId="{303413B1-9C66-1C45-88A2-70D017F48D12}"/>
+          </ac:picMkLst>
+        </pc:picChg>
+        <pc:picChg chg="mod">
+          <ac:chgData name="ROTHHAN, Julia" userId="be7ff023-2547-4253-aab1-386f1dc2d4b0" providerId="ADAL" clId="{A3DF6E53-1700-BD47-A96E-B4EE661643D7}" dt="2020-03-12T09:55:35.855" v="354" actId="207"/>
+          <ac:picMkLst>
+            <pc:docMk/>
+            <pc:sldMk cId="3391734804" sldId="276"/>
+            <ac:picMk id="41" creationId="{B1023F0A-60FE-0644-83FA-11A3505D3D6F}"/>
+          </ac:picMkLst>
+        </pc:picChg>
+        <pc:picChg chg="mod">
+          <ac:chgData name="ROTHHAN, Julia" userId="be7ff023-2547-4253-aab1-386f1dc2d4b0" providerId="ADAL" clId="{A3DF6E53-1700-BD47-A96E-B4EE661643D7}" dt="2020-03-12T09:55:35.855" v="354" actId="207"/>
+          <ac:picMkLst>
+            <pc:docMk/>
+            <pc:sldMk cId="3391734804" sldId="276"/>
+            <ac:picMk id="42" creationId="{FB587C85-5714-2641-B238-60BD44F8C306}"/>
+          </ac:picMkLst>
+        </pc:picChg>
+      </pc:sldChg>
+      <pc:sldChg chg="addSp modSp">
+        <pc:chgData name="ROTHHAN, Julia" userId="be7ff023-2547-4253-aab1-386f1dc2d4b0" providerId="ADAL" clId="{A3DF6E53-1700-BD47-A96E-B4EE661643D7}" dt="2020-03-12T09:53:14.017" v="338" actId="1076"/>
+        <pc:sldMkLst>
+          <pc:docMk/>
+          <pc:sldMk cId="1718961086" sldId="277"/>
+        </pc:sldMkLst>
+        <pc:spChg chg="mod">
+          <ac:chgData name="ROTHHAN, Julia" userId="be7ff023-2547-4253-aab1-386f1dc2d4b0" providerId="ADAL" clId="{A3DF6E53-1700-BD47-A96E-B4EE661643D7}" dt="2020-03-12T09:24:07.909" v="113" actId="255"/>
+          <ac:spMkLst>
+            <pc:docMk/>
+            <pc:sldMk cId="1718961086" sldId="277"/>
+            <ac:spMk id="2" creationId="{0C751EB1-26D8-EC40-927C-5E7F35D07113}"/>
+          </ac:spMkLst>
+        </pc:spChg>
+        <pc:grpChg chg="add mod">
+          <ac:chgData name="ROTHHAN, Julia" userId="be7ff023-2547-4253-aab1-386f1dc2d4b0" providerId="ADAL" clId="{A3DF6E53-1700-BD47-A96E-B4EE661643D7}" dt="2020-03-12T09:53:14.017" v="338" actId="1076"/>
+          <ac:grpSpMkLst>
+            <pc:docMk/>
+            <pc:sldMk cId="1718961086" sldId="277"/>
+            <ac:grpSpMk id="18" creationId="{519D8291-84CD-984D-9D56-5418518F7580}"/>
+          </ac:grpSpMkLst>
+        </pc:grpChg>
+        <pc:grpChg chg="add mod">
+          <ac:chgData name="ROTHHAN, Julia" userId="be7ff023-2547-4253-aab1-386f1dc2d4b0" providerId="ADAL" clId="{A3DF6E53-1700-BD47-A96E-B4EE661643D7}" dt="2020-03-12T09:53:11.453" v="337" actId="1076"/>
+          <ac:grpSpMkLst>
+            <pc:docMk/>
+            <pc:sldMk cId="1718961086" sldId="277"/>
+            <ac:grpSpMk id="24" creationId="{1B65AAFC-CDC8-E345-9CBA-AAAE470835B1}"/>
+          </ac:grpSpMkLst>
+        </pc:grpChg>
+        <pc:grpChg chg="mod">
+          <ac:chgData name="ROTHHAN, Julia" userId="be7ff023-2547-4253-aab1-386f1dc2d4b0" providerId="ADAL" clId="{A3DF6E53-1700-BD47-A96E-B4EE661643D7}" dt="2020-03-12T09:43:17.719" v="275" actId="1076"/>
+          <ac:grpSpMkLst>
+            <pc:docMk/>
+            <pc:sldMk cId="1718961086" sldId="277"/>
+            <ac:grpSpMk id="29" creationId="{CC3E97C8-ABFA-7C42-A1F0-E60E4BE373B2}"/>
+          </ac:grpSpMkLst>
+        </pc:grpChg>
+        <pc:grpChg chg="mod">
+          <ac:chgData name="ROTHHAN, Julia" userId="be7ff023-2547-4253-aab1-386f1dc2d4b0" providerId="ADAL" clId="{A3DF6E53-1700-BD47-A96E-B4EE661643D7}" dt="2020-03-12T09:43:19.787" v="276" actId="1076"/>
+          <ac:grpSpMkLst>
+            <pc:docMk/>
+            <pc:sldMk cId="1718961086" sldId="277"/>
+            <ac:grpSpMk id="30" creationId="{41785DD1-0D15-0544-BD2B-C80F38DA594E}"/>
+          </ac:grpSpMkLst>
+        </pc:grpChg>
+        <pc:picChg chg="mod">
+          <ac:chgData name="ROTHHAN, Julia" userId="be7ff023-2547-4253-aab1-386f1dc2d4b0" providerId="ADAL" clId="{A3DF6E53-1700-BD47-A96E-B4EE661643D7}" dt="2020-03-12T09:43:23.846" v="277" actId="1076"/>
+          <ac:picMkLst>
+            <pc:docMk/>
+            <pc:sldMk cId="1718961086" sldId="277"/>
+            <ac:picMk id="4" creationId="{0C689D60-3112-5F49-BC23-ADEA1FBA8E70}"/>
+          </ac:picMkLst>
+        </pc:picChg>
+      </pc:sldChg>
+      <pc:sldChg chg="addSp delSp modSp mod">
+        <pc:chgData name="ROTHHAN, Julia" userId="be7ff023-2547-4253-aab1-386f1dc2d4b0" providerId="ADAL" clId="{A3DF6E53-1700-BD47-A96E-B4EE661643D7}" dt="2020-03-12T11:04:03.803" v="445" actId="1076"/>
+        <pc:sldMkLst>
+          <pc:docMk/>
+          <pc:sldMk cId="3442144965" sldId="278"/>
+        </pc:sldMkLst>
+        <pc:spChg chg="mod">
+          <ac:chgData name="ROTHHAN, Julia" userId="be7ff023-2547-4253-aab1-386f1dc2d4b0" providerId="ADAL" clId="{A3DF6E53-1700-BD47-A96E-B4EE661643D7}" dt="2020-03-12T09:22:40.446" v="96" actId="255"/>
+          <ac:spMkLst>
+            <pc:docMk/>
+            <pc:sldMk cId="3442144965" sldId="278"/>
+            <ac:spMk id="8" creationId="{8A89E5AD-EDBF-D74F-969A-5ADF7CFD548A}"/>
+          </ac:spMkLst>
+        </pc:spChg>
+        <pc:grpChg chg="del">
+          <ac:chgData name="ROTHHAN, Julia" userId="be7ff023-2547-4253-aab1-386f1dc2d4b0" providerId="ADAL" clId="{A3DF6E53-1700-BD47-A96E-B4EE661643D7}" dt="2020-03-12T11:03:27.672" v="440" actId="478"/>
+          <ac:grpSpMkLst>
+            <pc:docMk/>
+            <pc:sldMk cId="3442144965" sldId="278"/>
+            <ac:grpSpMk id="5" creationId="{4BE736A1-B26B-CE4B-821B-E9A65274BB75}"/>
+          </ac:grpSpMkLst>
+        </pc:grpChg>
+        <pc:graphicFrameChg chg="add mod">
+          <ac:chgData name="ROTHHAN, Julia" userId="be7ff023-2547-4253-aab1-386f1dc2d4b0" providerId="ADAL" clId="{A3DF6E53-1700-BD47-A96E-B4EE661643D7}" dt="2020-03-12T11:04:03.803" v="445" actId="1076"/>
+          <ac:graphicFrameMkLst>
+            <pc:docMk/>
+            <pc:sldMk cId="3442144965" sldId="278"/>
+            <ac:graphicFrameMk id="4" creationId="{4CA1B392-687C-5A49-A2E2-98899232FBDF}"/>
+          </ac:graphicFrameMkLst>
+        </pc:graphicFrameChg>
+        <pc:picChg chg="del">
+          <ac:chgData name="ROTHHAN, Julia" userId="be7ff023-2547-4253-aab1-386f1dc2d4b0" providerId="ADAL" clId="{A3DF6E53-1700-BD47-A96E-B4EE661643D7}" dt="2020-03-12T11:03:25.565" v="439" actId="478"/>
+          <ac:picMkLst>
+            <pc:docMk/>
+            <pc:sldMk cId="3442144965" sldId="278"/>
+            <ac:picMk id="26" creationId="{0F7A83C9-5A50-4C76-8C05-7F0DAFF68216}"/>
+          </ac:picMkLst>
+        </pc:picChg>
+      </pc:sldChg>
+      <pc:sldChg chg="addSp delSp modSp add mod modShow">
+        <pc:chgData name="ROTHHAN, Julia" userId="be7ff023-2547-4253-aab1-386f1dc2d4b0" providerId="ADAL" clId="{A3DF6E53-1700-BD47-A96E-B4EE661643D7}" dt="2020-03-12T09:50:26.179" v="330" actId="729"/>
+        <pc:sldMkLst>
+          <pc:docMk/>
+          <pc:sldMk cId="502804926" sldId="279"/>
+        </pc:sldMkLst>
+        <pc:picChg chg="add del mod">
+          <ac:chgData name="ROTHHAN, Julia" userId="be7ff023-2547-4253-aab1-386f1dc2d4b0" providerId="ADAL" clId="{A3DF6E53-1700-BD47-A96E-B4EE661643D7}" dt="2020-03-12T09:50:14.483" v="324" actId="478"/>
+          <ac:picMkLst>
+            <pc:docMk/>
+            <pc:sldMk cId="502804926" sldId="279"/>
+            <ac:picMk id="3" creationId="{486BB628-7942-A645-9AA7-0374762FB547}"/>
+          </ac:picMkLst>
+        </pc:picChg>
+        <pc:picChg chg="add del mod">
+          <ac:chgData name="ROTHHAN, Julia" userId="be7ff023-2547-4253-aab1-386f1dc2d4b0" providerId="ADAL" clId="{A3DF6E53-1700-BD47-A96E-B4EE661643D7}" dt="2020-03-12T09:44:48.419" v="281" actId="478"/>
+          <ac:picMkLst>
+            <pc:docMk/>
+            <pc:sldMk cId="502804926" sldId="279"/>
+            <ac:picMk id="5" creationId="{C63740FE-C6D1-4247-A843-6B7C44788D49}"/>
+          </ac:picMkLst>
+        </pc:picChg>
+        <pc:picChg chg="add del mod">
+          <ac:chgData name="ROTHHAN, Julia" userId="be7ff023-2547-4253-aab1-386f1dc2d4b0" providerId="ADAL" clId="{A3DF6E53-1700-BD47-A96E-B4EE661643D7}" dt="2020-03-12T09:50:14.483" v="324" actId="478"/>
+          <ac:picMkLst>
+            <pc:docMk/>
+            <pc:sldMk cId="502804926" sldId="279"/>
+            <ac:picMk id="7" creationId="{C89975C3-24A5-3943-B004-56080D7E2759}"/>
+          </ac:picMkLst>
+        </pc:picChg>
+        <pc:picChg chg="add del mod">
+          <ac:chgData name="ROTHHAN, Julia" userId="be7ff023-2547-4253-aab1-386f1dc2d4b0" providerId="ADAL" clId="{A3DF6E53-1700-BD47-A96E-B4EE661643D7}" dt="2020-03-12T09:47:07.505" v="290" actId="478"/>
+          <ac:picMkLst>
+            <pc:docMk/>
+            <pc:sldMk cId="502804926" sldId="279"/>
+            <ac:picMk id="8" creationId="{11998F5D-F9DB-1544-8C11-670B5B0622E6}"/>
+          </ac:picMkLst>
+        </pc:picChg>
+        <pc:picChg chg="add mod">
+          <ac:chgData name="ROTHHAN, Julia" userId="be7ff023-2547-4253-aab1-386f1dc2d4b0" providerId="ADAL" clId="{A3DF6E53-1700-BD47-A96E-B4EE661643D7}" dt="2020-03-12T09:50:22.090" v="329" actId="1076"/>
+          <ac:picMkLst>
+            <pc:docMk/>
+            <pc:sldMk cId="502804926" sldId="279"/>
+            <ac:picMk id="10" creationId="{BC14927F-4C7A-CD4F-B73E-ACB23AB5EAD8}"/>
+          </ac:picMkLst>
+        </pc:picChg>
+        <pc:picChg chg="add del mod">
+          <ac:chgData name="ROTHHAN, Julia" userId="be7ff023-2547-4253-aab1-386f1dc2d4b0" providerId="ADAL" clId="{A3DF6E53-1700-BD47-A96E-B4EE661643D7}" dt="2020-03-12T09:50:18.801" v="326" actId="478"/>
+          <ac:picMkLst>
+            <pc:docMk/>
+            <pc:sldMk cId="502804926" sldId="279"/>
+            <ac:picMk id="12" creationId="{0022C0F2-ED37-6F40-ABC5-6B80AC6B6874}"/>
+          </ac:picMkLst>
+        </pc:picChg>
+        <pc:picChg chg="add del mod">
+          <ac:chgData name="ROTHHAN, Julia" userId="be7ff023-2547-4253-aab1-386f1dc2d4b0" providerId="ADAL" clId="{A3DF6E53-1700-BD47-A96E-B4EE661643D7}" dt="2020-03-12T09:49:13.356" v="299" actId="478"/>
+          <ac:picMkLst>
+            <pc:docMk/>
+            <pc:sldMk cId="502804926" sldId="279"/>
+            <ac:picMk id="14" creationId="{B7F9726E-E0B7-CB44-9048-9DE5C059FA30}"/>
+          </ac:picMkLst>
+        </pc:picChg>
+        <pc:picChg chg="add del mod">
+          <ac:chgData name="ROTHHAN, Julia" userId="be7ff023-2547-4253-aab1-386f1dc2d4b0" providerId="ADAL" clId="{A3DF6E53-1700-BD47-A96E-B4EE661643D7}" dt="2020-03-12T09:50:20.021" v="328" actId="478"/>
+          <ac:picMkLst>
+            <pc:docMk/>
+            <pc:sldMk cId="502804926" sldId="279"/>
+            <ac:picMk id="16" creationId="{36FBB7E0-6BC2-C345-AB32-398D032EB217}"/>
+          </ac:picMkLst>
+        </pc:picChg>
+        <pc:picChg chg="add del mod">
+          <ac:chgData name="ROTHHAN, Julia" userId="be7ff023-2547-4253-aab1-386f1dc2d4b0" providerId="ADAL" clId="{A3DF6E53-1700-BD47-A96E-B4EE661643D7}" dt="2020-03-12T09:50:19.542" v="327" actId="478"/>
+          <ac:picMkLst>
+            <pc:docMk/>
+            <pc:sldMk cId="502804926" sldId="279"/>
+            <ac:picMk id="18" creationId="{59ABC04B-5A8D-4C4B-9F97-FD69360D4EAC}"/>
+          </ac:picMkLst>
+        </pc:picChg>
+      </pc:sldChg>
+    </pc:docChg>
+  </pc:docChgLst>
   <pc:docChgLst>
     <pc:chgData name="LORNE, Amel" userId="1254fcda-6fcd-4a3e-8047-0e4feef244f1" providerId="ADAL" clId="{EDEE52F7-CAD6-44B4-BE1B-EEE15F13962B}"/>
     <pc:docChg chg="undo custSel modSld sldOrd">
@@ -373,6 +2091,836 @@
     </pc:docChg>
   </pc:docChgLst>
 </pc:chgInfo>
+</file>
+
+<file path=ppt/charts/chart1.xml><?xml version="1.0" encoding="utf-8"?>
+<c:chartSpace xmlns:c="http://schemas.openxmlformats.org/drawingml/2006/chart" xmlns:a="http://schemas.openxmlformats.org/drawingml/2006/main" xmlns:r="http://schemas.openxmlformats.org/officeDocument/2006/relationships" xmlns:c16r2="http://schemas.microsoft.com/office/drawing/2015/06/chart">
+  <c:date1904 val="0"/>
+  <c:lang val="fr-FR"/>
+  <c:roundedCorners val="0"/>
+  <mc:AlternateContent xmlns:mc="http://schemas.openxmlformats.org/markup-compatibility/2006">
+    <mc:Choice xmlns:c14="http://schemas.microsoft.com/office/drawing/2007/8/2/chart" Requires="c14">
+      <c14:style val="102"/>
+    </mc:Choice>
+    <mc:Fallback>
+      <c:style val="2"/>
+    </mc:Fallback>
+  </mc:AlternateContent>
+  <c:chart>
+    <c:title>
+      <c:tx>
+        <c:rich>
+          <a:bodyPr rot="0" spcFirstLastPara="1" vertOverflow="ellipsis" vert="horz" wrap="square" anchor="ctr" anchorCtr="1"/>
+          <a:lstStyle/>
+          <a:p>
+            <a:pPr>
+              <a:defRPr sz="1800" b="0" i="0" u="none" strike="noStrike" kern="1200" spc="0" baseline="0">
+                <a:solidFill>
+                  <a:srgbClr val="402E7D"/>
+                </a:solidFill>
+                <a:latin typeface="+mn-lt"/>
+                <a:ea typeface="+mn-ea"/>
+                <a:cs typeface="+mn-cs"/>
+              </a:defRPr>
+            </a:pPr>
+            <a:r>
+              <a:rPr lang="en-US" sz="1800" dirty="0">
+                <a:solidFill>
+                  <a:srgbClr val="402E7D"/>
+                </a:solidFill>
+              </a:rPr>
+              <a:t>Ratio Time spent</a:t>
+            </a:r>
+          </a:p>
+        </c:rich>
+      </c:tx>
+      <c:overlay val="0"/>
+      <c:spPr>
+        <a:noFill/>
+        <a:ln>
+          <a:noFill/>
+        </a:ln>
+        <a:effectLst/>
+      </c:spPr>
+      <c:txPr>
+        <a:bodyPr rot="0" spcFirstLastPara="1" vertOverflow="ellipsis" vert="horz" wrap="square" anchor="ctr" anchorCtr="1"/>
+        <a:lstStyle/>
+        <a:p>
+          <a:pPr>
+            <a:defRPr sz="1800" b="0" i="0" u="none" strike="noStrike" kern="1200" spc="0" baseline="0">
+              <a:solidFill>
+                <a:srgbClr val="402E7D"/>
+              </a:solidFill>
+              <a:latin typeface="+mn-lt"/>
+              <a:ea typeface="+mn-ea"/>
+              <a:cs typeface="+mn-cs"/>
+            </a:defRPr>
+          </a:pPr>
+          <a:endParaRPr lang="fr-FR"/>
+        </a:p>
+      </c:txPr>
+    </c:title>
+    <c:autoTitleDeleted val="0"/>
+    <c:plotArea>
+      <c:layout/>
+      <c:pieChart>
+        <c:varyColors val="1"/>
+        <c:ser>
+          <c:idx val="0"/>
+          <c:order val="0"/>
+          <c:tx>
+            <c:strRef>
+              <c:f>Feuil1!$B$1</c:f>
+              <c:strCache>
+                <c:ptCount val="1"/>
+                <c:pt idx="0">
+                  <c:v>Ventes</c:v>
+                </c:pt>
+              </c:strCache>
+            </c:strRef>
+          </c:tx>
+          <c:dPt>
+            <c:idx val="0"/>
+            <c:bubble3D val="0"/>
+            <c:spPr>
+              <a:solidFill>
+                <a:srgbClr val="402E7D"/>
+              </a:solidFill>
+              <a:ln w="19050">
+                <a:solidFill>
+                  <a:schemeClr val="lt1"/>
+                </a:solidFill>
+              </a:ln>
+              <a:effectLst/>
+            </c:spPr>
+            <c:extLst>
+              <c:ext xmlns:c16="http://schemas.microsoft.com/office/drawing/2014/chart" uri="{C3380CC4-5D6E-409C-BE32-E72D297353CC}">
+                <c16:uniqueId val="{00000001-9090-ED47-B499-0AB93252CC3B}"/>
+              </c:ext>
+            </c:extLst>
+          </c:dPt>
+          <c:dPt>
+            <c:idx val="1"/>
+            <c:bubble3D val="0"/>
+            <c:spPr>
+              <a:solidFill>
+                <a:srgbClr val="FF822F"/>
+              </a:solidFill>
+              <a:ln w="19050">
+                <a:solidFill>
+                  <a:schemeClr val="lt1"/>
+                </a:solidFill>
+              </a:ln>
+              <a:effectLst/>
+            </c:spPr>
+            <c:extLst>
+              <c:ext xmlns:c16="http://schemas.microsoft.com/office/drawing/2014/chart" uri="{C3380CC4-5D6E-409C-BE32-E72D297353CC}">
+                <c16:uniqueId val="{00000002-9090-ED47-B499-0AB93252CC3B}"/>
+              </c:ext>
+            </c:extLst>
+          </c:dPt>
+          <c:dPt>
+            <c:idx val="2"/>
+            <c:bubble3D val="0"/>
+            <c:spPr>
+              <a:solidFill>
+                <a:srgbClr val="0070C0"/>
+              </a:solidFill>
+              <a:ln w="19050">
+                <a:solidFill>
+                  <a:schemeClr val="lt1"/>
+                </a:solidFill>
+              </a:ln>
+              <a:effectLst/>
+            </c:spPr>
+            <c:extLst>
+              <c:ext xmlns:c16="http://schemas.microsoft.com/office/drawing/2014/chart" uri="{C3380CC4-5D6E-409C-BE32-E72D297353CC}">
+                <c16:uniqueId val="{00000003-9090-ED47-B499-0AB93252CC3B}"/>
+              </c:ext>
+            </c:extLst>
+          </c:dPt>
+          <c:cat>
+            <c:strRef>
+              <c:f>Feuil1!$A$2:$A$4</c:f>
+              <c:strCache>
+                <c:ptCount val="3"/>
+                <c:pt idx="0">
+                  <c:v>RUN</c:v>
+                </c:pt>
+                <c:pt idx="1">
+                  <c:v>Projects</c:v>
+                </c:pt>
+                <c:pt idx="2">
+                  <c:v>SoOne</c:v>
+                </c:pt>
+              </c:strCache>
+            </c:strRef>
+          </c:cat>
+          <c:val>
+            <c:numRef>
+              <c:f>Feuil1!$B$2:$B$4</c:f>
+              <c:numCache>
+                <c:formatCode>General</c:formatCode>
+                <c:ptCount val="3"/>
+                <c:pt idx="0">
+                  <c:v>8.1999999999999993</c:v>
+                </c:pt>
+                <c:pt idx="1">
+                  <c:v>3.2</c:v>
+                </c:pt>
+                <c:pt idx="2">
+                  <c:v>1.4</c:v>
+                </c:pt>
+              </c:numCache>
+            </c:numRef>
+          </c:val>
+          <c:extLst>
+            <c:ext xmlns:c16="http://schemas.microsoft.com/office/drawing/2014/chart" uri="{C3380CC4-5D6E-409C-BE32-E72D297353CC}">
+              <c16:uniqueId val="{00000000-9090-ED47-B499-0AB93252CC3B}"/>
+            </c:ext>
+          </c:extLst>
+        </c:ser>
+        <c:dLbls>
+          <c:showLegendKey val="0"/>
+          <c:showVal val="0"/>
+          <c:showCatName val="0"/>
+          <c:showSerName val="0"/>
+          <c:showPercent val="0"/>
+          <c:showBubbleSize val="0"/>
+          <c:showLeaderLines val="1"/>
+        </c:dLbls>
+        <c:firstSliceAng val="0"/>
+      </c:pieChart>
+      <c:spPr>
+        <a:noFill/>
+        <a:ln>
+          <a:noFill/>
+        </a:ln>
+        <a:effectLst/>
+      </c:spPr>
+    </c:plotArea>
+    <c:legend>
+      <c:legendPos val="b"/>
+      <c:overlay val="0"/>
+      <c:spPr>
+        <a:noFill/>
+        <a:ln>
+          <a:noFill/>
+        </a:ln>
+        <a:effectLst/>
+      </c:spPr>
+      <c:txPr>
+        <a:bodyPr rot="0" spcFirstLastPara="1" vertOverflow="ellipsis" vert="horz" wrap="square" anchor="ctr" anchorCtr="1"/>
+        <a:lstStyle/>
+        <a:p>
+          <a:pPr>
+            <a:defRPr sz="1197" b="0" i="0" u="none" strike="noStrike" kern="1200" baseline="0">
+              <a:solidFill>
+                <a:schemeClr val="tx1">
+                  <a:lumMod val="65000"/>
+                  <a:lumOff val="35000"/>
+                </a:schemeClr>
+              </a:solidFill>
+              <a:latin typeface="+mn-lt"/>
+              <a:ea typeface="+mn-ea"/>
+              <a:cs typeface="+mn-cs"/>
+            </a:defRPr>
+          </a:pPr>
+          <a:endParaRPr lang="fr-FR"/>
+        </a:p>
+      </c:txPr>
+    </c:legend>
+    <c:plotVisOnly val="1"/>
+    <c:dispBlanksAs val="gap"/>
+    <c:extLst>
+      <c:ext xmlns:c16r3="http://schemas.microsoft.com/office/drawing/2017/03/chart" uri="{56B9EC1D-385E-4148-901F-78D8002777C0}">
+        <c16r3:dataDisplayOptions16>
+          <c16r3:dispNaAsBlank val="1"/>
+        </c16r3:dataDisplayOptions16>
+      </c:ext>
+    </c:extLst>
+    <c:showDLblsOverMax val="0"/>
+  </c:chart>
+  <c:spPr>
+    <a:noFill/>
+    <a:ln>
+      <a:noFill/>
+    </a:ln>
+    <a:effectLst/>
+  </c:spPr>
+  <c:txPr>
+    <a:bodyPr/>
+    <a:lstStyle/>
+    <a:p>
+      <a:pPr>
+        <a:defRPr/>
+      </a:pPr>
+      <a:endParaRPr lang="fr-FR"/>
+    </a:p>
+  </c:txPr>
+  <c:externalData r:id="rId3">
+    <c:autoUpdate val="0"/>
+  </c:externalData>
+</c:chartSpace>
+</file>
+
+<file path=ppt/charts/colors1.xml><?xml version="1.0" encoding="utf-8"?>
+<cs:colorStyle xmlns:cs="http://schemas.microsoft.com/office/drawing/2012/chartStyle" xmlns:a="http://schemas.openxmlformats.org/drawingml/2006/main" meth="cycle" id="10">
+  <a:schemeClr val="accent1"/>
+  <a:schemeClr val="accent2"/>
+  <a:schemeClr val="accent3"/>
+  <a:schemeClr val="accent4"/>
+  <a:schemeClr val="accent5"/>
+  <a:schemeClr val="accent6"/>
+  <cs:variation/>
+  <cs:variation>
+    <a:lumMod val="60000"/>
+  </cs:variation>
+  <cs:variation>
+    <a:lumMod val="80000"/>
+    <a:lumOff val="20000"/>
+  </cs:variation>
+  <cs:variation>
+    <a:lumMod val="80000"/>
+  </cs:variation>
+  <cs:variation>
+    <a:lumMod val="60000"/>
+    <a:lumOff val="40000"/>
+  </cs:variation>
+  <cs:variation>
+    <a:lumMod val="50000"/>
+  </cs:variation>
+  <cs:variation>
+    <a:lumMod val="70000"/>
+    <a:lumOff val="30000"/>
+  </cs:variation>
+  <cs:variation>
+    <a:lumMod val="70000"/>
+  </cs:variation>
+  <cs:variation>
+    <a:lumMod val="50000"/>
+    <a:lumOff val="50000"/>
+  </cs:variation>
+</cs:colorStyle>
+</file>
+
+<file path=ppt/charts/style1.xml><?xml version="1.0" encoding="utf-8"?>
+<cs:chartStyle xmlns:cs="http://schemas.microsoft.com/office/drawing/2012/chartStyle" xmlns:a="http://schemas.openxmlformats.org/drawingml/2006/main" id="251">
+  <cs:axisTitle>
+    <cs:lnRef idx="0"/>
+    <cs:fillRef idx="0"/>
+    <cs:effectRef idx="0"/>
+    <cs:fontRef idx="minor">
+      <a:schemeClr val="tx1">
+        <a:lumMod val="65000"/>
+        <a:lumOff val="35000"/>
+      </a:schemeClr>
+    </cs:fontRef>
+    <cs:defRPr sz="1330" kern="1200"/>
+  </cs:axisTitle>
+  <cs:categoryAxis>
+    <cs:lnRef idx="0"/>
+    <cs:fillRef idx="0"/>
+    <cs:effectRef idx="0"/>
+    <cs:fontRef idx="minor">
+      <a:schemeClr val="tx1">
+        <a:lumMod val="65000"/>
+        <a:lumOff val="35000"/>
+      </a:schemeClr>
+    </cs:fontRef>
+    <cs:spPr>
+      <a:ln w="9525" cap="flat" cmpd="sng" algn="ctr">
+        <a:solidFill>
+          <a:schemeClr val="tx1">
+            <a:lumMod val="15000"/>
+            <a:lumOff val="85000"/>
+          </a:schemeClr>
+        </a:solidFill>
+        <a:round/>
+      </a:ln>
+    </cs:spPr>
+    <cs:defRPr sz="1197" kern="1200"/>
+  </cs:categoryAxis>
+  <cs:chartArea mods="allowNoFillOverride allowNoLineOverride">
+    <cs:lnRef idx="0"/>
+    <cs:fillRef idx="0"/>
+    <cs:effectRef idx="0"/>
+    <cs:fontRef idx="minor">
+      <a:schemeClr val="tx1"/>
+    </cs:fontRef>
+    <cs:spPr>
+      <a:solidFill>
+        <a:schemeClr val="bg1"/>
+      </a:solidFill>
+      <a:ln w="9525" cap="flat" cmpd="sng" algn="ctr">
+        <a:solidFill>
+          <a:schemeClr val="tx1">
+            <a:lumMod val="15000"/>
+            <a:lumOff val="85000"/>
+          </a:schemeClr>
+        </a:solidFill>
+        <a:round/>
+      </a:ln>
+    </cs:spPr>
+    <cs:defRPr sz="1197" kern="1200"/>
+  </cs:chartArea>
+  <cs:dataLabel>
+    <cs:lnRef idx="0"/>
+    <cs:fillRef idx="0"/>
+    <cs:effectRef idx="0"/>
+    <cs:fontRef idx="minor">
+      <a:schemeClr val="tx1">
+        <a:lumMod val="75000"/>
+        <a:lumOff val="25000"/>
+      </a:schemeClr>
+    </cs:fontRef>
+    <cs:defRPr sz="1197" kern="1200"/>
+  </cs:dataLabel>
+  <cs:dataLabelCallout>
+    <cs:lnRef idx="0"/>
+    <cs:fillRef idx="0"/>
+    <cs:effectRef idx="0"/>
+    <cs:fontRef idx="minor">
+      <a:schemeClr val="dk1">
+        <a:lumMod val="65000"/>
+        <a:lumOff val="35000"/>
+      </a:schemeClr>
+    </cs:fontRef>
+    <cs:spPr>
+      <a:solidFill>
+        <a:schemeClr val="lt1"/>
+      </a:solidFill>
+      <a:ln>
+        <a:solidFill>
+          <a:schemeClr val="dk1">
+            <a:lumMod val="25000"/>
+            <a:lumOff val="75000"/>
+          </a:schemeClr>
+        </a:solidFill>
+      </a:ln>
+    </cs:spPr>
+    <cs:defRPr sz="1197" kern="1200"/>
+    <cs:bodyPr rot="0" spcFirstLastPara="1" vertOverflow="clip" horzOverflow="clip" vert="horz" wrap="square" lIns="36576" tIns="18288" rIns="36576" bIns="18288" anchor="ctr" anchorCtr="1">
+      <a:spAutoFit/>
+    </cs:bodyPr>
+  </cs:dataLabelCallout>
+  <cs:dataPoint>
+    <cs:lnRef idx="0"/>
+    <cs:fillRef idx="1">
+      <cs:styleClr val="auto"/>
+    </cs:fillRef>
+    <cs:effectRef idx="0"/>
+    <cs:fontRef idx="minor">
+      <a:schemeClr val="tx1"/>
+    </cs:fontRef>
+    <cs:spPr>
+      <a:ln w="19050">
+        <a:solidFill>
+          <a:schemeClr val="lt1"/>
+        </a:solidFill>
+      </a:ln>
+    </cs:spPr>
+  </cs:dataPoint>
+  <cs:dataPoint3D>
+    <cs:lnRef idx="0"/>
+    <cs:fillRef idx="1">
+      <cs:styleClr val="auto"/>
+    </cs:fillRef>
+    <cs:effectRef idx="0"/>
+    <cs:fontRef idx="minor">
+      <a:schemeClr val="tx1"/>
+    </cs:fontRef>
+    <cs:spPr>
+      <a:ln w="25400">
+        <a:solidFill>
+          <a:schemeClr val="lt1"/>
+        </a:solidFill>
+      </a:ln>
+    </cs:spPr>
+  </cs:dataPoint3D>
+  <cs:dataPointLine>
+    <cs:lnRef idx="0">
+      <cs:styleClr val="auto"/>
+    </cs:lnRef>
+    <cs:fillRef idx="0"/>
+    <cs:effectRef idx="0"/>
+    <cs:fontRef idx="minor">
+      <a:schemeClr val="tx1"/>
+    </cs:fontRef>
+    <cs:spPr>
+      <a:ln w="28575" cap="rnd">
+        <a:solidFill>
+          <a:schemeClr val="phClr"/>
+        </a:solidFill>
+        <a:round/>
+      </a:ln>
+    </cs:spPr>
+  </cs:dataPointLine>
+  <cs:dataPointMarker>
+    <cs:lnRef idx="0">
+      <cs:styleClr val="auto"/>
+    </cs:lnRef>
+    <cs:fillRef idx="1">
+      <cs:styleClr val="auto"/>
+    </cs:fillRef>
+    <cs:effectRef idx="0"/>
+    <cs:fontRef idx="minor">
+      <a:schemeClr val="tx1"/>
+    </cs:fontRef>
+    <cs:spPr>
+      <a:ln w="9525">
+        <a:solidFill>
+          <a:schemeClr val="phClr"/>
+        </a:solidFill>
+      </a:ln>
+    </cs:spPr>
+  </cs:dataPointMarker>
+  <cs:dataPointMarkerLayout symbol="circle" size="5"/>
+  <cs:dataPointWireframe>
+    <cs:lnRef idx="0">
+      <cs:styleClr val="auto"/>
+    </cs:lnRef>
+    <cs:fillRef idx="0"/>
+    <cs:effectRef idx="0"/>
+    <cs:fontRef idx="minor">
+      <a:schemeClr val="tx1"/>
+    </cs:fontRef>
+    <cs:spPr>
+      <a:ln w="9525" cap="rnd">
+        <a:solidFill>
+          <a:schemeClr val="phClr"/>
+        </a:solidFill>
+        <a:round/>
+      </a:ln>
+    </cs:spPr>
+  </cs:dataPointWireframe>
+  <cs:dataTable>
+    <cs:lnRef idx="0"/>
+    <cs:fillRef idx="0"/>
+    <cs:effectRef idx="0"/>
+    <cs:fontRef idx="minor">
+      <a:schemeClr val="tx1">
+        <a:lumMod val="65000"/>
+        <a:lumOff val="35000"/>
+      </a:schemeClr>
+    </cs:fontRef>
+    <cs:spPr>
+      <a:noFill/>
+      <a:ln w="9525" cap="flat" cmpd="sng" algn="ctr">
+        <a:solidFill>
+          <a:schemeClr val="tx1">
+            <a:lumMod val="15000"/>
+            <a:lumOff val="85000"/>
+          </a:schemeClr>
+        </a:solidFill>
+        <a:round/>
+      </a:ln>
+    </cs:spPr>
+    <cs:defRPr sz="1197" kern="1200"/>
+  </cs:dataTable>
+  <cs:downBar>
+    <cs:lnRef idx="0"/>
+    <cs:fillRef idx="0"/>
+    <cs:effectRef idx="0"/>
+    <cs:fontRef idx="minor">
+      <a:schemeClr val="tx1"/>
+    </cs:fontRef>
+    <cs:spPr>
+      <a:solidFill>
+        <a:schemeClr val="dk1">
+          <a:lumMod val="75000"/>
+          <a:lumOff val="25000"/>
+        </a:schemeClr>
+      </a:solidFill>
+      <a:ln w="9525" cap="flat" cmpd="sng" algn="ctr">
+        <a:solidFill>
+          <a:schemeClr val="tx1">
+            <a:lumMod val="65000"/>
+            <a:lumOff val="35000"/>
+          </a:schemeClr>
+        </a:solidFill>
+        <a:round/>
+      </a:ln>
+    </cs:spPr>
+  </cs:downBar>
+  <cs:dropLine>
+    <cs:lnRef idx="0"/>
+    <cs:fillRef idx="0"/>
+    <cs:effectRef idx="0"/>
+    <cs:fontRef idx="minor">
+      <a:schemeClr val="tx1"/>
+    </cs:fontRef>
+    <cs:spPr>
+      <a:ln w="9525" cap="flat" cmpd="sng" algn="ctr">
+        <a:solidFill>
+          <a:schemeClr val="tx1">
+            <a:lumMod val="35000"/>
+            <a:lumOff val="65000"/>
+          </a:schemeClr>
+        </a:solidFill>
+        <a:round/>
+      </a:ln>
+    </cs:spPr>
+  </cs:dropLine>
+  <cs:errorBar>
+    <cs:lnRef idx="0"/>
+    <cs:fillRef idx="0"/>
+    <cs:effectRef idx="0"/>
+    <cs:fontRef idx="minor">
+      <a:schemeClr val="tx1"/>
+    </cs:fontRef>
+    <cs:spPr>
+      <a:ln w="9525" cap="flat" cmpd="sng" algn="ctr">
+        <a:solidFill>
+          <a:schemeClr val="tx1">
+            <a:lumMod val="65000"/>
+            <a:lumOff val="35000"/>
+          </a:schemeClr>
+        </a:solidFill>
+        <a:round/>
+      </a:ln>
+    </cs:spPr>
+  </cs:errorBar>
+  <cs:floor>
+    <cs:lnRef idx="0"/>
+    <cs:fillRef idx="0"/>
+    <cs:effectRef idx="0"/>
+    <cs:fontRef idx="minor">
+      <a:schemeClr val="tx1"/>
+    </cs:fontRef>
+    <cs:spPr>
+      <a:noFill/>
+      <a:ln>
+        <a:noFill/>
+      </a:ln>
+    </cs:spPr>
+  </cs:floor>
+  <cs:gridlineMajor>
+    <cs:lnRef idx="0"/>
+    <cs:fillRef idx="0"/>
+    <cs:effectRef idx="0"/>
+    <cs:fontRef idx="minor">
+      <a:schemeClr val="tx1"/>
+    </cs:fontRef>
+    <cs:spPr>
+      <a:ln w="9525" cap="flat" cmpd="sng" algn="ctr">
+        <a:solidFill>
+          <a:schemeClr val="tx1">
+            <a:lumMod val="15000"/>
+            <a:lumOff val="85000"/>
+          </a:schemeClr>
+        </a:solidFill>
+        <a:round/>
+      </a:ln>
+    </cs:spPr>
+  </cs:gridlineMajor>
+  <cs:gridlineMinor>
+    <cs:lnRef idx="0"/>
+    <cs:fillRef idx="0"/>
+    <cs:effectRef idx="0"/>
+    <cs:fontRef idx="minor">
+      <a:schemeClr val="tx1"/>
+    </cs:fontRef>
+    <cs:spPr>
+      <a:ln w="9525" cap="flat" cmpd="sng" algn="ctr">
+        <a:solidFill>
+          <a:schemeClr val="tx1">
+            <a:lumMod val="5000"/>
+            <a:lumOff val="95000"/>
+          </a:schemeClr>
+        </a:solidFill>
+        <a:round/>
+      </a:ln>
+    </cs:spPr>
+  </cs:gridlineMinor>
+  <cs:hiLoLine>
+    <cs:lnRef idx="0"/>
+    <cs:fillRef idx="0"/>
+    <cs:effectRef idx="0"/>
+    <cs:fontRef idx="minor">
+      <a:schemeClr val="tx1"/>
+    </cs:fontRef>
+    <cs:spPr>
+      <a:ln w="9525" cap="flat" cmpd="sng" algn="ctr">
+        <a:solidFill>
+          <a:schemeClr val="tx1">
+            <a:lumMod val="50000"/>
+            <a:lumOff val="50000"/>
+          </a:schemeClr>
+        </a:solidFill>
+        <a:round/>
+      </a:ln>
+    </cs:spPr>
+  </cs:hiLoLine>
+  <cs:leaderLine>
+    <cs:lnRef idx="0"/>
+    <cs:fillRef idx="0"/>
+    <cs:effectRef idx="0"/>
+    <cs:fontRef idx="minor">
+      <a:schemeClr val="tx1"/>
+    </cs:fontRef>
+    <cs:spPr>
+      <a:ln w="9525" cap="flat" cmpd="sng" algn="ctr">
+        <a:solidFill>
+          <a:schemeClr val="tx1">
+            <a:lumMod val="35000"/>
+            <a:lumOff val="65000"/>
+          </a:schemeClr>
+        </a:solidFill>
+        <a:round/>
+      </a:ln>
+    </cs:spPr>
+  </cs:leaderLine>
+  <cs:legend>
+    <cs:lnRef idx="0"/>
+    <cs:fillRef idx="0"/>
+    <cs:effectRef idx="0"/>
+    <cs:fontRef idx="minor">
+      <a:schemeClr val="tx1">
+        <a:lumMod val="65000"/>
+        <a:lumOff val="35000"/>
+      </a:schemeClr>
+    </cs:fontRef>
+    <cs:defRPr sz="1197" kern="1200"/>
+  </cs:legend>
+  <cs:plotArea mods="allowNoFillOverride allowNoLineOverride">
+    <cs:lnRef idx="0"/>
+    <cs:fillRef idx="0"/>
+    <cs:effectRef idx="0"/>
+    <cs:fontRef idx="minor">
+      <a:schemeClr val="tx1"/>
+    </cs:fontRef>
+  </cs:plotArea>
+  <cs:plotArea3D mods="allowNoFillOverride allowNoLineOverride">
+    <cs:lnRef idx="0"/>
+    <cs:fillRef idx="0"/>
+    <cs:effectRef idx="0"/>
+    <cs:fontRef idx="minor">
+      <a:schemeClr val="tx1"/>
+    </cs:fontRef>
+  </cs:plotArea3D>
+  <cs:seriesAxis>
+    <cs:lnRef idx="0"/>
+    <cs:fillRef idx="0"/>
+    <cs:effectRef idx="0"/>
+    <cs:fontRef idx="minor">
+      <a:schemeClr val="tx1">
+        <a:lumMod val="65000"/>
+        <a:lumOff val="35000"/>
+      </a:schemeClr>
+    </cs:fontRef>
+    <cs:defRPr sz="1197" kern="1200"/>
+  </cs:seriesAxis>
+  <cs:seriesLine>
+    <cs:lnRef idx="0"/>
+    <cs:fillRef idx="0"/>
+    <cs:effectRef idx="0"/>
+    <cs:fontRef idx="minor">
+      <a:schemeClr val="tx1"/>
+    </cs:fontRef>
+    <cs:spPr>
+      <a:ln w="9525" cap="flat" cmpd="sng" algn="ctr">
+        <a:solidFill>
+          <a:schemeClr val="tx1">
+            <a:lumMod val="35000"/>
+            <a:lumOff val="65000"/>
+          </a:schemeClr>
+        </a:solidFill>
+        <a:round/>
+      </a:ln>
+    </cs:spPr>
+  </cs:seriesLine>
+  <cs:title>
+    <cs:lnRef idx="0"/>
+    <cs:fillRef idx="0"/>
+    <cs:effectRef idx="0"/>
+    <cs:fontRef idx="minor">
+      <a:schemeClr val="tx1">
+        <a:lumMod val="65000"/>
+        <a:lumOff val="35000"/>
+      </a:schemeClr>
+    </cs:fontRef>
+    <cs:defRPr sz="1862" b="0" kern="1200" spc="0" baseline="0"/>
+  </cs:title>
+  <cs:trendline>
+    <cs:lnRef idx="0">
+      <cs:styleClr val="auto"/>
+    </cs:lnRef>
+    <cs:fillRef idx="0"/>
+    <cs:effectRef idx="0"/>
+    <cs:fontRef idx="minor">
+      <a:schemeClr val="tx1"/>
+    </cs:fontRef>
+    <cs:spPr>
+      <a:ln w="19050" cap="rnd">
+        <a:solidFill>
+          <a:schemeClr val="phClr"/>
+        </a:solidFill>
+        <a:prstDash val="sysDot"/>
+      </a:ln>
+    </cs:spPr>
+  </cs:trendline>
+  <cs:trendlineLabel>
+    <cs:lnRef idx="0"/>
+    <cs:fillRef idx="0"/>
+    <cs:effectRef idx="0"/>
+    <cs:fontRef idx="minor">
+      <a:schemeClr val="tx1">
+        <a:lumMod val="65000"/>
+        <a:lumOff val="35000"/>
+      </a:schemeClr>
+    </cs:fontRef>
+    <cs:defRPr sz="1197" kern="1200"/>
+  </cs:trendlineLabel>
+  <cs:upBar>
+    <cs:lnRef idx="0"/>
+    <cs:fillRef idx="0"/>
+    <cs:effectRef idx="0"/>
+    <cs:fontRef idx="minor">
+      <a:schemeClr val="tx1"/>
+    </cs:fontRef>
+    <cs:spPr>
+      <a:solidFill>
+        <a:schemeClr val="lt1"/>
+      </a:solidFill>
+      <a:ln w="9525" cap="flat" cmpd="sng" algn="ctr">
+        <a:solidFill>
+          <a:schemeClr val="tx1">
+            <a:lumMod val="65000"/>
+            <a:lumOff val="35000"/>
+          </a:schemeClr>
+        </a:solidFill>
+        <a:round/>
+      </a:ln>
+    </cs:spPr>
+  </cs:upBar>
+  <cs:valueAxis>
+    <cs:lnRef idx="0"/>
+    <cs:fillRef idx="0"/>
+    <cs:effectRef idx="0"/>
+    <cs:fontRef idx="minor">
+      <a:schemeClr val="tx1">
+        <a:lumMod val="65000"/>
+        <a:lumOff val="35000"/>
+      </a:schemeClr>
+    </cs:fontRef>
+    <cs:defRPr sz="1197" kern="1200"/>
+  </cs:valueAxis>
+  <cs:wall>
+    <cs:lnRef idx="0"/>
+    <cs:fillRef idx="0"/>
+    <cs:effectRef idx="0"/>
+    <cs:fontRef idx="minor">
+      <a:schemeClr val="tx1"/>
+    </cs:fontRef>
+    <cs:spPr>
+      <a:noFill/>
+      <a:ln>
+        <a:noFill/>
+      </a:ln>
+    </cs:spPr>
+  </cs:wall>
+</cs:chartStyle>
 </file>
 
 <file path=ppt/notesMasters/notesMaster1.xml><?xml version="1.0" encoding="utf-8"?>
@@ -457,7 +3005,7 @@
           <a:p>
             <a:fld id="{E368592B-874F-3D4D-B42A-20B2A5E28AED}" type="datetimeFigureOut">
               <a:rPr lang="fr-FR" smtClean="0"/>
-              <a:t>11/03/2020</a:t>
+              <a:t>13/03/2020</a:t>
             </a:fld>
             <a:endParaRPr lang="fr-FR"/>
           </a:p>
@@ -789,6 +3337,90 @@
           <a:p>
             <a:fld id="{F4416381-8513-CC40-B780-113EB83641E7}" type="slidenum">
               <a:rPr lang="fr-FR" smtClean="0"/>
+              <a:t>1</a:t>
+            </a:fld>
+            <a:endParaRPr lang="fr-FR"/>
+          </a:p>
+        </p:txBody>
+      </p:sp>
+    </p:spTree>
+    <p:extLst>
+      <p:ext uri="{BB962C8B-B14F-4D97-AF65-F5344CB8AC3E}">
+        <p14:creationId xmlns:p14="http://schemas.microsoft.com/office/powerpoint/2010/main" val="3520859093"/>
+      </p:ext>
+    </p:extLst>
+  </p:cSld>
+  <p:clrMapOvr>
+    <a:masterClrMapping/>
+  </p:clrMapOvr>
+</p:notes>
+</file>
+
+<file path=ppt/notesSlides/notesSlide2.xml><?xml version="1.0" encoding="utf-8"?>
+<p:notes xmlns:a="http://schemas.openxmlformats.org/drawingml/2006/main" xmlns:r="http://schemas.openxmlformats.org/officeDocument/2006/relationships" xmlns:p="http://schemas.openxmlformats.org/presentationml/2006/main">
+  <p:cSld>
+    <p:spTree>
+      <p:nvGrpSpPr>
+        <p:cNvPr id="1" name=""/>
+        <p:cNvGrpSpPr/>
+        <p:nvPr/>
+      </p:nvGrpSpPr>
+      <p:grpSpPr>
+        <a:xfrm>
+          <a:off x="0" y="0"/>
+          <a:ext cx="0" cy="0"/>
+          <a:chOff x="0" y="0"/>
+          <a:chExt cx="0" cy="0"/>
+        </a:xfrm>
+      </p:grpSpPr>
+      <p:sp>
+        <p:nvSpPr>
+          <p:cNvPr id="2" name="Espace réservé de l'image des diapositives 1"/>
+          <p:cNvSpPr>
+            <a:spLocks noGrp="1" noRot="1" noChangeAspect="1"/>
+          </p:cNvSpPr>
+          <p:nvPr>
+            <p:ph type="sldImg"/>
+          </p:nvPr>
+        </p:nvSpPr>
+        <p:spPr/>
+      </p:sp>
+      <p:sp>
+        <p:nvSpPr>
+          <p:cNvPr id="3" name="Espace réservé des notes 2"/>
+          <p:cNvSpPr>
+            <a:spLocks noGrp="1"/>
+          </p:cNvSpPr>
+          <p:nvPr>
+            <p:ph type="body" idx="1"/>
+          </p:nvPr>
+        </p:nvSpPr>
+        <p:spPr/>
+        <p:txBody>
+          <a:bodyPr/>
+          <a:lstStyle/>
+          <a:p>
+            <a:endParaRPr lang="fr-FR" dirty="0"/>
+          </a:p>
+        </p:txBody>
+      </p:sp>
+      <p:sp>
+        <p:nvSpPr>
+          <p:cNvPr id="4" name="Espace réservé du numéro de diapositive 3"/>
+          <p:cNvSpPr>
+            <a:spLocks noGrp="1"/>
+          </p:cNvSpPr>
+          <p:nvPr>
+            <p:ph type="sldNum" sz="quarter" idx="5"/>
+          </p:nvPr>
+        </p:nvSpPr>
+        <p:spPr/>
+        <p:txBody>
+          <a:bodyPr/>
+          <a:lstStyle/>
+          <a:p>
+            <a:fld id="{F4416381-8513-CC40-B780-113EB83641E7}" type="slidenum">
+              <a:rPr lang="fr-FR" smtClean="0"/>
               <a:t>2</a:t>
             </a:fld>
             <a:endParaRPr lang="fr-FR"/>
@@ -808,7 +3440,7 @@
 </p:notes>
 </file>
 
-<file path=ppt/notesSlides/notesSlide2.xml><?xml version="1.0" encoding="utf-8"?>
+<file path=ppt/notesSlides/notesSlide3.xml><?xml version="1.0" encoding="utf-8"?>
 <p:notes xmlns:a="http://schemas.openxmlformats.org/drawingml/2006/main" xmlns:r="http://schemas.openxmlformats.org/officeDocument/2006/relationships" xmlns:p="http://schemas.openxmlformats.org/presentationml/2006/main">
   <p:cSld>
     <p:spTree>
@@ -892,7 +3524,7 @@
 </p:notes>
 </file>
 
-<file path=ppt/notesSlides/notesSlide3.xml><?xml version="1.0" encoding="utf-8"?>
+<file path=ppt/notesSlides/notesSlide4.xml><?xml version="1.0" encoding="utf-8"?>
 <p:notes xmlns:a="http://schemas.openxmlformats.org/drawingml/2006/main" xmlns:r="http://schemas.openxmlformats.org/officeDocument/2006/relationships" xmlns:p="http://schemas.openxmlformats.org/presentationml/2006/main">
   <p:cSld>
     <p:spTree>
@@ -976,7 +3608,7 @@
 </p:notes>
 </file>
 
-<file path=ppt/notesSlides/notesSlide4.xml><?xml version="1.0" encoding="utf-8"?>
+<file path=ppt/notesSlides/notesSlide5.xml><?xml version="1.0" encoding="utf-8"?>
 <p:notes xmlns:a="http://schemas.openxmlformats.org/drawingml/2006/main" xmlns:r="http://schemas.openxmlformats.org/officeDocument/2006/relationships" xmlns:p="http://schemas.openxmlformats.org/presentationml/2006/main">
   <p:cSld>
     <p:spTree>
@@ -1020,7 +3652,7 @@
           <a:bodyPr/>
           <a:lstStyle/>
           <a:p>
-            <a:endParaRPr lang="fr-FR"/>
+            <a:endParaRPr lang="fr-FR" dirty="0"/>
           </a:p>
         </p:txBody>
       </p:sp>
@@ -1060,7 +3692,7 @@
 </p:notes>
 </file>
 
-<file path=ppt/notesSlides/notesSlide5.xml><?xml version="1.0" encoding="utf-8"?>
+<file path=ppt/notesSlides/notesSlide6.xml><?xml version="1.0" encoding="utf-8"?>
 <p:notes xmlns:a="http://schemas.openxmlformats.org/drawingml/2006/main" xmlns:r="http://schemas.openxmlformats.org/officeDocument/2006/relationships" xmlns:p="http://schemas.openxmlformats.org/presentationml/2006/main">
   <p:cSld>
     <p:spTree>
@@ -1150,7 +3782,7 @@
 </p:notes>
 </file>
 
-<file path=ppt/notesSlides/notesSlide6.xml><?xml version="1.0" encoding="utf-8"?>
+<file path=ppt/notesSlides/notesSlide7.xml><?xml version="1.0" encoding="utf-8"?>
 <p:notes xmlns:a="http://schemas.openxmlformats.org/drawingml/2006/main" xmlns:r="http://schemas.openxmlformats.org/officeDocument/2006/relationships" xmlns:p="http://schemas.openxmlformats.org/presentationml/2006/main">
   <p:cSld>
     <p:spTree>
@@ -1237,7 +3869,7 @@
 </p:notes>
 </file>
 
-<file path=ppt/notesSlides/notesSlide7.xml><?xml version="1.0" encoding="utf-8"?>
+<file path=ppt/notesSlides/notesSlide8.xml><?xml version="1.0" encoding="utf-8"?>
 <p:notes xmlns:a="http://schemas.openxmlformats.org/drawingml/2006/main" xmlns:r="http://schemas.openxmlformats.org/officeDocument/2006/relationships" xmlns:p="http://schemas.openxmlformats.org/presentationml/2006/main">
   <p:cSld>
     <p:spTree>
@@ -1327,7 +3959,7 @@
 </p:notes>
 </file>
 
-<file path=ppt/notesSlides/notesSlide8.xml><?xml version="1.0" encoding="utf-8"?>
+<file path=ppt/notesSlides/notesSlide9.xml><?xml version="1.0" encoding="utf-8"?>
 <p:notes xmlns:a="http://schemas.openxmlformats.org/drawingml/2006/main" xmlns:r="http://schemas.openxmlformats.org/officeDocument/2006/relationships" xmlns:p="http://schemas.openxmlformats.org/presentationml/2006/main">
   <p:cSld>
     <p:spTree>
@@ -1372,7 +4004,7 @@
           <a:lstStyle/>
           <a:p>
             <a:r>
-              <a:rPr lang="fr-FR"/>
+              <a:rPr lang="fr-FR" dirty="0"/>
               <a:t>Transfo : ?</a:t>
             </a:r>
           </a:p>
@@ -1561,7 +4193,7 @@
           <a:p>
             <a:fld id="{DD202D68-98EA-9340-ABD1-F07F59F26815}" type="datetimeFigureOut">
               <a:rPr lang="fr-FR" smtClean="0"/>
-              <a:t>11/03/2020</a:t>
+              <a:t>13/03/2020</a:t>
             </a:fld>
             <a:endParaRPr lang="fr-FR"/>
           </a:p>
@@ -1759,7 +4391,7 @@
           <a:p>
             <a:fld id="{DD202D68-98EA-9340-ABD1-F07F59F26815}" type="datetimeFigureOut">
               <a:rPr lang="fr-FR" smtClean="0"/>
-              <a:t>11/03/2020</a:t>
+              <a:t>13/03/2020</a:t>
             </a:fld>
             <a:endParaRPr lang="fr-FR"/>
           </a:p>
@@ -1967,7 +4599,7 @@
           <a:p>
             <a:fld id="{DD202D68-98EA-9340-ABD1-F07F59F26815}" type="datetimeFigureOut">
               <a:rPr lang="fr-FR" smtClean="0"/>
-              <a:t>11/03/2020</a:t>
+              <a:t>13/03/2020</a:t>
             </a:fld>
             <a:endParaRPr lang="fr-FR"/>
           </a:p>
@@ -2165,7 +4797,7 @@
           <a:p>
             <a:fld id="{DD202D68-98EA-9340-ABD1-F07F59F26815}" type="datetimeFigureOut">
               <a:rPr lang="fr-FR" smtClean="0"/>
-              <a:t>11/03/2020</a:t>
+              <a:t>13/03/2020</a:t>
             </a:fld>
             <a:endParaRPr lang="fr-FR"/>
           </a:p>
@@ -2440,7 +5072,7 @@
           <a:p>
             <a:fld id="{DD202D68-98EA-9340-ABD1-F07F59F26815}" type="datetimeFigureOut">
               <a:rPr lang="fr-FR" smtClean="0"/>
-              <a:t>11/03/2020</a:t>
+              <a:t>13/03/2020</a:t>
             </a:fld>
             <a:endParaRPr lang="fr-FR"/>
           </a:p>
@@ -2705,7 +5337,7 @@
           <a:p>
             <a:fld id="{DD202D68-98EA-9340-ABD1-F07F59F26815}" type="datetimeFigureOut">
               <a:rPr lang="fr-FR" smtClean="0"/>
-              <a:t>11/03/2020</a:t>
+              <a:t>13/03/2020</a:t>
             </a:fld>
             <a:endParaRPr lang="fr-FR"/>
           </a:p>
@@ -3117,7 +5749,7 @@
           <a:p>
             <a:fld id="{DD202D68-98EA-9340-ABD1-F07F59F26815}" type="datetimeFigureOut">
               <a:rPr lang="fr-FR" smtClean="0"/>
-              <a:t>11/03/2020</a:t>
+              <a:t>13/03/2020</a:t>
             </a:fld>
             <a:endParaRPr lang="fr-FR"/>
           </a:p>
@@ -3258,7 +5890,7 @@
           <a:p>
             <a:fld id="{DD202D68-98EA-9340-ABD1-F07F59F26815}" type="datetimeFigureOut">
               <a:rPr lang="fr-FR" smtClean="0"/>
-              <a:t>11/03/2020</a:t>
+              <a:t>13/03/2020</a:t>
             </a:fld>
             <a:endParaRPr lang="fr-FR"/>
           </a:p>
@@ -3371,7 +6003,7 @@
           <a:p>
             <a:fld id="{DD202D68-98EA-9340-ABD1-F07F59F26815}" type="datetimeFigureOut">
               <a:rPr lang="fr-FR" smtClean="0"/>
-              <a:t>11/03/2020</a:t>
+              <a:t>13/03/2020</a:t>
             </a:fld>
             <a:endParaRPr lang="fr-FR"/>
           </a:p>
@@ -3682,7 +6314,7 @@
           <a:p>
             <a:fld id="{DD202D68-98EA-9340-ABD1-F07F59F26815}" type="datetimeFigureOut">
               <a:rPr lang="fr-FR" smtClean="0"/>
-              <a:t>11/03/2020</a:t>
+              <a:t>13/03/2020</a:t>
             </a:fld>
             <a:endParaRPr lang="fr-FR"/>
           </a:p>
@@ -3970,7 +6602,7 @@
           <a:p>
             <a:fld id="{DD202D68-98EA-9340-ABD1-F07F59F26815}" type="datetimeFigureOut">
               <a:rPr lang="fr-FR" smtClean="0"/>
-              <a:t>11/03/2020</a:t>
+              <a:t>13/03/2020</a:t>
             </a:fld>
             <a:endParaRPr lang="fr-FR"/>
           </a:p>
@@ -4211,7 +6843,7 @@
           <a:p>
             <a:fld id="{DD202D68-98EA-9340-ABD1-F07F59F26815}" type="datetimeFigureOut">
               <a:rPr lang="fr-FR" smtClean="0"/>
-              <a:t>11/03/2020</a:t>
+              <a:t>13/03/2020</a:t>
             </a:fld>
             <a:endParaRPr lang="fr-FR"/>
           </a:p>
@@ -4643,10 +7275,10 @@
           <p:nvPr/>
         </p:nvPicPr>
         <p:blipFill>
-          <a:blip r:embed="rId2">
+          <a:blip r:embed="rId3">
             <a:extLst>
               <a:ext uri="{96DAC541-7B7A-43D3-8B79-37D633B846F1}">
-                <asvg:svgBlip xmlns:asvg="http://schemas.microsoft.com/office/drawing/2016/SVG/main" r:embed="rId3"/>
+                <asvg:svgBlip xmlns:asvg="http://schemas.microsoft.com/office/drawing/2016/SVG/main" r:embed="rId4"/>
               </a:ext>
             </a:extLst>
           </a:blip>
@@ -4656,8 +7288,8 @@
         </p:blipFill>
         <p:spPr>
           <a:xfrm>
-            <a:off x="2962771" y="2660699"/>
-            <a:ext cx="6266458" cy="1536603"/>
+            <a:off x="2853043" y="1668705"/>
+            <a:ext cx="3721493" cy="912550"/>
           </a:xfrm>
           <a:prstGeom prst="rect">
             <a:avLst/>
@@ -4678,8 +7310,8 @@
         </p:nvSpPr>
         <p:spPr>
           <a:xfrm>
-            <a:off x="4235841" y="4484094"/>
-            <a:ext cx="4163880" cy="1323439"/>
+            <a:off x="2410656" y="3234363"/>
+            <a:ext cx="3685344" cy="707886"/>
           </a:xfrm>
           <a:prstGeom prst="rect">
             <a:avLst/>
@@ -4692,9 +7324,9 @@
           </a:bodyPr>
           <a:lstStyle/>
           <a:p>
-            <a:pPr algn="ctr"/>
+            <a:pPr algn="r"/>
             <a:r>
-              <a:rPr lang="fr-FR" sz="8000" dirty="0">
+              <a:rPr lang="fr-FR" sz="4000" dirty="0">
                 <a:solidFill>
                   <a:srgbClr val="FF822F"/>
                 </a:solidFill>
@@ -4704,6 +7336,127 @@
           </a:p>
         </p:txBody>
       </p:sp>
+      <p:cxnSp>
+        <p:nvCxnSpPr>
+          <p:cNvPr id="7" name="Connecteur droit 6">
+            <a:extLst>
+              <a:ext uri="{FF2B5EF4-FFF2-40B4-BE49-F238E27FC236}">
+                <a16:creationId xmlns:a16="http://schemas.microsoft.com/office/drawing/2014/main" id="{E4293D06-9F16-B94C-B5F3-E5B93096B574}"/>
+              </a:ext>
+            </a:extLst>
+          </p:cNvPr>
+          <p:cNvCxnSpPr>
+            <a:cxnSpLocks/>
+          </p:cNvCxnSpPr>
+          <p:nvPr/>
+        </p:nvCxnSpPr>
+        <p:spPr>
+          <a:xfrm>
+            <a:off x="6432724" y="3234363"/>
+            <a:ext cx="0" cy="1935915"/>
+          </a:xfrm>
+          <a:prstGeom prst="line">
+            <a:avLst/>
+          </a:prstGeom>
+          <a:ln w="38100">
+            <a:headEnd type="oval" w="med" len="med"/>
+            <a:tailEnd type="oval" w="med" len="med"/>
+          </a:ln>
+        </p:spPr>
+        <p:style>
+          <a:lnRef idx="1">
+            <a:schemeClr val="accent2"/>
+          </a:lnRef>
+          <a:fillRef idx="0">
+            <a:schemeClr val="accent2"/>
+          </a:fillRef>
+          <a:effectRef idx="0">
+            <a:schemeClr val="accent2"/>
+          </a:effectRef>
+          <a:fontRef idx="minor">
+            <a:schemeClr val="tx1"/>
+          </a:fontRef>
+        </p:style>
+      </p:cxnSp>
+      <p:sp>
+        <p:nvSpPr>
+          <p:cNvPr id="9" name="ZoneTexte 8">
+            <a:extLst>
+              <a:ext uri="{FF2B5EF4-FFF2-40B4-BE49-F238E27FC236}">
+                <a16:creationId xmlns:a16="http://schemas.microsoft.com/office/drawing/2014/main" id="{57825476-6BF0-2B43-8004-9C4F21ED6C81}"/>
+              </a:ext>
+            </a:extLst>
+          </p:cNvPr>
+          <p:cNvSpPr txBox="1"/>
+          <p:nvPr/>
+        </p:nvSpPr>
+        <p:spPr>
+          <a:xfrm>
+            <a:off x="2410656" y="3942249"/>
+            <a:ext cx="3685344" cy="1323439"/>
+          </a:xfrm>
+          <a:prstGeom prst="rect">
+            <a:avLst/>
+          </a:prstGeom>
+          <a:noFill/>
+        </p:spPr>
+        <p:txBody>
+          <a:bodyPr wrap="square" rtlCol="0">
+            <a:spAutoFit/>
+          </a:bodyPr>
+          <a:lstStyle/>
+          <a:p>
+            <a:pPr algn="r"/>
+            <a:r>
+              <a:rPr lang="fr-FR" sz="4000" dirty="0">
+                <a:solidFill>
+                  <a:schemeClr val="tx1">
+                    <a:lumMod val="65000"/>
+                    <a:lumOff val="35000"/>
+                  </a:schemeClr>
+                </a:solidFill>
+              </a:rPr>
+              <a:t>Ajouter un Titre ici. </a:t>
+            </a:r>
+          </a:p>
+        </p:txBody>
+      </p:sp>
+      <p:pic>
+        <p:nvPicPr>
+          <p:cNvPr id="12" name="Graphique 11">
+            <a:extLst>
+              <a:ext uri="{FF2B5EF4-FFF2-40B4-BE49-F238E27FC236}">
+                <a16:creationId xmlns:a16="http://schemas.microsoft.com/office/drawing/2014/main" id="{96FC046D-0591-F547-A2B4-97837AEBB868}"/>
+              </a:ext>
+            </a:extLst>
+          </p:cNvPr>
+          <p:cNvPicPr>
+            <a:picLocks noChangeAspect="1"/>
+          </p:cNvPicPr>
+          <p:nvPr/>
+        </p:nvPicPr>
+        <p:blipFill>
+          <a:blip r:embed="rId5">
+            <a:extLst>
+              <a:ext uri="{96DAC541-7B7A-43D3-8B79-37D633B846F1}">
+                <asvg:svgBlip xmlns:asvg="http://schemas.microsoft.com/office/drawing/2016/SVG/main" r:embed="rId6"/>
+              </a:ext>
+            </a:extLst>
+          </a:blip>
+          <a:stretch>
+            <a:fillRect/>
+          </a:stretch>
+        </p:blipFill>
+        <p:spPr>
+          <a:xfrm>
+            <a:off x="7511152" y="-876985"/>
+            <a:ext cx="5120630" cy="8611969"/>
+          </a:xfrm>
+          <a:prstGeom prst="rect">
+            <a:avLst/>
+          </a:prstGeom>
+        </p:spPr>
+      </p:pic>
     </p:spTree>
     <p:extLst>
       <p:ext uri="{BB962C8B-B14F-4D97-AF65-F5344CB8AC3E}">
@@ -4749,7 +7502,7 @@
         <p:spPr>
           <a:xfrm>
             <a:off x="652084" y="514300"/>
-            <a:ext cx="3937133" cy="1015663"/>
+            <a:ext cx="3937133" cy="861774"/>
           </a:xfrm>
           <a:prstGeom prst="rect">
             <a:avLst/>
@@ -4763,7 +7516,7 @@
           <a:lstStyle/>
           <a:p>
             <a:r>
-              <a:rPr lang="fr-FR" sz="6000" b="1" dirty="0">
+              <a:rPr lang="fr-FR" sz="5000" b="1" dirty="0">
                 <a:solidFill>
                   <a:srgbClr val="402E7D"/>
                 </a:solidFill>
@@ -4916,7 +7669,7 @@
         </p:blipFill>
         <p:spPr>
           <a:xfrm>
-            <a:off x="4784291" y="1810864"/>
+            <a:off x="4467917" y="1845690"/>
             <a:ext cx="7407709" cy="3966260"/>
           </a:xfrm>
           <a:prstGeom prst="rect">
@@ -4938,7 +7691,7 @@
         </p:nvGrpSpPr>
         <p:grpSpPr>
           <a:xfrm>
-            <a:off x="2310146" y="4089821"/>
+            <a:off x="2005346" y="4089821"/>
             <a:ext cx="2149553" cy="1490248"/>
             <a:chOff x="5206358" y="2587961"/>
             <a:chExt cx="2831065" cy="1962728"/>
@@ -5199,7 +7952,7 @@
         </p:nvGrpSpPr>
         <p:grpSpPr>
           <a:xfrm>
-            <a:off x="454122" y="2232209"/>
+            <a:off x="702876" y="2232209"/>
             <a:ext cx="2149552" cy="1684048"/>
             <a:chOff x="8941469" y="2733049"/>
             <a:chExt cx="2560083" cy="2005677"/>
@@ -5393,6 +8146,240 @@
           </p:sp>
         </p:grpSp>
       </p:grpSp>
+      <p:grpSp>
+        <p:nvGrpSpPr>
+          <p:cNvPr id="18" name="Groupe 17">
+            <a:extLst>
+              <a:ext uri="{FF2B5EF4-FFF2-40B4-BE49-F238E27FC236}">
+                <a16:creationId xmlns:a16="http://schemas.microsoft.com/office/drawing/2014/main" id="{519D8291-84CD-984D-9D56-5418518F7580}"/>
+              </a:ext>
+            </a:extLst>
+          </p:cNvPr>
+          <p:cNvGrpSpPr/>
+          <p:nvPr/>
+        </p:nvGrpSpPr>
+        <p:grpSpPr>
+          <a:xfrm>
+            <a:off x="2464496" y="3284386"/>
+            <a:ext cx="1003918" cy="631871"/>
+            <a:chOff x="1946795" y="5283272"/>
+            <a:chExt cx="1003918" cy="631871"/>
+          </a:xfrm>
+        </p:grpSpPr>
+        <p:sp>
+          <p:nvSpPr>
+            <p:cNvPr id="19" name="Ellipse 18">
+              <a:extLst>
+                <a:ext uri="{FF2B5EF4-FFF2-40B4-BE49-F238E27FC236}">
+                  <a16:creationId xmlns:a16="http://schemas.microsoft.com/office/drawing/2014/main" id="{1A4CF90F-4ACD-234E-B7AE-06973AA63384}"/>
+                </a:ext>
+              </a:extLst>
+            </p:cNvPr>
+            <p:cNvSpPr/>
+            <p:nvPr/>
+          </p:nvSpPr>
+          <p:spPr>
+            <a:xfrm>
+              <a:off x="2132817" y="5283272"/>
+              <a:ext cx="631871" cy="631871"/>
+            </a:xfrm>
+            <a:prstGeom prst="ellipse">
+              <a:avLst/>
+            </a:prstGeom>
+            <a:solidFill>
+              <a:schemeClr val="bg1">
+                <a:lumMod val="95000"/>
+              </a:schemeClr>
+            </a:solidFill>
+            <a:ln>
+              <a:noFill/>
+            </a:ln>
+          </p:spPr>
+          <p:style>
+            <a:lnRef idx="2">
+              <a:schemeClr val="accent1">
+                <a:shade val="50000"/>
+              </a:schemeClr>
+            </a:lnRef>
+            <a:fillRef idx="1">
+              <a:schemeClr val="accent1"/>
+            </a:fillRef>
+            <a:effectRef idx="0">
+              <a:schemeClr val="accent1"/>
+            </a:effectRef>
+            <a:fontRef idx="minor">
+              <a:schemeClr val="lt1"/>
+            </a:fontRef>
+          </p:style>
+          <p:txBody>
+            <a:bodyPr rtlCol="0" anchor="ctr"/>
+            <a:lstStyle/>
+            <a:p>
+              <a:pPr algn="ctr"/>
+              <a:endParaRPr lang="fr-FR"/>
+            </a:p>
+          </p:txBody>
+        </p:sp>
+        <p:sp>
+          <p:nvSpPr>
+            <p:cNvPr id="23" name="ZoneTexte 22">
+              <a:extLst>
+                <a:ext uri="{FF2B5EF4-FFF2-40B4-BE49-F238E27FC236}">
+                  <a16:creationId xmlns:a16="http://schemas.microsoft.com/office/drawing/2014/main" id="{11A78EC3-EA35-4F4E-ACC4-420A65EDF619}"/>
+                </a:ext>
+              </a:extLst>
+            </p:cNvPr>
+            <p:cNvSpPr txBox="1"/>
+            <p:nvPr/>
+          </p:nvSpPr>
+          <p:spPr>
+            <a:xfrm>
+              <a:off x="1946795" y="5428964"/>
+              <a:ext cx="1003918" cy="338554"/>
+            </a:xfrm>
+            <a:prstGeom prst="rect">
+              <a:avLst/>
+            </a:prstGeom>
+            <a:noFill/>
+          </p:spPr>
+          <p:txBody>
+            <a:bodyPr wrap="square" rtlCol="0">
+              <a:spAutoFit/>
+            </a:bodyPr>
+            <a:lstStyle/>
+            <a:p>
+              <a:pPr algn="ctr"/>
+              <a:r>
+                <a:rPr lang="fr-FR" sz="1600" dirty="0">
+                  <a:solidFill>
+                    <a:srgbClr val="402E7D"/>
+                  </a:solidFill>
+                  <a:latin typeface="Calibri" panose="020F0502020204030204" pitchFamily="34" charset="0"/>
+                  <a:cs typeface="Calibri" panose="020F0502020204030204" pitchFamily="34" charset="0"/>
+                </a:rPr>
+                <a:t>_TBO%</a:t>
+              </a:r>
+            </a:p>
+          </p:txBody>
+        </p:sp>
+      </p:grpSp>
+      <p:grpSp>
+        <p:nvGrpSpPr>
+          <p:cNvPr id="24" name="Groupe 23">
+            <a:extLst>
+              <a:ext uri="{FF2B5EF4-FFF2-40B4-BE49-F238E27FC236}">
+                <a16:creationId xmlns:a16="http://schemas.microsoft.com/office/drawing/2014/main" id="{1B65AAFC-CDC8-E345-9CBA-AAAE470835B1}"/>
+              </a:ext>
+            </a:extLst>
+          </p:cNvPr>
+          <p:cNvGrpSpPr/>
+          <p:nvPr/>
+        </p:nvGrpSpPr>
+        <p:grpSpPr>
+          <a:xfrm>
+            <a:off x="1408636" y="5169152"/>
+            <a:ext cx="893130" cy="631871"/>
+            <a:chOff x="2002189" y="5283272"/>
+            <a:chExt cx="893130" cy="631871"/>
+          </a:xfrm>
+        </p:grpSpPr>
+        <p:sp>
+          <p:nvSpPr>
+            <p:cNvPr id="25" name="Ellipse 24">
+              <a:extLst>
+                <a:ext uri="{FF2B5EF4-FFF2-40B4-BE49-F238E27FC236}">
+                  <a16:creationId xmlns:a16="http://schemas.microsoft.com/office/drawing/2014/main" id="{D8FDB5FE-0D19-1643-996F-EAE3E23B586C}"/>
+                </a:ext>
+              </a:extLst>
+            </p:cNvPr>
+            <p:cNvSpPr/>
+            <p:nvPr/>
+          </p:nvSpPr>
+          <p:spPr>
+            <a:xfrm>
+              <a:off x="2132817" y="5283272"/>
+              <a:ext cx="631871" cy="631871"/>
+            </a:xfrm>
+            <a:prstGeom prst="ellipse">
+              <a:avLst/>
+            </a:prstGeom>
+            <a:solidFill>
+              <a:schemeClr val="bg1">
+                <a:lumMod val="95000"/>
+              </a:schemeClr>
+            </a:solidFill>
+            <a:ln>
+              <a:noFill/>
+            </a:ln>
+          </p:spPr>
+          <p:style>
+            <a:lnRef idx="2">
+              <a:schemeClr val="accent1">
+                <a:shade val="50000"/>
+              </a:schemeClr>
+            </a:lnRef>
+            <a:fillRef idx="1">
+              <a:schemeClr val="accent1"/>
+            </a:fillRef>
+            <a:effectRef idx="0">
+              <a:schemeClr val="accent1"/>
+            </a:effectRef>
+            <a:fontRef idx="minor">
+              <a:schemeClr val="lt1"/>
+            </a:fontRef>
+          </p:style>
+          <p:txBody>
+            <a:bodyPr rtlCol="0" anchor="ctr"/>
+            <a:lstStyle/>
+            <a:p>
+              <a:pPr algn="ctr"/>
+              <a:endParaRPr lang="fr-FR"/>
+            </a:p>
+          </p:txBody>
+        </p:sp>
+        <p:sp>
+          <p:nvSpPr>
+            <p:cNvPr id="26" name="ZoneTexte 25">
+              <a:extLst>
+                <a:ext uri="{FF2B5EF4-FFF2-40B4-BE49-F238E27FC236}">
+                  <a16:creationId xmlns:a16="http://schemas.microsoft.com/office/drawing/2014/main" id="{7476BCAF-E433-1248-9E87-2B9251DBEFAF}"/>
+                </a:ext>
+              </a:extLst>
+            </p:cNvPr>
+            <p:cNvSpPr txBox="1"/>
+            <p:nvPr/>
+          </p:nvSpPr>
+          <p:spPr>
+            <a:xfrm>
+              <a:off x="2002189" y="5428964"/>
+              <a:ext cx="893130" cy="338554"/>
+            </a:xfrm>
+            <a:prstGeom prst="rect">
+              <a:avLst/>
+            </a:prstGeom>
+            <a:noFill/>
+          </p:spPr>
+          <p:txBody>
+            <a:bodyPr wrap="square" rtlCol="0">
+              <a:spAutoFit/>
+            </a:bodyPr>
+            <a:lstStyle/>
+            <a:p>
+              <a:pPr algn="ctr"/>
+              <a:r>
+                <a:rPr lang="fr-FR" sz="1600" dirty="0">
+                  <a:solidFill>
+                    <a:srgbClr val="FF822F"/>
+                  </a:solidFill>
+                  <a:latin typeface="Calibri" panose="020F0502020204030204" pitchFamily="34" charset="0"/>
+                  <a:cs typeface="Calibri" panose="020F0502020204030204" pitchFamily="34" charset="0"/>
+                </a:rPr>
+                <a:t>_TPW%</a:t>
+              </a:r>
+            </a:p>
+          </p:txBody>
+        </p:sp>
+      </p:grpSp>
     </p:spTree>
     <p:extLst>
       <p:ext uri="{BB962C8B-B14F-4D97-AF65-F5344CB8AC3E}">
@@ -5511,278 +8498,238 @@
           </a:prstGeom>
         </p:spPr>
       </p:pic>
-      <p:grpSp>
-        <p:nvGrpSpPr>
-          <p:cNvPr id="12" name="Groupe 11">
-            <a:extLst>
-              <a:ext uri="{FF2B5EF4-FFF2-40B4-BE49-F238E27FC236}">
-                <a16:creationId xmlns:a16="http://schemas.microsoft.com/office/drawing/2014/main" id="{FC79BFDD-9F08-7045-A4F7-E5E98F8036FB}"/>
-              </a:ext>
-            </a:extLst>
-          </p:cNvPr>
-          <p:cNvGrpSpPr/>
+      <p:sp>
+        <p:nvSpPr>
+          <p:cNvPr id="31" name="ZoneTexte 30">
+            <a:extLst>
+              <a:ext uri="{FF2B5EF4-FFF2-40B4-BE49-F238E27FC236}">
+                <a16:creationId xmlns:a16="http://schemas.microsoft.com/office/drawing/2014/main" id="{D793F8A5-D36E-F84C-A57F-708A3C678B98}"/>
+              </a:ext>
+            </a:extLst>
+          </p:cNvPr>
+          <p:cNvSpPr txBox="1"/>
           <p:nvPr/>
-        </p:nvGrpSpPr>
-        <p:grpSpPr>
+        </p:nvSpPr>
+        <p:spPr>
           <a:xfrm>
-            <a:off x="6711951" y="2170640"/>
-            <a:ext cx="4595388" cy="861774"/>
-            <a:chOff x="645834" y="3866874"/>
-            <a:chExt cx="4595388" cy="861774"/>
+            <a:off x="7643011" y="2170640"/>
+            <a:ext cx="1827426" cy="861774"/>
           </a:xfrm>
-        </p:grpSpPr>
-        <p:sp>
-          <p:nvSpPr>
-            <p:cNvPr id="31" name="ZoneTexte 30">
-              <a:extLst>
-                <a:ext uri="{FF2B5EF4-FFF2-40B4-BE49-F238E27FC236}">
-                  <a16:creationId xmlns:a16="http://schemas.microsoft.com/office/drawing/2014/main" id="{D793F8A5-D36E-F84C-A57F-708A3C678B98}"/>
-                </a:ext>
-              </a:extLst>
-            </p:cNvPr>
-            <p:cNvSpPr txBox="1"/>
-            <p:nvPr/>
-          </p:nvSpPr>
-          <p:spPr>
-            <a:xfrm>
-              <a:off x="1532449" y="3866874"/>
-              <a:ext cx="1529562" cy="861774"/>
-            </a:xfrm>
-            <a:prstGeom prst="rect">
-              <a:avLst/>
-            </a:prstGeom>
-            <a:noFill/>
-          </p:spPr>
-          <p:txBody>
-            <a:bodyPr wrap="square" rtlCol="0">
-              <a:spAutoFit/>
-            </a:bodyPr>
-            <a:lstStyle/>
-            <a:p>
-              <a:r>
-                <a:rPr lang="fr-FR" sz="5000" b="1" dirty="0">
-                  <a:solidFill>
-                    <a:schemeClr val="bg1"/>
-                  </a:solidFill>
-                  <a:latin typeface="Calibri" panose="020F0502020204030204" pitchFamily="34" charset="0"/>
-                  <a:cs typeface="Calibri" panose="020F0502020204030204" pitchFamily="34" charset="0"/>
-                </a:rPr>
-                <a:t>_@</a:t>
-              </a:r>
-            </a:p>
-          </p:txBody>
-        </p:sp>
-        <p:sp>
-          <p:nvSpPr>
-            <p:cNvPr id="32" name="ZoneTexte 31">
-              <a:extLst>
-                <a:ext uri="{FF2B5EF4-FFF2-40B4-BE49-F238E27FC236}">
-                  <a16:creationId xmlns:a16="http://schemas.microsoft.com/office/drawing/2014/main" id="{D4817A38-A307-2B42-9DB5-8B6357FDD668}"/>
-                </a:ext>
-              </a:extLst>
-            </p:cNvPr>
-            <p:cNvSpPr txBox="1"/>
-            <p:nvPr/>
-          </p:nvSpPr>
-          <p:spPr>
-            <a:xfrm>
-              <a:off x="3171422" y="4099634"/>
-              <a:ext cx="2069800" cy="523220"/>
-            </a:xfrm>
-            <a:prstGeom prst="rect">
-              <a:avLst/>
-            </a:prstGeom>
-            <a:noFill/>
-          </p:spPr>
-          <p:txBody>
-            <a:bodyPr wrap="square" rtlCol="0">
-              <a:spAutoFit/>
-            </a:bodyPr>
-            <a:lstStyle/>
-            <a:p>
-              <a:r>
-                <a:rPr lang="fr-FR" sz="1400">
-                  <a:solidFill>
-                    <a:schemeClr val="bg1"/>
-                  </a:solidFill>
-                  <a:latin typeface="Calibri" panose="020F0502020204030204" pitchFamily="34" charset="0"/>
-                  <a:cs typeface="Calibri" panose="020F0502020204030204" pitchFamily="34" charset="0"/>
-                </a:rPr>
-                <a:t>Marketing Cloud : </a:t>
-              </a:r>
-              <a:r>
-                <a:rPr lang="fr-FR" sz="1400" err="1">
-                  <a:solidFill>
-                    <a:schemeClr val="bg1"/>
-                  </a:solidFill>
-                  <a:latin typeface="Calibri" panose="020F0502020204030204" pitchFamily="34" charset="0"/>
-                  <a:cs typeface="Calibri" panose="020F0502020204030204" pitchFamily="34" charset="0"/>
-                </a:rPr>
-                <a:t>number</a:t>
-              </a:r>
-              <a:r>
-                <a:rPr lang="fr-FR" sz="1400">
-                  <a:solidFill>
-                    <a:schemeClr val="bg1"/>
-                  </a:solidFill>
-                  <a:latin typeface="Calibri" panose="020F0502020204030204" pitchFamily="34" charset="0"/>
-                  <a:cs typeface="Calibri" panose="020F0502020204030204" pitchFamily="34" charset="0"/>
-                </a:rPr>
-                <a:t> of emails sent</a:t>
-              </a:r>
-            </a:p>
-          </p:txBody>
-        </p:sp>
-        <p:pic>
-          <p:nvPicPr>
-            <p:cNvPr id="7" name="Graphique 6" descr="Cloud Computing">
-              <a:extLst>
-                <a:ext uri="{FF2B5EF4-FFF2-40B4-BE49-F238E27FC236}">
-                  <a16:creationId xmlns:a16="http://schemas.microsoft.com/office/drawing/2014/main" id="{02E65841-733A-284F-AC0D-54E3E7717905}"/>
-                </a:ext>
-              </a:extLst>
-            </p:cNvPr>
-            <p:cNvPicPr>
-              <a:picLocks noChangeAspect="1"/>
-            </p:cNvPicPr>
-            <p:nvPr/>
-          </p:nvPicPr>
-          <p:blipFill>
-            <a:blip r:embed="rId5">
-              <a:extLst>
-                <a:ext uri="{96DAC541-7B7A-43D3-8B79-37D633B846F1}">
-                  <asvg:svgBlip xmlns:asvg="http://schemas.microsoft.com/office/drawing/2016/SVG/main" r:embed="rId6"/>
-                </a:ext>
-              </a:extLst>
-            </a:blip>
-            <a:stretch>
-              <a:fillRect/>
-            </a:stretch>
-          </p:blipFill>
-          <p:spPr>
-            <a:xfrm>
-              <a:off x="645834" y="3950241"/>
-              <a:ext cx="617685" cy="617685"/>
-            </a:xfrm>
-            <a:prstGeom prst="rect">
-              <a:avLst/>
-            </a:prstGeom>
-          </p:spPr>
-        </p:pic>
-      </p:grpSp>
-      <p:grpSp>
-        <p:nvGrpSpPr>
-          <p:cNvPr id="14" name="Groupe 13">
-            <a:extLst>
-              <a:ext uri="{FF2B5EF4-FFF2-40B4-BE49-F238E27FC236}">
-                <a16:creationId xmlns:a16="http://schemas.microsoft.com/office/drawing/2014/main" id="{C400E1AD-35F6-E44B-8C17-5E841E8171F2}"/>
-              </a:ext>
-            </a:extLst>
-          </p:cNvPr>
-          <p:cNvGrpSpPr/>
+          <a:prstGeom prst="rect">
+            <a:avLst/>
+          </a:prstGeom>
+          <a:noFill/>
+        </p:spPr>
+        <p:txBody>
+          <a:bodyPr wrap="square" rtlCol="0">
+            <a:spAutoFit/>
+          </a:bodyPr>
+          <a:lstStyle/>
+          <a:p>
+            <a:pPr algn="r"/>
+            <a:r>
+              <a:rPr lang="fr-FR" sz="5000" b="1" dirty="0">
+                <a:solidFill>
+                  <a:schemeClr val="bg1"/>
+                </a:solidFill>
+                <a:latin typeface="Calibri" panose="020F0502020204030204" pitchFamily="34" charset="0"/>
+                <a:cs typeface="Calibri" panose="020F0502020204030204" pitchFamily="34" charset="0"/>
+              </a:rPr>
+              <a:t>_@</a:t>
+            </a:r>
+          </a:p>
+        </p:txBody>
+      </p:sp>
+      <p:sp>
+        <p:nvSpPr>
+          <p:cNvPr id="32" name="ZoneTexte 31">
+            <a:extLst>
+              <a:ext uri="{FF2B5EF4-FFF2-40B4-BE49-F238E27FC236}">
+                <a16:creationId xmlns:a16="http://schemas.microsoft.com/office/drawing/2014/main" id="{D4817A38-A307-2B42-9DB5-8B6357FDD668}"/>
+              </a:ext>
+            </a:extLst>
+          </p:cNvPr>
+          <p:cNvSpPr txBox="1"/>
           <p:nvPr/>
-        </p:nvGrpSpPr>
-        <p:grpSpPr>
+        </p:nvSpPr>
+        <p:spPr>
           <a:xfrm>
-            <a:off x="7598566" y="876733"/>
-            <a:ext cx="3089231" cy="861774"/>
-            <a:chOff x="1393145" y="5319019"/>
-            <a:chExt cx="3089231" cy="861774"/>
+            <a:off x="9527611" y="2403400"/>
+            <a:ext cx="2069800" cy="523220"/>
           </a:xfrm>
-        </p:grpSpPr>
-        <p:sp>
-          <p:nvSpPr>
-            <p:cNvPr id="28" name="ZoneTexte 27">
-              <a:extLst>
-                <a:ext uri="{FF2B5EF4-FFF2-40B4-BE49-F238E27FC236}">
-                  <a16:creationId xmlns:a16="http://schemas.microsoft.com/office/drawing/2014/main" id="{5D219A73-42AB-E14F-9A10-8C3210530837}"/>
-                </a:ext>
-              </a:extLst>
-            </p:cNvPr>
-            <p:cNvSpPr txBox="1"/>
-            <p:nvPr/>
-          </p:nvSpPr>
-          <p:spPr>
-            <a:xfrm>
-              <a:off x="1393145" y="5319019"/>
-              <a:ext cx="1526062" cy="861774"/>
-            </a:xfrm>
-            <a:prstGeom prst="rect">
-              <a:avLst/>
-            </a:prstGeom>
-            <a:noFill/>
-          </p:spPr>
-          <p:txBody>
-            <a:bodyPr wrap="square" rtlCol="0">
-              <a:spAutoFit/>
-            </a:bodyPr>
-            <a:lstStyle/>
-            <a:p>
-              <a:r>
-                <a:rPr lang="fr-FR" sz="5000" b="1" dirty="0">
-                  <a:solidFill>
-                    <a:schemeClr val="bg1"/>
-                  </a:solidFill>
-                  <a:latin typeface="Calibri" panose="020F0502020204030204" pitchFamily="34" charset="0"/>
-                  <a:cs typeface="Calibri" panose="020F0502020204030204" pitchFamily="34" charset="0"/>
-                </a:rPr>
-                <a:t>_SFA</a:t>
-              </a:r>
-            </a:p>
-          </p:txBody>
-        </p:sp>
-        <p:sp>
-          <p:nvSpPr>
-            <p:cNvPr id="29" name="ZoneTexte 28">
-              <a:extLst>
-                <a:ext uri="{FF2B5EF4-FFF2-40B4-BE49-F238E27FC236}">
-                  <a16:creationId xmlns:a16="http://schemas.microsoft.com/office/drawing/2014/main" id="{B4F5F706-93A8-F746-AE51-5E4C4CACC79D}"/>
-                </a:ext>
-              </a:extLst>
-            </p:cNvPr>
-            <p:cNvSpPr txBox="1"/>
-            <p:nvPr/>
-          </p:nvSpPr>
-          <p:spPr>
-            <a:xfrm>
-              <a:off x="3032118" y="5475262"/>
-              <a:ext cx="1450258" cy="523220"/>
-            </a:xfrm>
-            <a:prstGeom prst="rect">
-              <a:avLst/>
-            </a:prstGeom>
-            <a:noFill/>
-          </p:spPr>
-          <p:txBody>
-            <a:bodyPr wrap="square" rtlCol="0">
-              <a:spAutoFit/>
-            </a:bodyPr>
-            <a:lstStyle/>
-            <a:p>
-              <a:r>
-                <a:rPr lang="fr-FR" sz="1400" err="1">
-                  <a:solidFill>
-                    <a:schemeClr val="bg1"/>
-                  </a:solidFill>
-                  <a:latin typeface="Calibri" panose="020F0502020204030204" pitchFamily="34" charset="0"/>
-                  <a:cs typeface="Calibri" panose="020F0502020204030204" pitchFamily="34" charset="0"/>
-                </a:rPr>
-                <a:t>Salesforce</a:t>
-              </a:r>
-              <a:r>
-                <a:rPr lang="fr-FR" sz="1400">
-                  <a:solidFill>
-                    <a:schemeClr val="bg1"/>
-                  </a:solidFill>
-                  <a:latin typeface="Calibri" panose="020F0502020204030204" pitchFamily="34" charset="0"/>
-                  <a:cs typeface="Calibri" panose="020F0502020204030204" pitchFamily="34" charset="0"/>
-                </a:rPr>
-                <a:t> adoptions</a:t>
-              </a:r>
-            </a:p>
-          </p:txBody>
-        </p:sp>
-      </p:grpSp>
+          <a:prstGeom prst="rect">
+            <a:avLst/>
+          </a:prstGeom>
+          <a:noFill/>
+        </p:spPr>
+        <p:txBody>
+          <a:bodyPr wrap="square" rtlCol="0">
+            <a:spAutoFit/>
+          </a:bodyPr>
+          <a:lstStyle/>
+          <a:p>
+            <a:r>
+              <a:rPr lang="fr-FR" sz="1400">
+                <a:solidFill>
+                  <a:schemeClr val="bg1"/>
+                </a:solidFill>
+                <a:latin typeface="Calibri" panose="020F0502020204030204" pitchFamily="34" charset="0"/>
+                <a:cs typeface="Calibri" panose="020F0502020204030204" pitchFamily="34" charset="0"/>
+              </a:rPr>
+              <a:t>Marketing Cloud : </a:t>
+            </a:r>
+            <a:r>
+              <a:rPr lang="fr-FR" sz="1400" err="1">
+                <a:solidFill>
+                  <a:schemeClr val="bg1"/>
+                </a:solidFill>
+                <a:latin typeface="Calibri" panose="020F0502020204030204" pitchFamily="34" charset="0"/>
+                <a:cs typeface="Calibri" panose="020F0502020204030204" pitchFamily="34" charset="0"/>
+              </a:rPr>
+              <a:t>number</a:t>
+            </a:r>
+            <a:r>
+              <a:rPr lang="fr-FR" sz="1400">
+                <a:solidFill>
+                  <a:schemeClr val="bg1"/>
+                </a:solidFill>
+                <a:latin typeface="Calibri" panose="020F0502020204030204" pitchFamily="34" charset="0"/>
+                <a:cs typeface="Calibri" panose="020F0502020204030204" pitchFamily="34" charset="0"/>
+              </a:rPr>
+              <a:t> of emails sent</a:t>
+            </a:r>
+          </a:p>
+        </p:txBody>
+      </p:sp>
+      <p:pic>
+        <p:nvPicPr>
+          <p:cNvPr id="7" name="Graphique 6" descr="Cloud Computing">
+            <a:extLst>
+              <a:ext uri="{FF2B5EF4-FFF2-40B4-BE49-F238E27FC236}">
+                <a16:creationId xmlns:a16="http://schemas.microsoft.com/office/drawing/2014/main" id="{02E65841-733A-284F-AC0D-54E3E7717905}"/>
+              </a:ext>
+            </a:extLst>
+          </p:cNvPr>
+          <p:cNvPicPr>
+            <a:picLocks noChangeAspect="1"/>
+          </p:cNvPicPr>
+          <p:nvPr/>
+        </p:nvPicPr>
+        <p:blipFill>
+          <a:blip r:embed="rId5">
+            <a:extLst>
+              <a:ext uri="{96DAC541-7B7A-43D3-8B79-37D633B846F1}">
+                <asvg:svgBlip xmlns:asvg="http://schemas.microsoft.com/office/drawing/2016/SVG/main" r:embed="rId6"/>
+              </a:ext>
+            </a:extLst>
+          </a:blip>
+          <a:stretch>
+            <a:fillRect/>
+          </a:stretch>
+        </p:blipFill>
+        <p:spPr>
+          <a:xfrm>
+            <a:off x="6507307" y="2335252"/>
+            <a:ext cx="662785" cy="662785"/>
+          </a:xfrm>
+          <a:prstGeom prst="rect">
+            <a:avLst/>
+          </a:prstGeom>
+        </p:spPr>
+      </p:pic>
+      <p:sp>
+        <p:nvSpPr>
+          <p:cNvPr id="28" name="ZoneTexte 27">
+            <a:extLst>
+              <a:ext uri="{FF2B5EF4-FFF2-40B4-BE49-F238E27FC236}">
+                <a16:creationId xmlns:a16="http://schemas.microsoft.com/office/drawing/2014/main" id="{5D219A73-42AB-E14F-9A10-8C3210530837}"/>
+              </a:ext>
+            </a:extLst>
+          </p:cNvPr>
+          <p:cNvSpPr txBox="1"/>
+          <p:nvPr/>
+        </p:nvSpPr>
+        <p:spPr>
+          <a:xfrm>
+            <a:off x="7643011" y="876733"/>
+            <a:ext cx="1826238" cy="861774"/>
+          </a:xfrm>
+          <a:prstGeom prst="rect">
+            <a:avLst/>
+          </a:prstGeom>
+          <a:noFill/>
+        </p:spPr>
+        <p:txBody>
+          <a:bodyPr wrap="square" rtlCol="0">
+            <a:spAutoFit/>
+          </a:bodyPr>
+          <a:lstStyle/>
+          <a:p>
+            <a:pPr algn="r"/>
+            <a:r>
+              <a:rPr lang="fr-FR" sz="5000" b="1" dirty="0">
+                <a:solidFill>
+                  <a:schemeClr val="bg1"/>
+                </a:solidFill>
+                <a:latin typeface="Calibri" panose="020F0502020204030204" pitchFamily="34" charset="0"/>
+                <a:cs typeface="Calibri" panose="020F0502020204030204" pitchFamily="34" charset="0"/>
+              </a:rPr>
+              <a:t>_SFA</a:t>
+            </a:r>
+          </a:p>
+        </p:txBody>
+      </p:sp>
+      <p:sp>
+        <p:nvSpPr>
+          <p:cNvPr id="29" name="ZoneTexte 28">
+            <a:extLst>
+              <a:ext uri="{FF2B5EF4-FFF2-40B4-BE49-F238E27FC236}">
+                <a16:creationId xmlns:a16="http://schemas.microsoft.com/office/drawing/2014/main" id="{B4F5F706-93A8-F746-AE51-5E4C4CACC79D}"/>
+              </a:ext>
+            </a:extLst>
+          </p:cNvPr>
+          <p:cNvSpPr txBox="1"/>
+          <p:nvPr/>
+        </p:nvSpPr>
+        <p:spPr>
+          <a:xfrm>
+            <a:off x="9527611" y="1032976"/>
+            <a:ext cx="1450258" cy="523220"/>
+          </a:xfrm>
+          <a:prstGeom prst="rect">
+            <a:avLst/>
+          </a:prstGeom>
+          <a:noFill/>
+        </p:spPr>
+        <p:txBody>
+          <a:bodyPr wrap="square" rtlCol="0">
+            <a:spAutoFit/>
+          </a:bodyPr>
+          <a:lstStyle/>
+          <a:p>
+            <a:r>
+              <a:rPr lang="fr-FR" sz="1400" dirty="0" err="1">
+                <a:solidFill>
+                  <a:schemeClr val="bg1"/>
+                </a:solidFill>
+                <a:latin typeface="Calibri" panose="020F0502020204030204" pitchFamily="34" charset="0"/>
+                <a:cs typeface="Calibri" panose="020F0502020204030204" pitchFamily="34" charset="0"/>
+              </a:rPr>
+              <a:t>Salesforce</a:t>
+            </a:r>
+            <a:r>
+              <a:rPr lang="fr-FR" sz="1400" dirty="0">
+                <a:solidFill>
+                  <a:schemeClr val="bg1"/>
+                </a:solidFill>
+                <a:latin typeface="Calibri" panose="020F0502020204030204" pitchFamily="34" charset="0"/>
+                <a:cs typeface="Calibri" panose="020F0502020204030204" pitchFamily="34" charset="0"/>
+              </a:rPr>
+              <a:t> adoptions</a:t>
+            </a:r>
+          </a:p>
+        </p:txBody>
+      </p:sp>
       <p:grpSp>
         <p:nvGrpSpPr>
           <p:cNvPr id="19" name="Groupe 18">
@@ -5897,7 +8844,7 @@
         </p:nvGrpSpPr>
         <p:grpSpPr>
           <a:xfrm>
-            <a:off x="1801640" y="3647669"/>
+            <a:off x="2068507" y="3647669"/>
             <a:ext cx="2120095" cy="1053040"/>
             <a:chOff x="9204696" y="1483506"/>
             <a:chExt cx="2120095" cy="1053040"/>
@@ -5997,7 +8944,7 @@
         </p:nvGrpSpPr>
         <p:grpSpPr>
           <a:xfrm>
-            <a:off x="1793001" y="4927731"/>
+            <a:off x="2589889" y="4927731"/>
             <a:ext cx="1791092" cy="1047809"/>
             <a:chOff x="9204696" y="4618848"/>
             <a:chExt cx="1791092" cy="1047809"/>
@@ -6113,7 +9060,7 @@
         </p:blipFill>
         <p:spPr>
           <a:xfrm>
-            <a:off x="703333" y="2472864"/>
+            <a:off x="692643" y="2516464"/>
             <a:ext cx="707886" cy="707886"/>
           </a:xfrm>
           <a:prstGeom prst="rect">
@@ -6121,286 +9068,245 @@
           </a:prstGeom>
         </p:spPr>
       </p:pic>
-      <p:grpSp>
-        <p:nvGrpSpPr>
-          <p:cNvPr id="5" name="Groupe 4">
-            <a:extLst>
-              <a:ext uri="{FF2B5EF4-FFF2-40B4-BE49-F238E27FC236}">
-                <a16:creationId xmlns:a16="http://schemas.microsoft.com/office/drawing/2014/main" id="{E9CBDB76-B562-5B4F-B01E-F6989A64C7D4}"/>
-              </a:ext>
-            </a:extLst>
-          </p:cNvPr>
-          <p:cNvGrpSpPr/>
+      <p:sp>
+        <p:nvSpPr>
+          <p:cNvPr id="34" name="ZoneTexte 33">
+            <a:extLst>
+              <a:ext uri="{FF2B5EF4-FFF2-40B4-BE49-F238E27FC236}">
+                <a16:creationId xmlns:a16="http://schemas.microsoft.com/office/drawing/2014/main" id="{1731944B-1A07-A049-847C-7B96CF8364CA}"/>
+              </a:ext>
+            </a:extLst>
+          </p:cNvPr>
+          <p:cNvSpPr txBox="1"/>
           <p:nvPr/>
-        </p:nvGrpSpPr>
-        <p:grpSpPr>
+        </p:nvSpPr>
+        <p:spPr>
           <a:xfrm>
-            <a:off x="6711949" y="3464547"/>
-            <a:ext cx="3936457" cy="861774"/>
-            <a:chOff x="796332" y="2816700"/>
-            <a:chExt cx="3936457" cy="861774"/>
+            <a:off x="7494673" y="3464547"/>
+            <a:ext cx="1975764" cy="861774"/>
           </a:xfrm>
-        </p:grpSpPr>
-        <p:sp>
-          <p:nvSpPr>
-            <p:cNvPr id="34" name="ZoneTexte 33">
-              <a:extLst>
-                <a:ext uri="{FF2B5EF4-FFF2-40B4-BE49-F238E27FC236}">
-                  <a16:creationId xmlns:a16="http://schemas.microsoft.com/office/drawing/2014/main" id="{1731944B-1A07-A049-847C-7B96CF8364CA}"/>
-                </a:ext>
-              </a:extLst>
-            </p:cNvPr>
-            <p:cNvSpPr txBox="1"/>
-            <p:nvPr/>
-          </p:nvSpPr>
-          <p:spPr>
-            <a:xfrm>
-              <a:off x="1531111" y="2816700"/>
-              <a:ext cx="1826238" cy="861774"/>
-            </a:xfrm>
-            <a:prstGeom prst="rect">
-              <a:avLst/>
-            </a:prstGeom>
-            <a:noFill/>
-          </p:spPr>
-          <p:txBody>
-            <a:bodyPr wrap="square" rtlCol="0">
-              <a:spAutoFit/>
-            </a:bodyPr>
-            <a:lstStyle/>
-            <a:p>
-              <a:r>
-                <a:rPr lang="fr-FR" sz="5000" b="1" dirty="0">
-                  <a:solidFill>
-                    <a:schemeClr val="bg1"/>
-                  </a:solidFill>
-                  <a:latin typeface="Calibri" panose="020F0502020204030204" pitchFamily="34" charset="0"/>
-                  <a:cs typeface="Calibri" panose="020F0502020204030204" pitchFamily="34" charset="0"/>
-                </a:rPr>
-                <a:t>_CRM</a:t>
-              </a:r>
-            </a:p>
-          </p:txBody>
-        </p:sp>
-        <p:sp>
-          <p:nvSpPr>
-            <p:cNvPr id="35" name="ZoneTexte 34">
-              <a:extLst>
-                <a:ext uri="{FF2B5EF4-FFF2-40B4-BE49-F238E27FC236}">
-                  <a16:creationId xmlns:a16="http://schemas.microsoft.com/office/drawing/2014/main" id="{F88DFF7E-B13B-DA41-B426-BC7627482166}"/>
-                </a:ext>
-              </a:extLst>
-            </p:cNvPr>
-            <p:cNvSpPr txBox="1"/>
-            <p:nvPr/>
-          </p:nvSpPr>
-          <p:spPr>
-            <a:xfrm>
-              <a:off x="3321922" y="2985977"/>
-              <a:ext cx="1410867" cy="523220"/>
-            </a:xfrm>
-            <a:prstGeom prst="rect">
-              <a:avLst/>
-            </a:prstGeom>
-            <a:noFill/>
-          </p:spPr>
-          <p:txBody>
-            <a:bodyPr wrap="square" rtlCol="0">
-              <a:spAutoFit/>
-            </a:bodyPr>
-            <a:lstStyle/>
-            <a:p>
-              <a:r>
-                <a:rPr lang="fr-FR" sz="1400">
-                  <a:solidFill>
-                    <a:schemeClr val="bg1"/>
-                  </a:solidFill>
-                  <a:latin typeface="Calibri" panose="020F0502020204030204" pitchFamily="34" charset="0"/>
-                  <a:cs typeface="Calibri" panose="020F0502020204030204" pitchFamily="34" charset="0"/>
-                </a:rPr>
-                <a:t>Active CRM </a:t>
-              </a:r>
-              <a:r>
-                <a:rPr lang="fr-FR" sz="1400" err="1">
-                  <a:solidFill>
-                    <a:schemeClr val="bg1"/>
-                  </a:solidFill>
-                  <a:latin typeface="Calibri" panose="020F0502020204030204" pitchFamily="34" charset="0"/>
-                  <a:cs typeface="Calibri" panose="020F0502020204030204" pitchFamily="34" charset="0"/>
-                </a:rPr>
-                <a:t>users</a:t>
-              </a:r>
-              <a:endParaRPr lang="fr-FR" sz="1400">
+          <a:prstGeom prst="rect">
+            <a:avLst/>
+          </a:prstGeom>
+          <a:noFill/>
+        </p:spPr>
+        <p:txBody>
+          <a:bodyPr wrap="square" rtlCol="0">
+            <a:spAutoFit/>
+          </a:bodyPr>
+          <a:lstStyle/>
+          <a:p>
+            <a:pPr algn="r"/>
+            <a:r>
+              <a:rPr lang="fr-FR" sz="5000" b="1" dirty="0">
                 <a:solidFill>
                   <a:schemeClr val="bg1"/>
                 </a:solidFill>
                 <a:latin typeface="Calibri" panose="020F0502020204030204" pitchFamily="34" charset="0"/>
                 <a:cs typeface="Calibri" panose="020F0502020204030204" pitchFamily="34" charset="0"/>
-              </a:endParaRPr>
-            </a:p>
-          </p:txBody>
-        </p:sp>
-        <p:pic>
-          <p:nvPicPr>
-            <p:cNvPr id="4" name="Graphique 3" descr="Utilisateur">
-              <a:extLst>
-                <a:ext uri="{FF2B5EF4-FFF2-40B4-BE49-F238E27FC236}">
-                  <a16:creationId xmlns:a16="http://schemas.microsoft.com/office/drawing/2014/main" id="{22A40F78-490D-5F4A-97C9-0229AD708D17}"/>
-                </a:ext>
-              </a:extLst>
-            </p:cNvPr>
-            <p:cNvPicPr>
-              <a:picLocks noChangeAspect="1"/>
-            </p:cNvPicPr>
-            <p:nvPr/>
-          </p:nvPicPr>
-          <p:blipFill>
-            <a:blip r:embed="rId9">
-              <a:extLst>
-                <a:ext uri="{96DAC541-7B7A-43D3-8B79-37D633B846F1}">
-                  <asvg:svgBlip xmlns:asvg="http://schemas.microsoft.com/office/drawing/2016/SVG/main" r:embed="rId10"/>
-                </a:ext>
-              </a:extLst>
-            </a:blip>
-            <a:stretch>
-              <a:fillRect/>
-            </a:stretch>
-          </p:blipFill>
-          <p:spPr>
-            <a:xfrm>
-              <a:off x="796332" y="2938745"/>
-              <a:ext cx="617685" cy="617685"/>
-            </a:xfrm>
-            <a:prstGeom prst="rect">
-              <a:avLst/>
-            </a:prstGeom>
-          </p:spPr>
-        </p:pic>
-      </p:grpSp>
-      <p:grpSp>
-        <p:nvGrpSpPr>
-          <p:cNvPr id="8" name="Groupe 7">
-            <a:extLst>
-              <a:ext uri="{FF2B5EF4-FFF2-40B4-BE49-F238E27FC236}">
-                <a16:creationId xmlns:a16="http://schemas.microsoft.com/office/drawing/2014/main" id="{6951239D-116A-824D-9BFA-86D64761070D}"/>
-              </a:ext>
-            </a:extLst>
-          </p:cNvPr>
-          <p:cNvGrpSpPr/>
+              </a:rPr>
+              <a:t>_CRM</a:t>
+            </a:r>
+          </a:p>
+        </p:txBody>
+      </p:sp>
+      <p:sp>
+        <p:nvSpPr>
+          <p:cNvPr id="35" name="ZoneTexte 34">
+            <a:extLst>
+              <a:ext uri="{FF2B5EF4-FFF2-40B4-BE49-F238E27FC236}">
+                <a16:creationId xmlns:a16="http://schemas.microsoft.com/office/drawing/2014/main" id="{F88DFF7E-B13B-DA41-B426-BC7627482166}"/>
+              </a:ext>
+            </a:extLst>
+          </p:cNvPr>
+          <p:cNvSpPr txBox="1"/>
           <p:nvPr/>
-        </p:nvGrpSpPr>
-        <p:grpSpPr>
+        </p:nvSpPr>
+        <p:spPr>
+          <a:xfrm>
+            <a:off x="9527611" y="3633824"/>
+            <a:ext cx="1410867" cy="523220"/>
+          </a:xfrm>
+          <a:prstGeom prst="rect">
+            <a:avLst/>
+          </a:prstGeom>
+          <a:noFill/>
+        </p:spPr>
+        <p:txBody>
+          <a:bodyPr wrap="square" rtlCol="0">
+            <a:spAutoFit/>
+          </a:bodyPr>
+          <a:lstStyle/>
+          <a:p>
+            <a:r>
+              <a:rPr lang="fr-FR" sz="1400">
+                <a:solidFill>
+                  <a:schemeClr val="bg1"/>
+                </a:solidFill>
+                <a:latin typeface="Calibri" panose="020F0502020204030204" pitchFamily="34" charset="0"/>
+                <a:cs typeface="Calibri" panose="020F0502020204030204" pitchFamily="34" charset="0"/>
+              </a:rPr>
+              <a:t>Active CRM </a:t>
+            </a:r>
+            <a:r>
+              <a:rPr lang="fr-FR" sz="1400" err="1">
+                <a:solidFill>
+                  <a:schemeClr val="bg1"/>
+                </a:solidFill>
+                <a:latin typeface="Calibri" panose="020F0502020204030204" pitchFamily="34" charset="0"/>
+                <a:cs typeface="Calibri" panose="020F0502020204030204" pitchFamily="34" charset="0"/>
+              </a:rPr>
+              <a:t>users</a:t>
+            </a:r>
+            <a:endParaRPr lang="fr-FR" sz="1400">
+              <a:solidFill>
+                <a:schemeClr val="bg1"/>
+              </a:solidFill>
+              <a:latin typeface="Calibri" panose="020F0502020204030204" pitchFamily="34" charset="0"/>
+              <a:cs typeface="Calibri" panose="020F0502020204030204" pitchFamily="34" charset="0"/>
+            </a:endParaRPr>
+          </a:p>
+        </p:txBody>
+      </p:sp>
+      <p:pic>
+        <p:nvPicPr>
+          <p:cNvPr id="4" name="Graphique 3" descr="Utilisateur">
+            <a:extLst>
+              <a:ext uri="{FF2B5EF4-FFF2-40B4-BE49-F238E27FC236}">
+                <a16:creationId xmlns:a16="http://schemas.microsoft.com/office/drawing/2014/main" id="{22A40F78-490D-5F4A-97C9-0229AD708D17}"/>
+              </a:ext>
+            </a:extLst>
+          </p:cNvPr>
+          <p:cNvPicPr>
+            <a:picLocks noChangeAspect="1"/>
+          </p:cNvPicPr>
+          <p:nvPr/>
+        </p:nvPicPr>
+        <p:blipFill>
+          <a:blip r:embed="rId9">
+            <a:extLst>
+              <a:ext uri="{96DAC541-7B7A-43D3-8B79-37D633B846F1}">
+                <asvg:svgBlip xmlns:asvg="http://schemas.microsoft.com/office/drawing/2016/SVG/main" r:embed="rId10"/>
+              </a:ext>
+            </a:extLst>
+          </a:blip>
+          <a:stretch>
+            <a:fillRect/>
+          </a:stretch>
+        </p:blipFill>
+        <p:spPr>
+          <a:xfrm>
+            <a:off x="6463913" y="3586591"/>
+            <a:ext cx="617685" cy="617685"/>
+          </a:xfrm>
+          <a:prstGeom prst="rect">
+            <a:avLst/>
+          </a:prstGeom>
+        </p:spPr>
+      </p:pic>
+      <p:sp>
+        <p:nvSpPr>
+          <p:cNvPr id="39" name="ZoneTexte 38">
+            <a:extLst>
+              <a:ext uri="{FF2B5EF4-FFF2-40B4-BE49-F238E27FC236}">
+                <a16:creationId xmlns:a16="http://schemas.microsoft.com/office/drawing/2014/main" id="{9DD78920-065F-2544-9F56-6179D9880D90}"/>
+              </a:ext>
+            </a:extLst>
+          </p:cNvPr>
+          <p:cNvSpPr txBox="1"/>
+          <p:nvPr/>
+        </p:nvSpPr>
+        <p:spPr>
           <a:xfrm>
             <a:off x="7263775" y="4758454"/>
-            <a:ext cx="3725082" cy="861774"/>
-            <a:chOff x="7571219" y="4758454"/>
-            <a:chExt cx="3725082" cy="861774"/>
+            <a:ext cx="2206662" cy="861774"/>
           </a:xfrm>
-        </p:grpSpPr>
-        <p:sp>
-          <p:nvSpPr>
-            <p:cNvPr id="39" name="ZoneTexte 38">
-              <a:extLst>
-                <a:ext uri="{FF2B5EF4-FFF2-40B4-BE49-F238E27FC236}">
-                  <a16:creationId xmlns:a16="http://schemas.microsoft.com/office/drawing/2014/main" id="{9DD78920-065F-2544-9F56-6179D9880D90}"/>
-                </a:ext>
-              </a:extLst>
-            </p:cNvPr>
-            <p:cNvSpPr txBox="1"/>
-            <p:nvPr/>
-          </p:nvSpPr>
-          <p:spPr>
-            <a:xfrm>
-              <a:off x="7571219" y="4758454"/>
-              <a:ext cx="2206662" cy="861774"/>
-            </a:xfrm>
-            <a:prstGeom prst="rect">
-              <a:avLst/>
-            </a:prstGeom>
-            <a:noFill/>
-          </p:spPr>
-          <p:txBody>
-            <a:bodyPr wrap="square" rtlCol="0">
-              <a:spAutoFit/>
-            </a:bodyPr>
-            <a:lstStyle/>
-            <a:p>
-              <a:pPr algn="ctr"/>
-              <a:r>
-                <a:rPr lang="fr-FR" sz="5000" b="1" dirty="0">
-                  <a:solidFill>
-                    <a:schemeClr val="bg1"/>
-                  </a:solidFill>
-                  <a:latin typeface="Calibri" panose="020F0502020204030204" pitchFamily="34" charset="0"/>
-                  <a:cs typeface="Calibri" panose="020F0502020204030204" pitchFamily="34" charset="0"/>
-                </a:rPr>
-                <a:t>_COV%</a:t>
-              </a:r>
-            </a:p>
-          </p:txBody>
-        </p:sp>
-        <p:sp>
-          <p:nvSpPr>
-            <p:cNvPr id="40" name="ZoneTexte 39">
-              <a:extLst>
-                <a:ext uri="{FF2B5EF4-FFF2-40B4-BE49-F238E27FC236}">
-                  <a16:creationId xmlns:a16="http://schemas.microsoft.com/office/drawing/2014/main" id="{6F95431D-C3ED-5E40-A173-69ABBD8011C7}"/>
-                </a:ext>
-              </a:extLst>
-            </p:cNvPr>
-            <p:cNvSpPr txBox="1"/>
-            <p:nvPr/>
-          </p:nvSpPr>
-          <p:spPr>
-            <a:xfrm>
-              <a:off x="9580410" y="4927731"/>
-              <a:ext cx="1715891" cy="523220"/>
-            </a:xfrm>
-            <a:prstGeom prst="rect">
-              <a:avLst/>
-            </a:prstGeom>
-            <a:noFill/>
-          </p:spPr>
-          <p:txBody>
-            <a:bodyPr wrap="square" rtlCol="0">
-              <a:spAutoFit/>
-            </a:bodyPr>
-            <a:lstStyle/>
-            <a:p>
-              <a:r>
-                <a:rPr lang="fr-FR" sz="1400">
-                  <a:solidFill>
-                    <a:schemeClr val="bg1"/>
-                  </a:solidFill>
-                  <a:latin typeface="Calibri" panose="020F0502020204030204" pitchFamily="34" charset="0"/>
-                  <a:cs typeface="Calibri" panose="020F0502020204030204" pitchFamily="34" charset="0"/>
-                </a:rPr>
-                <a:t>Of business </a:t>
-              </a:r>
-              <a:r>
-                <a:rPr lang="fr-FR" sz="1400" err="1">
-                  <a:solidFill>
-                    <a:schemeClr val="bg1"/>
-                  </a:solidFill>
-                  <a:latin typeface="Calibri" panose="020F0502020204030204" pitchFamily="34" charset="0"/>
-                  <a:cs typeface="Calibri" panose="020F0502020204030204" pitchFamily="34" charset="0"/>
-                </a:rPr>
-                <a:t>covered</a:t>
-              </a:r>
-              <a:r>
-                <a:rPr lang="fr-FR" sz="1400">
-                  <a:solidFill>
-                    <a:schemeClr val="bg1"/>
-                  </a:solidFill>
-                  <a:latin typeface="Calibri" panose="020F0502020204030204" pitchFamily="34" charset="0"/>
-                  <a:cs typeface="Calibri" panose="020F0502020204030204" pitchFamily="34" charset="0"/>
-                </a:rPr>
-                <a:t> by the CRM</a:t>
-              </a:r>
-            </a:p>
-          </p:txBody>
-        </p:sp>
-      </p:grpSp>
+          <a:prstGeom prst="rect">
+            <a:avLst/>
+          </a:prstGeom>
+          <a:noFill/>
+        </p:spPr>
+        <p:txBody>
+          <a:bodyPr wrap="square" rtlCol="0">
+            <a:spAutoFit/>
+          </a:bodyPr>
+          <a:lstStyle/>
+          <a:p>
+            <a:pPr algn="r"/>
+            <a:r>
+              <a:rPr lang="fr-FR" sz="5000" b="1" dirty="0">
+                <a:solidFill>
+                  <a:schemeClr val="bg1"/>
+                </a:solidFill>
+                <a:latin typeface="Calibri" panose="020F0502020204030204" pitchFamily="34" charset="0"/>
+                <a:cs typeface="Calibri" panose="020F0502020204030204" pitchFamily="34" charset="0"/>
+              </a:rPr>
+              <a:t>_COV%</a:t>
+            </a:r>
+          </a:p>
+        </p:txBody>
+      </p:sp>
+      <p:sp>
+        <p:nvSpPr>
+          <p:cNvPr id="40" name="ZoneTexte 39">
+            <a:extLst>
+              <a:ext uri="{FF2B5EF4-FFF2-40B4-BE49-F238E27FC236}">
+                <a16:creationId xmlns:a16="http://schemas.microsoft.com/office/drawing/2014/main" id="{6F95431D-C3ED-5E40-A173-69ABBD8011C7}"/>
+              </a:ext>
+            </a:extLst>
+          </p:cNvPr>
+          <p:cNvSpPr txBox="1"/>
+          <p:nvPr/>
+        </p:nvSpPr>
+        <p:spPr>
+          <a:xfrm>
+            <a:off x="9563038" y="4927731"/>
+            <a:ext cx="1715891" cy="523220"/>
+          </a:xfrm>
+          <a:prstGeom prst="rect">
+            <a:avLst/>
+          </a:prstGeom>
+          <a:noFill/>
+        </p:spPr>
+        <p:txBody>
+          <a:bodyPr wrap="square" rtlCol="0">
+            <a:spAutoFit/>
+          </a:bodyPr>
+          <a:lstStyle/>
+          <a:p>
+            <a:r>
+              <a:rPr lang="fr-FR" sz="1400" dirty="0">
+                <a:solidFill>
+                  <a:schemeClr val="bg1"/>
+                </a:solidFill>
+                <a:latin typeface="Calibri" panose="020F0502020204030204" pitchFamily="34" charset="0"/>
+                <a:cs typeface="Calibri" panose="020F0502020204030204" pitchFamily="34" charset="0"/>
+              </a:rPr>
+              <a:t>Of business </a:t>
+            </a:r>
+            <a:r>
+              <a:rPr lang="fr-FR" sz="1400" dirty="0" err="1">
+                <a:solidFill>
+                  <a:schemeClr val="bg1"/>
+                </a:solidFill>
+                <a:latin typeface="Calibri" panose="020F0502020204030204" pitchFamily="34" charset="0"/>
+                <a:cs typeface="Calibri" panose="020F0502020204030204" pitchFamily="34" charset="0"/>
+              </a:rPr>
+              <a:t>covered</a:t>
+            </a:r>
+            <a:r>
+              <a:rPr lang="fr-FR" sz="1400" dirty="0">
+                <a:solidFill>
+                  <a:schemeClr val="bg1"/>
+                </a:solidFill>
+                <a:latin typeface="Calibri" panose="020F0502020204030204" pitchFamily="34" charset="0"/>
+                <a:cs typeface="Calibri" panose="020F0502020204030204" pitchFamily="34" charset="0"/>
+              </a:rPr>
+              <a:t> by the CRM</a:t>
+            </a:r>
+          </a:p>
+        </p:txBody>
+      </p:sp>
       <p:pic>
         <p:nvPicPr>
           <p:cNvPr id="45" name="Graphique 44" descr="Argent">
@@ -6429,7 +9335,7 @@
         </p:blipFill>
         <p:spPr>
           <a:xfrm>
-            <a:off x="703333" y="3759065"/>
+            <a:off x="959510" y="3802665"/>
             <a:ext cx="707886" cy="707886"/>
           </a:xfrm>
           <a:prstGeom prst="rect">
@@ -6493,7 +9399,7 @@
         <p:spPr>
           <a:xfrm>
             <a:off x="652084" y="514300"/>
-            <a:ext cx="3937133" cy="1015663"/>
+            <a:ext cx="3937133" cy="861774"/>
           </a:xfrm>
           <a:prstGeom prst="rect">
             <a:avLst/>
@@ -6507,7 +9413,7 @@
           <a:lstStyle/>
           <a:p>
             <a:r>
-              <a:rPr lang="fr-FR" sz="6000" b="1" dirty="0">
+              <a:rPr lang="fr-FR" sz="5000" b="1" dirty="0">
                 <a:solidFill>
                   <a:srgbClr val="402E7D"/>
                 </a:solidFill>
@@ -6582,8 +9488,8 @@
         </p:blipFill>
         <p:spPr>
           <a:xfrm>
-            <a:off x="6515375" y="895121"/>
-            <a:ext cx="970280" cy="970280"/>
+            <a:off x="6422486" y="955225"/>
+            <a:ext cx="832425" cy="832425"/>
           </a:xfrm>
           <a:prstGeom prst="rect">
             <a:avLst/>
@@ -6619,8 +9525,8 @@
         </p:blipFill>
         <p:spPr>
           <a:xfrm>
-            <a:off x="662548" y="4995300"/>
-            <a:ext cx="914400" cy="877208"/>
+            <a:off x="1469139" y="5045266"/>
+            <a:ext cx="748671" cy="718220"/>
           </a:xfrm>
           <a:prstGeom prst="rect">
             <a:avLst/>
@@ -6643,25 +9549,23 @@
         </p:nvPicPr>
         <p:blipFill rotWithShape="1">
           <a:blip r:embed="rId15">
-            <a:duotone>
-              <a:prstClr val="black"/>
-              <a:schemeClr val="bg1">
-                <a:tint val="45000"/>
-                <a:satMod val="400000"/>
-              </a:schemeClr>
-            </a:duotone>
+            <a:alphaModFix/>
           </a:blip>
           <a:srcRect l="4969" r="5733" b="13053"/>
           <a:stretch/>
         </p:blipFill>
         <p:spPr>
           <a:xfrm>
-            <a:off x="6771423" y="4859792"/>
+            <a:off x="6467021" y="4885140"/>
             <a:ext cx="617684" cy="601422"/>
           </a:xfrm>
           <a:prstGeom prst="rect">
             <a:avLst/>
           </a:prstGeom>
+          <a:noFill/>
+          <a:ln>
+            <a:noFill/>
+          </a:ln>
         </p:spPr>
       </p:pic>
     </p:spTree>
@@ -6785,10 +9689,10 @@
         </p:nvGrpSpPr>
         <p:grpSpPr>
           <a:xfrm>
-            <a:off x="1208420" y="3651650"/>
-            <a:ext cx="1911206" cy="1076509"/>
+            <a:off x="965966" y="3442987"/>
+            <a:ext cx="1911206" cy="1187750"/>
             <a:chOff x="3854209" y="3949398"/>
-            <a:chExt cx="1911206" cy="1076509"/>
+            <a:chExt cx="1911206" cy="1187750"/>
           </a:xfrm>
         </p:grpSpPr>
         <p:sp>
@@ -6847,7 +9751,7 @@
           </p:nvSpPr>
           <p:spPr>
             <a:xfrm>
-              <a:off x="4055510" y="4718130"/>
+              <a:off x="4055511" y="4829371"/>
               <a:ext cx="1508602" cy="307777"/>
             </a:xfrm>
             <a:prstGeom prst="rect">
@@ -6890,10 +9794,10 @@
         </p:nvGrpSpPr>
         <p:grpSpPr>
           <a:xfrm>
-            <a:off x="3499592" y="3651650"/>
-            <a:ext cx="1754126" cy="1291952"/>
+            <a:off x="3376801" y="3442987"/>
+            <a:ext cx="1754126" cy="1431884"/>
             <a:chOff x="6028908" y="3949398"/>
-            <a:chExt cx="1754126" cy="1291952"/>
+            <a:chExt cx="1754126" cy="1431884"/>
           </a:xfrm>
         </p:grpSpPr>
         <p:sp>
@@ -6952,7 +9856,7 @@
           </p:nvSpPr>
           <p:spPr>
             <a:xfrm>
-              <a:off x="6028908" y="4718130"/>
+              <a:off x="6028908" y="4858062"/>
               <a:ext cx="1754126" cy="523220"/>
             </a:xfrm>
             <a:prstGeom prst="rect">
@@ -7035,10 +9939,10 @@
         </p:nvGrpSpPr>
         <p:grpSpPr>
           <a:xfrm>
-            <a:off x="5633684" y="3651650"/>
-            <a:ext cx="1510315" cy="1076509"/>
+            <a:off x="5632240" y="3442987"/>
+            <a:ext cx="1510315" cy="1230397"/>
             <a:chOff x="8193626" y="3949398"/>
-            <a:chExt cx="1510315" cy="1076509"/>
+            <a:chExt cx="1510315" cy="1230397"/>
           </a:xfrm>
         </p:grpSpPr>
         <p:sp>
@@ -7097,7 +10001,7 @@
           </p:nvSpPr>
           <p:spPr>
             <a:xfrm>
-              <a:off x="8243350" y="4718130"/>
+              <a:off x="8243350" y="4872018"/>
               <a:ext cx="1410867" cy="307777"/>
             </a:xfrm>
             <a:prstGeom prst="rect">
@@ -7113,7 +10017,7 @@
             <a:p>
               <a:pPr algn="ctr"/>
               <a:r>
-                <a:rPr lang="fr-FR" sz="1400" err="1">
+                <a:rPr lang="fr-FR" sz="1400" dirty="0" err="1">
                   <a:solidFill>
                     <a:srgbClr val="FF822F"/>
                   </a:solidFill>
@@ -7123,7 +10027,7 @@
                 <a:t>Yammer</a:t>
               </a:r>
               <a:r>
-                <a:rPr lang="fr-FR" sz="1400">
+                <a:rPr lang="fr-FR" sz="1400" dirty="0">
                   <a:solidFill>
                     <a:srgbClr val="FF822F"/>
                   </a:solidFill>
@@ -7133,7 +10037,7 @@
                 <a:t> </a:t>
               </a:r>
               <a:r>
-                <a:rPr lang="fr-FR" sz="1400" err="1">
+                <a:rPr lang="fr-FR" sz="1400" dirty="0" err="1">
                   <a:solidFill>
                     <a:srgbClr val="FF822F"/>
                   </a:solidFill>
@@ -7142,7 +10046,7 @@
                 </a:rPr>
                 <a:t>posts</a:t>
               </a:r>
-              <a:endParaRPr lang="fr-FR" sz="1400">
+              <a:endParaRPr lang="fr-FR" sz="1400" dirty="0">
                 <a:solidFill>
                   <a:srgbClr val="FF822F"/>
                 </a:solidFill>
@@ -7167,10 +10071,10 @@
         </p:nvGrpSpPr>
         <p:grpSpPr>
           <a:xfrm>
-            <a:off x="7304517" y="3651650"/>
-            <a:ext cx="1949212" cy="1291952"/>
+            <a:off x="7643094" y="3442987"/>
+            <a:ext cx="1949212" cy="1449360"/>
             <a:chOff x="10070102" y="3949398"/>
-            <a:chExt cx="1949212" cy="1291952"/>
+            <a:chExt cx="1949212" cy="1449360"/>
           </a:xfrm>
         </p:grpSpPr>
         <p:sp>
@@ -7229,7 +10133,7 @@
           </p:nvSpPr>
           <p:spPr>
             <a:xfrm>
-              <a:off x="10289550" y="4718130"/>
+              <a:off x="10289550" y="4875538"/>
               <a:ext cx="1510315" cy="523220"/>
             </a:xfrm>
             <a:prstGeom prst="rect">
@@ -7289,10 +10193,10 @@
         </p:nvGrpSpPr>
         <p:grpSpPr>
           <a:xfrm>
-            <a:off x="9414245" y="3651650"/>
-            <a:ext cx="1510315" cy="1076509"/>
+            <a:off x="9972393" y="3442987"/>
+            <a:ext cx="1510315" cy="1230397"/>
             <a:chOff x="10289550" y="3949398"/>
-            <a:chExt cx="1510315" cy="1076509"/>
+            <a:chExt cx="1510315" cy="1230397"/>
           </a:xfrm>
         </p:grpSpPr>
         <p:sp>
@@ -7351,7 +10255,7 @@
           </p:nvSpPr>
           <p:spPr>
             <a:xfrm>
-              <a:off x="10289550" y="4718130"/>
+              <a:off x="10289550" y="4872018"/>
               <a:ext cx="1510315" cy="307777"/>
             </a:xfrm>
             <a:prstGeom prst="rect">
@@ -7408,7 +10312,7 @@
         </p:blipFill>
         <p:spPr>
           <a:xfrm>
-            <a:off x="7894756" y="2652442"/>
+            <a:off x="8233333" y="2443779"/>
             <a:ext cx="768732" cy="768732"/>
           </a:xfrm>
           <a:prstGeom prst="rect">
@@ -7444,7 +10348,7 @@
         </p:blipFill>
         <p:spPr>
           <a:xfrm>
-            <a:off x="1779656" y="2625543"/>
+            <a:off x="1537203" y="2416880"/>
             <a:ext cx="768732" cy="768732"/>
           </a:xfrm>
           <a:prstGeom prst="rect">
@@ -7480,7 +10384,7 @@
         </p:blipFill>
         <p:spPr>
           <a:xfrm>
-            <a:off x="9785037" y="2652442"/>
+            <a:off x="10343185" y="2443779"/>
             <a:ext cx="768732" cy="768732"/>
           </a:xfrm>
           <a:prstGeom prst="rect">
@@ -7516,7 +10420,7 @@
         </p:blipFill>
         <p:spPr>
           <a:xfrm>
-            <a:off x="6004475" y="2652442"/>
+            <a:off x="6003031" y="2443779"/>
             <a:ext cx="768731" cy="768731"/>
           </a:xfrm>
           <a:prstGeom prst="rect">
@@ -7552,7 +10456,7 @@
         </p:blipFill>
         <p:spPr>
           <a:xfrm>
-            <a:off x="3983302" y="2652657"/>
+            <a:off x="3860511" y="2443994"/>
             <a:ext cx="768732" cy="768732"/>
           </a:xfrm>
           <a:prstGeom prst="rect">
@@ -7588,7 +10492,7 @@
         </p:blipFill>
         <p:spPr>
           <a:xfrm>
-            <a:off x="4456353" y="2625543"/>
+            <a:off x="4333562" y="2416880"/>
             <a:ext cx="435008" cy="435008"/>
           </a:xfrm>
           <a:prstGeom prst="rect">
@@ -7611,7 +10515,7 @@
         <p:spPr>
           <a:xfrm>
             <a:off x="652084" y="514300"/>
-            <a:ext cx="3937133" cy="1015663"/>
+            <a:ext cx="3937133" cy="861774"/>
           </a:xfrm>
           <a:prstGeom prst="rect">
             <a:avLst/>
@@ -7625,7 +10529,7 @@
           <a:lstStyle/>
           <a:p>
             <a:r>
-              <a:rPr lang="fr-FR" sz="6000" b="1" dirty="0">
+              <a:rPr lang="fr-FR" sz="5000" b="1" dirty="0">
                 <a:solidFill>
                   <a:srgbClr val="402E7D"/>
                 </a:solidFill>
@@ -7678,10 +10582,740 @@
           </a:p>
         </p:txBody>
       </p:sp>
+      <p:grpSp>
+        <p:nvGrpSpPr>
+          <p:cNvPr id="29" name="Groupe 28">
+            <a:extLst>
+              <a:ext uri="{FF2B5EF4-FFF2-40B4-BE49-F238E27FC236}">
+                <a16:creationId xmlns:a16="http://schemas.microsoft.com/office/drawing/2014/main" id="{5ED0611E-9FF4-1540-AF04-88F713FF6C32}"/>
+              </a:ext>
+            </a:extLst>
+          </p:cNvPr>
+          <p:cNvGrpSpPr/>
+          <p:nvPr/>
+        </p:nvGrpSpPr>
+        <p:grpSpPr>
+          <a:xfrm>
+            <a:off x="3785454" y="5178990"/>
+            <a:ext cx="981454" cy="631871"/>
+            <a:chOff x="3867915" y="5000702"/>
+            <a:chExt cx="981454" cy="631871"/>
+          </a:xfrm>
+        </p:grpSpPr>
+        <p:sp>
+          <p:nvSpPr>
+            <p:cNvPr id="30" name="Ellipse 29">
+              <a:extLst>
+                <a:ext uri="{FF2B5EF4-FFF2-40B4-BE49-F238E27FC236}">
+                  <a16:creationId xmlns:a16="http://schemas.microsoft.com/office/drawing/2014/main" id="{84FE67A4-04F9-8E4F-97B6-FBF13C512FA7}"/>
+                </a:ext>
+              </a:extLst>
+            </p:cNvPr>
+            <p:cNvSpPr/>
+            <p:nvPr/>
+          </p:nvSpPr>
+          <p:spPr>
+            <a:xfrm>
+              <a:off x="4031258" y="5000702"/>
+              <a:ext cx="631871" cy="631871"/>
+            </a:xfrm>
+            <a:prstGeom prst="ellipse">
+              <a:avLst/>
+            </a:prstGeom>
+            <a:solidFill>
+              <a:schemeClr val="bg1">
+                <a:lumMod val="95000"/>
+              </a:schemeClr>
+            </a:solidFill>
+            <a:ln>
+              <a:noFill/>
+            </a:ln>
+          </p:spPr>
+          <p:style>
+            <a:lnRef idx="2">
+              <a:schemeClr val="accent1">
+                <a:shade val="50000"/>
+              </a:schemeClr>
+            </a:lnRef>
+            <a:fillRef idx="1">
+              <a:schemeClr val="accent1"/>
+            </a:fillRef>
+            <a:effectRef idx="0">
+              <a:schemeClr val="accent1"/>
+            </a:effectRef>
+            <a:fontRef idx="minor">
+              <a:schemeClr val="lt1"/>
+            </a:fontRef>
+          </p:style>
+          <p:txBody>
+            <a:bodyPr rtlCol="0" anchor="ctr"/>
+            <a:lstStyle/>
+            <a:p>
+              <a:pPr algn="ctr"/>
+              <a:endParaRPr lang="fr-FR" b="1"/>
+            </a:p>
+          </p:txBody>
+        </p:sp>
+        <p:sp>
+          <p:nvSpPr>
+            <p:cNvPr id="32" name="ZoneTexte 31">
+              <a:extLst>
+                <a:ext uri="{FF2B5EF4-FFF2-40B4-BE49-F238E27FC236}">
+                  <a16:creationId xmlns:a16="http://schemas.microsoft.com/office/drawing/2014/main" id="{1DCF0C5C-C078-5548-BDFC-01D32FBFA8D7}"/>
+                </a:ext>
+              </a:extLst>
+            </p:cNvPr>
+            <p:cNvSpPr txBox="1"/>
+            <p:nvPr/>
+          </p:nvSpPr>
+          <p:spPr>
+            <a:xfrm>
+              <a:off x="3867915" y="5131376"/>
+              <a:ext cx="981454" cy="338554"/>
+            </a:xfrm>
+            <a:prstGeom prst="rect">
+              <a:avLst/>
+            </a:prstGeom>
+            <a:noFill/>
+          </p:spPr>
+          <p:txBody>
+            <a:bodyPr wrap="square" rtlCol="0">
+              <a:spAutoFit/>
+            </a:bodyPr>
+            <a:lstStyle/>
+            <a:p>
+              <a:pPr algn="ctr"/>
+              <a:r>
+                <a:rPr lang="fr-FR" sz="1600" b="1" dirty="0">
+                  <a:solidFill>
+                    <a:srgbClr val="402E7D"/>
+                  </a:solidFill>
+                  <a:latin typeface="Calibri" panose="020F0502020204030204" pitchFamily="34" charset="0"/>
+                  <a:cs typeface="Calibri" panose="020F0502020204030204" pitchFamily="34" charset="0"/>
+                </a:rPr>
+                <a:t>_TSI%</a:t>
+              </a:r>
+            </a:p>
+          </p:txBody>
+        </p:sp>
+      </p:grpSp>
+      <p:grpSp>
+        <p:nvGrpSpPr>
+          <p:cNvPr id="34" name="Groupe 33">
+            <a:extLst>
+              <a:ext uri="{FF2B5EF4-FFF2-40B4-BE49-F238E27FC236}">
+                <a16:creationId xmlns:a16="http://schemas.microsoft.com/office/drawing/2014/main" id="{3C70A871-5A97-314C-A29E-D0CC599CBD95}"/>
+              </a:ext>
+            </a:extLst>
+          </p:cNvPr>
+          <p:cNvGrpSpPr/>
+          <p:nvPr/>
+        </p:nvGrpSpPr>
+        <p:grpSpPr>
+          <a:xfrm>
+            <a:off x="5871244" y="5149030"/>
+            <a:ext cx="1020966" cy="631871"/>
+            <a:chOff x="1938271" y="5283272"/>
+            <a:chExt cx="1020966" cy="631871"/>
+          </a:xfrm>
+        </p:grpSpPr>
+        <p:sp>
+          <p:nvSpPr>
+            <p:cNvPr id="37" name="Ellipse 36">
+              <a:extLst>
+                <a:ext uri="{FF2B5EF4-FFF2-40B4-BE49-F238E27FC236}">
+                  <a16:creationId xmlns:a16="http://schemas.microsoft.com/office/drawing/2014/main" id="{4ED650A2-FAF7-8B40-987B-1F478ED24539}"/>
+                </a:ext>
+              </a:extLst>
+            </p:cNvPr>
+            <p:cNvSpPr/>
+            <p:nvPr/>
+          </p:nvSpPr>
+          <p:spPr>
+            <a:xfrm>
+              <a:off x="2132817" y="5283272"/>
+              <a:ext cx="631871" cy="631871"/>
+            </a:xfrm>
+            <a:prstGeom prst="ellipse">
+              <a:avLst/>
+            </a:prstGeom>
+            <a:solidFill>
+              <a:schemeClr val="bg1">
+                <a:lumMod val="95000"/>
+              </a:schemeClr>
+            </a:solidFill>
+            <a:ln>
+              <a:noFill/>
+            </a:ln>
+          </p:spPr>
+          <p:style>
+            <a:lnRef idx="2">
+              <a:schemeClr val="accent1">
+                <a:shade val="50000"/>
+              </a:schemeClr>
+            </a:lnRef>
+            <a:fillRef idx="1">
+              <a:schemeClr val="accent1"/>
+            </a:fillRef>
+            <a:effectRef idx="0">
+              <a:schemeClr val="accent1"/>
+            </a:effectRef>
+            <a:fontRef idx="minor">
+              <a:schemeClr val="lt1"/>
+            </a:fontRef>
+          </p:style>
+          <p:txBody>
+            <a:bodyPr rtlCol="0" anchor="ctr"/>
+            <a:lstStyle/>
+            <a:p>
+              <a:pPr algn="ctr"/>
+              <a:endParaRPr lang="fr-FR" b="1"/>
+            </a:p>
+          </p:txBody>
+        </p:sp>
+        <p:sp>
+          <p:nvSpPr>
+            <p:cNvPr id="39" name="ZoneTexte 38">
+              <a:extLst>
+                <a:ext uri="{FF2B5EF4-FFF2-40B4-BE49-F238E27FC236}">
+                  <a16:creationId xmlns:a16="http://schemas.microsoft.com/office/drawing/2014/main" id="{853436B4-837B-5446-86AE-E3AB28297419}"/>
+                </a:ext>
+              </a:extLst>
+            </p:cNvPr>
+            <p:cNvSpPr txBox="1"/>
+            <p:nvPr/>
+          </p:nvSpPr>
+          <p:spPr>
+            <a:xfrm>
+              <a:off x="1938271" y="5428964"/>
+              <a:ext cx="1020966" cy="338554"/>
+            </a:xfrm>
+            <a:prstGeom prst="rect">
+              <a:avLst/>
+            </a:prstGeom>
+            <a:noFill/>
+          </p:spPr>
+          <p:txBody>
+            <a:bodyPr wrap="square" rtlCol="0">
+              <a:spAutoFit/>
+            </a:bodyPr>
+            <a:lstStyle/>
+            <a:p>
+              <a:pPr algn="ctr"/>
+              <a:r>
+                <a:rPr lang="fr-FR" sz="1600" b="1" dirty="0">
+                  <a:solidFill>
+                    <a:srgbClr val="402E7D"/>
+                  </a:solidFill>
+                  <a:latin typeface="Calibri" panose="020F0502020204030204" pitchFamily="34" charset="0"/>
+                  <a:cs typeface="Calibri" panose="020F0502020204030204" pitchFamily="34" charset="0"/>
+                </a:rPr>
+                <a:t>_TYA%</a:t>
+              </a:r>
+            </a:p>
+          </p:txBody>
+        </p:sp>
+      </p:grpSp>
+      <p:grpSp>
+        <p:nvGrpSpPr>
+          <p:cNvPr id="40" name="Groupe 39">
+            <a:extLst>
+              <a:ext uri="{FF2B5EF4-FFF2-40B4-BE49-F238E27FC236}">
+                <a16:creationId xmlns:a16="http://schemas.microsoft.com/office/drawing/2014/main" id="{0B78BE76-66FC-BA43-9220-84DFBC16357A}"/>
+              </a:ext>
+            </a:extLst>
+          </p:cNvPr>
+          <p:cNvGrpSpPr/>
+          <p:nvPr/>
+        </p:nvGrpSpPr>
+        <p:grpSpPr>
+          <a:xfrm>
+            <a:off x="8175643" y="5148063"/>
+            <a:ext cx="884112" cy="631871"/>
+            <a:chOff x="2006698" y="5283272"/>
+            <a:chExt cx="884112" cy="631871"/>
+          </a:xfrm>
+        </p:grpSpPr>
+        <p:sp>
+          <p:nvSpPr>
+            <p:cNvPr id="41" name="Ellipse 40">
+              <a:extLst>
+                <a:ext uri="{FF2B5EF4-FFF2-40B4-BE49-F238E27FC236}">
+                  <a16:creationId xmlns:a16="http://schemas.microsoft.com/office/drawing/2014/main" id="{AC043D4D-5616-1C4E-886B-1379739E9063}"/>
+                </a:ext>
+              </a:extLst>
+            </p:cNvPr>
+            <p:cNvSpPr/>
+            <p:nvPr/>
+          </p:nvSpPr>
+          <p:spPr>
+            <a:xfrm>
+              <a:off x="2132817" y="5283272"/>
+              <a:ext cx="631871" cy="631871"/>
+            </a:xfrm>
+            <a:prstGeom prst="ellipse">
+              <a:avLst/>
+            </a:prstGeom>
+            <a:solidFill>
+              <a:schemeClr val="bg1">
+                <a:lumMod val="95000"/>
+              </a:schemeClr>
+            </a:solidFill>
+            <a:ln>
+              <a:noFill/>
+            </a:ln>
+          </p:spPr>
+          <p:style>
+            <a:lnRef idx="2">
+              <a:schemeClr val="accent1">
+                <a:shade val="50000"/>
+              </a:schemeClr>
+            </a:lnRef>
+            <a:fillRef idx="1">
+              <a:schemeClr val="accent1"/>
+            </a:fillRef>
+            <a:effectRef idx="0">
+              <a:schemeClr val="accent1"/>
+            </a:effectRef>
+            <a:fontRef idx="minor">
+              <a:schemeClr val="lt1"/>
+            </a:fontRef>
+          </p:style>
+          <p:txBody>
+            <a:bodyPr rtlCol="0" anchor="ctr"/>
+            <a:lstStyle/>
+            <a:p>
+              <a:pPr algn="ctr"/>
+              <a:endParaRPr lang="fr-FR" b="1"/>
+            </a:p>
+          </p:txBody>
+        </p:sp>
+        <p:sp>
+          <p:nvSpPr>
+            <p:cNvPr id="42" name="ZoneTexte 41">
+              <a:extLst>
+                <a:ext uri="{FF2B5EF4-FFF2-40B4-BE49-F238E27FC236}">
+                  <a16:creationId xmlns:a16="http://schemas.microsoft.com/office/drawing/2014/main" id="{C2AD23FF-FB1E-DC4D-8694-9D893EA5843F}"/>
+                </a:ext>
+              </a:extLst>
+            </p:cNvPr>
+            <p:cNvSpPr txBox="1"/>
+            <p:nvPr/>
+          </p:nvSpPr>
+          <p:spPr>
+            <a:xfrm>
+              <a:off x="2006698" y="5428964"/>
+              <a:ext cx="884112" cy="338554"/>
+            </a:xfrm>
+            <a:prstGeom prst="rect">
+              <a:avLst/>
+            </a:prstGeom>
+            <a:noFill/>
+          </p:spPr>
+          <p:txBody>
+            <a:bodyPr wrap="square" rtlCol="0">
+              <a:spAutoFit/>
+            </a:bodyPr>
+            <a:lstStyle/>
+            <a:p>
+              <a:pPr algn="ctr"/>
+              <a:r>
+                <a:rPr lang="fr-FR" sz="1600" b="1" dirty="0">
+                  <a:solidFill>
+                    <a:srgbClr val="402E7D"/>
+                  </a:solidFill>
+                  <a:latin typeface="Calibri" panose="020F0502020204030204" pitchFamily="34" charset="0"/>
+                  <a:cs typeface="Calibri" panose="020F0502020204030204" pitchFamily="34" charset="0"/>
+                </a:rPr>
+                <a:t>_TOD%</a:t>
+              </a:r>
+            </a:p>
+          </p:txBody>
+        </p:sp>
+      </p:grpSp>
+      <p:grpSp>
+        <p:nvGrpSpPr>
+          <p:cNvPr id="43" name="Groupe 42">
+            <a:extLst>
+              <a:ext uri="{FF2B5EF4-FFF2-40B4-BE49-F238E27FC236}">
+                <a16:creationId xmlns:a16="http://schemas.microsoft.com/office/drawing/2014/main" id="{F4EE9044-5C85-A040-BD51-36798EE04AC4}"/>
+              </a:ext>
+            </a:extLst>
+          </p:cNvPr>
+          <p:cNvGrpSpPr/>
+          <p:nvPr/>
+        </p:nvGrpSpPr>
+        <p:grpSpPr>
+          <a:xfrm>
+            <a:off x="10188014" y="5144902"/>
+            <a:ext cx="1079076" cy="631871"/>
+            <a:chOff x="1909216" y="5283272"/>
+            <a:chExt cx="1079076" cy="631871"/>
+          </a:xfrm>
+        </p:grpSpPr>
+        <p:sp>
+          <p:nvSpPr>
+            <p:cNvPr id="44" name="Ellipse 43">
+              <a:extLst>
+                <a:ext uri="{FF2B5EF4-FFF2-40B4-BE49-F238E27FC236}">
+                  <a16:creationId xmlns:a16="http://schemas.microsoft.com/office/drawing/2014/main" id="{11B4C709-5B58-1349-A4F6-1AF0B88DA6DE}"/>
+                </a:ext>
+              </a:extLst>
+            </p:cNvPr>
+            <p:cNvSpPr/>
+            <p:nvPr/>
+          </p:nvSpPr>
+          <p:spPr>
+            <a:xfrm>
+              <a:off x="2132817" y="5283272"/>
+              <a:ext cx="631871" cy="631871"/>
+            </a:xfrm>
+            <a:prstGeom prst="ellipse">
+              <a:avLst/>
+            </a:prstGeom>
+            <a:solidFill>
+              <a:schemeClr val="bg1">
+                <a:lumMod val="95000"/>
+              </a:schemeClr>
+            </a:solidFill>
+            <a:ln>
+              <a:noFill/>
+            </a:ln>
+          </p:spPr>
+          <p:style>
+            <a:lnRef idx="2">
+              <a:schemeClr val="accent1">
+                <a:shade val="50000"/>
+              </a:schemeClr>
+            </a:lnRef>
+            <a:fillRef idx="1">
+              <a:schemeClr val="accent1"/>
+            </a:fillRef>
+            <a:effectRef idx="0">
+              <a:schemeClr val="accent1"/>
+            </a:effectRef>
+            <a:fontRef idx="minor">
+              <a:schemeClr val="lt1"/>
+            </a:fontRef>
+          </p:style>
+          <p:txBody>
+            <a:bodyPr rtlCol="0" anchor="ctr"/>
+            <a:lstStyle/>
+            <a:p>
+              <a:pPr algn="ctr"/>
+              <a:endParaRPr lang="fr-FR" b="1"/>
+            </a:p>
+          </p:txBody>
+        </p:sp>
+        <p:sp>
+          <p:nvSpPr>
+            <p:cNvPr id="45" name="ZoneTexte 44">
+              <a:extLst>
+                <a:ext uri="{FF2B5EF4-FFF2-40B4-BE49-F238E27FC236}">
+                  <a16:creationId xmlns:a16="http://schemas.microsoft.com/office/drawing/2014/main" id="{99FECF96-CE0F-C74D-80BA-239B608D0DE7}"/>
+                </a:ext>
+              </a:extLst>
+            </p:cNvPr>
+            <p:cNvSpPr txBox="1"/>
+            <p:nvPr/>
+          </p:nvSpPr>
+          <p:spPr>
+            <a:xfrm>
+              <a:off x="1909216" y="5428964"/>
+              <a:ext cx="1079076" cy="338554"/>
+            </a:xfrm>
+            <a:prstGeom prst="rect">
+              <a:avLst/>
+            </a:prstGeom>
+            <a:noFill/>
+          </p:spPr>
+          <p:txBody>
+            <a:bodyPr wrap="square" rtlCol="0">
+              <a:spAutoFit/>
+            </a:bodyPr>
+            <a:lstStyle/>
+            <a:p>
+              <a:pPr algn="ctr"/>
+              <a:r>
+                <a:rPr lang="fr-FR" sz="1600" b="1" dirty="0">
+                  <a:solidFill>
+                    <a:srgbClr val="402E7D"/>
+                  </a:solidFill>
+                  <a:latin typeface="Calibri" panose="020F0502020204030204" pitchFamily="34" charset="0"/>
+                  <a:cs typeface="Calibri" panose="020F0502020204030204" pitchFamily="34" charset="0"/>
+                </a:rPr>
+                <a:t>_TTE%</a:t>
+              </a:r>
+            </a:p>
+          </p:txBody>
+        </p:sp>
+      </p:grpSp>
+      <p:grpSp>
+        <p:nvGrpSpPr>
+          <p:cNvPr id="46" name="Groupe 45">
+            <a:extLst>
+              <a:ext uri="{FF2B5EF4-FFF2-40B4-BE49-F238E27FC236}">
+                <a16:creationId xmlns:a16="http://schemas.microsoft.com/office/drawing/2014/main" id="{ADA54DEF-5984-644F-A1F9-4562F95BDCED}"/>
+              </a:ext>
+            </a:extLst>
+          </p:cNvPr>
+          <p:cNvGrpSpPr/>
+          <p:nvPr/>
+        </p:nvGrpSpPr>
+        <p:grpSpPr>
+          <a:xfrm>
+            <a:off x="1430010" y="5175864"/>
+            <a:ext cx="983116" cy="631871"/>
+            <a:chOff x="1672463" y="4933918"/>
+            <a:chExt cx="983116" cy="631871"/>
+          </a:xfrm>
+        </p:grpSpPr>
+        <p:sp>
+          <p:nvSpPr>
+            <p:cNvPr id="47" name="Ellipse 46">
+              <a:extLst>
+                <a:ext uri="{FF2B5EF4-FFF2-40B4-BE49-F238E27FC236}">
+                  <a16:creationId xmlns:a16="http://schemas.microsoft.com/office/drawing/2014/main" id="{C00B863C-7A1F-BC4A-807E-6AF12A9C29AA}"/>
+                </a:ext>
+              </a:extLst>
+            </p:cNvPr>
+            <p:cNvSpPr/>
+            <p:nvPr/>
+          </p:nvSpPr>
+          <p:spPr>
+            <a:xfrm>
+              <a:off x="1848086" y="4933918"/>
+              <a:ext cx="631871" cy="631871"/>
+            </a:xfrm>
+            <a:prstGeom prst="ellipse">
+              <a:avLst/>
+            </a:prstGeom>
+            <a:solidFill>
+              <a:schemeClr val="bg1">
+                <a:lumMod val="95000"/>
+              </a:schemeClr>
+            </a:solidFill>
+            <a:ln>
+              <a:noFill/>
+            </a:ln>
+          </p:spPr>
+          <p:style>
+            <a:lnRef idx="2">
+              <a:schemeClr val="accent1">
+                <a:shade val="50000"/>
+              </a:schemeClr>
+            </a:lnRef>
+            <a:fillRef idx="1">
+              <a:schemeClr val="accent1"/>
+            </a:fillRef>
+            <a:effectRef idx="0">
+              <a:schemeClr val="accent1"/>
+            </a:effectRef>
+            <a:fontRef idx="minor">
+              <a:schemeClr val="lt1"/>
+            </a:fontRef>
+          </p:style>
+          <p:txBody>
+            <a:bodyPr rtlCol="0" anchor="ctr"/>
+            <a:lstStyle/>
+            <a:p>
+              <a:pPr algn="ctr"/>
+              <a:endParaRPr lang="fr-FR" b="1"/>
+            </a:p>
+          </p:txBody>
+        </p:sp>
+        <p:sp>
+          <p:nvSpPr>
+            <p:cNvPr id="48" name="ZoneTexte 47">
+              <a:extLst>
+                <a:ext uri="{FF2B5EF4-FFF2-40B4-BE49-F238E27FC236}">
+                  <a16:creationId xmlns:a16="http://schemas.microsoft.com/office/drawing/2014/main" id="{3EE5AD14-8119-8A49-9F12-6F6A98F9FD4E}"/>
+                </a:ext>
+              </a:extLst>
+            </p:cNvPr>
+            <p:cNvSpPr txBox="1"/>
+            <p:nvPr/>
+          </p:nvSpPr>
+          <p:spPr>
+            <a:xfrm>
+              <a:off x="1672463" y="5096764"/>
+              <a:ext cx="983116" cy="338554"/>
+            </a:xfrm>
+            <a:prstGeom prst="rect">
+              <a:avLst/>
+            </a:prstGeom>
+            <a:noFill/>
+          </p:spPr>
+          <p:txBody>
+            <a:bodyPr wrap="square" rtlCol="0" anchor="t">
+              <a:spAutoFit/>
+            </a:bodyPr>
+            <a:lstStyle/>
+            <a:p>
+              <a:pPr algn="ctr"/>
+              <a:r>
+                <a:rPr lang="fr-FR" sz="1600" b="1" dirty="0">
+                  <a:solidFill>
+                    <a:srgbClr val="402E7D"/>
+                  </a:solidFill>
+                  <a:latin typeface="Calibri"/>
+                  <a:cs typeface="Calibri"/>
+                </a:rPr>
+                <a:t>_TSME%</a:t>
+              </a:r>
+              <a:endParaRPr lang="fr-FR" sz="1600" b="1" dirty="0">
+                <a:solidFill>
+                  <a:srgbClr val="402E7D"/>
+                </a:solidFill>
+                <a:latin typeface="Calibri" panose="020F0502020204030204" pitchFamily="34" charset="0"/>
+                <a:cs typeface="Calibri" panose="020F0502020204030204" pitchFamily="34" charset="0"/>
+              </a:endParaRPr>
+            </a:p>
+          </p:txBody>
+        </p:sp>
+      </p:grpSp>
     </p:spTree>
     <p:extLst>
       <p:ext uri="{BB962C8B-B14F-4D97-AF65-F5344CB8AC3E}">
         <p14:creationId xmlns:p14="http://schemas.microsoft.com/office/powerpoint/2010/main" val="3353754274"/>
+      </p:ext>
+    </p:extLst>
+  </p:cSld>
+  <p:clrMapOvr>
+    <a:masterClrMapping/>
+  </p:clrMapOvr>
+</p:sld>
+</file>
+
+<file path=ppt/slides/slide13.xml><?xml version="1.0" encoding="utf-8"?>
+<p:sld xmlns:a="http://schemas.openxmlformats.org/drawingml/2006/main" xmlns:r="http://schemas.openxmlformats.org/officeDocument/2006/relationships" xmlns:p="http://schemas.openxmlformats.org/presentationml/2006/main" show="0">
+  <p:cSld>
+    <p:spTree>
+      <p:nvGrpSpPr>
+        <p:cNvPr id="1" name=""/>
+        <p:cNvGrpSpPr/>
+        <p:nvPr/>
+      </p:nvGrpSpPr>
+      <p:grpSpPr>
+        <a:xfrm>
+          <a:off x="0" y="0"/>
+          <a:ext cx="0" cy="0"/>
+          <a:chOff x="0" y="0"/>
+          <a:chExt cx="0" cy="0"/>
+        </a:xfrm>
+      </p:grpSpPr>
+      <p:pic>
+        <p:nvPicPr>
+          <p:cNvPr id="3" name="Graphique 2" descr="Tendance à la hausse">
+            <a:extLst>
+              <a:ext uri="{FF2B5EF4-FFF2-40B4-BE49-F238E27FC236}">
+                <a16:creationId xmlns:a16="http://schemas.microsoft.com/office/drawing/2014/main" id="{486BB628-7942-A645-9AA7-0374762FB547}"/>
+              </a:ext>
+            </a:extLst>
+          </p:cNvPr>
+          <p:cNvPicPr>
+            <a:picLocks noChangeAspect="1"/>
+          </p:cNvPicPr>
+          <p:nvPr/>
+        </p:nvPicPr>
+        <p:blipFill>
+          <a:blip r:embed="rId2">
+            <a:extLst>
+              <a:ext uri="{96DAC541-7B7A-43D3-8B79-37D633B846F1}">
+                <asvg:svgBlip xmlns:asvg="http://schemas.microsoft.com/office/drawing/2016/SVG/main" r:embed="rId3"/>
+              </a:ext>
+            </a:extLst>
+          </a:blip>
+          <a:stretch>
+            <a:fillRect/>
+          </a:stretch>
+        </p:blipFill>
+        <p:spPr>
+          <a:xfrm>
+            <a:off x="3136232" y="2971800"/>
+            <a:ext cx="914400" cy="914400"/>
+          </a:xfrm>
+          <a:prstGeom prst="rect">
+            <a:avLst/>
+          </a:prstGeom>
+        </p:spPr>
+      </p:pic>
+      <p:pic>
+        <p:nvPicPr>
+          <p:cNvPr id="7" name="Graphique 6" descr="Tendance à la baisse">
+            <a:extLst>
+              <a:ext uri="{FF2B5EF4-FFF2-40B4-BE49-F238E27FC236}">
+                <a16:creationId xmlns:a16="http://schemas.microsoft.com/office/drawing/2014/main" id="{C89975C3-24A5-3943-B004-56080D7E2759}"/>
+              </a:ext>
+            </a:extLst>
+          </p:cNvPr>
+          <p:cNvPicPr>
+            <a:picLocks noChangeAspect="1"/>
+          </p:cNvPicPr>
+          <p:nvPr/>
+        </p:nvPicPr>
+        <p:blipFill>
+          <a:blip r:embed="rId4">
+            <a:extLst>
+              <a:ext uri="{96DAC541-7B7A-43D3-8B79-37D633B846F1}">
+                <asvg:svgBlip xmlns:asvg="http://schemas.microsoft.com/office/drawing/2016/SVG/main" r:embed="rId5"/>
+              </a:ext>
+            </a:extLst>
+          </a:blip>
+          <a:stretch>
+            <a:fillRect/>
+          </a:stretch>
+        </p:blipFill>
+        <p:spPr>
+          <a:xfrm>
+            <a:off x="4692315" y="2971800"/>
+            <a:ext cx="914400" cy="914400"/>
+          </a:xfrm>
+          <a:prstGeom prst="rect">
+            <a:avLst/>
+          </a:prstGeom>
+        </p:spPr>
+      </p:pic>
+      <p:pic>
+        <p:nvPicPr>
+          <p:cNvPr id="10" name="Graphique 9" descr="Flèche tout droit">
+            <a:extLst>
+              <a:ext uri="{FF2B5EF4-FFF2-40B4-BE49-F238E27FC236}">
+                <a16:creationId xmlns:a16="http://schemas.microsoft.com/office/drawing/2014/main" id="{BC14927F-4C7A-CD4F-B73E-ACB23AB5EAD8}"/>
+              </a:ext>
+            </a:extLst>
+          </p:cNvPr>
+          <p:cNvPicPr>
+            <a:picLocks noChangeAspect="1"/>
+          </p:cNvPicPr>
+          <p:nvPr/>
+        </p:nvPicPr>
+        <p:blipFill>
+          <a:blip r:embed="rId6">
+            <a:extLst>
+              <a:ext uri="{96DAC541-7B7A-43D3-8B79-37D633B846F1}">
+                <asvg:svgBlip xmlns:asvg="http://schemas.microsoft.com/office/drawing/2016/SVG/main" r:embed="rId7"/>
+              </a:ext>
+            </a:extLst>
+          </a:blip>
+          <a:stretch>
+            <a:fillRect/>
+          </a:stretch>
+        </p:blipFill>
+        <p:spPr>
+          <a:xfrm rot="10800000">
+            <a:off x="6248398" y="2971800"/>
+            <a:ext cx="914400" cy="914400"/>
+          </a:xfrm>
+          <a:prstGeom prst="rect">
+            <a:avLst/>
+          </a:prstGeom>
+        </p:spPr>
+      </p:pic>
+    </p:spTree>
+    <p:extLst>
+      <p:ext uri="{BB962C8B-B14F-4D97-AF65-F5344CB8AC3E}">
+        <p14:creationId xmlns:p14="http://schemas.microsoft.com/office/powerpoint/2010/main" val="502804926"/>
       </p:ext>
     </p:extLst>
   </p:cSld>
@@ -7737,7 +11371,7 @@
         </p:blipFill>
         <p:spPr>
           <a:xfrm>
-            <a:off x="-1647959" y="268975"/>
+            <a:off x="-2895550" y="-2032610"/>
             <a:ext cx="17983099" cy="11999400"/>
           </a:xfrm>
           <a:prstGeom prst="rect">
@@ -7745,47 +11379,6 @@
           </a:prstGeom>
         </p:spPr>
       </p:pic>
-      <p:sp>
-        <p:nvSpPr>
-          <p:cNvPr id="6" name="ZoneTexte 5">
-            <a:extLst>
-              <a:ext uri="{FF2B5EF4-FFF2-40B4-BE49-F238E27FC236}">
-                <a16:creationId xmlns:a16="http://schemas.microsoft.com/office/drawing/2014/main" id="{B3A4085A-44A3-6845-A62B-CAE20ABF4076}"/>
-              </a:ext>
-            </a:extLst>
-          </p:cNvPr>
-          <p:cNvSpPr txBox="1"/>
-          <p:nvPr/>
-        </p:nvSpPr>
-        <p:spPr>
-          <a:xfrm>
-            <a:off x="482703" y="111283"/>
-            <a:ext cx="4807352" cy="1015663"/>
-          </a:xfrm>
-          <a:prstGeom prst="rect">
-            <a:avLst/>
-          </a:prstGeom>
-          <a:noFill/>
-        </p:spPr>
-        <p:txBody>
-          <a:bodyPr wrap="square" rtlCol="0">
-            <a:spAutoFit/>
-          </a:bodyPr>
-          <a:lstStyle/>
-          <a:p>
-            <a:r>
-              <a:rPr lang="fr-FR" sz="6000" b="1" dirty="0">
-                <a:solidFill>
-                  <a:srgbClr val="402E7D"/>
-                </a:solidFill>
-                <a:latin typeface="Calibri" panose="020F0502020204030204" pitchFamily="34" charset="0"/>
-                <a:cs typeface="Calibri" panose="020F0502020204030204" pitchFamily="34" charset="0"/>
-              </a:rPr>
-              <a:t>People/HR</a:t>
-            </a:r>
-          </a:p>
-        </p:txBody>
-      </p:sp>
       <p:grpSp>
         <p:nvGrpSpPr>
           <p:cNvPr id="4" name="Groupe 3">
@@ -7800,7 +11393,7 @@
         </p:nvGrpSpPr>
         <p:grpSpPr>
           <a:xfrm>
-            <a:off x="948263" y="1656929"/>
+            <a:off x="1785977" y="1656929"/>
             <a:ext cx="3110553" cy="1668055"/>
             <a:chOff x="948263" y="1671002"/>
             <a:chExt cx="3110553" cy="1668055"/>
@@ -7962,7 +11555,7 @@
         </p:nvSpPr>
         <p:spPr>
           <a:xfrm>
-            <a:off x="6669381" y="1755597"/>
+            <a:off x="7507095" y="1742845"/>
             <a:ext cx="2288007" cy="1518847"/>
           </a:xfrm>
           <a:prstGeom prst="roundRect">
@@ -8021,7 +11614,7 @@
         </p:nvSpPr>
         <p:spPr>
           <a:xfrm>
-            <a:off x="6870047" y="1821818"/>
+            <a:off x="7707761" y="1809066"/>
             <a:ext cx="1886674" cy="1015663"/>
           </a:xfrm>
           <a:prstGeom prst="rect">
@@ -8068,7 +11661,7 @@
         </p:nvSpPr>
         <p:spPr>
           <a:xfrm>
-            <a:off x="6749562" y="2758551"/>
+            <a:off x="7587276" y="2745799"/>
             <a:ext cx="2127644" cy="400110"/>
           </a:xfrm>
           <a:prstGeom prst="rect">
@@ -8249,10 +11842,10 @@
         </p:nvGrpSpPr>
         <p:grpSpPr>
           <a:xfrm>
-            <a:off x="1265532" y="3850305"/>
-            <a:ext cx="2421006" cy="1847882"/>
+            <a:off x="1659052" y="3844126"/>
+            <a:ext cx="2421006" cy="1668055"/>
             <a:chOff x="1906069" y="3652738"/>
-            <a:chExt cx="2421006" cy="1847882"/>
+            <a:chExt cx="2421006" cy="1668055"/>
           </a:xfrm>
         </p:grpSpPr>
         <p:sp>
@@ -8270,7 +11863,7 @@
           <p:spPr>
             <a:xfrm>
               <a:off x="1906069" y="3652738"/>
-              <a:ext cx="2218355" cy="1847882"/>
+              <a:ext cx="2218355" cy="1668055"/>
             </a:xfrm>
             <a:prstGeom prst="roundRect">
               <a:avLst/>
@@ -8447,7 +12040,7 @@
           </p:blipFill>
           <p:spPr>
             <a:xfrm>
-              <a:off x="3415713" y="4664024"/>
+              <a:off x="3415713" y="4572105"/>
               <a:ext cx="607940" cy="607940"/>
             </a:xfrm>
             <a:prstGeom prst="rect">
@@ -8470,10 +12063,10 @@
         </p:nvGrpSpPr>
         <p:grpSpPr>
           <a:xfrm>
-            <a:off x="4294956" y="1714603"/>
-            <a:ext cx="1816155" cy="1572550"/>
-            <a:chOff x="4657872" y="1642855"/>
-            <a:chExt cx="1816155" cy="1572550"/>
+            <a:off x="5075179" y="1714603"/>
+            <a:ext cx="2212976" cy="1546424"/>
+            <a:chOff x="4600381" y="1642855"/>
+            <a:chExt cx="2212976" cy="1546424"/>
           </a:xfrm>
         </p:grpSpPr>
         <p:sp>
@@ -8490,8 +12083,8 @@
           </p:nvSpPr>
           <p:spPr>
             <a:xfrm>
-              <a:off x="4657872" y="1696558"/>
-              <a:ext cx="1816155" cy="1518847"/>
+              <a:off x="4600381" y="1670432"/>
+              <a:ext cx="2212976" cy="1518847"/>
             </a:xfrm>
             <a:prstGeom prst="roundRect">
               <a:avLst/>
@@ -8549,8 +12142,8 @@
           </p:nvSpPr>
           <p:spPr>
             <a:xfrm>
-              <a:off x="4882737" y="1800209"/>
-              <a:ext cx="1207192" cy="1015663"/>
+              <a:off x="5069271" y="1800209"/>
+              <a:ext cx="1347206" cy="1015663"/>
             </a:xfrm>
             <a:prstGeom prst="rect">
               <a:avLst/>
@@ -8589,7 +12182,7 @@
           </p:nvSpPr>
           <p:spPr>
             <a:xfrm>
-              <a:off x="4882737" y="2684752"/>
+              <a:off x="5059662" y="2684752"/>
               <a:ext cx="1366424" cy="400110"/>
             </a:xfrm>
             <a:prstGeom prst="rect">
@@ -8656,12 +12249,117 @@
           </p:spPr>
         </p:pic>
       </p:grpSp>
+      <p:sp>
+        <p:nvSpPr>
+          <p:cNvPr id="33" name="ZoneTexte 32">
+            <a:extLst>
+              <a:ext uri="{FF2B5EF4-FFF2-40B4-BE49-F238E27FC236}">
+                <a16:creationId xmlns:a16="http://schemas.microsoft.com/office/drawing/2014/main" id="{0EA2BB66-F1D8-40C8-A73F-2D725365C058}"/>
+              </a:ext>
+            </a:extLst>
+          </p:cNvPr>
+          <p:cNvSpPr txBox="1"/>
+          <p:nvPr/>
+        </p:nvSpPr>
+        <p:spPr>
+          <a:xfrm>
+            <a:off x="4211440" y="3901940"/>
+            <a:ext cx="4108978" cy="1600438"/>
+          </a:xfrm>
+          <a:prstGeom prst="roundRect">
+            <a:avLst/>
+          </a:prstGeom>
+          <a:noFill/>
+          <a:ln w="82550">
+            <a:solidFill>
+              <a:srgbClr val="402E7D"/>
+            </a:solidFill>
+          </a:ln>
+        </p:spPr>
+        <p:txBody>
+          <a:bodyPr wrap="square" rtlCol="0">
+            <a:spAutoFit/>
+          </a:bodyPr>
+          <a:lstStyle/>
+          <a:p>
+            <a:pPr algn="ctr"/>
+            <a:r>
+              <a:rPr lang="fr-FR" sz="8800" dirty="0">
+                <a:solidFill>
+                  <a:srgbClr val="402E7D"/>
+                </a:solidFill>
+              </a:rPr>
+              <a:t>_Ex</a:t>
+            </a:r>
+            <a:r>
+              <a:rPr lang="fr-FR" sz="2000" dirty="0">
+                <a:solidFill>
+                  <a:srgbClr val="402E7D"/>
+                </a:solidFill>
+              </a:rPr>
+              <a:t> people are </a:t>
+            </a:r>
+            <a:r>
+              <a:rPr lang="fr-FR" sz="2000" dirty="0" err="1">
+                <a:solidFill>
+                  <a:srgbClr val="402E7D"/>
+                </a:solidFill>
+              </a:rPr>
+              <a:t>externals</a:t>
+            </a:r>
+            <a:r>
+              <a:rPr lang="fr-FR" sz="2000" dirty="0">
+                <a:solidFill>
+                  <a:srgbClr val="402E7D"/>
+                </a:solidFill>
+              </a:rPr>
+              <a:t> </a:t>
+            </a:r>
+          </a:p>
+        </p:txBody>
+      </p:sp>
+      <p:pic>
+        <p:nvPicPr>
+          <p:cNvPr id="49" name="Graphique 48" descr="Homme">
+            <a:extLst>
+              <a:ext uri="{FF2B5EF4-FFF2-40B4-BE49-F238E27FC236}">
+                <a16:creationId xmlns:a16="http://schemas.microsoft.com/office/drawing/2014/main" id="{CDBCBB9D-CF93-489A-A208-27991E4BC6BC}"/>
+              </a:ext>
+            </a:extLst>
+          </p:cNvPr>
+          <p:cNvPicPr>
+            <a:picLocks noChangeAspect="1"/>
+          </p:cNvPicPr>
+          <p:nvPr/>
+        </p:nvPicPr>
+        <p:blipFill>
+          <a:blip r:embed="rId13">
+            <a:extLst>
+              <a:ext uri="{96DAC541-7B7A-43D3-8B79-37D633B846F1}">
+                <asvg:svgBlip xmlns:asvg="http://schemas.microsoft.com/office/drawing/2016/SVG/main" r:embed="rId14"/>
+              </a:ext>
+            </a:extLst>
+          </a:blip>
+          <a:stretch>
+            <a:fillRect/>
+          </a:stretch>
+        </p:blipFill>
+        <p:spPr>
+          <a:xfrm>
+            <a:off x="7537028" y="4051369"/>
+            <a:ext cx="751068" cy="751069"/>
+          </a:xfrm>
+          <a:prstGeom prst="rect">
+            <a:avLst/>
+          </a:prstGeom>
+        </p:spPr>
+      </p:pic>
       <p:grpSp>
         <p:nvGrpSpPr>
-          <p:cNvPr id="15" name="Groupe 14">
-            <a:extLst>
-              <a:ext uri="{FF2B5EF4-FFF2-40B4-BE49-F238E27FC236}">
-                <a16:creationId xmlns:a16="http://schemas.microsoft.com/office/drawing/2014/main" id="{1B07C487-869B-784F-8A74-050F5B7AF9A8}"/>
+          <p:cNvPr id="17" name="Groupe 16">
+            <a:extLst>
+              <a:ext uri="{FF2B5EF4-FFF2-40B4-BE49-F238E27FC236}">
+                <a16:creationId xmlns:a16="http://schemas.microsoft.com/office/drawing/2014/main" id="{A2D2BC12-FE47-7E47-B523-554142474357}"/>
               </a:ext>
             </a:extLst>
           </p:cNvPr>
@@ -8670,87 +12368,193 @@
         </p:nvGrpSpPr>
         <p:grpSpPr>
           <a:xfrm>
-            <a:off x="4449774" y="3890574"/>
-            <a:ext cx="4108978" cy="1600438"/>
-            <a:chOff x="4848410" y="3643918"/>
-            <a:chExt cx="4108978" cy="1600438"/>
+            <a:off x="8756721" y="3642794"/>
+            <a:ext cx="2010296" cy="2010296"/>
+            <a:chOff x="9045758" y="3758345"/>
+            <a:chExt cx="2010296" cy="2010296"/>
           </a:xfrm>
         </p:grpSpPr>
-        <p:sp>
-          <p:nvSpPr>
-            <p:cNvPr id="33" name="ZoneTexte 32">
+        <p:grpSp>
+          <p:nvGrpSpPr>
+            <p:cNvPr id="16" name="Groupe 15">
               <a:extLst>
                 <a:ext uri="{FF2B5EF4-FFF2-40B4-BE49-F238E27FC236}">
-                  <a16:creationId xmlns:a16="http://schemas.microsoft.com/office/drawing/2014/main" id="{0EA2BB66-F1D8-40C8-A73F-2D725365C058}"/>
+                  <a16:creationId xmlns:a16="http://schemas.microsoft.com/office/drawing/2014/main" id="{A1D6F13D-E887-CC42-99B3-684993ADC434}"/>
                 </a:ext>
               </a:extLst>
             </p:cNvPr>
-            <p:cNvSpPr txBox="1"/>
+            <p:cNvGrpSpPr/>
             <p:nvPr/>
-          </p:nvSpPr>
-          <p:spPr>
+          </p:nvGrpSpPr>
+          <p:grpSpPr>
             <a:xfrm>
-              <a:off x="4848410" y="3643918"/>
-              <a:ext cx="4108978" cy="1600438"/>
+              <a:off x="9045758" y="3758345"/>
+              <a:ext cx="2010296" cy="2010296"/>
+              <a:chOff x="9045758" y="3758345"/>
+              <a:chExt cx="2010296" cy="2010296"/>
             </a:xfrm>
-            <a:prstGeom prst="roundRect">
-              <a:avLst/>
-            </a:prstGeom>
-            <a:noFill/>
-            <a:ln w="82550">
+          </p:grpSpPr>
+          <p:sp>
+            <p:nvSpPr>
+              <p:cNvPr id="40" name="Ellipse 39">
+                <a:extLst>
+                  <a:ext uri="{FF2B5EF4-FFF2-40B4-BE49-F238E27FC236}">
+                    <a16:creationId xmlns:a16="http://schemas.microsoft.com/office/drawing/2014/main" id="{1B6C06A2-3171-40B4-95D7-51B54CF44BC6}"/>
+                  </a:ext>
+                </a:extLst>
+              </p:cNvPr>
+              <p:cNvSpPr/>
+              <p:nvPr/>
+            </p:nvSpPr>
+            <p:spPr>
+              <a:xfrm>
+                <a:off x="9045758" y="3758345"/>
+                <a:ext cx="2010296" cy="2010296"/>
+              </a:xfrm>
+              <a:prstGeom prst="ellipse">
+                <a:avLst/>
+              </a:prstGeom>
               <a:solidFill>
-                <a:srgbClr val="402E7D"/>
+                <a:srgbClr val="FF822F"/>
               </a:solidFill>
-            </a:ln>
-          </p:spPr>
-          <p:txBody>
-            <a:bodyPr wrap="square" rtlCol="0">
-              <a:spAutoFit/>
-            </a:bodyPr>
-            <a:lstStyle/>
-            <a:p>
-              <a:pPr algn="ctr"/>
-              <a:r>
-                <a:rPr lang="fr-FR" sz="8800" dirty="0">
+              <a:ln>
+                <a:noFill/>
+              </a:ln>
+            </p:spPr>
+            <p:style>
+              <a:lnRef idx="2">
+                <a:schemeClr val="accent1">
+                  <a:shade val="50000"/>
+                </a:schemeClr>
+              </a:lnRef>
+              <a:fillRef idx="1">
+                <a:schemeClr val="accent1"/>
+              </a:fillRef>
+              <a:effectRef idx="0">
+                <a:schemeClr val="accent1"/>
+              </a:effectRef>
+              <a:fontRef idx="minor">
+                <a:schemeClr val="lt1"/>
+              </a:fontRef>
+            </p:style>
+            <p:txBody>
+              <a:bodyPr rtlCol="0" anchor="ctr"/>
+              <a:lstStyle/>
+              <a:p>
+                <a:pPr algn="ctr"/>
+                <a:endParaRPr lang="fr-FR"/>
+              </a:p>
+            </p:txBody>
+          </p:sp>
+          <p:sp>
+            <p:nvSpPr>
+              <p:cNvPr id="43" name="ZoneTexte 42">
+                <a:extLst>
+                  <a:ext uri="{FF2B5EF4-FFF2-40B4-BE49-F238E27FC236}">
+                    <a16:creationId xmlns:a16="http://schemas.microsoft.com/office/drawing/2014/main" id="{74E26CEB-F529-4B8F-B5B3-B315C46731BF}"/>
+                  </a:ext>
+                </a:extLst>
+              </p:cNvPr>
+              <p:cNvSpPr txBox="1"/>
+              <p:nvPr/>
+            </p:nvSpPr>
+            <p:spPr>
+              <a:xfrm>
+                <a:off x="9370333" y="5092250"/>
+                <a:ext cx="1369850" cy="264955"/>
+              </a:xfrm>
+              <a:prstGeom prst="rect">
+                <a:avLst/>
+              </a:prstGeom>
+              <a:noFill/>
+            </p:spPr>
+            <p:txBody>
+              <a:bodyPr wrap="square" rtlCol="0">
+                <a:spAutoFit/>
+              </a:bodyPr>
+              <a:lstStyle/>
+              <a:p>
+                <a:pPr algn="ctr"/>
+                <a:r>
+                  <a:rPr lang="fr-FR" sz="1600" dirty="0" err="1">
+                    <a:solidFill>
+                      <a:schemeClr val="bg1"/>
+                    </a:solidFill>
+                  </a:rPr>
+                  <a:t>Recrutment</a:t>
+                </a:r>
+                <a:r>
+                  <a:rPr lang="fr-FR" sz="1600" dirty="0">
+                    <a:solidFill>
+                      <a:schemeClr val="bg1"/>
+                    </a:solidFill>
+                  </a:rPr>
+                  <a:t> </a:t>
+                </a:r>
+                <a:r>
+                  <a:rPr lang="fr-FR" sz="1600" dirty="0" err="1">
+                    <a:solidFill>
+                      <a:schemeClr val="bg1"/>
+                    </a:solidFill>
+                  </a:rPr>
+                  <a:t>done</a:t>
+                </a:r>
+                <a:endParaRPr lang="fr-FR" sz="1600" dirty="0">
                   <a:solidFill>
-                    <a:srgbClr val="402E7D"/>
+                    <a:schemeClr val="bg1"/>
                   </a:solidFill>
-                </a:rPr>
-                <a:t>_Ex</a:t>
-              </a:r>
-              <a:r>
-                <a:rPr lang="fr-FR" sz="2000" dirty="0">
-                  <a:solidFill>
-                    <a:srgbClr val="402E7D"/>
-                  </a:solidFill>
-                </a:rPr>
-                <a:t> people are </a:t>
-              </a:r>
-              <a:r>
-                <a:rPr lang="fr-FR" sz="2000" dirty="0" err="1">
-                  <a:solidFill>
-                    <a:srgbClr val="402E7D"/>
-                  </a:solidFill>
-                </a:rPr>
-                <a:t>external</a:t>
-              </a:r>
-              <a:r>
-                <a:rPr lang="fr-FR" sz="2000" dirty="0">
-                  <a:solidFill>
-                    <a:srgbClr val="402E7D"/>
-                  </a:solidFill>
-                </a:rPr>
-                <a:t> </a:t>
-              </a:r>
-            </a:p>
-          </p:txBody>
-        </p:sp>
+                </a:endParaRPr>
+              </a:p>
+            </p:txBody>
+          </p:sp>
+          <p:sp>
+            <p:nvSpPr>
+              <p:cNvPr id="34" name="ZoneTexte 33">
+                <a:extLst>
+                  <a:ext uri="{FF2B5EF4-FFF2-40B4-BE49-F238E27FC236}">
+                    <a16:creationId xmlns:a16="http://schemas.microsoft.com/office/drawing/2014/main" id="{D36FCF97-B8F9-B84A-A247-F4251AA9BF62}"/>
+                  </a:ext>
+                </a:extLst>
+              </p:cNvPr>
+              <p:cNvSpPr txBox="1"/>
+              <p:nvPr/>
+            </p:nvSpPr>
+            <p:spPr>
+              <a:xfrm>
+                <a:off x="9107569" y="4502641"/>
+                <a:ext cx="1886674" cy="707886"/>
+              </a:xfrm>
+              <a:prstGeom prst="rect">
+                <a:avLst/>
+              </a:prstGeom>
+              <a:noFill/>
+            </p:spPr>
+            <p:txBody>
+              <a:bodyPr wrap="square" rtlCol="0">
+                <a:spAutoFit/>
+              </a:bodyPr>
+              <a:lstStyle/>
+              <a:p>
+                <a:pPr algn="ctr"/>
+                <a:r>
+                  <a:rPr lang="fr-FR" sz="4000" dirty="0">
+                    <a:solidFill>
+                      <a:schemeClr val="bg1"/>
+                    </a:solidFill>
+                    <a:latin typeface="Bebas Neue" panose="020B0606020202050201" pitchFamily="34" charset="77"/>
+                  </a:rPr>
+                  <a:t>_RCD</a:t>
+                </a:r>
+              </a:p>
+            </p:txBody>
+          </p:sp>
+        </p:grpSp>
         <p:pic>
           <p:nvPicPr>
-            <p:cNvPr id="49" name="Graphique 48" descr="Homme">
+            <p:cNvPr id="13" name="Graphique 12" descr="Poignée de main">
               <a:extLst>
                 <a:ext uri="{FF2B5EF4-FFF2-40B4-BE49-F238E27FC236}">
-                  <a16:creationId xmlns:a16="http://schemas.microsoft.com/office/drawing/2014/main" id="{CDBCBB9D-CF93-489A-A208-27991E4BC6BC}"/>
+                  <a16:creationId xmlns:a16="http://schemas.microsoft.com/office/drawing/2014/main" id="{FF7B2397-5DBD-5149-83E9-464E6CE9E0EA}"/>
                 </a:ext>
               </a:extLst>
             </p:cNvPr>
@@ -8760,10 +12564,10 @@
             <p:nvPr/>
           </p:nvPicPr>
           <p:blipFill>
-            <a:blip r:embed="rId13">
+            <a:blip r:embed="rId15">
               <a:extLst>
                 <a:ext uri="{96DAC541-7B7A-43D3-8B79-37D633B846F1}">
-                  <asvg:svgBlip xmlns:asvg="http://schemas.microsoft.com/office/drawing/2016/SVG/main" r:embed="rId14"/>
+                  <asvg:svgBlip xmlns:asvg="http://schemas.microsoft.com/office/drawing/2016/SVG/main" r:embed="rId16"/>
                 </a:ext>
               </a:extLst>
             </a:blip>
@@ -8773,8 +12577,8 @@
           </p:blipFill>
           <p:spPr>
             <a:xfrm>
-              <a:off x="7062316" y="3828722"/>
-              <a:ext cx="751068" cy="751069"/>
+              <a:off x="9593706" y="3805702"/>
+              <a:ext cx="914400" cy="914400"/>
             </a:xfrm>
             <a:prstGeom prst="rect">
               <a:avLst/>
@@ -8782,211 +12586,47 @@
           </p:spPr>
         </p:pic>
       </p:grpSp>
-      <p:grpSp>
-        <p:nvGrpSpPr>
-          <p:cNvPr id="16" name="Groupe 15">
-            <a:extLst>
-              <a:ext uri="{FF2B5EF4-FFF2-40B4-BE49-F238E27FC236}">
-                <a16:creationId xmlns:a16="http://schemas.microsoft.com/office/drawing/2014/main" id="{A1D6F13D-E887-CC42-99B3-684993ADC434}"/>
-              </a:ext>
-            </a:extLst>
-          </p:cNvPr>
-          <p:cNvGrpSpPr/>
+      <p:sp>
+        <p:nvSpPr>
+          <p:cNvPr id="35" name="ZoneTexte 34">
+            <a:extLst>
+              <a:ext uri="{FF2B5EF4-FFF2-40B4-BE49-F238E27FC236}">
+                <a16:creationId xmlns:a16="http://schemas.microsoft.com/office/drawing/2014/main" id="{7D4CC806-ADDD-B543-89F7-F1D583405A09}"/>
+              </a:ext>
+            </a:extLst>
+          </p:cNvPr>
+          <p:cNvSpPr txBox="1"/>
           <p:nvPr/>
-        </p:nvGrpSpPr>
-        <p:grpSpPr>
+        </p:nvSpPr>
+        <p:spPr>
           <a:xfrm>
-            <a:off x="9437921" y="3769098"/>
-            <a:ext cx="2010296" cy="2010296"/>
-            <a:chOff x="9437921" y="3769098"/>
-            <a:chExt cx="2010296" cy="2010296"/>
+            <a:off x="652084" y="514300"/>
+            <a:ext cx="6832315" cy="861774"/>
           </a:xfrm>
-        </p:grpSpPr>
-        <p:sp>
-          <p:nvSpPr>
-            <p:cNvPr id="40" name="Ellipse 39">
-              <a:extLst>
-                <a:ext uri="{FF2B5EF4-FFF2-40B4-BE49-F238E27FC236}">
-                  <a16:creationId xmlns:a16="http://schemas.microsoft.com/office/drawing/2014/main" id="{1B6C06A2-3171-40B4-95D7-51B54CF44BC6}"/>
-                </a:ext>
-              </a:extLst>
-            </p:cNvPr>
-            <p:cNvSpPr/>
-            <p:nvPr/>
-          </p:nvSpPr>
-          <p:spPr>
-            <a:xfrm>
-              <a:off x="9437921" y="3769098"/>
-              <a:ext cx="2010296" cy="2010296"/>
-            </a:xfrm>
-            <a:prstGeom prst="ellipse">
-              <a:avLst/>
-            </a:prstGeom>
-            <a:solidFill>
-              <a:srgbClr val="FF822F"/>
-            </a:solidFill>
-            <a:ln>
-              <a:noFill/>
-            </a:ln>
-          </p:spPr>
-          <p:style>
-            <a:lnRef idx="2">
-              <a:schemeClr val="accent1">
-                <a:shade val="50000"/>
-              </a:schemeClr>
-            </a:lnRef>
-            <a:fillRef idx="1">
-              <a:schemeClr val="accent1"/>
-            </a:fillRef>
-            <a:effectRef idx="0">
-              <a:schemeClr val="accent1"/>
-            </a:effectRef>
-            <a:fontRef idx="minor">
-              <a:schemeClr val="lt1"/>
-            </a:fontRef>
-          </p:style>
-          <p:txBody>
-            <a:bodyPr rtlCol="0" anchor="ctr"/>
-            <a:lstStyle/>
-            <a:p>
-              <a:pPr algn="ctr"/>
-              <a:endParaRPr lang="fr-FR"/>
-            </a:p>
-          </p:txBody>
-        </p:sp>
-        <p:sp>
-          <p:nvSpPr>
-            <p:cNvPr id="43" name="ZoneTexte 42">
-              <a:extLst>
-                <a:ext uri="{FF2B5EF4-FFF2-40B4-BE49-F238E27FC236}">
-                  <a16:creationId xmlns:a16="http://schemas.microsoft.com/office/drawing/2014/main" id="{74E26CEB-F529-4B8F-B5B3-B315C46731BF}"/>
-                </a:ext>
-              </a:extLst>
-            </p:cNvPr>
-            <p:cNvSpPr txBox="1"/>
-            <p:nvPr/>
-          </p:nvSpPr>
-          <p:spPr>
-            <a:xfrm>
-              <a:off x="9762496" y="5103003"/>
-              <a:ext cx="1369850" cy="264955"/>
-            </a:xfrm>
-            <a:prstGeom prst="rect">
-              <a:avLst/>
-            </a:prstGeom>
-            <a:noFill/>
-          </p:spPr>
-          <p:txBody>
-            <a:bodyPr wrap="square" rtlCol="0">
-              <a:spAutoFit/>
-            </a:bodyPr>
-            <a:lstStyle/>
-            <a:p>
-              <a:pPr algn="ctr"/>
-              <a:r>
-                <a:rPr lang="fr-FR" sz="1600" dirty="0" err="1">
-                  <a:solidFill>
-                    <a:schemeClr val="bg1"/>
-                  </a:solidFill>
-                </a:rPr>
-                <a:t>Recrutment</a:t>
-              </a:r>
-              <a:r>
-                <a:rPr lang="fr-FR" sz="1600" dirty="0">
-                  <a:solidFill>
-                    <a:schemeClr val="bg1"/>
-                  </a:solidFill>
-                </a:rPr>
-                <a:t> </a:t>
-              </a:r>
-              <a:r>
-                <a:rPr lang="fr-FR" sz="1600" dirty="0" err="1">
-                  <a:solidFill>
-                    <a:schemeClr val="bg1"/>
-                  </a:solidFill>
-                </a:rPr>
-                <a:t>done</a:t>
-              </a:r>
-              <a:endParaRPr lang="fr-FR" sz="1600" dirty="0">
+          <a:prstGeom prst="rect">
+            <a:avLst/>
+          </a:prstGeom>
+          <a:noFill/>
+        </p:spPr>
+        <p:txBody>
+          <a:bodyPr wrap="square" rtlCol="0">
+            <a:spAutoFit/>
+          </a:bodyPr>
+          <a:lstStyle/>
+          <a:p>
+            <a:r>
+              <a:rPr lang="fr-FR" sz="5000" b="1" dirty="0">
                 <a:solidFill>
-                  <a:schemeClr val="bg1"/>
+                  <a:srgbClr val="402E7D"/>
                 </a:solidFill>
-              </a:endParaRPr>
-            </a:p>
-          </p:txBody>
-        </p:sp>
-        <p:sp>
-          <p:nvSpPr>
-            <p:cNvPr id="34" name="ZoneTexte 33">
-              <a:extLst>
-                <a:ext uri="{FF2B5EF4-FFF2-40B4-BE49-F238E27FC236}">
-                  <a16:creationId xmlns:a16="http://schemas.microsoft.com/office/drawing/2014/main" id="{D36FCF97-B8F9-B84A-A247-F4251AA9BF62}"/>
-                </a:ext>
-              </a:extLst>
-            </p:cNvPr>
-            <p:cNvSpPr txBox="1"/>
-            <p:nvPr/>
-          </p:nvSpPr>
-          <p:spPr>
-            <a:xfrm>
-              <a:off x="9499732" y="4513394"/>
-              <a:ext cx="1886674" cy="707886"/>
-            </a:xfrm>
-            <a:prstGeom prst="rect">
-              <a:avLst/>
-            </a:prstGeom>
-            <a:noFill/>
-          </p:spPr>
-          <p:txBody>
-            <a:bodyPr wrap="square" rtlCol="0">
-              <a:spAutoFit/>
-            </a:bodyPr>
-            <a:lstStyle/>
-            <a:p>
-              <a:pPr algn="ctr"/>
-              <a:r>
-                <a:rPr lang="fr-FR" sz="4000" dirty="0">
-                  <a:solidFill>
-                    <a:schemeClr val="bg1"/>
-                  </a:solidFill>
-                  <a:latin typeface="Bebas Neue" panose="020B0606020202050201" pitchFamily="34" charset="77"/>
-                </a:rPr>
-                <a:t>_RCD</a:t>
-              </a:r>
-            </a:p>
-          </p:txBody>
-        </p:sp>
-        <p:pic>
-          <p:nvPicPr>
-            <p:cNvPr id="3" name="Image 2">
-              <a:extLst>
-                <a:ext uri="{FF2B5EF4-FFF2-40B4-BE49-F238E27FC236}">
-                  <a16:creationId xmlns:a16="http://schemas.microsoft.com/office/drawing/2014/main" id="{EA299D5E-12F8-5F47-903A-2E8FCEFA8769}"/>
-                </a:ext>
-              </a:extLst>
-            </p:cNvPr>
-            <p:cNvPicPr>
-              <a:picLocks noChangeAspect="1"/>
-            </p:cNvPicPr>
-            <p:nvPr/>
-          </p:nvPicPr>
-          <p:blipFill>
-            <a:blip r:embed="rId15"/>
-            <a:stretch>
-              <a:fillRect/>
-            </a:stretch>
-          </p:blipFill>
-          <p:spPr>
-            <a:xfrm>
-              <a:off x="10025604" y="3850305"/>
-              <a:ext cx="834930" cy="834930"/>
-            </a:xfrm>
-            <a:prstGeom prst="rect">
-              <a:avLst/>
-            </a:prstGeom>
-          </p:spPr>
-        </p:pic>
-      </p:grpSp>
+                <a:latin typeface="Calibri" panose="020F0502020204030204" pitchFamily="34" charset="0"/>
+                <a:cs typeface="Calibri" panose="020F0502020204030204" pitchFamily="34" charset="0"/>
+              </a:rPr>
+              <a:t>People/HR</a:t>
+            </a:r>
+          </a:p>
+        </p:txBody>
+      </p:sp>
     </p:spTree>
     <p:extLst>
       <p:ext uri="{BB962C8B-B14F-4D97-AF65-F5344CB8AC3E}">
@@ -9173,7 +12813,7 @@
         <p:spPr>
           <a:xfrm>
             <a:off x="652084" y="514300"/>
-            <a:ext cx="6832315" cy="1015663"/>
+            <a:ext cx="6832315" cy="861774"/>
           </a:xfrm>
           <a:prstGeom prst="rect">
             <a:avLst/>
@@ -9187,7 +12827,7 @@
           <a:lstStyle/>
           <a:p>
             <a:r>
-              <a:rPr lang="fr-FR" sz="6000" b="1" dirty="0">
+              <a:rPr lang="fr-FR" sz="5000" b="1" dirty="0">
                 <a:solidFill>
                   <a:schemeClr val="bg1"/>
                 </a:solidFill>
@@ -9249,7 +12889,7 @@
         </p:nvGrpSpPr>
         <p:grpSpPr>
           <a:xfrm>
-            <a:off x="3081291" y="3442694"/>
+            <a:off x="3176302" y="3442694"/>
             <a:ext cx="1753544" cy="2133507"/>
             <a:chOff x="6522869" y="2979988"/>
             <a:chExt cx="1753544" cy="2133507"/>
@@ -9410,7 +13050,7 @@
         </p:nvGrpSpPr>
         <p:grpSpPr>
           <a:xfrm>
-            <a:off x="5181020" y="2205107"/>
+            <a:off x="5282286" y="2205107"/>
             <a:ext cx="1855428" cy="2176075"/>
             <a:chOff x="2391429" y="2939245"/>
             <a:chExt cx="1855428" cy="2176075"/>
@@ -9561,7 +13201,7 @@
         </p:nvGrpSpPr>
         <p:grpSpPr>
           <a:xfrm>
-            <a:off x="9249141" y="2214687"/>
+            <a:off x="9352911" y="2214687"/>
             <a:ext cx="1754126" cy="2156914"/>
             <a:chOff x="9249141" y="2214687"/>
             <a:chExt cx="1754126" cy="2156914"/>
@@ -9820,7 +13460,7 @@
         </p:nvGrpSpPr>
         <p:grpSpPr>
           <a:xfrm>
-            <a:off x="884684" y="2212800"/>
+            <a:off x="988454" y="2212800"/>
             <a:ext cx="1835408" cy="1883690"/>
             <a:chOff x="296087" y="2954632"/>
             <a:chExt cx="1835408" cy="1883690"/>
@@ -9978,7 +13618,7 @@
         </p:nvGrpSpPr>
         <p:grpSpPr>
           <a:xfrm>
-            <a:off x="7382631" y="3396523"/>
+            <a:off x="7490155" y="3396523"/>
             <a:ext cx="1510315" cy="2193372"/>
             <a:chOff x="6108610" y="3396523"/>
             <a:chExt cx="1510315" cy="2193372"/>
@@ -10220,7 +13860,7 @@
         <p:spPr>
           <a:xfrm>
             <a:off x="652084" y="514300"/>
-            <a:ext cx="6660999" cy="1015663"/>
+            <a:ext cx="6660999" cy="861774"/>
           </a:xfrm>
           <a:prstGeom prst="rect">
             <a:avLst/>
@@ -10234,7 +13874,7 @@
           <a:lstStyle/>
           <a:p>
             <a:r>
-              <a:rPr lang="fr-FR" sz="6000" b="1" dirty="0">
+              <a:rPr lang="fr-FR" sz="5000" b="1" dirty="0">
                 <a:solidFill>
                   <a:srgbClr val="402E7D"/>
                 </a:solidFill>
@@ -10332,8 +13972,8 @@
         </p:nvSpPr>
         <p:spPr>
           <a:xfrm>
-            <a:off x="2825227" y="3612946"/>
-            <a:ext cx="1510314" cy="861774"/>
+            <a:off x="1734564" y="3968805"/>
+            <a:ext cx="2252753" cy="861774"/>
           </a:xfrm>
           <a:prstGeom prst="rect">
             <a:avLst/>
@@ -10346,6 +13986,7 @@
           </a:bodyPr>
           <a:lstStyle/>
           <a:p>
+            <a:pPr algn="r"/>
             <a:r>
               <a:rPr lang="fr-FR" sz="5000" b="1" dirty="0">
                 <a:solidFill>
@@ -10373,8 +14014,8 @@
         </p:nvSpPr>
         <p:spPr>
           <a:xfrm>
-            <a:off x="1293354" y="3751446"/>
-            <a:ext cx="1510315" cy="584775"/>
+            <a:off x="1617309" y="4818892"/>
+            <a:ext cx="2325700" cy="338554"/>
           </a:xfrm>
           <a:prstGeom prst="rect">
             <a:avLst/>
@@ -10466,7 +14107,7 @@
         </p:blipFill>
         <p:spPr>
           <a:xfrm>
-            <a:off x="4152089" y="3770453"/>
+            <a:off x="4152089" y="4126312"/>
             <a:ext cx="546760" cy="546760"/>
           </a:xfrm>
           <a:prstGeom prst="rect">
@@ -10488,10 +14129,10 @@
         </p:nvGrpSpPr>
         <p:grpSpPr>
           <a:xfrm>
-            <a:off x="7538477" y="3598914"/>
-            <a:ext cx="4014685" cy="861774"/>
+            <a:off x="7538477" y="3985587"/>
+            <a:ext cx="3484928" cy="1183251"/>
             <a:chOff x="7538477" y="4642966"/>
-            <a:chExt cx="4014685" cy="861774"/>
+            <a:chExt cx="3484928" cy="1183251"/>
           </a:xfrm>
         </p:grpSpPr>
         <p:grpSp>
@@ -10508,10 +14149,10 @@
           </p:nvGrpSpPr>
           <p:grpSpPr>
             <a:xfrm>
-              <a:off x="8222577" y="4642966"/>
-              <a:ext cx="3330585" cy="861774"/>
-              <a:chOff x="8193627" y="3949398"/>
-              <a:chExt cx="3330585" cy="861774"/>
+              <a:off x="8298063" y="4642966"/>
+              <a:ext cx="2725342" cy="1183251"/>
+              <a:chOff x="8269113" y="3949398"/>
+              <a:chExt cx="2725342" cy="1183251"/>
             </a:xfrm>
           </p:grpSpPr>
           <p:sp>
@@ -10528,8 +14169,8 @@
             </p:nvSpPr>
             <p:spPr>
               <a:xfrm>
-                <a:off x="8193627" y="3949398"/>
-                <a:ext cx="1305304" cy="861774"/>
+                <a:off x="8269113" y="3949398"/>
+                <a:ext cx="2276628" cy="861774"/>
               </a:xfrm>
               <a:prstGeom prst="rect">
                 <a:avLst/>
@@ -10542,7 +14183,6 @@
               </a:bodyPr>
               <a:lstStyle/>
               <a:p>
-                <a:pPr algn="r"/>
                 <a:r>
                   <a:rPr lang="fr-FR" sz="5000" b="1" dirty="0">
                     <a:solidFill>
@@ -10570,8 +14210,8 @@
             </p:nvSpPr>
             <p:spPr>
               <a:xfrm>
-                <a:off x="9498931" y="4103286"/>
-                <a:ext cx="2025281" cy="584775"/>
+                <a:off x="8269113" y="4794095"/>
+                <a:ext cx="2725342" cy="338554"/>
               </a:xfrm>
               <a:prstGeom prst="rect">
                 <a:avLst/>
@@ -10690,9 +14330,9 @@
         <p:grpSpPr>
           <a:xfrm>
             <a:off x="7454327" y="2441610"/>
-            <a:ext cx="3607986" cy="861774"/>
+            <a:ext cx="3445624" cy="1249042"/>
             <a:chOff x="7454327" y="1784147"/>
-            <a:chExt cx="3607986" cy="861774"/>
+            <a:chExt cx="3445624" cy="1249042"/>
           </a:xfrm>
         </p:grpSpPr>
         <p:grpSp>
@@ -10709,10 +14349,10 @@
           </p:nvGrpSpPr>
           <p:grpSpPr>
             <a:xfrm>
-              <a:off x="7962455" y="1784147"/>
-              <a:ext cx="3099858" cy="861774"/>
-              <a:chOff x="8554104" y="3949398"/>
-              <a:chExt cx="3099858" cy="861774"/>
+              <a:off x="8174608" y="1784147"/>
+              <a:ext cx="2725343" cy="1249042"/>
+              <a:chOff x="8766257" y="3949398"/>
+              <a:chExt cx="2725343" cy="1249042"/>
             </a:xfrm>
           </p:grpSpPr>
           <p:sp>
@@ -10729,8 +14369,8 @@
             </p:nvSpPr>
             <p:spPr>
               <a:xfrm>
-                <a:off x="8554104" y="3949398"/>
-                <a:ext cx="1203164" cy="861774"/>
+                <a:off x="8766257" y="3949398"/>
+                <a:ext cx="2282827" cy="861774"/>
               </a:xfrm>
               <a:prstGeom prst="rect">
                 <a:avLst/>
@@ -10743,7 +14383,6 @@
               </a:bodyPr>
               <a:lstStyle/>
               <a:p>
-                <a:pPr algn="r"/>
                 <a:r>
                   <a:rPr lang="fr-FR" sz="5000" b="1" dirty="0">
                     <a:solidFill>
@@ -10771,8 +14410,8 @@
             </p:nvSpPr>
             <p:spPr>
               <a:xfrm>
-                <a:off x="9757268" y="4087898"/>
-                <a:ext cx="1896694" cy="584775"/>
+                <a:off x="8766258" y="4859886"/>
+                <a:ext cx="2725342" cy="338554"/>
               </a:xfrm>
               <a:prstGeom prst="rect">
                 <a:avLst/>
@@ -10948,10 +14587,10 @@
         </p:nvGrpSpPr>
         <p:grpSpPr>
           <a:xfrm>
-            <a:off x="1637329" y="2479933"/>
-            <a:ext cx="3348355" cy="861774"/>
-            <a:chOff x="1637329" y="2479933"/>
-            <a:chExt cx="3348355" cy="861774"/>
+            <a:off x="1734564" y="2479933"/>
+            <a:ext cx="3251120" cy="1162005"/>
+            <a:chOff x="1734564" y="2479933"/>
+            <a:chExt cx="3251120" cy="1162005"/>
           </a:xfrm>
         </p:grpSpPr>
         <p:sp>
@@ -10968,8 +14607,8 @@
           </p:nvSpPr>
           <p:spPr>
             <a:xfrm>
-              <a:off x="2889674" y="2479933"/>
-              <a:ext cx="1649256" cy="861774"/>
+              <a:off x="1734564" y="2479933"/>
+              <a:ext cx="2362415" cy="861774"/>
             </a:xfrm>
             <a:prstGeom prst="rect">
               <a:avLst/>
@@ -10982,6 +14621,7 @@
             </a:bodyPr>
             <a:lstStyle/>
             <a:p>
+              <a:pPr algn="r"/>
               <a:r>
                 <a:rPr lang="fr-FR" sz="5000" b="1" dirty="0">
                   <a:solidFill>
@@ -11009,8 +14649,8 @@
           </p:nvSpPr>
           <p:spPr>
             <a:xfrm>
-              <a:off x="1637329" y="2618433"/>
-              <a:ext cx="1163394" cy="584775"/>
+              <a:off x="2017442" y="3303384"/>
+              <a:ext cx="2004684" cy="338554"/>
             </a:xfrm>
             <a:prstGeom prst="rect">
               <a:avLst/>
@@ -11224,7 +14864,7 @@
         </p:blipFill>
         <p:spPr>
           <a:xfrm>
-            <a:off x="316374" y="-58486"/>
+            <a:off x="98828" y="268975"/>
             <a:ext cx="11994344" cy="6974972"/>
           </a:xfrm>
           <a:prstGeom prst="rect">
@@ -11246,10 +14886,10 @@
         </p:nvGrpSpPr>
         <p:grpSpPr>
           <a:xfrm>
-            <a:off x="1905064" y="4402401"/>
-            <a:ext cx="3827691" cy="1015663"/>
-            <a:chOff x="4087495" y="2905113"/>
-            <a:chExt cx="3827691" cy="1015663"/>
+            <a:off x="1973493" y="4402401"/>
+            <a:ext cx="3759262" cy="1015663"/>
+            <a:chOff x="4155924" y="2905113"/>
+            <a:chExt cx="3759262" cy="1015663"/>
           </a:xfrm>
         </p:grpSpPr>
         <p:sp>
@@ -11266,8 +14906,8 @@
           </p:nvSpPr>
           <p:spPr>
             <a:xfrm>
-              <a:off x="4087495" y="2905113"/>
-              <a:ext cx="2004959" cy="1015663"/>
+              <a:off x="4155924" y="2905113"/>
+              <a:ext cx="1919640" cy="1015663"/>
             </a:xfrm>
             <a:prstGeom prst="rect">
               <a:avLst/>
@@ -11280,7 +14920,6 @@
             </a:bodyPr>
             <a:lstStyle/>
             <a:p>
-              <a:pPr algn="r"/>
               <a:r>
                 <a:rPr lang="fr-FR" sz="6000" dirty="0">
                   <a:solidFill>
@@ -11349,10 +14988,10 @@
         </p:nvGrpSpPr>
         <p:grpSpPr>
           <a:xfrm>
-            <a:off x="7783185" y="4267134"/>
-            <a:ext cx="3296119" cy="1015663"/>
-            <a:chOff x="5002442" y="4244761"/>
-            <a:chExt cx="3296119" cy="1015663"/>
+            <a:off x="7897710" y="4279219"/>
+            <a:ext cx="3375658" cy="1015663"/>
+            <a:chOff x="5116967" y="4256846"/>
+            <a:chExt cx="3375658" cy="1015663"/>
           </a:xfrm>
         </p:grpSpPr>
         <p:sp>
@@ -11369,8 +15008,8 @@
           </p:nvSpPr>
           <p:spPr>
             <a:xfrm>
-              <a:off x="5002442" y="4244761"/>
-              <a:ext cx="1944610" cy="1015663"/>
+              <a:off x="5116967" y="4256846"/>
+              <a:ext cx="1830084" cy="1015663"/>
             </a:xfrm>
             <a:prstGeom prst="rect">
               <a:avLst/>
@@ -11383,7 +15022,6 @@
             </a:bodyPr>
             <a:lstStyle/>
             <a:p>
-              <a:pPr algn="r"/>
               <a:r>
                 <a:rPr lang="fr-FR" sz="6000" dirty="0">
                   <a:solidFill>
@@ -11410,7 +15048,7 @@
           </p:nvSpPr>
           <p:spPr>
             <a:xfrm>
-              <a:off x="6858042" y="4398649"/>
+              <a:off x="7052106" y="4398649"/>
               <a:ext cx="1440519" cy="707886"/>
             </a:xfrm>
             <a:prstGeom prst="rect">
@@ -11489,7 +15127,7 @@
         <p:spPr>
           <a:xfrm>
             <a:off x="652084" y="514300"/>
-            <a:ext cx="6615709" cy="1015663"/>
+            <a:ext cx="6615709" cy="861774"/>
           </a:xfrm>
           <a:prstGeom prst="rect">
             <a:avLst/>
@@ -11503,7 +15141,7 @@
           <a:lstStyle/>
           <a:p>
             <a:r>
-              <a:rPr lang="fr-FR" sz="6000" b="1" dirty="0">
+              <a:rPr lang="fr-FR" sz="5000" b="1" dirty="0">
                 <a:solidFill>
                   <a:schemeClr val="bg1"/>
                 </a:solidFill>
@@ -11584,7 +15222,7 @@
         </p:blipFill>
         <p:spPr>
           <a:xfrm>
-            <a:off x="926199" y="4357237"/>
+            <a:off x="787864" y="4357237"/>
             <a:ext cx="942065" cy="942065"/>
           </a:xfrm>
           <a:prstGeom prst="rect">
@@ -11606,7 +15244,7 @@
         </p:nvGrpSpPr>
         <p:grpSpPr>
           <a:xfrm>
-            <a:off x="6459247" y="4267134"/>
+            <a:off x="6645134" y="4267134"/>
             <a:ext cx="1015663" cy="1015663"/>
             <a:chOff x="6495124" y="3778015"/>
             <a:chExt cx="914400" cy="914400"/>
@@ -11706,9 +15344,9 @@
         <p:grpSpPr>
           <a:xfrm>
             <a:off x="6577011" y="2469084"/>
-            <a:ext cx="4725588" cy="1015663"/>
+            <a:ext cx="4697001" cy="1015663"/>
             <a:chOff x="5715446" y="2002143"/>
-            <a:chExt cx="4725588" cy="1015663"/>
+            <a:chExt cx="4697001" cy="1015663"/>
           </a:xfrm>
         </p:grpSpPr>
         <p:sp>
@@ -11725,8 +15363,8 @@
           </p:nvSpPr>
           <p:spPr>
             <a:xfrm>
-              <a:off x="6799232" y="2002143"/>
-              <a:ext cx="2252516" cy="1015663"/>
+              <a:off x="7036145" y="2002143"/>
+              <a:ext cx="1830084" cy="1015663"/>
             </a:xfrm>
             <a:prstGeom prst="rect">
               <a:avLst/>
@@ -11739,7 +15377,6 @@
             </a:bodyPr>
             <a:lstStyle/>
             <a:p>
-              <a:pPr algn="r"/>
               <a:r>
                 <a:rPr lang="fr-FR" sz="6000" b="1" dirty="0">
                   <a:solidFill>
@@ -11810,7 +15447,7 @@
           </p:nvSpPr>
           <p:spPr>
             <a:xfrm>
-              <a:off x="9000515" y="2253547"/>
+              <a:off x="8971928" y="2253547"/>
               <a:ext cx="1440519" cy="596661"/>
             </a:xfrm>
             <a:prstGeom prst="rect">
@@ -11925,8 +15562,8 @@
         </p:nvSpPr>
         <p:spPr>
           <a:xfrm>
-            <a:off x="1905064" y="2469085"/>
-            <a:ext cx="2180094" cy="1015663"/>
+            <a:off x="1973493" y="2469085"/>
+            <a:ext cx="1919638" cy="1015663"/>
           </a:xfrm>
           <a:prstGeom prst="rect">
             <a:avLst/>
@@ -11939,7 +15576,6 @@
           </a:bodyPr>
           <a:lstStyle/>
           <a:p>
-            <a:pPr algn="r"/>
             <a:r>
               <a:rPr lang="fr-FR" sz="6000" b="1" dirty="0">
                 <a:solidFill>
@@ -11982,7 +15618,7 @@
           <a:lstStyle/>
           <a:p>
             <a:r>
-              <a:rPr lang="fr-FR">
+              <a:rPr lang="fr-FR" dirty="0">
                 <a:solidFill>
                   <a:schemeClr val="bg1"/>
                 </a:solidFill>
@@ -11992,7 +15628,7 @@
               <a:t>Cloud vs On </a:t>
             </a:r>
             <a:r>
-              <a:rPr lang="fr-FR" err="1">
+              <a:rPr lang="fr-FR" dirty="0" err="1">
                 <a:solidFill>
                   <a:schemeClr val="bg1"/>
                 </a:solidFill>
@@ -12002,7 +15638,7 @@
               <a:t>prem</a:t>
             </a:r>
             <a:r>
-              <a:rPr lang="fr-FR">
+              <a:rPr lang="fr-FR" dirty="0">
                 <a:solidFill>
                   <a:schemeClr val="bg1"/>
                 </a:solidFill>
@@ -12050,6 +15686,123 @@
           </a:prstGeom>
         </p:spPr>
       </p:pic>
+      <p:grpSp>
+        <p:nvGrpSpPr>
+          <p:cNvPr id="29" name="Groupe 28">
+            <a:extLst>
+              <a:ext uri="{FF2B5EF4-FFF2-40B4-BE49-F238E27FC236}">
+                <a16:creationId xmlns:a16="http://schemas.microsoft.com/office/drawing/2014/main" id="{425721C9-DEEE-C34B-A853-A41544A448B8}"/>
+              </a:ext>
+            </a:extLst>
+          </p:cNvPr>
+          <p:cNvGrpSpPr/>
+          <p:nvPr/>
+        </p:nvGrpSpPr>
+        <p:grpSpPr>
+          <a:xfrm>
+            <a:off x="10748513" y="2210502"/>
+            <a:ext cx="1075060" cy="631871"/>
+            <a:chOff x="1911224" y="5283272"/>
+            <a:chExt cx="1075060" cy="631871"/>
+          </a:xfrm>
+        </p:grpSpPr>
+        <p:sp>
+          <p:nvSpPr>
+            <p:cNvPr id="30" name="Ellipse 29">
+              <a:extLst>
+                <a:ext uri="{FF2B5EF4-FFF2-40B4-BE49-F238E27FC236}">
+                  <a16:creationId xmlns:a16="http://schemas.microsoft.com/office/drawing/2014/main" id="{A3193EAE-B003-CB40-B5F2-83DD59C543C4}"/>
+                </a:ext>
+              </a:extLst>
+            </p:cNvPr>
+            <p:cNvSpPr/>
+            <p:nvPr/>
+          </p:nvSpPr>
+          <p:spPr>
+            <a:xfrm>
+              <a:off x="2132817" y="5283272"/>
+              <a:ext cx="631871" cy="631871"/>
+            </a:xfrm>
+            <a:prstGeom prst="ellipse">
+              <a:avLst/>
+            </a:prstGeom>
+            <a:solidFill>
+              <a:schemeClr val="bg1">
+                <a:lumMod val="95000"/>
+              </a:schemeClr>
+            </a:solidFill>
+            <a:ln>
+              <a:noFill/>
+            </a:ln>
+          </p:spPr>
+          <p:style>
+            <a:lnRef idx="2">
+              <a:schemeClr val="accent1">
+                <a:shade val="50000"/>
+              </a:schemeClr>
+            </a:lnRef>
+            <a:fillRef idx="1">
+              <a:schemeClr val="accent1"/>
+            </a:fillRef>
+            <a:effectRef idx="0">
+              <a:schemeClr val="accent1"/>
+            </a:effectRef>
+            <a:fontRef idx="minor">
+              <a:schemeClr val="lt1"/>
+            </a:fontRef>
+          </p:style>
+          <p:txBody>
+            <a:bodyPr rtlCol="0" anchor="ctr"/>
+            <a:lstStyle/>
+            <a:p>
+              <a:pPr algn="ctr"/>
+              <a:endParaRPr lang="fr-FR"/>
+            </a:p>
+          </p:txBody>
+        </p:sp>
+        <p:sp>
+          <p:nvSpPr>
+            <p:cNvPr id="32" name="ZoneTexte 31">
+              <a:extLst>
+                <a:ext uri="{FF2B5EF4-FFF2-40B4-BE49-F238E27FC236}">
+                  <a16:creationId xmlns:a16="http://schemas.microsoft.com/office/drawing/2014/main" id="{1951226D-836B-2846-957E-358E268D8071}"/>
+                </a:ext>
+              </a:extLst>
+            </p:cNvPr>
+            <p:cNvSpPr txBox="1"/>
+            <p:nvPr/>
+          </p:nvSpPr>
+          <p:spPr>
+            <a:xfrm>
+              <a:off x="1911224" y="5428964"/>
+              <a:ext cx="1075060" cy="338554"/>
+            </a:xfrm>
+            <a:prstGeom prst="rect">
+              <a:avLst/>
+            </a:prstGeom>
+            <a:noFill/>
+          </p:spPr>
+          <p:txBody>
+            <a:bodyPr wrap="square" rtlCol="0">
+              <a:spAutoFit/>
+            </a:bodyPr>
+            <a:lstStyle/>
+            <a:p>
+              <a:pPr algn="ctr"/>
+              <a:r>
+                <a:rPr lang="fr-FR" sz="1600" dirty="0">
+                  <a:solidFill>
+                    <a:srgbClr val="402E7D"/>
+                  </a:solidFill>
+                  <a:latin typeface="Calibri" panose="020F0502020204030204" pitchFamily="34" charset="0"/>
+                  <a:cs typeface="Calibri" panose="020F0502020204030204" pitchFamily="34" charset="0"/>
+                </a:rPr>
+                <a:t>_TV%</a:t>
+              </a:r>
+            </a:p>
+          </p:txBody>
+        </p:sp>
+      </p:grpSp>
     </p:spTree>
     <p:extLst>
       <p:ext uri="{BB962C8B-B14F-4D97-AF65-F5344CB8AC3E}">
@@ -12080,178 +15833,6 @@
           <a:chExt cx="0" cy="0"/>
         </a:xfrm>
       </p:grpSpPr>
-      <p:grpSp>
-        <p:nvGrpSpPr>
-          <p:cNvPr id="5" name="Groupe 4">
-            <a:extLst>
-              <a:ext uri="{FF2B5EF4-FFF2-40B4-BE49-F238E27FC236}">
-                <a16:creationId xmlns:a16="http://schemas.microsoft.com/office/drawing/2014/main" id="{4BE736A1-B26B-CE4B-821B-E9A65274BB75}"/>
-              </a:ext>
-            </a:extLst>
-          </p:cNvPr>
-          <p:cNvGrpSpPr/>
-          <p:nvPr/>
-        </p:nvGrpSpPr>
-        <p:grpSpPr>
-          <a:xfrm>
-            <a:off x="7147554" y="3355343"/>
-            <a:ext cx="2773686" cy="1815882"/>
-            <a:chOff x="3422969" y="4503488"/>
-            <a:chExt cx="2773686" cy="1815882"/>
-          </a:xfrm>
-        </p:grpSpPr>
-        <p:sp>
-          <p:nvSpPr>
-            <p:cNvPr id="6" name="ZoneTexte 5">
-              <a:extLst>
-                <a:ext uri="{FF2B5EF4-FFF2-40B4-BE49-F238E27FC236}">
-                  <a16:creationId xmlns:a16="http://schemas.microsoft.com/office/drawing/2014/main" id="{2ECDC42A-4DC0-964F-8A80-1BEC4A014AA5}"/>
-                </a:ext>
-              </a:extLst>
-            </p:cNvPr>
-            <p:cNvSpPr txBox="1"/>
-            <p:nvPr/>
-          </p:nvSpPr>
-          <p:spPr>
-            <a:xfrm>
-              <a:off x="3422969" y="4503488"/>
-              <a:ext cx="2773686" cy="1015663"/>
-            </a:xfrm>
-            <a:prstGeom prst="rect">
-              <a:avLst/>
-            </a:prstGeom>
-            <a:noFill/>
-          </p:spPr>
-          <p:txBody>
-            <a:bodyPr wrap="square" rtlCol="0">
-              <a:spAutoFit/>
-            </a:bodyPr>
-            <a:lstStyle/>
-            <a:p>
-              <a:pPr algn="ctr"/>
-              <a:r>
-                <a:rPr lang="fr-FR" sz="6000" b="1" dirty="0">
-                  <a:solidFill>
-                    <a:srgbClr val="FF822F"/>
-                  </a:solidFill>
-                  <a:latin typeface="Calibri" panose="020F0502020204030204" pitchFamily="34" charset="0"/>
-                  <a:cs typeface="Calibri" panose="020F0502020204030204" pitchFamily="34" charset="0"/>
-                </a:rPr>
-                <a:t>_TIME%</a:t>
-              </a:r>
-            </a:p>
-          </p:txBody>
-        </p:sp>
-        <p:sp>
-          <p:nvSpPr>
-            <p:cNvPr id="7" name="ZoneTexte 6">
-              <a:extLst>
-                <a:ext uri="{FF2B5EF4-FFF2-40B4-BE49-F238E27FC236}">
-                  <a16:creationId xmlns:a16="http://schemas.microsoft.com/office/drawing/2014/main" id="{E0D188A6-BD98-334B-82E5-201E8947783F}"/>
-                </a:ext>
-              </a:extLst>
-            </p:cNvPr>
-            <p:cNvSpPr txBox="1"/>
-            <p:nvPr/>
-          </p:nvSpPr>
-          <p:spPr>
-            <a:xfrm>
-              <a:off x="3665785" y="5519151"/>
-              <a:ext cx="2276878" cy="800219"/>
-            </a:xfrm>
-            <a:prstGeom prst="rect">
-              <a:avLst/>
-            </a:prstGeom>
-            <a:noFill/>
-          </p:spPr>
-          <p:txBody>
-            <a:bodyPr wrap="square" rtlCol="0">
-              <a:spAutoFit/>
-            </a:bodyPr>
-            <a:lstStyle/>
-            <a:p>
-              <a:pPr algn="ctr"/>
-              <a:r>
-                <a:rPr lang="fr-FR" sz="1600" dirty="0">
-                  <a:solidFill>
-                    <a:srgbClr val="FF822F"/>
-                  </a:solidFill>
-                  <a:latin typeface="Calibri" panose="020F0502020204030204" pitchFamily="34" charset="0"/>
-                  <a:cs typeface="Calibri" panose="020F0502020204030204" pitchFamily="34" charset="0"/>
-                </a:rPr>
-                <a:t>Ratio time </a:t>
-              </a:r>
-              <a:r>
-                <a:rPr lang="fr-FR" sz="1600" dirty="0" err="1">
-                  <a:solidFill>
-                    <a:srgbClr val="FF822F"/>
-                  </a:solidFill>
-                  <a:latin typeface="Calibri" panose="020F0502020204030204" pitchFamily="34" charset="0"/>
-                  <a:cs typeface="Calibri" panose="020F0502020204030204" pitchFamily="34" charset="0"/>
-                </a:rPr>
-                <a:t>spent</a:t>
-              </a:r>
-              <a:r>
-                <a:rPr lang="fr-FR" sz="1600" dirty="0">
-                  <a:solidFill>
-                    <a:srgbClr val="FF822F"/>
-                  </a:solidFill>
-                  <a:latin typeface="Calibri" panose="020F0502020204030204" pitchFamily="34" charset="0"/>
-                  <a:cs typeface="Calibri" panose="020F0502020204030204" pitchFamily="34" charset="0"/>
-                </a:rPr>
-                <a:t> RUN/ </a:t>
-              </a:r>
-              <a:r>
-                <a:rPr lang="fr-FR" sz="1600" dirty="0" err="1">
-                  <a:solidFill>
-                    <a:srgbClr val="FF822F"/>
-                  </a:solidFill>
-                  <a:latin typeface="Calibri" panose="020F0502020204030204" pitchFamily="34" charset="0"/>
-                  <a:cs typeface="Calibri" panose="020F0502020204030204" pitchFamily="34" charset="0"/>
-                </a:rPr>
-                <a:t>Projects</a:t>
-              </a:r>
-              <a:r>
-                <a:rPr lang="fr-FR" sz="1600" dirty="0">
-                  <a:solidFill>
-                    <a:srgbClr val="FF822F"/>
-                  </a:solidFill>
-                  <a:latin typeface="Calibri" panose="020F0502020204030204" pitchFamily="34" charset="0"/>
-                  <a:cs typeface="Calibri" panose="020F0502020204030204" pitchFamily="34" charset="0"/>
-                </a:rPr>
-                <a:t>/ </a:t>
-              </a:r>
-              <a:r>
-                <a:rPr lang="fr-FR" sz="1600" dirty="0" err="1">
-                  <a:solidFill>
-                    <a:srgbClr val="FF822F"/>
-                  </a:solidFill>
-                  <a:latin typeface="Calibri" panose="020F0502020204030204" pitchFamily="34" charset="0"/>
-                  <a:cs typeface="Calibri" panose="020F0502020204030204" pitchFamily="34" charset="0"/>
-                </a:rPr>
-                <a:t>SoOne</a:t>
-              </a:r>
-              <a:endParaRPr lang="fr-FR" sz="1600" dirty="0">
-                <a:solidFill>
-                  <a:srgbClr val="FF822F"/>
-                </a:solidFill>
-                <a:latin typeface="Calibri" panose="020F0502020204030204" pitchFamily="34" charset="0"/>
-                <a:cs typeface="Calibri" panose="020F0502020204030204" pitchFamily="34" charset="0"/>
-              </a:endParaRPr>
-            </a:p>
-            <a:p>
-              <a:pPr algn="ctr"/>
-              <a:endParaRPr lang="fr-FR" sz="1400" dirty="0">
-                <a:solidFill>
-                  <a:srgbClr val="FF822F"/>
-                </a:solidFill>
-                <a:latin typeface="Calibri" panose="020F0502020204030204" pitchFamily="34" charset="0"/>
-                <a:cs typeface="Calibri" panose="020F0502020204030204" pitchFamily="34" charset="0"/>
-              </a:endParaRPr>
-            </a:p>
-          </p:txBody>
-        </p:sp>
-      </p:grpSp>
       <p:sp>
         <p:nvSpPr>
           <p:cNvPr id="8" name="ZoneTexte 7">
@@ -12267,7 +15848,7 @@
         <p:spPr>
           <a:xfrm>
             <a:off x="652084" y="514300"/>
-            <a:ext cx="6967916" cy="1015663"/>
+            <a:ext cx="6967916" cy="861774"/>
           </a:xfrm>
           <a:prstGeom prst="rect">
             <a:avLst/>
@@ -12281,7 +15862,7 @@
           <a:lstStyle/>
           <a:p>
             <a:r>
-              <a:rPr lang="fr-FR" sz="6000" b="1" dirty="0">
+              <a:rPr lang="fr-FR" sz="5000" b="1" dirty="0">
                 <a:solidFill>
                   <a:srgbClr val="402E7D"/>
                 </a:solidFill>
@@ -12477,49 +16058,6 @@
           </a:effectLst>
         </p:spPr>
       </p:pic>
-      <p:pic>
-        <p:nvPicPr>
-          <p:cNvPr id="26" name="Graphique 25" descr="Sablier">
-            <a:extLst>
-              <a:ext uri="{FF2B5EF4-FFF2-40B4-BE49-F238E27FC236}">
-                <a16:creationId xmlns:a16="http://schemas.microsoft.com/office/drawing/2014/main" id="{0F7A83C9-5A50-4C76-8C05-7F0DAFF68216}"/>
-              </a:ext>
-            </a:extLst>
-          </p:cNvPr>
-          <p:cNvPicPr>
-            <a:picLocks noChangeAspect="1"/>
-          </p:cNvPicPr>
-          <p:nvPr/>
-        </p:nvPicPr>
-        <p:blipFill>
-          <a:blip r:embed="rId5">
-            <a:extLst>
-              <a:ext uri="{96DAC541-7B7A-43D3-8B79-37D633B846F1}">
-                <asvg:svgBlip xmlns:asvg="http://schemas.microsoft.com/office/drawing/2016/SVG/main" r:embed="rId6"/>
-              </a:ext>
-            </a:extLst>
-          </a:blip>
-          <a:stretch>
-            <a:fillRect/>
-          </a:stretch>
-        </p:blipFill>
-        <p:spPr>
-          <a:xfrm>
-            <a:off x="8182890" y="2514513"/>
-            <a:ext cx="691838" cy="691838"/>
-          </a:xfrm>
-          <a:prstGeom prst="rect">
-            <a:avLst/>
-          </a:prstGeom>
-          <a:effectLst>
-            <a:outerShdw blurRad="50800" dist="50800" dir="5400000" algn="ctr" rotWithShape="0">
-              <a:srgbClr val="231944">
-                <a:alpha val="32000"/>
-              </a:srgbClr>
-            </a:outerShdw>
-          </a:effectLst>
-        </p:spPr>
-      </p:pic>
       <p:sp>
         <p:nvSpPr>
           <p:cNvPr id="16" name="Rectangle 15">
@@ -12639,10 +16177,10 @@
           <p:nvPr/>
         </p:nvPicPr>
         <p:blipFill>
-          <a:blip r:embed="rId7">
+          <a:blip r:embed="rId5">
             <a:extLst>
               <a:ext uri="{96DAC541-7B7A-43D3-8B79-37D633B846F1}">
-                <asvg:svgBlip xmlns:asvg="http://schemas.microsoft.com/office/drawing/2016/SVG/main" r:embed="rId8"/>
+                <asvg:svgBlip xmlns:asvg="http://schemas.microsoft.com/office/drawing/2016/SVG/main" r:embed="rId6"/>
               </a:ext>
             </a:extLst>
           </a:blip>
@@ -12660,6 +16198,34 @@
           </a:prstGeom>
         </p:spPr>
       </p:pic>
+      <p:graphicFrame>
+        <p:nvGraphicFramePr>
+          <p:cNvPr id="4" name="Graphique 3">
+            <a:extLst>
+              <a:ext uri="{FF2B5EF4-FFF2-40B4-BE49-F238E27FC236}">
+                <a16:creationId xmlns:a16="http://schemas.microsoft.com/office/drawing/2014/main" id="{4CA1B392-687C-5A49-A2E2-98899232FBDF}"/>
+              </a:ext>
+            </a:extLst>
+          </p:cNvPr>
+          <p:cNvGraphicFramePr/>
+          <p:nvPr>
+            <p:extLst>
+              <p:ext uri="{D42A27DB-BD31-4B8C-83A1-F6EECF244321}">
+                <p14:modId xmlns:p14="http://schemas.microsoft.com/office/powerpoint/2010/main" val="3397355039"/>
+              </p:ext>
+            </p:extLst>
+          </p:nvPr>
+        </p:nvGraphicFramePr>
+        <p:xfrm>
+          <a:off x="6777919" y="2087227"/>
+          <a:ext cx="3501777" cy="3328969"/>
+        </p:xfrm>
+        <a:graphic>
+          <a:graphicData uri="http://schemas.openxmlformats.org/drawingml/2006/chart">
+            <c:chart xmlns:c="http://schemas.openxmlformats.org/drawingml/2006/chart" xmlns:r="http://schemas.openxmlformats.org/officeDocument/2006/relationships" r:id="rId7"/>
+          </a:graphicData>
+        </a:graphic>
+      </p:graphicFrame>
     </p:spTree>
     <p:extLst>
       <p:ext uri="{BB962C8B-B14F-4D97-AF65-F5344CB8AC3E}">
@@ -12704,7 +16270,7 @@
         </p:nvSpPr>
         <p:spPr>
           <a:xfrm>
-            <a:off x="211319" y="150443"/>
+            <a:off x="211320" y="169559"/>
             <a:ext cx="11769361" cy="6557114"/>
           </a:xfrm>
           <a:prstGeom prst="rect">
@@ -12764,7 +16330,7 @@
         <p:spPr>
           <a:xfrm>
             <a:off x="652084" y="514300"/>
-            <a:ext cx="6140908" cy="1015663"/>
+            <a:ext cx="6140908" cy="861774"/>
           </a:xfrm>
           <a:prstGeom prst="rect">
             <a:avLst/>
@@ -12778,7 +16344,7 @@
           <a:lstStyle/>
           <a:p>
             <a:r>
-              <a:rPr lang="fr-FR" sz="6000" b="1" dirty="0">
+              <a:rPr lang="fr-FR" sz="5000" b="1" dirty="0">
                 <a:solidFill>
                   <a:schemeClr val="bg1"/>
                 </a:solidFill>
@@ -12840,10 +16406,10 @@
         </p:nvGrpSpPr>
         <p:grpSpPr>
           <a:xfrm>
-            <a:off x="1482945" y="2463435"/>
-            <a:ext cx="2331522" cy="2694208"/>
-            <a:chOff x="1482945" y="3100249"/>
-            <a:chExt cx="2331522" cy="2694208"/>
+            <a:off x="652084" y="2463435"/>
+            <a:ext cx="1891666" cy="2533079"/>
+            <a:chOff x="1702873" y="3100249"/>
+            <a:chExt cx="1891666" cy="2533079"/>
           </a:xfrm>
         </p:grpSpPr>
         <p:grpSp>
@@ -12860,10 +16426,10 @@
           </p:nvGrpSpPr>
           <p:grpSpPr>
             <a:xfrm>
-              <a:off x="1482945" y="3100249"/>
-              <a:ext cx="2331522" cy="1222498"/>
-              <a:chOff x="3644051" y="3949398"/>
-              <a:chExt cx="2331522" cy="1222498"/>
+              <a:off x="1702873" y="3100249"/>
+              <a:ext cx="1891666" cy="1160591"/>
+              <a:chOff x="3863979" y="3949398"/>
+              <a:chExt cx="1891666" cy="1160591"/>
             </a:xfrm>
           </p:grpSpPr>
           <p:sp>
@@ -12880,8 +16446,8 @@
             </p:nvSpPr>
             <p:spPr>
               <a:xfrm>
-                <a:off x="3644051" y="3949398"/>
-                <a:ext cx="2331522" cy="1015663"/>
+                <a:off x="3890191" y="3949398"/>
+                <a:ext cx="1839242" cy="707886"/>
               </a:xfrm>
               <a:prstGeom prst="rect">
                 <a:avLst/>
@@ -12896,7 +16462,7 @@
               <a:p>
                 <a:pPr algn="ctr"/>
                 <a:r>
-                  <a:rPr lang="fr-FR" sz="6000" b="1" dirty="0">
+                  <a:rPr lang="fr-FR" sz="4000" b="1" dirty="0">
                     <a:solidFill>
                       <a:schemeClr val="bg1"/>
                     </a:solidFill>
@@ -12922,7 +16488,7 @@
             </p:nvSpPr>
             <p:spPr>
               <a:xfrm>
-                <a:off x="3863978" y="4802564"/>
+                <a:off x="3863979" y="4740657"/>
                 <a:ext cx="1891666" cy="369332"/>
               </a:xfrm>
               <a:prstGeom prst="rect">
@@ -12938,7 +16504,7 @@
               <a:p>
                 <a:pPr algn="ctr"/>
                 <a:r>
-                  <a:rPr lang="fr-FR">
+                  <a:rPr lang="fr-FR" dirty="0">
                     <a:solidFill>
                       <a:schemeClr val="bg1"/>
                     </a:solidFill>
@@ -12979,8 +16545,8 @@
           </p:blipFill>
           <p:spPr>
             <a:xfrm>
-              <a:off x="2066756" y="4529582"/>
-              <a:ext cx="1264875" cy="1264875"/>
+              <a:off x="2059981" y="4455877"/>
+              <a:ext cx="1177451" cy="1177451"/>
             </a:xfrm>
             <a:prstGeom prst="rect">
               <a:avLst/>
@@ -13002,10 +16568,10 @@
         </p:nvGrpSpPr>
         <p:grpSpPr>
           <a:xfrm>
-            <a:off x="6421829" y="2463435"/>
-            <a:ext cx="1788254" cy="2592513"/>
-            <a:chOff x="6421829" y="3100249"/>
-            <a:chExt cx="1788254" cy="2592513"/>
+            <a:off x="5416270" y="2463435"/>
+            <a:ext cx="1508602" cy="2601991"/>
+            <a:chOff x="6561655" y="3100249"/>
+            <a:chExt cx="1508602" cy="2601991"/>
           </a:xfrm>
         </p:grpSpPr>
         <p:grpSp>
@@ -13022,10 +16588,10 @@
           </p:nvGrpSpPr>
           <p:grpSpPr>
             <a:xfrm>
-              <a:off x="6421829" y="3100249"/>
-              <a:ext cx="1788254" cy="1200329"/>
-              <a:chOff x="3915685" y="3949398"/>
-              <a:chExt cx="1788254" cy="1200329"/>
+              <a:off x="6561655" y="3100249"/>
+              <a:ext cx="1508602" cy="1169347"/>
+              <a:chOff x="4055511" y="3949398"/>
+              <a:chExt cx="1508602" cy="1169347"/>
             </a:xfrm>
           </p:grpSpPr>
           <p:sp>
@@ -13042,8 +16608,8 @@
             </p:nvSpPr>
             <p:spPr>
               <a:xfrm>
-                <a:off x="3915685" y="3949398"/>
-                <a:ext cx="1788254" cy="1015663"/>
+                <a:off x="4055511" y="3949398"/>
+                <a:ext cx="1508602" cy="707886"/>
               </a:xfrm>
               <a:prstGeom prst="rect">
                 <a:avLst/>
@@ -13058,7 +16624,7 @@
               <a:p>
                 <a:pPr algn="ctr"/>
                 <a:r>
-                  <a:rPr lang="fr-FR" sz="6000" b="1" dirty="0">
+                  <a:rPr lang="fr-FR" sz="4000" b="1" dirty="0">
                     <a:solidFill>
                       <a:schemeClr val="bg1"/>
                     </a:solidFill>
@@ -13084,7 +16650,7 @@
             </p:nvSpPr>
             <p:spPr>
               <a:xfrm>
-                <a:off x="4112735" y="4780395"/>
+                <a:off x="4055511" y="4749413"/>
                 <a:ext cx="1508602" cy="369332"/>
               </a:xfrm>
               <a:prstGeom prst="rect">
@@ -13100,7 +16666,7 @@
               <a:p>
                 <a:pPr algn="ctr"/>
                 <a:r>
-                  <a:rPr lang="fr-FR" err="1">
+                  <a:rPr lang="fr-FR" dirty="0" err="1">
                     <a:solidFill>
                       <a:schemeClr val="bg1"/>
                     </a:solidFill>
@@ -13109,7 +16675,7 @@
                   </a:rPr>
                   <a:t>Delivered</a:t>
                 </a:r>
-                <a:endParaRPr lang="fr-FR">
+                <a:endParaRPr lang="fr-FR" dirty="0">
                   <a:solidFill>
                     <a:schemeClr val="bg1"/>
                   </a:solidFill>
@@ -13148,7 +16714,7 @@
           </p:blipFill>
           <p:spPr>
             <a:xfrm>
-              <a:off x="6792992" y="4515312"/>
+              <a:off x="6727231" y="4524790"/>
               <a:ext cx="1177450" cy="1177450"/>
             </a:xfrm>
             <a:prstGeom prst="rect">
@@ -13171,10 +16737,10 @@
         </p:nvGrpSpPr>
         <p:grpSpPr>
           <a:xfrm>
-            <a:off x="4019233" y="2463435"/>
-            <a:ext cx="1926196" cy="2606783"/>
-            <a:chOff x="4019233" y="3100249"/>
-            <a:chExt cx="1926196" cy="2606783"/>
+            <a:off x="3166226" y="2463435"/>
+            <a:ext cx="1627568" cy="2533078"/>
+            <a:chOff x="4168547" y="3100249"/>
+            <a:chExt cx="1627568" cy="2533078"/>
           </a:xfrm>
         </p:grpSpPr>
         <p:sp>
@@ -13191,8 +16757,8 @@
           </p:nvSpPr>
           <p:spPr>
             <a:xfrm>
-              <a:off x="4019233" y="3100249"/>
-              <a:ext cx="1926196" cy="1015663"/>
+              <a:off x="4168547" y="3100249"/>
+              <a:ext cx="1627568" cy="707886"/>
             </a:xfrm>
             <a:prstGeom prst="rect">
               <a:avLst/>
@@ -13207,7 +16773,7 @@
             <a:p>
               <a:pPr algn="ctr"/>
               <a:r>
-                <a:rPr lang="fr-FR" sz="6000" b="1" dirty="0">
+                <a:rPr lang="fr-FR" sz="4000" b="1" dirty="0">
                   <a:solidFill>
                     <a:schemeClr val="bg1"/>
                   </a:solidFill>
@@ -13233,7 +16799,7 @@
           </p:nvSpPr>
           <p:spPr>
             <a:xfrm>
-              <a:off x="4171660" y="3953415"/>
+              <a:off x="4228030" y="3895886"/>
               <a:ext cx="1508602" cy="369332"/>
             </a:xfrm>
             <a:prstGeom prst="rect">
@@ -13249,7 +16815,7 @@
             <a:p>
               <a:pPr algn="ctr"/>
               <a:r>
-                <a:rPr lang="fr-FR" err="1">
+                <a:rPr lang="fr-FR" dirty="0" err="1">
                   <a:solidFill>
                     <a:schemeClr val="bg1"/>
                   </a:solidFill>
@@ -13258,7 +16824,7 @@
                 </a:rPr>
                 <a:t>Started</a:t>
               </a:r>
-              <a:endParaRPr lang="fr-FR">
+              <a:endParaRPr lang="fr-FR" dirty="0">
                 <a:solidFill>
                   <a:schemeClr val="bg1"/>
                 </a:solidFill>
@@ -13296,7 +16862,7 @@
           </p:blipFill>
           <p:spPr>
             <a:xfrm>
-              <a:off x="4393605" y="4529582"/>
+              <a:off x="4393606" y="4455877"/>
               <a:ext cx="1177450" cy="1177450"/>
             </a:xfrm>
             <a:prstGeom prst="rect">
@@ -13319,10 +16885,10 @@
         </p:nvGrpSpPr>
         <p:grpSpPr>
           <a:xfrm>
-            <a:off x="8590105" y="2463435"/>
-            <a:ext cx="2118950" cy="2592513"/>
-            <a:chOff x="8590105" y="3100249"/>
-            <a:chExt cx="2118950" cy="2592513"/>
+            <a:off x="7547348" y="2463435"/>
+            <a:ext cx="1671122" cy="2695499"/>
+            <a:chOff x="8814019" y="3100249"/>
+            <a:chExt cx="1671122" cy="2695499"/>
           </a:xfrm>
         </p:grpSpPr>
         <p:grpSp>
@@ -13339,10 +16905,10 @@
           </p:nvGrpSpPr>
           <p:grpSpPr>
             <a:xfrm>
-              <a:off x="8590105" y="3100249"/>
-              <a:ext cx="2118950" cy="1499497"/>
-              <a:chOff x="3750337" y="3949398"/>
-              <a:chExt cx="2118950" cy="1499497"/>
+              <a:off x="8814019" y="3100249"/>
+              <a:ext cx="1671122" cy="1446346"/>
+              <a:chOff x="3974251" y="3949398"/>
+              <a:chExt cx="1671122" cy="1446346"/>
             </a:xfrm>
           </p:grpSpPr>
           <p:sp>
@@ -13359,8 +16925,8 @@
             </p:nvSpPr>
             <p:spPr>
               <a:xfrm>
-                <a:off x="3750337" y="3949398"/>
-                <a:ext cx="2118950" cy="1015663"/>
+                <a:off x="3974251" y="3949398"/>
+                <a:ext cx="1671122" cy="707886"/>
               </a:xfrm>
               <a:prstGeom prst="rect">
                 <a:avLst/>
@@ -13375,7 +16941,7 @@
               <a:p>
                 <a:pPr algn="ctr"/>
                 <a:r>
-                  <a:rPr lang="fr-FR" sz="6000" b="1" dirty="0">
+                  <a:rPr lang="fr-FR" sz="4000" b="1" dirty="0">
                     <a:solidFill>
                       <a:schemeClr val="bg1"/>
                     </a:solidFill>
@@ -13401,7 +16967,7 @@
             </p:nvSpPr>
             <p:spPr>
               <a:xfrm>
-                <a:off x="3978238" y="4802564"/>
+                <a:off x="3974251" y="4749413"/>
                 <a:ext cx="1671122" cy="646331"/>
               </a:xfrm>
               <a:prstGeom prst="rect">
@@ -13495,7 +17061,7 @@
           </p:blipFill>
           <p:spPr>
             <a:xfrm>
-              <a:off x="9192379" y="4515312"/>
+              <a:off x="9060855" y="4618298"/>
               <a:ext cx="1177450" cy="1177450"/>
             </a:xfrm>
             <a:prstGeom prst="rect">
@@ -13545,6 +17111,168 @@
           </a:p>
         </p:txBody>
       </p:sp>
+      <p:grpSp>
+        <p:nvGrpSpPr>
+          <p:cNvPr id="14" name="Groupe 13">
+            <a:extLst>
+              <a:ext uri="{FF2B5EF4-FFF2-40B4-BE49-F238E27FC236}">
+                <a16:creationId xmlns:a16="http://schemas.microsoft.com/office/drawing/2014/main" id="{9696E892-C3C6-A143-ACA1-A3C524902583}"/>
+              </a:ext>
+            </a:extLst>
+          </p:cNvPr>
+          <p:cNvGrpSpPr/>
+          <p:nvPr/>
+        </p:nvGrpSpPr>
+        <p:grpSpPr>
+          <a:xfrm>
+            <a:off x="9840947" y="2463435"/>
+            <a:ext cx="1671122" cy="2563973"/>
+            <a:chOff x="10195476" y="2463435"/>
+            <a:chExt cx="1671122" cy="2563973"/>
+          </a:xfrm>
+        </p:grpSpPr>
+        <p:grpSp>
+          <p:nvGrpSpPr>
+            <p:cNvPr id="31" name="Groupe 30">
+              <a:extLst>
+                <a:ext uri="{FF2B5EF4-FFF2-40B4-BE49-F238E27FC236}">
+                  <a16:creationId xmlns:a16="http://schemas.microsoft.com/office/drawing/2014/main" id="{2E78E876-CBDE-0948-978A-F12ED4F14F3D}"/>
+                </a:ext>
+              </a:extLst>
+            </p:cNvPr>
+            <p:cNvGrpSpPr/>
+            <p:nvPr/>
+          </p:nvGrpSpPr>
+          <p:grpSpPr>
+            <a:xfrm>
+              <a:off x="10195476" y="2463435"/>
+              <a:ext cx="1671122" cy="1446346"/>
+              <a:chOff x="3974251" y="3949398"/>
+              <a:chExt cx="1671122" cy="1446346"/>
+            </a:xfrm>
+          </p:grpSpPr>
+          <p:sp>
+            <p:nvSpPr>
+              <p:cNvPr id="33" name="ZoneTexte 32">
+                <a:extLst>
+                  <a:ext uri="{FF2B5EF4-FFF2-40B4-BE49-F238E27FC236}">
+                    <a16:creationId xmlns:a16="http://schemas.microsoft.com/office/drawing/2014/main" id="{FDD703EB-1E7B-FD48-ABC5-F0C783934D0B}"/>
+                  </a:ext>
+                </a:extLst>
+              </p:cNvPr>
+              <p:cNvSpPr txBox="1"/>
+              <p:nvPr/>
+            </p:nvSpPr>
+            <p:spPr>
+              <a:xfrm>
+                <a:off x="3974251" y="3949398"/>
+                <a:ext cx="1671122" cy="707886"/>
+              </a:xfrm>
+              <a:prstGeom prst="rect">
+                <a:avLst/>
+              </a:prstGeom>
+              <a:noFill/>
+            </p:spPr>
+            <p:txBody>
+              <a:bodyPr wrap="square" rtlCol="0">
+                <a:spAutoFit/>
+              </a:bodyPr>
+              <a:lstStyle/>
+              <a:p>
+                <a:pPr algn="ctr"/>
+                <a:r>
+                  <a:rPr lang="fr-FR" sz="4000" b="1" dirty="0">
+                    <a:solidFill>
+                      <a:schemeClr val="bg1"/>
+                    </a:solidFill>
+                    <a:latin typeface="Calibri" panose="020F0502020204030204" pitchFamily="34" charset="0"/>
+                    <a:cs typeface="Calibri" panose="020F0502020204030204" pitchFamily="34" charset="0"/>
+                  </a:rPr>
+                  <a:t>_PER%</a:t>
+                </a:r>
+              </a:p>
+            </p:txBody>
+          </p:sp>
+          <p:sp>
+            <p:nvSpPr>
+              <p:cNvPr id="34" name="ZoneTexte 33">
+                <a:extLst>
+                  <a:ext uri="{FF2B5EF4-FFF2-40B4-BE49-F238E27FC236}">
+                    <a16:creationId xmlns:a16="http://schemas.microsoft.com/office/drawing/2014/main" id="{A701EE17-1F4E-FF49-BF1D-2E1711A831AA}"/>
+                  </a:ext>
+                </a:extLst>
+              </p:cNvPr>
+              <p:cNvSpPr txBox="1"/>
+              <p:nvPr/>
+            </p:nvSpPr>
+            <p:spPr>
+              <a:xfrm>
+                <a:off x="3974251" y="4749413"/>
+                <a:ext cx="1671122" cy="646331"/>
+              </a:xfrm>
+              <a:prstGeom prst="rect">
+                <a:avLst/>
+              </a:prstGeom>
+              <a:noFill/>
+            </p:spPr>
+            <p:txBody>
+              <a:bodyPr wrap="square" rtlCol="0">
+                <a:spAutoFit/>
+              </a:bodyPr>
+              <a:lstStyle/>
+              <a:p>
+                <a:pPr algn="ctr"/>
+                <a:r>
+                  <a:rPr lang="fr-FR" dirty="0">
+                    <a:solidFill>
+                      <a:schemeClr val="bg1"/>
+                    </a:solidFill>
+                    <a:latin typeface="Calibri" panose="020F0502020204030204" pitchFamily="34" charset="0"/>
+                    <a:cs typeface="Calibri" panose="020F0502020204030204" pitchFamily="34" charset="0"/>
+                  </a:rPr>
+                  <a:t>Project Performance</a:t>
+                </a:r>
+              </a:p>
+            </p:txBody>
+          </p:sp>
+        </p:grpSp>
+        <p:pic>
+          <p:nvPicPr>
+            <p:cNvPr id="8" name="Graphique 7" descr="Trophée">
+              <a:extLst>
+                <a:ext uri="{FF2B5EF4-FFF2-40B4-BE49-F238E27FC236}">
+                  <a16:creationId xmlns:a16="http://schemas.microsoft.com/office/drawing/2014/main" id="{226B3B74-7747-7B4E-97F1-F4B8C15416BD}"/>
+                </a:ext>
+              </a:extLst>
+            </p:cNvPr>
+            <p:cNvPicPr>
+              <a:picLocks noChangeAspect="1"/>
+            </p:cNvPicPr>
+            <p:nvPr/>
+          </p:nvPicPr>
+          <p:blipFill>
+            <a:blip r:embed="rId13">
+              <a:extLst>
+                <a:ext uri="{96DAC541-7B7A-43D3-8B79-37D633B846F1}">
+                  <asvg:svgBlip xmlns:asvg="http://schemas.microsoft.com/office/drawing/2016/SVG/main" r:embed="rId14"/>
+                </a:ext>
+              </a:extLst>
+            </a:blip>
+            <a:stretch>
+              <a:fillRect/>
+            </a:stretch>
+          </p:blipFill>
+          <p:spPr>
+            <a:xfrm>
+              <a:off x="10541996" y="4049325"/>
+              <a:ext cx="978083" cy="978083"/>
+            </a:xfrm>
+            <a:prstGeom prst="rect">
+              <a:avLst/>
+            </a:prstGeom>
+          </p:spPr>
+        </p:pic>
+      </p:grpSp>
     </p:spTree>
     <p:extLst>
       <p:ext uri="{BB962C8B-B14F-4D97-AF65-F5344CB8AC3E}">
@@ -13694,7 +17422,7 @@
         <p:spPr>
           <a:xfrm>
             <a:off x="652084" y="514300"/>
-            <a:ext cx="6764716" cy="1015663"/>
+            <a:ext cx="5200076" cy="861774"/>
           </a:xfrm>
           <a:prstGeom prst="rect">
             <a:avLst/>
@@ -13708,7 +17436,7 @@
           <a:lstStyle/>
           <a:p>
             <a:r>
-              <a:rPr lang="fr-FR" sz="6000" b="1" dirty="0">
+              <a:rPr lang="fr-FR" sz="5000" b="1" dirty="0">
                 <a:solidFill>
                   <a:srgbClr val="402E7D"/>
                 </a:solidFill>
@@ -13978,6 +17706,906 @@
           </a:p>
         </p:txBody>
       </p:sp>
+      <p:sp>
+        <p:nvSpPr>
+          <p:cNvPr id="12" name="ZoneTexte 11">
+            <a:extLst>
+              <a:ext uri="{FF2B5EF4-FFF2-40B4-BE49-F238E27FC236}">
+                <a16:creationId xmlns:a16="http://schemas.microsoft.com/office/drawing/2014/main" id="{05A40477-5BED-BD49-A314-01AD5AFB7C1C}"/>
+              </a:ext>
+            </a:extLst>
+          </p:cNvPr>
+          <p:cNvSpPr txBox="1"/>
+          <p:nvPr/>
+        </p:nvSpPr>
+        <p:spPr>
+          <a:xfrm>
+            <a:off x="8968293" y="781272"/>
+            <a:ext cx="1842802" cy="338554"/>
+          </a:xfrm>
+          <a:prstGeom prst="rect">
+            <a:avLst/>
+          </a:prstGeom>
+          <a:noFill/>
+        </p:spPr>
+        <p:txBody>
+          <a:bodyPr wrap="square" rtlCol="0">
+            <a:spAutoFit/>
+          </a:bodyPr>
+          <a:lstStyle/>
+          <a:p>
+            <a:r>
+              <a:rPr lang="fr-FR" sz="1600" dirty="0">
+                <a:solidFill>
+                  <a:srgbClr val="FF822F"/>
+                </a:solidFill>
+                <a:latin typeface="Calibri" panose="020F0502020204030204" pitchFamily="34" charset="0"/>
+                <a:cs typeface="Calibri" panose="020F0502020204030204" pitchFamily="34" charset="0"/>
+              </a:rPr>
+              <a:t>HR</a:t>
+            </a:r>
+          </a:p>
+        </p:txBody>
+      </p:sp>
+      <p:sp>
+        <p:nvSpPr>
+          <p:cNvPr id="13" name="ZoneTexte 12">
+            <a:extLst>
+              <a:ext uri="{FF2B5EF4-FFF2-40B4-BE49-F238E27FC236}">
+                <a16:creationId xmlns:a16="http://schemas.microsoft.com/office/drawing/2014/main" id="{FEA66EFC-109C-DC41-9503-A826D3382616}"/>
+              </a:ext>
+            </a:extLst>
+          </p:cNvPr>
+          <p:cNvSpPr txBox="1"/>
+          <p:nvPr/>
+        </p:nvSpPr>
+        <p:spPr>
+          <a:xfrm>
+            <a:off x="7573321" y="619689"/>
+            <a:ext cx="1476086" cy="630942"/>
+          </a:xfrm>
+          <a:prstGeom prst="rect">
+            <a:avLst/>
+          </a:prstGeom>
+          <a:noFill/>
+        </p:spPr>
+        <p:txBody>
+          <a:bodyPr wrap="square" rtlCol="0">
+            <a:spAutoFit/>
+          </a:bodyPr>
+          <a:lstStyle/>
+          <a:p>
+            <a:pPr algn="ctr"/>
+            <a:r>
+              <a:rPr lang="fr-FR" sz="3500" dirty="0">
+                <a:solidFill>
+                  <a:srgbClr val="FF822F"/>
+                </a:solidFill>
+                <a:latin typeface="Calibri" panose="020F0502020204030204" pitchFamily="34" charset="0"/>
+                <a:cs typeface="Calibri" panose="020F0502020204030204" pitchFamily="34" charset="0"/>
+              </a:rPr>
+              <a:t>_HR%</a:t>
+            </a:r>
+          </a:p>
+        </p:txBody>
+      </p:sp>
+      <p:sp>
+        <p:nvSpPr>
+          <p:cNvPr id="15" name="ZoneTexte 14">
+            <a:extLst>
+              <a:ext uri="{FF2B5EF4-FFF2-40B4-BE49-F238E27FC236}">
+                <a16:creationId xmlns:a16="http://schemas.microsoft.com/office/drawing/2014/main" id="{FC2544B3-46D0-B445-9E2B-B438B84DED4A}"/>
+              </a:ext>
+            </a:extLst>
+          </p:cNvPr>
+          <p:cNvSpPr txBox="1"/>
+          <p:nvPr/>
+        </p:nvSpPr>
+        <p:spPr>
+          <a:xfrm>
+            <a:off x="8968293" y="1551981"/>
+            <a:ext cx="1842802" cy="338554"/>
+          </a:xfrm>
+          <a:prstGeom prst="rect">
+            <a:avLst/>
+          </a:prstGeom>
+          <a:noFill/>
+        </p:spPr>
+        <p:txBody>
+          <a:bodyPr wrap="square" rtlCol="0">
+            <a:spAutoFit/>
+          </a:bodyPr>
+          <a:lstStyle/>
+          <a:p>
+            <a:r>
+              <a:rPr lang="fr-FR" sz="1600" dirty="0">
+                <a:solidFill>
+                  <a:srgbClr val="FF822F"/>
+                </a:solidFill>
+                <a:latin typeface="Calibri" panose="020F0502020204030204" pitchFamily="34" charset="0"/>
+                <a:cs typeface="Calibri" panose="020F0502020204030204" pitchFamily="34" charset="0"/>
+              </a:rPr>
+              <a:t>Finance</a:t>
+            </a:r>
+          </a:p>
+        </p:txBody>
+      </p:sp>
+      <p:sp>
+        <p:nvSpPr>
+          <p:cNvPr id="16" name="ZoneTexte 15">
+            <a:extLst>
+              <a:ext uri="{FF2B5EF4-FFF2-40B4-BE49-F238E27FC236}">
+                <a16:creationId xmlns:a16="http://schemas.microsoft.com/office/drawing/2014/main" id="{B6878981-3063-AF41-A17B-B1648DA61B6C}"/>
+              </a:ext>
+            </a:extLst>
+          </p:cNvPr>
+          <p:cNvSpPr txBox="1"/>
+          <p:nvPr/>
+        </p:nvSpPr>
+        <p:spPr>
+          <a:xfrm>
+            <a:off x="7573321" y="1390398"/>
+            <a:ext cx="1476086" cy="630942"/>
+          </a:xfrm>
+          <a:prstGeom prst="rect">
+            <a:avLst/>
+          </a:prstGeom>
+          <a:noFill/>
+        </p:spPr>
+        <p:txBody>
+          <a:bodyPr wrap="square" rtlCol="0">
+            <a:spAutoFit/>
+          </a:bodyPr>
+          <a:lstStyle/>
+          <a:p>
+            <a:pPr algn="ctr"/>
+            <a:r>
+              <a:rPr lang="fr-FR" sz="3500" dirty="0">
+                <a:solidFill>
+                  <a:srgbClr val="FF822F"/>
+                </a:solidFill>
+                <a:latin typeface="Calibri" panose="020F0502020204030204" pitchFamily="34" charset="0"/>
+                <a:cs typeface="Calibri" panose="020F0502020204030204" pitchFamily="34" charset="0"/>
+              </a:rPr>
+              <a:t>_FI%</a:t>
+            </a:r>
+          </a:p>
+        </p:txBody>
+      </p:sp>
+      <p:sp>
+        <p:nvSpPr>
+          <p:cNvPr id="17" name="ZoneTexte 16">
+            <a:extLst>
+              <a:ext uri="{FF2B5EF4-FFF2-40B4-BE49-F238E27FC236}">
+                <a16:creationId xmlns:a16="http://schemas.microsoft.com/office/drawing/2014/main" id="{E288C034-8BC0-694C-8E41-62B42FEE7627}"/>
+              </a:ext>
+            </a:extLst>
+          </p:cNvPr>
+          <p:cNvSpPr txBox="1"/>
+          <p:nvPr/>
+        </p:nvSpPr>
+        <p:spPr>
+          <a:xfrm>
+            <a:off x="8968292" y="2358942"/>
+            <a:ext cx="2304954" cy="338554"/>
+          </a:xfrm>
+          <a:prstGeom prst="rect">
+            <a:avLst/>
+          </a:prstGeom>
+          <a:noFill/>
+        </p:spPr>
+        <p:txBody>
+          <a:bodyPr wrap="square" rtlCol="0">
+            <a:spAutoFit/>
+          </a:bodyPr>
+          <a:lstStyle/>
+          <a:p>
+            <a:r>
+              <a:rPr lang="fr-FR" sz="1600" dirty="0" err="1">
+                <a:solidFill>
+                  <a:srgbClr val="FF822F"/>
+                </a:solidFill>
+                <a:latin typeface="Calibri" panose="020F0502020204030204" pitchFamily="34" charset="0"/>
+                <a:cs typeface="Calibri" panose="020F0502020204030204" pitchFamily="34" charset="0"/>
+              </a:rPr>
+              <a:t>Strategy</a:t>
+            </a:r>
+            <a:r>
+              <a:rPr lang="fr-FR" sz="1600" dirty="0">
+                <a:solidFill>
+                  <a:srgbClr val="FF822F"/>
+                </a:solidFill>
+                <a:latin typeface="Calibri" panose="020F0502020204030204" pitchFamily="34" charset="0"/>
+                <a:cs typeface="Calibri" panose="020F0502020204030204" pitchFamily="34" charset="0"/>
+              </a:rPr>
+              <a:t> &amp; Marketing</a:t>
+            </a:r>
+          </a:p>
+        </p:txBody>
+      </p:sp>
+      <p:sp>
+        <p:nvSpPr>
+          <p:cNvPr id="18" name="ZoneTexte 17">
+            <a:extLst>
+              <a:ext uri="{FF2B5EF4-FFF2-40B4-BE49-F238E27FC236}">
+                <a16:creationId xmlns:a16="http://schemas.microsoft.com/office/drawing/2014/main" id="{22DA5704-D0F2-634F-B72A-A63884D0728A}"/>
+              </a:ext>
+            </a:extLst>
+          </p:cNvPr>
+          <p:cNvSpPr txBox="1"/>
+          <p:nvPr/>
+        </p:nvSpPr>
+        <p:spPr>
+          <a:xfrm>
+            <a:off x="7573321" y="2197359"/>
+            <a:ext cx="1476086" cy="630942"/>
+          </a:xfrm>
+          <a:prstGeom prst="rect">
+            <a:avLst/>
+          </a:prstGeom>
+          <a:noFill/>
+        </p:spPr>
+        <p:txBody>
+          <a:bodyPr wrap="square" rtlCol="0">
+            <a:spAutoFit/>
+          </a:bodyPr>
+          <a:lstStyle/>
+          <a:p>
+            <a:pPr algn="ctr"/>
+            <a:r>
+              <a:rPr lang="fr-FR" sz="3500" dirty="0">
+                <a:solidFill>
+                  <a:srgbClr val="FF822F"/>
+                </a:solidFill>
+                <a:latin typeface="Calibri" panose="020F0502020204030204" pitchFamily="34" charset="0"/>
+                <a:cs typeface="Calibri" panose="020F0502020204030204" pitchFamily="34" charset="0"/>
+              </a:rPr>
+              <a:t>_ST%</a:t>
+            </a:r>
+          </a:p>
+        </p:txBody>
+      </p:sp>
+      <p:sp>
+        <p:nvSpPr>
+          <p:cNvPr id="19" name="ZoneTexte 18">
+            <a:extLst>
+              <a:ext uri="{FF2B5EF4-FFF2-40B4-BE49-F238E27FC236}">
+                <a16:creationId xmlns:a16="http://schemas.microsoft.com/office/drawing/2014/main" id="{D4A4AA66-16AA-744C-B10B-EE407844CF9F}"/>
+              </a:ext>
+            </a:extLst>
+          </p:cNvPr>
+          <p:cNvSpPr txBox="1"/>
+          <p:nvPr/>
+        </p:nvSpPr>
+        <p:spPr>
+          <a:xfrm>
+            <a:off x="8968292" y="3157527"/>
+            <a:ext cx="2100425" cy="338554"/>
+          </a:xfrm>
+          <a:prstGeom prst="rect">
+            <a:avLst/>
+          </a:prstGeom>
+          <a:noFill/>
+        </p:spPr>
+        <p:txBody>
+          <a:bodyPr wrap="square" rtlCol="0">
+            <a:spAutoFit/>
+          </a:bodyPr>
+          <a:lstStyle/>
+          <a:p>
+            <a:r>
+              <a:rPr lang="fr-FR" sz="1600" dirty="0">
+                <a:solidFill>
+                  <a:srgbClr val="FF822F"/>
+                </a:solidFill>
+                <a:latin typeface="Calibri" panose="020F0502020204030204" pitchFamily="34" charset="0"/>
+                <a:cs typeface="Calibri" panose="020F0502020204030204" pitchFamily="34" charset="0"/>
+              </a:rPr>
+              <a:t>Product &amp; Services</a:t>
+            </a:r>
+          </a:p>
+        </p:txBody>
+      </p:sp>
+      <p:sp>
+        <p:nvSpPr>
+          <p:cNvPr id="20" name="ZoneTexte 19">
+            <a:extLst>
+              <a:ext uri="{FF2B5EF4-FFF2-40B4-BE49-F238E27FC236}">
+                <a16:creationId xmlns:a16="http://schemas.microsoft.com/office/drawing/2014/main" id="{7D791009-E05C-EC40-8163-44FA3BE3540C}"/>
+              </a:ext>
+            </a:extLst>
+          </p:cNvPr>
+          <p:cNvSpPr txBox="1"/>
+          <p:nvPr/>
+        </p:nvSpPr>
+        <p:spPr>
+          <a:xfrm>
+            <a:off x="7573321" y="2995944"/>
+            <a:ext cx="1476086" cy="630942"/>
+          </a:xfrm>
+          <a:prstGeom prst="rect">
+            <a:avLst/>
+          </a:prstGeom>
+          <a:noFill/>
+        </p:spPr>
+        <p:txBody>
+          <a:bodyPr wrap="square" rtlCol="0">
+            <a:spAutoFit/>
+          </a:bodyPr>
+          <a:lstStyle/>
+          <a:p>
+            <a:pPr algn="ctr"/>
+            <a:r>
+              <a:rPr lang="fr-FR" sz="3500" dirty="0">
+                <a:solidFill>
+                  <a:srgbClr val="FF822F"/>
+                </a:solidFill>
+                <a:latin typeface="Calibri" panose="020F0502020204030204" pitchFamily="34" charset="0"/>
+                <a:cs typeface="Calibri" panose="020F0502020204030204" pitchFamily="34" charset="0"/>
+              </a:rPr>
+              <a:t>_PR%</a:t>
+            </a:r>
+          </a:p>
+        </p:txBody>
+      </p:sp>
+      <p:sp>
+        <p:nvSpPr>
+          <p:cNvPr id="21" name="ZoneTexte 20">
+            <a:extLst>
+              <a:ext uri="{FF2B5EF4-FFF2-40B4-BE49-F238E27FC236}">
+                <a16:creationId xmlns:a16="http://schemas.microsoft.com/office/drawing/2014/main" id="{464BF004-B86F-3943-89F0-5A610B3B926D}"/>
+              </a:ext>
+            </a:extLst>
+          </p:cNvPr>
+          <p:cNvSpPr txBox="1"/>
+          <p:nvPr/>
+        </p:nvSpPr>
+        <p:spPr>
+          <a:xfrm>
+            <a:off x="8968292" y="3938078"/>
+            <a:ext cx="3090915" cy="338554"/>
+          </a:xfrm>
+          <a:prstGeom prst="rect">
+            <a:avLst/>
+          </a:prstGeom>
+          <a:noFill/>
+        </p:spPr>
+        <p:txBody>
+          <a:bodyPr wrap="square" rtlCol="0">
+            <a:spAutoFit/>
+          </a:bodyPr>
+          <a:lstStyle/>
+          <a:p>
+            <a:r>
+              <a:rPr lang="fr-FR" sz="1600" dirty="0">
+                <a:solidFill>
+                  <a:srgbClr val="FF822F"/>
+                </a:solidFill>
+                <a:latin typeface="Calibri" panose="020F0502020204030204" pitchFamily="34" charset="0"/>
+                <a:cs typeface="Calibri" panose="020F0502020204030204" pitchFamily="34" charset="0"/>
+              </a:rPr>
+              <a:t>Engineering &amp; </a:t>
+            </a:r>
+            <a:r>
+              <a:rPr lang="fr-FR" sz="1600" dirty="0" err="1">
+                <a:solidFill>
+                  <a:srgbClr val="FF822F"/>
+                </a:solidFill>
+                <a:latin typeface="Calibri" panose="020F0502020204030204" pitchFamily="34" charset="0"/>
+                <a:cs typeface="Calibri" panose="020F0502020204030204" pitchFamily="34" charset="0"/>
+              </a:rPr>
+              <a:t>Custo</a:t>
+            </a:r>
+            <a:r>
+              <a:rPr lang="fr-FR" sz="1600" dirty="0">
+                <a:solidFill>
+                  <a:srgbClr val="FF822F"/>
+                </a:solidFill>
+                <a:latin typeface="Calibri" panose="020F0502020204030204" pitchFamily="34" charset="0"/>
+                <a:cs typeface="Calibri" panose="020F0502020204030204" pitchFamily="34" charset="0"/>
+              </a:rPr>
+              <a:t> Satisfaction</a:t>
+            </a:r>
+          </a:p>
+        </p:txBody>
+      </p:sp>
+      <p:sp>
+        <p:nvSpPr>
+          <p:cNvPr id="22" name="ZoneTexte 21">
+            <a:extLst>
+              <a:ext uri="{FF2B5EF4-FFF2-40B4-BE49-F238E27FC236}">
+                <a16:creationId xmlns:a16="http://schemas.microsoft.com/office/drawing/2014/main" id="{6ECD743B-A012-9C41-BBE4-59195C181C3F}"/>
+              </a:ext>
+            </a:extLst>
+          </p:cNvPr>
+          <p:cNvSpPr txBox="1"/>
+          <p:nvPr/>
+        </p:nvSpPr>
+        <p:spPr>
+          <a:xfrm>
+            <a:off x="7573321" y="3776495"/>
+            <a:ext cx="1476086" cy="630942"/>
+          </a:xfrm>
+          <a:prstGeom prst="rect">
+            <a:avLst/>
+          </a:prstGeom>
+          <a:noFill/>
+        </p:spPr>
+        <p:txBody>
+          <a:bodyPr wrap="square" rtlCol="0">
+            <a:spAutoFit/>
+          </a:bodyPr>
+          <a:lstStyle/>
+          <a:p>
+            <a:pPr algn="ctr"/>
+            <a:r>
+              <a:rPr lang="fr-FR" sz="3500" dirty="0">
+                <a:solidFill>
+                  <a:srgbClr val="FF822F"/>
+                </a:solidFill>
+                <a:latin typeface="Calibri" panose="020F0502020204030204" pitchFamily="34" charset="0"/>
+                <a:cs typeface="Calibri" panose="020F0502020204030204" pitchFamily="34" charset="0"/>
+              </a:rPr>
+              <a:t>_EN%</a:t>
+            </a:r>
+          </a:p>
+        </p:txBody>
+      </p:sp>
+      <p:sp>
+        <p:nvSpPr>
+          <p:cNvPr id="23" name="ZoneTexte 22">
+            <a:extLst>
+              <a:ext uri="{FF2B5EF4-FFF2-40B4-BE49-F238E27FC236}">
+                <a16:creationId xmlns:a16="http://schemas.microsoft.com/office/drawing/2014/main" id="{BF7FFAEF-85D3-8141-8544-45BB0C1AD800}"/>
+              </a:ext>
+            </a:extLst>
+          </p:cNvPr>
+          <p:cNvSpPr txBox="1"/>
+          <p:nvPr/>
+        </p:nvSpPr>
+        <p:spPr>
+          <a:xfrm>
+            <a:off x="8968292" y="4722327"/>
+            <a:ext cx="3090915" cy="338554"/>
+          </a:xfrm>
+          <a:prstGeom prst="rect">
+            <a:avLst/>
+          </a:prstGeom>
+          <a:noFill/>
+        </p:spPr>
+        <p:txBody>
+          <a:bodyPr wrap="square" rtlCol="0">
+            <a:spAutoFit/>
+          </a:bodyPr>
+          <a:lstStyle/>
+          <a:p>
+            <a:r>
+              <a:rPr lang="fr-FR" sz="1600" dirty="0">
+                <a:solidFill>
+                  <a:srgbClr val="FF822F"/>
+                </a:solidFill>
+                <a:latin typeface="Calibri" panose="020F0502020204030204" pitchFamily="34" charset="0"/>
+                <a:cs typeface="Calibri" panose="020F0502020204030204" pitchFamily="34" charset="0"/>
+              </a:rPr>
+              <a:t>Operations &amp; </a:t>
+            </a:r>
+            <a:r>
+              <a:rPr lang="fr-FR" sz="1600" dirty="0" err="1">
+                <a:solidFill>
+                  <a:srgbClr val="FF822F"/>
+                </a:solidFill>
+                <a:latin typeface="Calibri" panose="020F0502020204030204" pitchFamily="34" charset="0"/>
+                <a:cs typeface="Calibri" panose="020F0502020204030204" pitchFamily="34" charset="0"/>
+              </a:rPr>
+              <a:t>Supply</a:t>
+            </a:r>
+            <a:r>
+              <a:rPr lang="fr-FR" sz="1600" dirty="0">
+                <a:solidFill>
+                  <a:srgbClr val="FF822F"/>
+                </a:solidFill>
+                <a:latin typeface="Calibri" panose="020F0502020204030204" pitchFamily="34" charset="0"/>
+                <a:cs typeface="Calibri" panose="020F0502020204030204" pitchFamily="34" charset="0"/>
+              </a:rPr>
+              <a:t> </a:t>
+            </a:r>
+            <a:r>
+              <a:rPr lang="fr-FR" sz="1600" dirty="0" err="1">
+                <a:solidFill>
+                  <a:srgbClr val="FF822F"/>
+                </a:solidFill>
+                <a:latin typeface="Calibri" panose="020F0502020204030204" pitchFamily="34" charset="0"/>
+                <a:cs typeface="Calibri" panose="020F0502020204030204" pitchFamily="34" charset="0"/>
+              </a:rPr>
+              <a:t>chain</a:t>
+            </a:r>
+            <a:endParaRPr lang="fr-FR" sz="1600" dirty="0">
+              <a:solidFill>
+                <a:srgbClr val="FF822F"/>
+              </a:solidFill>
+              <a:latin typeface="Calibri" panose="020F0502020204030204" pitchFamily="34" charset="0"/>
+              <a:cs typeface="Calibri" panose="020F0502020204030204" pitchFamily="34" charset="0"/>
+            </a:endParaRPr>
+          </a:p>
+        </p:txBody>
+      </p:sp>
+      <p:sp>
+        <p:nvSpPr>
+          <p:cNvPr id="24" name="ZoneTexte 23">
+            <a:extLst>
+              <a:ext uri="{FF2B5EF4-FFF2-40B4-BE49-F238E27FC236}">
+                <a16:creationId xmlns:a16="http://schemas.microsoft.com/office/drawing/2014/main" id="{F11B4C90-F55D-C949-9D87-ABB992DFBB83}"/>
+              </a:ext>
+            </a:extLst>
+          </p:cNvPr>
+          <p:cNvSpPr txBox="1"/>
+          <p:nvPr/>
+        </p:nvSpPr>
+        <p:spPr>
+          <a:xfrm>
+            <a:off x="7573321" y="4560744"/>
+            <a:ext cx="1476086" cy="630942"/>
+          </a:xfrm>
+          <a:prstGeom prst="rect">
+            <a:avLst/>
+          </a:prstGeom>
+          <a:noFill/>
+        </p:spPr>
+        <p:txBody>
+          <a:bodyPr wrap="square" rtlCol="0">
+            <a:spAutoFit/>
+          </a:bodyPr>
+          <a:lstStyle/>
+          <a:p>
+            <a:pPr algn="ctr"/>
+            <a:r>
+              <a:rPr lang="fr-FR" sz="3500" dirty="0">
+                <a:solidFill>
+                  <a:srgbClr val="FF822F"/>
+                </a:solidFill>
+                <a:latin typeface="Calibri" panose="020F0502020204030204" pitchFamily="34" charset="0"/>
+                <a:cs typeface="Calibri" panose="020F0502020204030204" pitchFamily="34" charset="0"/>
+              </a:rPr>
+              <a:t>_OP%</a:t>
+            </a:r>
+          </a:p>
+        </p:txBody>
+      </p:sp>
+      <p:sp>
+        <p:nvSpPr>
+          <p:cNvPr id="25" name="ZoneTexte 24">
+            <a:extLst>
+              <a:ext uri="{FF2B5EF4-FFF2-40B4-BE49-F238E27FC236}">
+                <a16:creationId xmlns:a16="http://schemas.microsoft.com/office/drawing/2014/main" id="{B21C5EBB-8488-A241-AE1D-587164AA2760}"/>
+              </a:ext>
+            </a:extLst>
+          </p:cNvPr>
+          <p:cNvSpPr txBox="1"/>
+          <p:nvPr/>
+        </p:nvSpPr>
+        <p:spPr>
+          <a:xfrm>
+            <a:off x="8968292" y="5540621"/>
+            <a:ext cx="3090915" cy="338554"/>
+          </a:xfrm>
+          <a:prstGeom prst="rect">
+            <a:avLst/>
+          </a:prstGeom>
+          <a:noFill/>
+        </p:spPr>
+        <p:txBody>
+          <a:bodyPr wrap="square" rtlCol="0">
+            <a:spAutoFit/>
+          </a:bodyPr>
+          <a:lstStyle/>
+          <a:p>
+            <a:r>
+              <a:rPr lang="fr-FR" sz="1600" dirty="0">
+                <a:solidFill>
+                  <a:srgbClr val="FF822F"/>
+                </a:solidFill>
+                <a:latin typeface="Calibri" panose="020F0502020204030204" pitchFamily="34" charset="0"/>
+                <a:cs typeface="Calibri" panose="020F0502020204030204" pitchFamily="34" charset="0"/>
+              </a:rPr>
+              <a:t>Sales</a:t>
+            </a:r>
+          </a:p>
+        </p:txBody>
+      </p:sp>
+      <p:sp>
+        <p:nvSpPr>
+          <p:cNvPr id="26" name="ZoneTexte 25">
+            <a:extLst>
+              <a:ext uri="{FF2B5EF4-FFF2-40B4-BE49-F238E27FC236}">
+                <a16:creationId xmlns:a16="http://schemas.microsoft.com/office/drawing/2014/main" id="{42FB7B9A-F680-D640-9DBE-DFC0BBC68F57}"/>
+              </a:ext>
+            </a:extLst>
+          </p:cNvPr>
+          <p:cNvSpPr txBox="1"/>
+          <p:nvPr/>
+        </p:nvSpPr>
+        <p:spPr>
+          <a:xfrm>
+            <a:off x="7573321" y="5379038"/>
+            <a:ext cx="1476086" cy="630942"/>
+          </a:xfrm>
+          <a:prstGeom prst="rect">
+            <a:avLst/>
+          </a:prstGeom>
+          <a:noFill/>
+        </p:spPr>
+        <p:txBody>
+          <a:bodyPr wrap="square" rtlCol="0">
+            <a:spAutoFit/>
+          </a:bodyPr>
+          <a:lstStyle/>
+          <a:p>
+            <a:pPr algn="ctr"/>
+            <a:r>
+              <a:rPr lang="fr-FR" sz="3500" dirty="0">
+                <a:solidFill>
+                  <a:srgbClr val="FF822F"/>
+                </a:solidFill>
+                <a:latin typeface="Calibri" panose="020F0502020204030204" pitchFamily="34" charset="0"/>
+                <a:cs typeface="Calibri" panose="020F0502020204030204" pitchFamily="34" charset="0"/>
+              </a:rPr>
+              <a:t>_SL%</a:t>
+            </a:r>
+          </a:p>
+        </p:txBody>
+      </p:sp>
+      <p:pic>
+        <p:nvPicPr>
+          <p:cNvPr id="6" name="Graphique 5" descr="Public cible">
+            <a:extLst>
+              <a:ext uri="{FF2B5EF4-FFF2-40B4-BE49-F238E27FC236}">
+                <a16:creationId xmlns:a16="http://schemas.microsoft.com/office/drawing/2014/main" id="{D96B5E58-DC4F-AF4F-9881-1A3F90E08442}"/>
+              </a:ext>
+            </a:extLst>
+          </p:cNvPr>
+          <p:cNvPicPr>
+            <a:picLocks noChangeAspect="1"/>
+          </p:cNvPicPr>
+          <p:nvPr/>
+        </p:nvPicPr>
+        <p:blipFill>
+          <a:blip r:embed="rId7">
+            <a:extLst>
+              <a:ext uri="{96DAC541-7B7A-43D3-8B79-37D633B846F1}">
+                <asvg:svgBlip xmlns:asvg="http://schemas.microsoft.com/office/drawing/2016/SVG/main" r:embed="rId8"/>
+              </a:ext>
+            </a:extLst>
+          </a:blip>
+          <a:stretch>
+            <a:fillRect/>
+          </a:stretch>
+        </p:blipFill>
+        <p:spPr>
+          <a:xfrm>
+            <a:off x="7030947" y="721076"/>
+            <a:ext cx="505110" cy="505110"/>
+          </a:xfrm>
+          <a:prstGeom prst="rect">
+            <a:avLst/>
+          </a:prstGeom>
+        </p:spPr>
+      </p:pic>
+      <p:pic>
+        <p:nvPicPr>
+          <p:cNvPr id="27" name="Graphique 26" descr="Tirelire">
+            <a:extLst>
+              <a:ext uri="{FF2B5EF4-FFF2-40B4-BE49-F238E27FC236}">
+                <a16:creationId xmlns:a16="http://schemas.microsoft.com/office/drawing/2014/main" id="{661E7B09-ED15-6048-890B-C53C7D545DDC}"/>
+              </a:ext>
+            </a:extLst>
+          </p:cNvPr>
+          <p:cNvPicPr>
+            <a:picLocks noChangeAspect="1"/>
+          </p:cNvPicPr>
+          <p:nvPr/>
+        </p:nvPicPr>
+        <p:blipFill>
+          <a:blip r:embed="rId9">
+            <a:extLst>
+              <a:ext uri="{96DAC541-7B7A-43D3-8B79-37D633B846F1}">
+                <asvg:svgBlip xmlns:asvg="http://schemas.microsoft.com/office/drawing/2016/SVG/main" r:embed="rId10"/>
+              </a:ext>
+            </a:extLst>
+          </a:blip>
+          <a:stretch>
+            <a:fillRect/>
+          </a:stretch>
+        </p:blipFill>
+        <p:spPr>
+          <a:xfrm>
+            <a:off x="7030947" y="1453314"/>
+            <a:ext cx="505110" cy="505110"/>
+          </a:xfrm>
+          <a:prstGeom prst="rect">
+            <a:avLst/>
+          </a:prstGeom>
+        </p:spPr>
+      </p:pic>
+      <p:pic>
+        <p:nvPicPr>
+          <p:cNvPr id="29" name="Graphique 28" descr="Panier">
+            <a:extLst>
+              <a:ext uri="{FF2B5EF4-FFF2-40B4-BE49-F238E27FC236}">
+                <a16:creationId xmlns:a16="http://schemas.microsoft.com/office/drawing/2014/main" id="{48ED8E50-36D8-BA48-AEFE-C9820C01D409}"/>
+              </a:ext>
+            </a:extLst>
+          </p:cNvPr>
+          <p:cNvPicPr>
+            <a:picLocks noChangeAspect="1"/>
+          </p:cNvPicPr>
+          <p:nvPr/>
+        </p:nvPicPr>
+        <p:blipFill>
+          <a:blip r:embed="rId11">
+            <a:extLst>
+              <a:ext uri="{96DAC541-7B7A-43D3-8B79-37D633B846F1}">
+                <asvg:svgBlip xmlns:asvg="http://schemas.microsoft.com/office/drawing/2016/SVG/main" r:embed="rId12"/>
+              </a:ext>
+            </a:extLst>
+          </a:blip>
+          <a:stretch>
+            <a:fillRect/>
+          </a:stretch>
+        </p:blipFill>
+        <p:spPr>
+          <a:xfrm>
+            <a:off x="6992936" y="5486405"/>
+            <a:ext cx="505110" cy="505110"/>
+          </a:xfrm>
+          <a:prstGeom prst="rect">
+            <a:avLst/>
+          </a:prstGeom>
+        </p:spPr>
+      </p:pic>
+      <p:pic>
+        <p:nvPicPr>
+          <p:cNvPr id="31" name="Graphique 30" descr="Engrenages">
+            <a:extLst>
+              <a:ext uri="{FF2B5EF4-FFF2-40B4-BE49-F238E27FC236}">
+                <a16:creationId xmlns:a16="http://schemas.microsoft.com/office/drawing/2014/main" id="{7288EE1A-B8ED-A647-B7E9-F20369C04C4E}"/>
+              </a:ext>
+            </a:extLst>
+          </p:cNvPr>
+          <p:cNvPicPr>
+            <a:picLocks noChangeAspect="1"/>
+          </p:cNvPicPr>
+          <p:nvPr/>
+        </p:nvPicPr>
+        <p:blipFill>
+          <a:blip r:embed="rId13">
+            <a:extLst>
+              <a:ext uri="{96DAC541-7B7A-43D3-8B79-37D633B846F1}">
+                <asvg:svgBlip xmlns:asvg="http://schemas.microsoft.com/office/drawing/2016/SVG/main" r:embed="rId14"/>
+              </a:ext>
+            </a:extLst>
+          </a:blip>
+          <a:stretch>
+            <a:fillRect/>
+          </a:stretch>
+        </p:blipFill>
+        <p:spPr>
+          <a:xfrm>
+            <a:off x="6956494" y="4647021"/>
+            <a:ext cx="579563" cy="579563"/>
+          </a:xfrm>
+          <a:prstGeom prst="rect">
+            <a:avLst/>
+          </a:prstGeom>
+        </p:spPr>
+      </p:pic>
+      <p:pic>
+        <p:nvPicPr>
+          <p:cNvPr id="33" name="Graphique 32" descr="Ampoule et engrenage">
+            <a:extLst>
+              <a:ext uri="{FF2B5EF4-FFF2-40B4-BE49-F238E27FC236}">
+                <a16:creationId xmlns:a16="http://schemas.microsoft.com/office/drawing/2014/main" id="{0486E2DB-C08A-284F-BB89-60F2237BD633}"/>
+              </a:ext>
+            </a:extLst>
+          </p:cNvPr>
+          <p:cNvPicPr>
+            <a:picLocks noChangeAspect="1"/>
+          </p:cNvPicPr>
+          <p:nvPr/>
+        </p:nvPicPr>
+        <p:blipFill>
+          <a:blip r:embed="rId15">
+            <a:extLst>
+              <a:ext uri="{96DAC541-7B7A-43D3-8B79-37D633B846F1}">
+                <asvg:svgBlip xmlns:asvg="http://schemas.microsoft.com/office/drawing/2016/SVG/main" r:embed="rId16"/>
+              </a:ext>
+            </a:extLst>
+          </a:blip>
+          <a:stretch>
+            <a:fillRect/>
+          </a:stretch>
+        </p:blipFill>
+        <p:spPr>
+          <a:xfrm>
+            <a:off x="6992936" y="2260275"/>
+            <a:ext cx="505110" cy="505110"/>
+          </a:xfrm>
+          <a:prstGeom prst="rect">
+            <a:avLst/>
+          </a:prstGeom>
+        </p:spPr>
+      </p:pic>
+      <p:pic>
+        <p:nvPicPr>
+          <p:cNvPr id="35" name="Graphique 34" descr="Outils">
+            <a:extLst>
+              <a:ext uri="{FF2B5EF4-FFF2-40B4-BE49-F238E27FC236}">
+                <a16:creationId xmlns:a16="http://schemas.microsoft.com/office/drawing/2014/main" id="{A58C2332-6D59-3849-A8AA-A05B18B21269}"/>
+              </a:ext>
+            </a:extLst>
+          </p:cNvPr>
+          <p:cNvPicPr>
+            <a:picLocks noChangeAspect="1"/>
+          </p:cNvPicPr>
+          <p:nvPr/>
+        </p:nvPicPr>
+        <p:blipFill>
+          <a:blip r:embed="rId17">
+            <a:extLst>
+              <a:ext uri="{96DAC541-7B7A-43D3-8B79-37D633B846F1}">
+                <asvg:svgBlip xmlns:asvg="http://schemas.microsoft.com/office/drawing/2016/SVG/main" r:embed="rId18"/>
+              </a:ext>
+            </a:extLst>
+          </a:blip>
+          <a:stretch>
+            <a:fillRect/>
+          </a:stretch>
+        </p:blipFill>
+        <p:spPr>
+          <a:xfrm>
+            <a:off x="6992936" y="3076407"/>
+            <a:ext cx="505110" cy="505110"/>
+          </a:xfrm>
+          <a:prstGeom prst="rect">
+            <a:avLst/>
+          </a:prstGeom>
+        </p:spPr>
+      </p:pic>
+      <p:pic>
+        <p:nvPicPr>
+          <p:cNvPr id="37" name="Graphique 36" descr="Centre d’appels">
+            <a:extLst>
+              <a:ext uri="{FF2B5EF4-FFF2-40B4-BE49-F238E27FC236}">
+                <a16:creationId xmlns:a16="http://schemas.microsoft.com/office/drawing/2014/main" id="{A3D35B23-344B-304D-B952-A58A87250A7F}"/>
+              </a:ext>
+            </a:extLst>
+          </p:cNvPr>
+          <p:cNvPicPr>
+            <a:picLocks noChangeAspect="1"/>
+          </p:cNvPicPr>
+          <p:nvPr/>
+        </p:nvPicPr>
+        <p:blipFill>
+          <a:blip r:embed="rId19">
+            <a:extLst>
+              <a:ext uri="{96DAC541-7B7A-43D3-8B79-37D633B846F1}">
+                <asvg:svgBlip xmlns:asvg="http://schemas.microsoft.com/office/drawing/2016/SVG/main" r:embed="rId20"/>
+              </a:ext>
+            </a:extLst>
+          </a:blip>
+          <a:stretch>
+            <a:fillRect/>
+          </a:stretch>
+        </p:blipFill>
+        <p:spPr>
+          <a:xfrm>
+            <a:off x="6992936" y="3838876"/>
+            <a:ext cx="505110" cy="505110"/>
+          </a:xfrm>
+          <a:prstGeom prst="rect">
+            <a:avLst/>
+          </a:prstGeom>
+        </p:spPr>
+      </p:pic>
     </p:spTree>
     <p:extLst>
       <p:ext uri="{BB962C8B-B14F-4D97-AF65-F5344CB8AC3E}">
@@ -14023,7 +18651,7 @@
         <p:spPr>
           <a:xfrm>
             <a:off x="652084" y="514300"/>
-            <a:ext cx="3937133" cy="1015663"/>
+            <a:ext cx="3937133" cy="861774"/>
           </a:xfrm>
           <a:prstGeom prst="rect">
             <a:avLst/>
@@ -14037,7 +18665,7 @@
           <a:lstStyle/>
           <a:p>
             <a:r>
-              <a:rPr lang="fr-FR" sz="6000" b="1" dirty="0">
+              <a:rPr lang="fr-FR" sz="5000" b="1" dirty="0">
                 <a:solidFill>
                   <a:srgbClr val="402E7D"/>
                 </a:solidFill>
@@ -14612,7 +19240,7 @@
           </p:blipFill>
           <p:spPr>
             <a:xfrm>
-              <a:off x="9625813" y="2749529"/>
+              <a:off x="9494283" y="2749529"/>
               <a:ext cx="973998" cy="973998"/>
             </a:xfrm>
             <a:prstGeom prst="rect">
@@ -14649,7 +19277,7 @@
           </p:blipFill>
           <p:spPr>
             <a:xfrm>
-              <a:off x="9057627" y="2752716"/>
+              <a:off x="8926097" y="2752716"/>
               <a:ext cx="973998" cy="973998"/>
             </a:xfrm>
             <a:prstGeom prst="rect">
@@ -14686,7 +19314,7 @@
           </p:blipFill>
           <p:spPr>
             <a:xfrm>
-              <a:off x="10193999" y="2749529"/>
+              <a:off x="10062469" y="2749529"/>
               <a:ext cx="973998" cy="973998"/>
             </a:xfrm>
             <a:prstGeom prst="rect">
@@ -15495,12 +20123,6 @@
 </file>
 
 <file path=customXml/item1.xml><?xml version="1.0" encoding="utf-8"?>
-<p:properties xmlns:p="http://schemas.microsoft.com/office/2006/metadata/properties" xmlns:xsi="http://www.w3.org/2001/XMLSchema-instance" xmlns:pc="http://schemas.microsoft.com/office/infopath/2007/PartnerControls">
-  <documentManagement/>
-</p:properties>
-</file>
-
-<file path=customXml/item2.xml><?xml version="1.0" encoding="utf-8"?>
 <?mso-contentType ?>
 <FormTemplates xmlns="http://schemas.microsoft.com/sharepoint/v3/contenttype/forms">
   <Display>DocumentLibraryForm</Display>
@@ -15509,9 +20131,9 @@
 </FormTemplates>
 </file>
 
-<file path=customXml/item3.xml><?xml version="1.0" encoding="utf-8"?>
-<ct:contentTypeSchema xmlns:ct="http://schemas.microsoft.com/office/2006/metadata/contentType" xmlns:ma="http://schemas.microsoft.com/office/2006/metadata/properties/metaAttributes" ct:_="" ma:_="" ma:contentTypeName="Document" ma:contentTypeID="0x01010075F2D0CF6FB5C841BA476C3442E439CC" ma:contentTypeVersion="3" ma:contentTypeDescription="Create a new document." ma:contentTypeScope="" ma:versionID="dccef7f3f8f580501bab1a1a1ef748d4">
-  <xsd:schema xmlns:xsd="http://www.w3.org/2001/XMLSchema" xmlns:xs="http://www.w3.org/2001/XMLSchema" xmlns:p="http://schemas.microsoft.com/office/2006/metadata/properties" xmlns:ns2="73d8284b-a534-43fa-a643-57b2bbd33759" targetNamespace="http://schemas.microsoft.com/office/2006/metadata/properties" ma:root="true" ma:fieldsID="597fb8c4d401dc7c9e33718fc7c07019" ns2:_="">
+<file path=customXml/item2.xml><?xml version="1.0" encoding="utf-8"?>
+<ct:contentTypeSchema xmlns:ct="http://schemas.microsoft.com/office/2006/metadata/contentType" xmlns:ma="http://schemas.microsoft.com/office/2006/metadata/properties/metaAttributes" ct:_="" ma:_="" ma:contentTypeName="Document" ma:contentTypeID="0x01010075F2D0CF6FB5C841BA476C3442E439CC" ma:contentTypeVersion="3" ma:contentTypeDescription="Crée un document." ma:contentTypeScope="" ma:versionID="d509a8bc18e83d0da106b7e66c821bad">
+  <xsd:schema xmlns:xsd="http://www.w3.org/2001/XMLSchema" xmlns:xs="http://www.w3.org/2001/XMLSchema" xmlns:p="http://schemas.microsoft.com/office/2006/metadata/properties" xmlns:ns2="73d8284b-a534-43fa-a643-57b2bbd33759" targetNamespace="http://schemas.microsoft.com/office/2006/metadata/properties" ma:root="true" ma:fieldsID="2dfff8e6f6c9f9dea0dd0243f11975ad" ns2:_="">
     <xsd:import namespace="73d8284b-a534-43fa-a643-57b2bbd33759"/>
     <xsd:element name="properties">
       <xsd:complexType>
@@ -15557,8 +20179,8 @@
         <xsd:element ref="dc:creator" minOccurs="0" maxOccurs="1"/>
         <xsd:element ref="dcterms:created" minOccurs="0" maxOccurs="1"/>
         <xsd:element ref="dc:identifier" minOccurs="0" maxOccurs="1"/>
-        <xsd:element name="contentType" minOccurs="0" maxOccurs="1" type="xsd:string" ma:index="0" ma:displayName="Content Type"/>
-        <xsd:element ref="dc:title" minOccurs="0" maxOccurs="1" ma:index="4" ma:displayName="Title"/>
+        <xsd:element name="contentType" minOccurs="0" maxOccurs="1" type="xsd:string" ma:index="0" ma:displayName="Type de contenu"/>
+        <xsd:element ref="dc:title" minOccurs="0" maxOccurs="1" ma:index="4" ma:displayName="Titre"/>
         <xsd:element ref="dc:subject" minOccurs="0" maxOccurs="1"/>
         <xsd:element ref="dc:description" minOccurs="0" maxOccurs="1"/>
         <xsd:element name="keywords" minOccurs="0" maxOccurs="1" type="xsd:string"/>
@@ -15647,23 +20269,13 @@
 </ct:contentTypeSchema>
 </file>
 
-<file path=customXml/itemProps1.xml><?xml version="1.0" encoding="utf-8"?>
-<ds:datastoreItem xmlns:ds="http://schemas.openxmlformats.org/officeDocument/2006/customXml" ds:itemID="{8B7C7207-80B4-4DAA-AECC-B3CE67D5E137}">
-  <ds:schemaRefs>
-    <ds:schemaRef ds:uri="http://purl.org/dc/terms/"/>
-    <ds:schemaRef ds:uri="http://schemas.openxmlformats.org/package/2006/metadata/core-properties"/>
-    <ds:schemaRef ds:uri="73d8284b-a534-43fa-a643-57b2bbd33759"/>
-    <ds:schemaRef ds:uri="http://schemas.microsoft.com/office/2006/documentManagement/types"/>
-    <ds:schemaRef ds:uri="http://schemas.microsoft.com/office/infopath/2007/PartnerControls"/>
-    <ds:schemaRef ds:uri="http://purl.org/dc/elements/1.1/"/>
-    <ds:schemaRef ds:uri="http://schemas.microsoft.com/office/2006/metadata/properties"/>
-    <ds:schemaRef ds:uri="http://www.w3.org/XML/1998/namespace"/>
-    <ds:schemaRef ds:uri="http://purl.org/dc/dcmitype/"/>
-  </ds:schemaRefs>
-</ds:datastoreItem>
+<file path=customXml/item3.xml><?xml version="1.0" encoding="utf-8"?>
+<p:properties xmlns:p="http://schemas.microsoft.com/office/2006/metadata/properties" xmlns:xsi="http://www.w3.org/2001/XMLSchema-instance" xmlns:pc="http://schemas.microsoft.com/office/infopath/2007/PartnerControls">
+  <documentManagement/>
+</p:properties>
 </file>
 
-<file path=customXml/itemProps2.xml><?xml version="1.0" encoding="utf-8"?>
+<file path=customXml/itemProps1.xml><?xml version="1.0" encoding="utf-8"?>
 <ds:datastoreItem xmlns:ds="http://schemas.openxmlformats.org/officeDocument/2006/customXml" ds:itemID="{B09A3C3E-C24D-4627-AE0C-60B7851675C1}">
   <ds:schemaRefs>
     <ds:schemaRef ds:uri="http://schemas.microsoft.com/sharepoint/v3/contenttype/forms"/>
@@ -15671,8 +20283,8 @@
 </ds:datastoreItem>
 </file>
 
-<file path=customXml/itemProps3.xml><?xml version="1.0" encoding="utf-8"?>
-<ds:datastoreItem xmlns:ds="http://schemas.openxmlformats.org/officeDocument/2006/customXml" ds:itemID="{B6873D06-2987-4931-8962-B6D6370ABBC6}">
+<file path=customXml/itemProps2.xml><?xml version="1.0" encoding="utf-8"?>
+<ds:datastoreItem xmlns:ds="http://schemas.openxmlformats.org/officeDocument/2006/customXml" ds:itemID="{3AA0429A-39C4-494A-8EFF-8DD446258D69}">
   <ds:schemaRefs>
     <ds:schemaRef ds:uri="http://schemas.microsoft.com/office/2006/metadata/contentType"/>
     <ds:schemaRef ds:uri="http://schemas.microsoft.com/office/2006/metadata/properties/metaAttributes"/>
@@ -15687,4 +20299,20 @@
     <ds:schemaRef ds:uri="http://schemas.microsoft.com/internal/obd"/>
   </ds:schemaRefs>
 </ds:datastoreItem>
+</file>
+
+<file path=customXml/itemProps3.xml><?xml version="1.0" encoding="utf-8"?>
+<ds:datastoreItem xmlns:ds="http://schemas.openxmlformats.org/officeDocument/2006/customXml" ds:itemID="{8B7C7207-80B4-4DAA-AECC-B3CE67D5E137}">
+  <ds:schemaRefs>
+    <ds:schemaRef ds:uri="http://www.w3.org/XML/1998/namespace"/>
+    <ds:schemaRef ds:uri="73d8284b-a534-43fa-a643-57b2bbd33759"/>
+    <ds:schemaRef ds:uri="http://purl.org/dc/dcmitype/"/>
+    <ds:schemaRef ds:uri="http://purl.org/dc/terms/"/>
+    <ds:schemaRef ds:uri="http://schemas.microsoft.com/office/2006/documentManagement/types"/>
+    <ds:schemaRef ds:uri="http://purl.org/dc/elements/1.1/"/>
+    <ds:schemaRef ds:uri="http://schemas.microsoft.com/office/2006/metadata/properties"/>
+    <ds:schemaRef ds:uri="http://schemas.microsoft.com/office/infopath/2007/PartnerControls"/>
+    <ds:schemaRef ds:uri="http://schemas.openxmlformats.org/package/2006/metadata/core-properties"/>
+  </ds:schemaRefs>
+</ds:datastoreItem>
 </file>